--- a/99.ppt/[Ch4-1. 비동기 서비스 소개] 1-2. 비동기 호출이란 ~ 1-3. Servlet_Reactive.pptx
+++ b/99.ppt/[Ch4-1. 비동기 서비스 소개] 1-2. 비동기 호출이란 ~ 1-3. Servlet_Reactive.pptx
@@ -225,7 +225,7 @@
           <a:p>
             <a:fld id="{9B770909-2C76-4DF9-BB76-4EE283593418}" type="datetimeFigureOut">
               <a:rPr lang="ko-KR" altLang="en-US" smtClean="0"/>
-              <a:t>2023-07-13</a:t>
+              <a:t>2023-07-14</a:t>
             </a:fld>
             <a:endParaRPr lang="ko-KR" altLang="en-US"/>
           </a:p>
@@ -2738,10 +2738,6 @@
           <a:lstStyle/>
           <a:p>
             <a:r>
-              <a:rPr lang="ko-KR" altLang="en-US" dirty="0"/>
-              <a:t>일반적인 </a:t>
-            </a:r>
-            <a:r>
               <a:rPr lang="en-US" altLang="ko-KR" dirty="0"/>
               <a:t>Spring MVC </a:t>
             </a:r>
@@ -2767,28 +2763,16 @@
           </a:p>
           <a:p>
             <a:r>
+              <a:rPr lang="ko-KR" altLang="en-US" dirty="0"/>
+              <a:t>일반적으로 </a:t>
+            </a:r>
+            <a:r>
               <a:rPr lang="en-US" altLang="ko-KR" dirty="0"/>
               <a:t>I/O </a:t>
             </a:r>
             <a:r>
               <a:rPr lang="ko-KR" altLang="en-US" dirty="0"/>
-              <a:t>대기시간이 대부분을 차지하는데</a:t>
-            </a:r>
-            <a:r>
-              <a:rPr lang="en-US" altLang="ko-KR" dirty="0"/>
-              <a:t>, </a:t>
-            </a:r>
-            <a:r>
-              <a:rPr lang="ko-KR" altLang="en-US" dirty="0"/>
-              <a:t>보통 </a:t>
-            </a:r>
-            <a:r>
-              <a:rPr lang="en-US" altLang="ko-KR" dirty="0"/>
-              <a:t>70~80% </a:t>
-            </a:r>
-            <a:r>
-              <a:rPr lang="ko-KR" altLang="en-US" dirty="0"/>
-              <a:t>정도 되는 것 같습니다</a:t>
+              <a:t>대기시간이 대부분을 차지하는데요</a:t>
             </a:r>
             <a:r>
               <a:rPr lang="en-US" altLang="ko-KR" dirty="0"/>
@@ -2801,12 +2785,15 @@
           <a:p>
             <a:r>
               <a:rPr lang="ko-KR" altLang="en-US" dirty="0"/>
-              <a:t>기다리는 것 밖에 하지 않는 이 대기시간이 너무 아깝다는 거죠</a:t>
+              <a:t>기다리는 것 밖에 하지 않는 이 대기시간이 너무 아까운 거죠</a:t>
             </a:r>
             <a:r>
               <a:rPr lang="en-US" altLang="ko-KR" dirty="0"/>
               <a:t>.</a:t>
             </a:r>
+          </a:p>
+          <a:p>
+            <a:endParaRPr lang="en-US" altLang="ko-KR" dirty="0"/>
           </a:p>
           <a:p>
             <a:endParaRPr lang="en-US" altLang="ko-KR" dirty="0"/>
@@ -2943,7 +2930,7 @@
           <a:p>
             <a:r>
               <a:rPr lang="ko-KR" altLang="en-US" dirty="0"/>
-              <a:t>비슷하게 들리지만 다른 개념이거든요</a:t>
+              <a:t>비슷하게 들리지만 다른 개념인데요</a:t>
             </a:r>
             <a:r>
               <a:rPr lang="en-US" altLang="ko-KR" dirty="0"/>
@@ -3015,39 +3002,36 @@
             <a:endParaRPr lang="en-US" altLang="ko-KR" dirty="0"/>
           </a:p>
           <a:p>
-            <a:pPr marL="171450" indent="-171450">
-              <a:buFont typeface="Arial" panose="020B0604020202020204" pitchFamily="34" charset="0"/>
-              <a:buChar char="•"/>
-            </a:pPr>
-            <a:r>
-              <a:rPr lang="en-US" altLang="ko-KR" dirty="0"/>
-              <a:t>Sync / Blocking</a:t>
-            </a:r>
-          </a:p>
-          <a:p>
-            <a:pPr marL="514350" lvl="1" indent="-171450">
-              <a:buFont typeface="Arial" panose="020B0604020202020204" pitchFamily="34" charset="0"/>
-              <a:buChar char="•"/>
-            </a:pPr>
-            <a:r>
-              <a:rPr lang="ko-KR" altLang="en-US" dirty="0"/>
-              <a:t>전화 건다 </a:t>
-            </a:r>
-            <a:r>
-              <a:rPr lang="en-US" altLang="ko-KR" dirty="0"/>
-              <a:t>-&gt; </a:t>
-            </a:r>
-            <a:r>
-              <a:rPr lang="ko-KR" altLang="en-US" dirty="0"/>
-              <a:t>상대방과 대화한다</a:t>
-            </a:r>
-            <a:r>
-              <a:rPr lang="en-US" altLang="ko-KR" dirty="0"/>
-              <a:t>. -&gt; </a:t>
-            </a:r>
-            <a:r>
-              <a:rPr lang="ko-KR" altLang="en-US" dirty="0"/>
-              <a:t>전화 끊고 원래 업무 마무리 한다</a:t>
+            <a:endParaRPr lang="en-US" altLang="ko-KR" dirty="0"/>
+          </a:p>
+          <a:p>
+            <a:r>
+              <a:rPr lang="ko-KR" altLang="en-US" dirty="0"/>
+              <a:t>저희도 </a:t>
+            </a:r>
+            <a:r>
+              <a:rPr lang="en-US" altLang="ko-KR" dirty="0" err="1"/>
+              <a:t>Javascript</a:t>
+            </a:r>
+            <a:r>
+              <a:rPr lang="ko-KR" altLang="en-US" dirty="0"/>
+              <a:t>나 </a:t>
+            </a:r>
+            <a:r>
+              <a:rPr lang="en-US" altLang="ko-KR" dirty="0"/>
+              <a:t>Node.js</a:t>
+            </a:r>
+            <a:r>
+              <a:rPr lang="ko-KR" altLang="en-US" dirty="0"/>
+              <a:t>처럼 </a:t>
+            </a:r>
+            <a:r>
+              <a:rPr lang="en-US" altLang="ko-KR" dirty="0"/>
+              <a:t>Async Non-blocking </a:t>
+            </a:r>
+            <a:r>
+              <a:rPr lang="ko-KR" altLang="en-US" dirty="0"/>
+              <a:t>한 처리를 하고 싶어요</a:t>
             </a:r>
             <a:r>
               <a:rPr lang="en-US" altLang="ko-KR" dirty="0"/>
@@ -3055,215 +3039,20 @@
             </a:r>
           </a:p>
           <a:p>
-            <a:pPr marL="171450" lvl="0" indent="-171450">
-              <a:buFont typeface="Arial" panose="020B0604020202020204" pitchFamily="34" charset="0"/>
-              <a:buChar char="•"/>
-            </a:pPr>
-            <a:r>
-              <a:rPr lang="en-US" altLang="ko-KR" dirty="0"/>
-              <a:t>Sync / Non-Blocking</a:t>
-            </a:r>
-          </a:p>
-          <a:p>
-            <a:pPr marL="514350" lvl="1" indent="-171450">
-              <a:buFont typeface="Arial" panose="020B0604020202020204" pitchFamily="34" charset="0"/>
-              <a:buChar char="•"/>
-            </a:pPr>
-            <a:r>
-              <a:rPr lang="ko-KR" altLang="en-US" dirty="0"/>
-              <a:t>채팅으로 상대방에게 물어본다 </a:t>
-            </a:r>
-            <a:r>
-              <a:rPr lang="en-US" altLang="ko-KR" dirty="0"/>
-              <a:t>-&gt; </a:t>
-            </a:r>
-            <a:r>
-              <a:rPr lang="ko-KR" altLang="en-US" dirty="0"/>
-              <a:t>다른 일 한다 </a:t>
-            </a:r>
-            <a:r>
-              <a:rPr lang="en-US" altLang="ko-KR" dirty="0"/>
-              <a:t>-&gt; </a:t>
-            </a:r>
-            <a:r>
-              <a:rPr lang="ko-KR" altLang="en-US" dirty="0"/>
-              <a:t>상대방이 답변 했나 확인한다 </a:t>
-            </a:r>
-            <a:r>
-              <a:rPr lang="en-US" altLang="ko-KR" dirty="0"/>
-              <a:t>-&gt; </a:t>
-            </a:r>
-            <a:r>
-              <a:rPr lang="ko-KR" altLang="en-US" dirty="0"/>
-              <a:t>다른 일 한다 </a:t>
-            </a:r>
-            <a:r>
-              <a:rPr lang="en-US" altLang="ko-KR" dirty="0"/>
-              <a:t>-&gt; </a:t>
-            </a:r>
-            <a:r>
-              <a:rPr lang="ko-KR" altLang="en-US" dirty="0"/>
-              <a:t>상대방 답변 왔는지 다시 확인한다</a:t>
-            </a:r>
-            <a:r>
-              <a:rPr lang="en-US" altLang="ko-KR" dirty="0"/>
-              <a:t>. </a:t>
-            </a:r>
-            <a:r>
-              <a:rPr lang="ko-KR" altLang="en-US" dirty="0"/>
-              <a:t>답변 받았으면 이어서 질문 계속 이어간다</a:t>
-            </a:r>
-            <a:r>
-              <a:rPr lang="en-US" altLang="ko-KR" dirty="0"/>
-              <a:t>.</a:t>
-            </a:r>
-          </a:p>
-          <a:p>
-            <a:pPr marL="171450" lvl="0" indent="-171450">
-              <a:buFont typeface="Arial" panose="020B0604020202020204" pitchFamily="34" charset="0"/>
-              <a:buChar char="•"/>
-            </a:pPr>
-            <a:r>
-              <a:rPr lang="en-US" altLang="ko-KR" dirty="0"/>
-              <a:t>Async / Blocking</a:t>
-            </a:r>
-          </a:p>
-          <a:p>
-            <a:pPr marL="514350" lvl="1" indent="-171450">
-              <a:buFont typeface="Arial" panose="020B0604020202020204" pitchFamily="34" charset="0"/>
-              <a:buChar char="•"/>
-            </a:pPr>
-            <a:r>
-              <a:rPr lang="ko-KR" altLang="en-US" dirty="0"/>
-              <a:t>이메일로 사장님께 물어본다 </a:t>
-            </a:r>
-            <a:r>
-              <a:rPr lang="en-US" altLang="ko-KR" dirty="0"/>
-              <a:t>-&gt; </a:t>
-            </a:r>
-            <a:r>
-              <a:rPr lang="ko-KR" altLang="en-US" dirty="0"/>
-              <a:t>사장님 답변 초조하게 기다린다 </a:t>
-            </a:r>
-            <a:r>
-              <a:rPr lang="en-US" altLang="ko-KR" dirty="0"/>
-              <a:t>-&gt; </a:t>
-            </a:r>
-            <a:r>
-              <a:rPr lang="ko-KR" altLang="en-US" dirty="0"/>
-              <a:t>사장님 메일 받았다</a:t>
-            </a:r>
-            <a:r>
-              <a:rPr lang="en-US" altLang="ko-KR" dirty="0"/>
-              <a:t>. </a:t>
-            </a:r>
-            <a:r>
-              <a:rPr lang="ko-KR" altLang="en-US" dirty="0"/>
-              <a:t>지시사항대로 움직인다</a:t>
-            </a:r>
-            <a:r>
-              <a:rPr lang="en-US" altLang="ko-KR" dirty="0"/>
-              <a:t>.</a:t>
-            </a:r>
-          </a:p>
-          <a:p>
-            <a:pPr marL="171450" lvl="0" indent="-171450">
-              <a:buFont typeface="Arial" panose="020B0604020202020204" pitchFamily="34" charset="0"/>
-              <a:buChar char="•"/>
-            </a:pPr>
-            <a:r>
-              <a:rPr lang="en-US" altLang="ko-KR" dirty="0"/>
-              <a:t>Async / Non-blocking</a:t>
-            </a:r>
-          </a:p>
-          <a:p>
-            <a:pPr marL="514350" lvl="1" indent="-171450">
-              <a:buFont typeface="Arial" panose="020B0604020202020204" pitchFamily="34" charset="0"/>
-              <a:buChar char="•"/>
-            </a:pPr>
-            <a:r>
-              <a:rPr lang="ko-KR" altLang="en-US" dirty="0"/>
-              <a:t>이메일로 팀장님께 휴가 언제 써도 되는지 물어본다 </a:t>
-            </a:r>
-            <a:r>
-              <a:rPr lang="en-US" altLang="ko-KR" dirty="0"/>
-              <a:t>-&gt; </a:t>
-            </a:r>
-            <a:r>
-              <a:rPr lang="ko-KR" altLang="en-US" dirty="0"/>
-              <a:t>다른 일 한다 </a:t>
-            </a:r>
-            <a:r>
-              <a:rPr lang="en-US" altLang="ko-KR" dirty="0"/>
-              <a:t>-&gt; </a:t>
-            </a:r>
-            <a:r>
-              <a:rPr lang="ko-KR" altLang="en-US" dirty="0"/>
-              <a:t>팀장님한테 휴가 다음 주부터 사용 </a:t>
-            </a:r>
-            <a:r>
-              <a:rPr lang="ko-KR" altLang="en-US" dirty="0" err="1"/>
-              <a:t>가능하다로</a:t>
-            </a:r>
-            <a:r>
-              <a:rPr lang="ko-KR" altLang="en-US" dirty="0"/>
-              <a:t> 연락 받았다</a:t>
-            </a:r>
-            <a:r>
-              <a:rPr lang="en-US" altLang="ko-KR" dirty="0"/>
-              <a:t>. </a:t>
-            </a:r>
-            <a:r>
-              <a:rPr lang="ko-KR" altLang="en-US" dirty="0"/>
-              <a:t>휴가 신청작업에 들어간다</a:t>
-            </a:r>
-            <a:r>
-              <a:rPr lang="en-US" altLang="ko-KR" dirty="0"/>
-              <a:t>.</a:t>
-            </a:r>
-            <a:r>
-              <a:rPr lang="ko-KR" altLang="en-US" dirty="0"/>
-              <a:t> </a:t>
-            </a:r>
             <a:endParaRPr lang="en-US" altLang="ko-KR" dirty="0"/>
           </a:p>
           <a:p>
-            <a:pPr marL="228600" indent="-228600">
-              <a:buAutoNum type="arabicPeriod"/>
-            </a:pPr>
-            <a:endParaRPr lang="en-US" altLang="ko-KR" dirty="0"/>
-          </a:p>
-          <a:p>
-            <a:endParaRPr lang="en-US" altLang="ko-KR" dirty="0"/>
-          </a:p>
-          <a:p>
-            <a:r>
-              <a:rPr lang="ko-KR" altLang="en-US" dirty="0"/>
-              <a:t>저희 최종 목적지는 </a:t>
-            </a:r>
-            <a:r>
-              <a:rPr lang="en-US" altLang="ko-KR" dirty="0"/>
-              <a:t>Async Non-blocking </a:t>
-            </a:r>
-            <a:r>
-              <a:rPr lang="ko-KR" altLang="en-US" dirty="0"/>
-              <a:t>한 처리입니다</a:t>
-            </a:r>
-            <a:r>
-              <a:rPr lang="en-US" altLang="ko-KR" dirty="0"/>
-              <a:t>. </a:t>
-            </a:r>
             <a:r>
               <a:rPr lang="ko-KR" altLang="en-US" dirty="0"/>
               <a:t>간단한 실습을 통해 </a:t>
             </a:r>
             <a:r>
               <a:rPr lang="en-US" altLang="ko-KR" dirty="0"/>
-              <a:t>Sync/Async, Blocking/Non-Blocking</a:t>
-            </a:r>
-            <a:r>
-              <a:rPr lang="ko-KR" altLang="en-US" dirty="0"/>
-              <a:t>이 코드에 각각 어떻게 대응되는지 확인해 보도록 하겠습니다</a:t>
+              <a:t>Sync/Async, Blocking/Non-Blocking </a:t>
+            </a:r>
+            <a:r>
+              <a:rPr lang="ko-KR" altLang="en-US" dirty="0"/>
+              <a:t>개념이 코드에서 어떻게 대응되는지 확인해 보도록 하겠습니다</a:t>
             </a:r>
             <a:r>
               <a:rPr lang="en-US" altLang="ko-KR" dirty="0"/>
@@ -14570,7 +14359,7 @@
             </a:avLst>
           </a:prstGeom>
           <a:noFill/>
-          <a:ln>
+          <a:ln w="28575">
             <a:solidFill>
               <a:srgbClr val="C00000"/>
             </a:solidFill>
@@ -14637,6 +14426,64 @@
               <a:t>https://gngsn.tistory.com/154</a:t>
             </a:r>
             <a:endParaRPr lang="ko-KR" altLang="en-US" sz="1100" dirty="0"/>
+          </a:p>
+        </p:txBody>
+      </p:sp>
+      <p:sp>
+        <p:nvSpPr>
+          <p:cNvPr id="3" name="사각형: 둥근 모서리 2">
+            <a:extLst>
+              <a:ext uri="{FF2B5EF4-FFF2-40B4-BE49-F238E27FC236}">
+                <a16:creationId xmlns:a16="http://schemas.microsoft.com/office/drawing/2014/main" id="{94A67616-2170-5EC1-7B75-9D0C2802A37C}"/>
+              </a:ext>
+            </a:extLst>
+          </p:cNvPr>
+          <p:cNvSpPr/>
+          <p:nvPr/>
+        </p:nvSpPr>
+        <p:spPr>
+          <a:xfrm>
+            <a:off x="2162441" y="1563616"/>
+            <a:ext cx="1983830" cy="1711569"/>
+          </a:xfrm>
+          <a:prstGeom prst="roundRect">
+            <a:avLst>
+              <a:gd name="adj" fmla="val 5536"/>
+            </a:avLst>
+          </a:prstGeom>
+          <a:noFill/>
+          <a:ln w="28575">
+            <a:solidFill>
+              <a:srgbClr val="008000"/>
+            </a:solidFill>
+          </a:ln>
+        </p:spPr>
+        <p:style>
+          <a:lnRef idx="2">
+            <a:schemeClr val="accent1">
+              <a:shade val="15000"/>
+            </a:schemeClr>
+          </a:lnRef>
+          <a:fillRef idx="1">
+            <a:schemeClr val="accent1"/>
+          </a:fillRef>
+          <a:effectRef idx="0">
+            <a:schemeClr val="accent1"/>
+          </a:effectRef>
+          <a:fontRef idx="minor">
+            <a:schemeClr val="lt1"/>
+          </a:fontRef>
+        </p:style>
+        <p:txBody>
+          <a:bodyPr rtlCol="0" anchor="ctr"/>
+          <a:lstStyle/>
+          <a:p>
+            <a:pPr algn="ctr"/>
+            <a:endParaRPr lang="ko-KR" altLang="en-US">
+              <a:solidFill>
+                <a:srgbClr val="008000"/>
+              </a:solidFill>
+            </a:endParaRPr>
           </a:p>
         </p:txBody>
       </p:sp>
@@ -14753,17 +14600,19 @@
             </a:pPr>
             <a:r>
               <a:rPr lang="en-US" altLang="ko-KR" dirty="0"/>
-              <a:t>Blocking / Non-Blocking</a:t>
-            </a:r>
-          </a:p>
-          <a:p>
-            <a:pPr marL="0" indent="0">
+              <a:t>Synchronous Blocking / Non-Blocking</a:t>
+            </a:r>
+          </a:p>
+          <a:p>
+            <a:pPr lvl="1">
               <a:lnSpc>
                 <a:spcPct val="150000"/>
               </a:lnSpc>
-              <a:buNone/>
             </a:pPr>
-            <a:endParaRPr lang="en-US" altLang="ko-KR" dirty="0"/>
+            <a:r>
+              <a:rPr lang="en-US" altLang="ko-KR" dirty="0"/>
+              <a:t>Asynchronous Blocking / Non-Blocking</a:t>
+            </a:r>
           </a:p>
           <a:p>
             <a:pPr marL="0" indent="0">

--- a/99.ppt/[Ch4-1. 비동기 서비스 소개] 1-2. 비동기 호출이란 ~ 1-3. Servlet_Reactive.pptx
+++ b/99.ppt/[Ch4-1. 비동기 서비스 소개] 1-2. 비동기 호출이란 ~ 1-3. Servlet_Reactive.pptx
@@ -225,7 +225,7 @@
           <a:p>
             <a:fld id="{9B770909-2C76-4DF9-BB76-4EE283593418}" type="datetimeFigureOut">
               <a:rPr lang="ko-KR" altLang="en-US" smtClean="0"/>
-              <a:t>2023-07-14</a:t>
+              <a:t>2023-07-13</a:t>
             </a:fld>
             <a:endParaRPr lang="ko-KR" altLang="en-US"/>
           </a:p>
@@ -2738,6 +2738,10 @@
           <a:lstStyle/>
           <a:p>
             <a:r>
+              <a:rPr lang="ko-KR" altLang="en-US" dirty="0"/>
+              <a:t>일반적인 </a:t>
+            </a:r>
+            <a:r>
               <a:rPr lang="en-US" altLang="ko-KR" dirty="0"/>
               <a:t>Spring MVC </a:t>
             </a:r>
@@ -2763,16 +2767,28 @@
           </a:p>
           <a:p>
             <a:r>
-              <a:rPr lang="ko-KR" altLang="en-US" dirty="0"/>
-              <a:t>일반적으로 </a:t>
-            </a:r>
-            <a:r>
               <a:rPr lang="en-US" altLang="ko-KR" dirty="0"/>
               <a:t>I/O </a:t>
             </a:r>
             <a:r>
               <a:rPr lang="ko-KR" altLang="en-US" dirty="0"/>
-              <a:t>대기시간이 대부분을 차지하는데요</a:t>
+              <a:t>대기시간이 대부분을 차지하는데</a:t>
+            </a:r>
+            <a:r>
+              <a:rPr lang="en-US" altLang="ko-KR" dirty="0"/>
+              <a:t>, </a:t>
+            </a:r>
+            <a:r>
+              <a:rPr lang="ko-KR" altLang="en-US" dirty="0"/>
+              <a:t>보통 </a:t>
+            </a:r>
+            <a:r>
+              <a:rPr lang="en-US" altLang="ko-KR" dirty="0"/>
+              <a:t>70~80% </a:t>
+            </a:r>
+            <a:r>
+              <a:rPr lang="ko-KR" altLang="en-US" dirty="0"/>
+              <a:t>정도 되는 것 같습니다</a:t>
             </a:r>
             <a:r>
               <a:rPr lang="en-US" altLang="ko-KR" dirty="0"/>
@@ -2785,15 +2801,12 @@
           <a:p>
             <a:r>
               <a:rPr lang="ko-KR" altLang="en-US" dirty="0"/>
-              <a:t>기다리는 것 밖에 하지 않는 이 대기시간이 너무 아까운 거죠</a:t>
+              <a:t>기다리는 것 밖에 하지 않는 이 대기시간이 너무 아깝다는 거죠</a:t>
             </a:r>
             <a:r>
               <a:rPr lang="en-US" altLang="ko-KR" dirty="0"/>
               <a:t>.</a:t>
             </a:r>
-          </a:p>
-          <a:p>
-            <a:endParaRPr lang="en-US" altLang="ko-KR" dirty="0"/>
           </a:p>
           <a:p>
             <a:endParaRPr lang="en-US" altLang="ko-KR" dirty="0"/>
@@ -2930,7 +2943,7 @@
           <a:p>
             <a:r>
               <a:rPr lang="ko-KR" altLang="en-US" dirty="0"/>
-              <a:t>비슷하게 들리지만 다른 개념인데요</a:t>
+              <a:t>비슷하게 들리지만 다른 개념이거든요</a:t>
             </a:r>
             <a:r>
               <a:rPr lang="en-US" altLang="ko-KR" dirty="0"/>
@@ -3002,28 +3015,231 @@
             <a:endParaRPr lang="en-US" altLang="ko-KR" dirty="0"/>
           </a:p>
           <a:p>
+            <a:pPr marL="171450" indent="-171450">
+              <a:buFont typeface="Arial" panose="020B0604020202020204" pitchFamily="34" charset="0"/>
+              <a:buChar char="•"/>
+            </a:pPr>
+            <a:r>
+              <a:rPr lang="en-US" altLang="ko-KR" dirty="0"/>
+              <a:t>Sync / Blocking</a:t>
+            </a:r>
+          </a:p>
+          <a:p>
+            <a:pPr marL="514350" lvl="1" indent="-171450">
+              <a:buFont typeface="Arial" panose="020B0604020202020204" pitchFamily="34" charset="0"/>
+              <a:buChar char="•"/>
+            </a:pPr>
+            <a:r>
+              <a:rPr lang="ko-KR" altLang="en-US" dirty="0"/>
+              <a:t>전화 건다 </a:t>
+            </a:r>
+            <a:r>
+              <a:rPr lang="en-US" altLang="ko-KR" dirty="0"/>
+              <a:t>-&gt; </a:t>
+            </a:r>
+            <a:r>
+              <a:rPr lang="ko-KR" altLang="en-US" dirty="0"/>
+              <a:t>상대방과 대화한다</a:t>
+            </a:r>
+            <a:r>
+              <a:rPr lang="en-US" altLang="ko-KR" dirty="0"/>
+              <a:t>. -&gt; </a:t>
+            </a:r>
+            <a:r>
+              <a:rPr lang="ko-KR" altLang="en-US" dirty="0"/>
+              <a:t>전화 끊고 원래 업무 마무리 한다</a:t>
+            </a:r>
+            <a:r>
+              <a:rPr lang="en-US" altLang="ko-KR" dirty="0"/>
+              <a:t>.</a:t>
+            </a:r>
+          </a:p>
+          <a:p>
+            <a:pPr marL="171450" lvl="0" indent="-171450">
+              <a:buFont typeface="Arial" panose="020B0604020202020204" pitchFamily="34" charset="0"/>
+              <a:buChar char="•"/>
+            </a:pPr>
+            <a:r>
+              <a:rPr lang="en-US" altLang="ko-KR" dirty="0"/>
+              <a:t>Sync / Non-Blocking</a:t>
+            </a:r>
+          </a:p>
+          <a:p>
+            <a:pPr marL="514350" lvl="1" indent="-171450">
+              <a:buFont typeface="Arial" panose="020B0604020202020204" pitchFamily="34" charset="0"/>
+              <a:buChar char="•"/>
+            </a:pPr>
+            <a:r>
+              <a:rPr lang="ko-KR" altLang="en-US" dirty="0"/>
+              <a:t>채팅으로 상대방에게 물어본다 </a:t>
+            </a:r>
+            <a:r>
+              <a:rPr lang="en-US" altLang="ko-KR" dirty="0"/>
+              <a:t>-&gt; </a:t>
+            </a:r>
+            <a:r>
+              <a:rPr lang="ko-KR" altLang="en-US" dirty="0"/>
+              <a:t>다른 일 한다 </a:t>
+            </a:r>
+            <a:r>
+              <a:rPr lang="en-US" altLang="ko-KR" dirty="0"/>
+              <a:t>-&gt; </a:t>
+            </a:r>
+            <a:r>
+              <a:rPr lang="ko-KR" altLang="en-US" dirty="0"/>
+              <a:t>상대방이 답변 했나 확인한다 </a:t>
+            </a:r>
+            <a:r>
+              <a:rPr lang="en-US" altLang="ko-KR" dirty="0"/>
+              <a:t>-&gt; </a:t>
+            </a:r>
+            <a:r>
+              <a:rPr lang="ko-KR" altLang="en-US" dirty="0"/>
+              <a:t>다른 일 한다 </a:t>
+            </a:r>
+            <a:r>
+              <a:rPr lang="en-US" altLang="ko-KR" dirty="0"/>
+              <a:t>-&gt; </a:t>
+            </a:r>
+            <a:r>
+              <a:rPr lang="ko-KR" altLang="en-US" dirty="0"/>
+              <a:t>상대방 답변 왔는지 다시 확인한다</a:t>
+            </a:r>
+            <a:r>
+              <a:rPr lang="en-US" altLang="ko-KR" dirty="0"/>
+              <a:t>. </a:t>
+            </a:r>
+            <a:r>
+              <a:rPr lang="ko-KR" altLang="en-US" dirty="0"/>
+              <a:t>답변 받았으면 이어서 질문 계속 이어간다</a:t>
+            </a:r>
+            <a:r>
+              <a:rPr lang="en-US" altLang="ko-KR" dirty="0"/>
+              <a:t>.</a:t>
+            </a:r>
+          </a:p>
+          <a:p>
+            <a:pPr marL="171450" lvl="0" indent="-171450">
+              <a:buFont typeface="Arial" panose="020B0604020202020204" pitchFamily="34" charset="0"/>
+              <a:buChar char="•"/>
+            </a:pPr>
+            <a:r>
+              <a:rPr lang="en-US" altLang="ko-KR" dirty="0"/>
+              <a:t>Async / Blocking</a:t>
+            </a:r>
+          </a:p>
+          <a:p>
+            <a:pPr marL="514350" lvl="1" indent="-171450">
+              <a:buFont typeface="Arial" panose="020B0604020202020204" pitchFamily="34" charset="0"/>
+              <a:buChar char="•"/>
+            </a:pPr>
+            <a:r>
+              <a:rPr lang="ko-KR" altLang="en-US" dirty="0"/>
+              <a:t>이메일로 사장님께 물어본다 </a:t>
+            </a:r>
+            <a:r>
+              <a:rPr lang="en-US" altLang="ko-KR" dirty="0"/>
+              <a:t>-&gt; </a:t>
+            </a:r>
+            <a:r>
+              <a:rPr lang="ko-KR" altLang="en-US" dirty="0"/>
+              <a:t>사장님 답변 초조하게 기다린다 </a:t>
+            </a:r>
+            <a:r>
+              <a:rPr lang="en-US" altLang="ko-KR" dirty="0"/>
+              <a:t>-&gt; </a:t>
+            </a:r>
+            <a:r>
+              <a:rPr lang="ko-KR" altLang="en-US" dirty="0"/>
+              <a:t>사장님 메일 받았다</a:t>
+            </a:r>
+            <a:r>
+              <a:rPr lang="en-US" altLang="ko-KR" dirty="0"/>
+              <a:t>. </a:t>
+            </a:r>
+            <a:r>
+              <a:rPr lang="ko-KR" altLang="en-US" dirty="0"/>
+              <a:t>지시사항대로 움직인다</a:t>
+            </a:r>
+            <a:r>
+              <a:rPr lang="en-US" altLang="ko-KR" dirty="0"/>
+              <a:t>.</a:t>
+            </a:r>
+          </a:p>
+          <a:p>
+            <a:pPr marL="171450" lvl="0" indent="-171450">
+              <a:buFont typeface="Arial" panose="020B0604020202020204" pitchFamily="34" charset="0"/>
+              <a:buChar char="•"/>
+            </a:pPr>
+            <a:r>
+              <a:rPr lang="en-US" altLang="ko-KR" dirty="0"/>
+              <a:t>Async / Non-blocking</a:t>
+            </a:r>
+          </a:p>
+          <a:p>
+            <a:pPr marL="514350" lvl="1" indent="-171450">
+              <a:buFont typeface="Arial" panose="020B0604020202020204" pitchFamily="34" charset="0"/>
+              <a:buChar char="•"/>
+            </a:pPr>
+            <a:r>
+              <a:rPr lang="ko-KR" altLang="en-US" dirty="0"/>
+              <a:t>이메일로 팀장님께 휴가 언제 써도 되는지 물어본다 </a:t>
+            </a:r>
+            <a:r>
+              <a:rPr lang="en-US" altLang="ko-KR" dirty="0"/>
+              <a:t>-&gt; </a:t>
+            </a:r>
+            <a:r>
+              <a:rPr lang="ko-KR" altLang="en-US" dirty="0"/>
+              <a:t>다른 일 한다 </a:t>
+            </a:r>
+            <a:r>
+              <a:rPr lang="en-US" altLang="ko-KR" dirty="0"/>
+              <a:t>-&gt; </a:t>
+            </a:r>
+            <a:r>
+              <a:rPr lang="ko-KR" altLang="en-US" dirty="0"/>
+              <a:t>팀장님한테 휴가 다음 주부터 사용 </a:t>
+            </a:r>
+            <a:r>
+              <a:rPr lang="ko-KR" altLang="en-US" dirty="0" err="1"/>
+              <a:t>가능하다로</a:t>
+            </a:r>
+            <a:r>
+              <a:rPr lang="ko-KR" altLang="en-US" dirty="0"/>
+              <a:t> 연락 받았다</a:t>
+            </a:r>
+            <a:r>
+              <a:rPr lang="en-US" altLang="ko-KR" dirty="0"/>
+              <a:t>. </a:t>
+            </a:r>
+            <a:r>
+              <a:rPr lang="ko-KR" altLang="en-US" dirty="0"/>
+              <a:t>휴가 신청작업에 들어간다</a:t>
+            </a:r>
+            <a:r>
+              <a:rPr lang="en-US" altLang="ko-KR" dirty="0"/>
+              <a:t>.</a:t>
+            </a:r>
+            <a:r>
+              <a:rPr lang="ko-KR" altLang="en-US" dirty="0"/>
+              <a:t> </a:t>
+            </a:r>
             <a:endParaRPr lang="en-US" altLang="ko-KR" dirty="0"/>
           </a:p>
           <a:p>
-            <a:r>
-              <a:rPr lang="ko-KR" altLang="en-US" dirty="0"/>
-              <a:t>저희도 </a:t>
-            </a:r>
-            <a:r>
-              <a:rPr lang="en-US" altLang="ko-KR" dirty="0" err="1"/>
-              <a:t>Javascript</a:t>
-            </a:r>
-            <a:r>
-              <a:rPr lang="ko-KR" altLang="en-US" dirty="0"/>
-              <a:t>나 </a:t>
-            </a:r>
-            <a:r>
-              <a:rPr lang="en-US" altLang="ko-KR" dirty="0"/>
-              <a:t>Node.js</a:t>
-            </a:r>
-            <a:r>
-              <a:rPr lang="ko-KR" altLang="en-US" dirty="0"/>
-              <a:t>처럼 </a:t>
+            <a:pPr marL="228600" indent="-228600">
+              <a:buAutoNum type="arabicPeriod"/>
+            </a:pPr>
+            <a:endParaRPr lang="en-US" altLang="ko-KR" dirty="0"/>
+          </a:p>
+          <a:p>
+            <a:endParaRPr lang="en-US" altLang="ko-KR" dirty="0"/>
+          </a:p>
+          <a:p>
+            <a:r>
+              <a:rPr lang="ko-KR" altLang="en-US" dirty="0"/>
+              <a:t>저희 최종 목적지는 </a:t>
             </a:r>
             <a:r>
               <a:rPr lang="en-US" altLang="ko-KR" dirty="0"/>
@@ -3031,28 +3247,23 @@
             </a:r>
             <a:r>
               <a:rPr lang="ko-KR" altLang="en-US" dirty="0"/>
-              <a:t>한 처리를 하고 싶어요</a:t>
-            </a:r>
-            <a:r>
-              <a:rPr lang="en-US" altLang="ko-KR" dirty="0"/>
-              <a:t>.</a:t>
-            </a:r>
-          </a:p>
-          <a:p>
-            <a:endParaRPr lang="en-US" altLang="ko-KR" dirty="0"/>
-          </a:p>
-          <a:p>
+              <a:t>한 처리입니다</a:t>
+            </a:r>
+            <a:r>
+              <a:rPr lang="en-US" altLang="ko-KR" dirty="0"/>
+              <a:t>. </a:t>
+            </a:r>
             <a:r>
               <a:rPr lang="ko-KR" altLang="en-US" dirty="0"/>
               <a:t>간단한 실습을 통해 </a:t>
             </a:r>
             <a:r>
               <a:rPr lang="en-US" altLang="ko-KR" dirty="0"/>
-              <a:t>Sync/Async, Blocking/Non-Blocking </a:t>
-            </a:r>
-            <a:r>
-              <a:rPr lang="ko-KR" altLang="en-US" dirty="0"/>
-              <a:t>개념이 코드에서 어떻게 대응되는지 확인해 보도록 하겠습니다</a:t>
+              <a:t>Sync/Async, Blocking/Non-Blocking</a:t>
+            </a:r>
+            <a:r>
+              <a:rPr lang="ko-KR" altLang="en-US" dirty="0"/>
+              <a:t>이 코드에 각각 어떻게 대응되는지 확인해 보도록 하겠습니다</a:t>
             </a:r>
             <a:r>
               <a:rPr lang="en-US" altLang="ko-KR" dirty="0"/>
@@ -14359,7 +14570,7 @@
             </a:avLst>
           </a:prstGeom>
           <a:noFill/>
-          <a:ln w="28575">
+          <a:ln>
             <a:solidFill>
               <a:srgbClr val="C00000"/>
             </a:solidFill>
@@ -14426,64 +14637,6 @@
               <a:t>https://gngsn.tistory.com/154</a:t>
             </a:r>
             <a:endParaRPr lang="ko-KR" altLang="en-US" sz="1100" dirty="0"/>
-          </a:p>
-        </p:txBody>
-      </p:sp>
-      <p:sp>
-        <p:nvSpPr>
-          <p:cNvPr id="3" name="사각형: 둥근 모서리 2">
-            <a:extLst>
-              <a:ext uri="{FF2B5EF4-FFF2-40B4-BE49-F238E27FC236}">
-                <a16:creationId xmlns:a16="http://schemas.microsoft.com/office/drawing/2014/main" id="{94A67616-2170-5EC1-7B75-9D0C2802A37C}"/>
-              </a:ext>
-            </a:extLst>
-          </p:cNvPr>
-          <p:cNvSpPr/>
-          <p:nvPr/>
-        </p:nvSpPr>
-        <p:spPr>
-          <a:xfrm>
-            <a:off x="2162441" y="1563616"/>
-            <a:ext cx="1983830" cy="1711569"/>
-          </a:xfrm>
-          <a:prstGeom prst="roundRect">
-            <a:avLst>
-              <a:gd name="adj" fmla="val 5536"/>
-            </a:avLst>
-          </a:prstGeom>
-          <a:noFill/>
-          <a:ln w="28575">
-            <a:solidFill>
-              <a:srgbClr val="008000"/>
-            </a:solidFill>
-          </a:ln>
-        </p:spPr>
-        <p:style>
-          <a:lnRef idx="2">
-            <a:schemeClr val="accent1">
-              <a:shade val="15000"/>
-            </a:schemeClr>
-          </a:lnRef>
-          <a:fillRef idx="1">
-            <a:schemeClr val="accent1"/>
-          </a:fillRef>
-          <a:effectRef idx="0">
-            <a:schemeClr val="accent1"/>
-          </a:effectRef>
-          <a:fontRef idx="minor">
-            <a:schemeClr val="lt1"/>
-          </a:fontRef>
-        </p:style>
-        <p:txBody>
-          <a:bodyPr rtlCol="0" anchor="ctr"/>
-          <a:lstStyle/>
-          <a:p>
-            <a:pPr algn="ctr"/>
-            <a:endParaRPr lang="ko-KR" altLang="en-US">
-              <a:solidFill>
-                <a:srgbClr val="008000"/>
-              </a:solidFill>
-            </a:endParaRPr>
           </a:p>
         </p:txBody>
       </p:sp>
@@ -14600,19 +14753,17 @@
             </a:pPr>
             <a:r>
               <a:rPr lang="en-US" altLang="ko-KR" dirty="0"/>
-              <a:t>Synchronous Blocking / Non-Blocking</a:t>
-            </a:r>
-          </a:p>
-          <a:p>
-            <a:pPr lvl="1">
+              <a:t>Blocking / Non-Blocking</a:t>
+            </a:r>
+          </a:p>
+          <a:p>
+            <a:pPr marL="0" indent="0">
               <a:lnSpc>
                 <a:spcPct val="150000"/>
               </a:lnSpc>
+              <a:buNone/>
             </a:pPr>
-            <a:r>
-              <a:rPr lang="en-US" altLang="ko-KR" dirty="0"/>
-              <a:t>Asynchronous Blocking / Non-Blocking</a:t>
-            </a:r>
+            <a:endParaRPr lang="en-US" altLang="ko-KR" dirty="0"/>
           </a:p>
           <a:p>
             <a:pPr marL="0" indent="0">

--- a/99.ppt/[Ch4-1. 비동기 서비스 소개] 1-2. 비동기 호출이란 ~ 1-3. Servlet_Reactive.pptx
+++ b/99.ppt/[Ch4-1. 비동기 서비스 소개] 1-2. 비동기 호출이란 ~ 1-3. Servlet_Reactive.pptx
@@ -228,7 +228,7 @@
           <a:p>
             <a:fld id="{9B770909-2C76-4DF9-BB76-4EE283593418}" type="datetimeFigureOut">
               <a:rPr lang="ko-KR" altLang="en-US" smtClean="0"/>
-              <a:t>2023-07-17</a:t>
+              <a:t>2023-07-18</a:t>
             </a:fld>
             <a:endParaRPr lang="ko-KR" altLang="en-US"/>
           </a:p>
@@ -1129,356 +1129,6 @@
             <a:endParaRPr lang="en-US" altLang="ko-KR" dirty="0"/>
           </a:p>
           <a:p>
-            <a:r>
-              <a:rPr lang="ko-KR" altLang="en-US" dirty="0"/>
-              <a:t>네트워크 지연 등으로 </a:t>
-            </a:r>
-            <a:r>
-              <a:rPr lang="en-US" altLang="ko-KR" dirty="0"/>
-              <a:t>I/O blocking</a:t>
-            </a:r>
-            <a:r>
-              <a:rPr lang="ko-KR" altLang="en-US" dirty="0"/>
-              <a:t>이 발생하면</a:t>
-            </a:r>
-            <a:r>
-              <a:rPr lang="en-US" altLang="ko-KR" dirty="0"/>
-              <a:t>, thread</a:t>
-            </a:r>
-            <a:r>
-              <a:rPr lang="ko-KR" altLang="en-US" dirty="0"/>
-              <a:t>는 </a:t>
-            </a:r>
-            <a:r>
-              <a:rPr lang="en-US" altLang="ko-KR" dirty="0"/>
-              <a:t>wait </a:t>
-            </a:r>
-            <a:r>
-              <a:rPr lang="ko-KR" altLang="en-US" dirty="0"/>
-              <a:t>상태로 바뀌고</a:t>
-            </a:r>
-            <a:r>
-              <a:rPr lang="en-US" altLang="ko-KR" dirty="0"/>
-              <a:t>, </a:t>
-            </a:r>
-            <a:r>
-              <a:rPr lang="ko-KR" altLang="en-US" dirty="0"/>
-              <a:t>다른 </a:t>
-            </a:r>
-            <a:r>
-              <a:rPr lang="en-US" altLang="ko-KR" dirty="0"/>
-              <a:t>thread</a:t>
-            </a:r>
-            <a:r>
-              <a:rPr lang="ko-KR" altLang="en-US" dirty="0"/>
-              <a:t>가 </a:t>
-            </a:r>
-            <a:r>
-              <a:rPr lang="en-US" altLang="ko-KR" dirty="0"/>
-              <a:t>core</a:t>
-            </a:r>
-            <a:r>
-              <a:rPr lang="ko-KR" altLang="en-US" dirty="0"/>
-              <a:t>를 사용할 수 있도록 자리를 양보합니다</a:t>
-            </a:r>
-            <a:r>
-              <a:rPr lang="en-US" altLang="ko-KR" dirty="0"/>
-              <a:t>.</a:t>
-            </a:r>
-          </a:p>
-          <a:p>
-            <a:r>
-              <a:rPr lang="ko-KR" altLang="en-US" dirty="0"/>
-              <a:t>소켓에 신호가 들어오면 </a:t>
-            </a:r>
-            <a:r>
-              <a:rPr lang="en-US" altLang="ko-KR" dirty="0"/>
-              <a:t>OS</a:t>
-            </a:r>
-            <a:r>
-              <a:rPr lang="ko-KR" altLang="en-US" dirty="0"/>
-              <a:t>는 잠자던 </a:t>
-            </a:r>
-            <a:r>
-              <a:rPr lang="en-US" altLang="ko-KR" dirty="0"/>
-              <a:t>thread</a:t>
-            </a:r>
-            <a:r>
-              <a:rPr lang="ko-KR" altLang="en-US" dirty="0"/>
-              <a:t>를 깨워 </a:t>
-            </a:r>
-            <a:r>
-              <a:rPr lang="en-US" altLang="ko-KR" dirty="0"/>
-              <a:t>runnable </a:t>
-            </a:r>
-            <a:r>
-              <a:rPr lang="ko-KR" altLang="en-US" dirty="0"/>
-              <a:t>상태로 변경합니다</a:t>
-            </a:r>
-            <a:r>
-              <a:rPr lang="en-US" altLang="ko-KR" dirty="0"/>
-              <a:t>. </a:t>
-            </a:r>
-            <a:r>
-              <a:rPr lang="ko-KR" altLang="en-US" dirty="0"/>
-              <a:t>그리고 </a:t>
-            </a:r>
-            <a:r>
-              <a:rPr lang="en-US" altLang="ko-KR" dirty="0"/>
-              <a:t>idle </a:t>
-            </a:r>
-            <a:r>
-              <a:rPr lang="ko-KR" altLang="en-US" dirty="0"/>
-              <a:t>상태인 </a:t>
-            </a:r>
-            <a:r>
-              <a:rPr lang="en-US" altLang="ko-KR" dirty="0"/>
-              <a:t>core</a:t>
-            </a:r>
-            <a:r>
-              <a:rPr lang="ko-KR" altLang="en-US" dirty="0"/>
-              <a:t>가 나타나면 그 곳에서 </a:t>
-            </a:r>
-            <a:r>
-              <a:rPr lang="en-US" altLang="ko-KR" dirty="0"/>
-              <a:t>thread </a:t>
-            </a:r>
-            <a:r>
-              <a:rPr lang="ko-KR" altLang="en-US" dirty="0"/>
-              <a:t>실행이 재개됩니다</a:t>
-            </a:r>
-            <a:r>
-              <a:rPr lang="en-US" altLang="ko-KR" dirty="0"/>
-              <a:t>.</a:t>
-            </a:r>
-          </a:p>
-          <a:p>
-            <a:endParaRPr lang="en-US" altLang="ko-KR" dirty="0"/>
-          </a:p>
-          <a:p>
-            <a:r>
-              <a:rPr lang="en-US" altLang="ko-KR" dirty="0"/>
-              <a:t>OS</a:t>
-            </a:r>
-            <a:r>
-              <a:rPr lang="ko-KR" altLang="en-US" dirty="0"/>
-              <a:t>에서 제어해주는 </a:t>
-            </a:r>
-            <a:r>
-              <a:rPr lang="en-US" altLang="ko-KR" dirty="0"/>
-              <a:t>thread</a:t>
-            </a:r>
-            <a:r>
-              <a:rPr lang="ko-KR" altLang="en-US" dirty="0"/>
-              <a:t>와 </a:t>
-            </a:r>
-            <a:r>
-              <a:rPr lang="en-US" altLang="ko-KR" dirty="0"/>
-              <a:t>core</a:t>
-            </a:r>
-            <a:r>
-              <a:rPr lang="ko-KR" altLang="en-US" dirty="0"/>
-              <a:t>의 관계는</a:t>
-            </a:r>
-            <a:r>
-              <a:rPr lang="en-US" altLang="ko-KR" dirty="0"/>
-              <a:t>, event loop</a:t>
-            </a:r>
-            <a:r>
-              <a:rPr lang="ko-KR" altLang="en-US" dirty="0"/>
-              <a:t>의 </a:t>
-            </a:r>
-            <a:r>
-              <a:rPr lang="en-US" altLang="ko-KR" dirty="0"/>
-              <a:t>task</a:t>
-            </a:r>
-            <a:r>
-              <a:rPr lang="ko-KR" altLang="en-US" dirty="0"/>
-              <a:t>와 </a:t>
-            </a:r>
-            <a:r>
-              <a:rPr lang="en-US" altLang="ko-KR" dirty="0"/>
-              <a:t>thread</a:t>
-            </a:r>
-            <a:r>
-              <a:rPr lang="ko-KR" altLang="en-US" dirty="0"/>
-              <a:t>의 관계와 유사해 보입니다</a:t>
-            </a:r>
-            <a:r>
-              <a:rPr lang="en-US" altLang="ko-KR" dirty="0"/>
-              <a:t>.</a:t>
-            </a:r>
-          </a:p>
-          <a:p>
-            <a:r>
-              <a:rPr lang="ko-KR" altLang="en-US" dirty="0"/>
-              <a:t>복잡한 처리를 하지 않아도 자동으로 분할실행을 관리해 준다는 점에서 오히려 </a:t>
-            </a:r>
-            <a:r>
-              <a:rPr lang="ko-KR" altLang="en-US" dirty="0" err="1"/>
-              <a:t>좋아보이기까지</a:t>
-            </a:r>
-            <a:r>
-              <a:rPr lang="ko-KR" altLang="en-US" dirty="0"/>
-              <a:t> 하는데요</a:t>
-            </a:r>
-            <a:r>
-              <a:rPr lang="en-US" altLang="ko-KR" dirty="0"/>
-              <a:t>.</a:t>
-            </a:r>
-          </a:p>
-          <a:p>
-            <a:endParaRPr lang="en-US" altLang="ko-KR" dirty="0"/>
-          </a:p>
-          <a:p>
-            <a:r>
-              <a:rPr lang="en-US" altLang="ko-KR" dirty="0"/>
-              <a:t>blocking </a:t>
-            </a:r>
-            <a:r>
-              <a:rPr lang="ko-KR" altLang="en-US" dirty="0"/>
-              <a:t>이 대체 뭐가 문제란 걸까요 </a:t>
-            </a:r>
-            <a:r>
-              <a:rPr lang="en-US" altLang="ko-KR" dirty="0"/>
-              <a:t>?</a:t>
-            </a:r>
-          </a:p>
-          <a:p>
-            <a:endParaRPr lang="en-US" altLang="ko-KR" dirty="0"/>
-          </a:p>
-          <a:p>
-            <a:endParaRPr lang="en-US" altLang="ko-KR" dirty="0"/>
-          </a:p>
-          <a:p>
-            <a:r>
-              <a:rPr lang="en-US" altLang="ko-KR" b="1" dirty="0"/>
-              <a:t>Context switching</a:t>
-            </a:r>
-          </a:p>
-          <a:p>
-            <a:endParaRPr lang="en-US" altLang="ko-KR" dirty="0"/>
-          </a:p>
-          <a:p>
-            <a:r>
-              <a:rPr lang="en-US" altLang="ko-KR" dirty="0"/>
-              <a:t>Thread</a:t>
-            </a:r>
-            <a:r>
-              <a:rPr lang="ko-KR" altLang="en-US" dirty="0"/>
-              <a:t> 가 </a:t>
-            </a:r>
-            <a:r>
-              <a:rPr lang="en-US" altLang="ko-KR" dirty="0"/>
-              <a:t>I/O blocking</a:t>
-            </a:r>
-            <a:r>
-              <a:rPr lang="ko-KR" altLang="en-US" dirty="0"/>
-              <a:t>이 발생해서 멈춤 상태이거나</a:t>
-            </a:r>
-            <a:r>
-              <a:rPr lang="en-US" altLang="ko-KR" dirty="0"/>
-              <a:t>, </a:t>
-            </a:r>
-            <a:r>
-              <a:rPr lang="ko-KR" altLang="en-US" dirty="0"/>
-              <a:t>또는 </a:t>
-            </a:r>
-            <a:r>
-              <a:rPr lang="en-US" altLang="ko-KR" dirty="0"/>
-              <a:t>sleep </a:t>
-            </a:r>
-            <a:r>
-              <a:rPr lang="ko-KR" altLang="en-US" dirty="0"/>
-              <a:t>등으로 처리를 양보하는 경우</a:t>
-            </a:r>
-            <a:r>
-              <a:rPr lang="en-US" altLang="ko-KR" dirty="0"/>
-              <a:t>,</a:t>
-            </a:r>
-          </a:p>
-          <a:p>
-            <a:r>
-              <a:rPr lang="en-US" altLang="ko-KR" dirty="0"/>
-              <a:t>CPU </a:t>
-            </a:r>
-            <a:r>
-              <a:rPr lang="ko-KR" altLang="en-US" dirty="0"/>
-              <a:t>코어 </a:t>
-            </a:r>
-            <a:r>
-              <a:rPr lang="en-US" altLang="ko-KR" dirty="0"/>
-              <a:t>(H/W</a:t>
-            </a:r>
-            <a:r>
-              <a:rPr lang="ko-KR" altLang="en-US" dirty="0"/>
-              <a:t> 쓰레드</a:t>
-            </a:r>
-            <a:r>
-              <a:rPr lang="en-US" altLang="ko-KR" dirty="0"/>
-              <a:t>) </a:t>
-            </a:r>
-            <a:r>
-              <a:rPr lang="ko-KR" altLang="en-US" dirty="0"/>
-              <a:t>에서 다른 쓰레드를 실행하기 위해</a:t>
-            </a:r>
-            <a:r>
-              <a:rPr lang="en-US" altLang="ko-KR" dirty="0"/>
-              <a:t>, </a:t>
-            </a:r>
-            <a:r>
-              <a:rPr lang="ko-KR" altLang="en-US" dirty="0"/>
-              <a:t>이전 </a:t>
-            </a:r>
-            <a:r>
-              <a:rPr lang="en-US" altLang="ko-KR" dirty="0"/>
-              <a:t>thread </a:t>
-            </a:r>
-            <a:r>
-              <a:rPr lang="ko-KR" altLang="en-US" dirty="0"/>
-              <a:t>의 상태를 저장하고</a:t>
-            </a:r>
-            <a:r>
-              <a:rPr lang="en-US" altLang="ko-KR" dirty="0"/>
-              <a:t>, </a:t>
-            </a:r>
-            <a:r>
-              <a:rPr lang="ko-KR" altLang="en-US" dirty="0"/>
-              <a:t>실행할 </a:t>
-            </a:r>
-            <a:r>
-              <a:rPr lang="en-US" altLang="ko-KR" dirty="0"/>
-              <a:t>thread </a:t>
-            </a:r>
-            <a:r>
-              <a:rPr lang="ko-KR" altLang="en-US" dirty="0"/>
-              <a:t>의 상태를 복원합니다</a:t>
-            </a:r>
-            <a:r>
-              <a:rPr lang="en-US" altLang="ko-KR" dirty="0"/>
-              <a:t>. </a:t>
-            </a:r>
-            <a:r>
-              <a:rPr lang="ko-KR" altLang="en-US" dirty="0"/>
-              <a:t>이 과정을 </a:t>
-            </a:r>
-            <a:r>
-              <a:rPr lang="en-US" altLang="ko-KR" dirty="0"/>
-              <a:t>context switching </a:t>
-            </a:r>
-            <a:r>
-              <a:rPr lang="ko-KR" altLang="en-US" dirty="0"/>
-              <a:t>이라고 합니다</a:t>
-            </a:r>
-            <a:r>
-              <a:rPr lang="en-US" altLang="ko-KR" dirty="0"/>
-              <a:t>.</a:t>
-            </a:r>
-          </a:p>
-          <a:p>
-            <a:endParaRPr lang="en-US" altLang="ko-KR" dirty="0"/>
-          </a:p>
-          <a:p>
             <a:pPr marL="0" marR="0" lvl="0" indent="0" algn="l" defTabSz="685800" rtl="0" eaLnBrk="1" fontAlgn="auto" latinLnBrk="1" hangingPunct="1">
               <a:lnSpc>
                 <a:spcPct val="100000"/>
@@ -1497,12 +1147,588 @@
               <a:defRPr/>
             </a:pPr>
             <a:r>
-              <a:rPr lang="ko-KR" altLang="en-US" dirty="0"/>
-              <a:t>실행 컨텍스트 </a:t>
-            </a:r>
-            <a:r>
-              <a:rPr lang="en-US" altLang="ko-KR" dirty="0"/>
-              <a:t>(</a:t>
+              <a:rPr lang="en-US" altLang="ko-KR" dirty="0"/>
+              <a:t>Thread</a:t>
+            </a:r>
+            <a:r>
+              <a:rPr lang="ko-KR" altLang="en-US" dirty="0"/>
+              <a:t>에 </a:t>
+            </a:r>
+            <a:r>
+              <a:rPr lang="en-US" altLang="ko-KR" b="1" u="sng" dirty="0"/>
+              <a:t>I/O blocking, CPU </a:t>
+            </a:r>
+            <a:r>
+              <a:rPr lang="ko-KR" altLang="en-US" b="1" u="sng" dirty="0"/>
+              <a:t>사용시간 만료</a:t>
+            </a:r>
+            <a:r>
+              <a:rPr lang="en-US" altLang="ko-KR" b="1" u="sng" dirty="0"/>
+              <a:t>, </a:t>
+            </a:r>
+            <a:r>
+              <a:rPr lang="ko-KR" altLang="en-US" b="1" u="sng" dirty="0"/>
+              <a:t>자식 프로세스 생성</a:t>
+            </a:r>
+            <a:r>
+              <a:rPr lang="en-US" altLang="ko-KR" b="1" u="sng" dirty="0"/>
+              <a:t>, </a:t>
+            </a:r>
+            <a:r>
+              <a:rPr lang="ko-KR" altLang="en-US" b="1" u="sng" dirty="0"/>
+              <a:t>또는 </a:t>
+            </a:r>
+            <a:r>
+              <a:rPr lang="en-US" altLang="ko-KR" b="1" u="sng" dirty="0"/>
+              <a:t>sleep </a:t>
+            </a:r>
+            <a:r>
+              <a:rPr lang="ko-KR" altLang="en-US" b="1" u="sng" dirty="0"/>
+              <a:t>등으로 처리를 양보하는 경우</a:t>
+            </a:r>
+            <a:r>
+              <a:rPr lang="en-US" altLang="ko-KR" dirty="0"/>
+              <a:t> interrupt</a:t>
+            </a:r>
+            <a:r>
+              <a:rPr lang="ko-KR" altLang="en-US" dirty="0"/>
+              <a:t>가 발생하고</a:t>
+            </a:r>
+            <a:endParaRPr lang="en-US" altLang="ko-KR" dirty="0"/>
+          </a:p>
+          <a:p>
+            <a:pPr marL="0" marR="0" lvl="0" indent="0" algn="l" defTabSz="685800" rtl="0" eaLnBrk="1" fontAlgn="auto" latinLnBrk="1" hangingPunct="1">
+              <a:lnSpc>
+                <a:spcPct val="100000"/>
+              </a:lnSpc>
+              <a:spcBef>
+                <a:spcPts val="0"/>
+              </a:spcBef>
+              <a:spcAft>
+                <a:spcPts val="0"/>
+              </a:spcAft>
+              <a:buClrTx/>
+              <a:buSzTx/>
+              <a:buFontTx/>
+              <a:buNone/>
+              <a:tabLst/>
+              <a:defRPr/>
+            </a:pPr>
+            <a:endParaRPr lang="en-US" altLang="ko-KR" dirty="0"/>
+          </a:p>
+          <a:p>
+            <a:pPr marL="0" marR="0" lvl="0" indent="0" algn="l" defTabSz="685800" rtl="0" eaLnBrk="1" fontAlgn="auto" latinLnBrk="1" hangingPunct="1">
+              <a:lnSpc>
+                <a:spcPct val="100000"/>
+              </a:lnSpc>
+              <a:spcBef>
+                <a:spcPts val="0"/>
+              </a:spcBef>
+              <a:spcAft>
+                <a:spcPts val="0"/>
+              </a:spcAft>
+              <a:buClrTx/>
+              <a:buSzTx/>
+              <a:buFontTx/>
+              <a:buNone/>
+              <a:tabLst/>
+              <a:defRPr/>
+            </a:pPr>
+            <a:r>
+              <a:rPr lang="en-US" altLang="ko-KR" dirty="0"/>
+              <a:t>OS </a:t>
+            </a:r>
+            <a:r>
+              <a:rPr lang="ko-KR" altLang="en-US" dirty="0"/>
+              <a:t>커널은 </a:t>
+            </a:r>
+            <a:r>
+              <a:rPr lang="en-US" altLang="ko-KR" dirty="0"/>
+              <a:t>interrupt</a:t>
+            </a:r>
+            <a:r>
+              <a:rPr lang="ko-KR" altLang="en-US" dirty="0"/>
+              <a:t>가 발생한 </a:t>
+            </a:r>
+            <a:r>
+              <a:rPr lang="en-US" altLang="ko-KR" dirty="0"/>
+              <a:t>thread</a:t>
+            </a:r>
+            <a:r>
+              <a:rPr lang="ko-KR" altLang="en-US" dirty="0"/>
+              <a:t> 는 </a:t>
+            </a:r>
+            <a:r>
+              <a:rPr lang="en-US" altLang="ko-KR" dirty="0"/>
+              <a:t>wait </a:t>
+            </a:r>
+            <a:r>
+              <a:rPr lang="ko-KR" altLang="en-US" dirty="0"/>
+              <a:t>상태로 마킹하고 실행을 중지시키고</a:t>
+            </a:r>
+            <a:r>
+              <a:rPr lang="en-US" altLang="ko-KR" dirty="0"/>
+              <a:t>, runnable </a:t>
+            </a:r>
+            <a:r>
+              <a:rPr lang="ko-KR" altLang="en-US" dirty="0"/>
+              <a:t>상태로 </a:t>
+            </a:r>
+            <a:r>
+              <a:rPr lang="ko-KR" altLang="en-US" dirty="0" err="1"/>
+              <a:t>마킹되어</a:t>
+            </a:r>
+            <a:r>
+              <a:rPr lang="ko-KR" altLang="en-US" dirty="0"/>
+              <a:t> 있는 다른 </a:t>
+            </a:r>
+            <a:r>
+              <a:rPr lang="en-US" altLang="ko-KR" dirty="0"/>
+              <a:t>thread </a:t>
+            </a:r>
+            <a:r>
+              <a:rPr lang="ko-KR" altLang="en-US" dirty="0"/>
+              <a:t>를 실행합니다</a:t>
+            </a:r>
+            <a:r>
+              <a:rPr lang="en-US" altLang="ko-KR" dirty="0"/>
+              <a:t>.</a:t>
+            </a:r>
+          </a:p>
+          <a:p>
+            <a:pPr marL="0" marR="0" lvl="0" indent="0" algn="l" defTabSz="685800" rtl="0" eaLnBrk="1" fontAlgn="auto" latinLnBrk="1" hangingPunct="1">
+              <a:lnSpc>
+                <a:spcPct val="100000"/>
+              </a:lnSpc>
+              <a:spcBef>
+                <a:spcPts val="0"/>
+              </a:spcBef>
+              <a:spcAft>
+                <a:spcPts val="0"/>
+              </a:spcAft>
+              <a:buClrTx/>
+              <a:buSzTx/>
+              <a:buFontTx/>
+              <a:buNone/>
+              <a:tabLst/>
+              <a:defRPr/>
+            </a:pPr>
+            <a:endParaRPr lang="en-US" altLang="ko-KR" dirty="0"/>
+          </a:p>
+          <a:p>
+            <a:pPr marL="0" marR="0" lvl="0" indent="0" algn="l" defTabSz="685800" rtl="0" eaLnBrk="1" fontAlgn="auto" latinLnBrk="1" hangingPunct="1">
+              <a:lnSpc>
+                <a:spcPct val="100000"/>
+              </a:lnSpc>
+              <a:spcBef>
+                <a:spcPts val="0"/>
+              </a:spcBef>
+              <a:spcAft>
+                <a:spcPts val="0"/>
+              </a:spcAft>
+              <a:buClrTx/>
+              <a:buSzTx/>
+              <a:buFontTx/>
+              <a:buNone/>
+              <a:tabLst/>
+              <a:defRPr/>
+            </a:pPr>
+            <a:r>
+              <a:rPr lang="ko-KR" altLang="en-US" dirty="0"/>
+              <a:t>즉 </a:t>
+            </a:r>
+            <a:r>
+              <a:rPr lang="en-US" altLang="ko-KR" dirty="0"/>
+              <a:t>Core</a:t>
+            </a:r>
+            <a:r>
+              <a:rPr lang="ko-KR" altLang="en-US" dirty="0"/>
+              <a:t>는 노는 시간이 없다는 건데요</a:t>
+            </a:r>
+            <a:r>
+              <a:rPr lang="en-US" altLang="ko-KR" dirty="0"/>
+              <a:t>.</a:t>
+            </a:r>
+          </a:p>
+          <a:p>
+            <a:pPr marL="0" marR="0" lvl="0" indent="0" algn="l" defTabSz="685800" rtl="0" eaLnBrk="1" fontAlgn="auto" latinLnBrk="1" hangingPunct="1">
+              <a:lnSpc>
+                <a:spcPct val="100000"/>
+              </a:lnSpc>
+              <a:spcBef>
+                <a:spcPts val="0"/>
+              </a:spcBef>
+              <a:spcAft>
+                <a:spcPts val="0"/>
+              </a:spcAft>
+              <a:buClrTx/>
+              <a:buSzTx/>
+              <a:buFontTx/>
+              <a:buNone/>
+              <a:tabLst/>
+              <a:defRPr/>
+            </a:pPr>
+            <a:endParaRPr lang="en-US" altLang="ko-KR" dirty="0"/>
+          </a:p>
+          <a:p>
+            <a:pPr marL="0" marR="0" lvl="0" indent="0" algn="l" defTabSz="685800" rtl="0" eaLnBrk="1" fontAlgn="auto" latinLnBrk="1" hangingPunct="1">
+              <a:lnSpc>
+                <a:spcPct val="100000"/>
+              </a:lnSpc>
+              <a:spcBef>
+                <a:spcPts val="0"/>
+              </a:spcBef>
+              <a:spcAft>
+                <a:spcPts val="0"/>
+              </a:spcAft>
+              <a:buClrTx/>
+              <a:buSzTx/>
+              <a:buFontTx/>
+              <a:buNone/>
+              <a:tabLst/>
+              <a:defRPr/>
+            </a:pPr>
+            <a:r>
+              <a:rPr lang="en-US" altLang="ko-KR" dirty="0"/>
+              <a:t>…</a:t>
+            </a:r>
+          </a:p>
+          <a:p>
+            <a:pPr marL="0" marR="0" lvl="0" indent="0" algn="l" defTabSz="685800" rtl="0" eaLnBrk="1" fontAlgn="auto" latinLnBrk="1" hangingPunct="1">
+              <a:lnSpc>
+                <a:spcPct val="100000"/>
+              </a:lnSpc>
+              <a:spcBef>
+                <a:spcPts val="0"/>
+              </a:spcBef>
+              <a:spcAft>
+                <a:spcPts val="0"/>
+              </a:spcAft>
+              <a:buClrTx/>
+              <a:buSzTx/>
+              <a:buFontTx/>
+              <a:buNone/>
+              <a:tabLst/>
+              <a:defRPr/>
+            </a:pPr>
+            <a:endParaRPr lang="en-US" altLang="ko-KR" dirty="0"/>
+          </a:p>
+          <a:p>
+            <a:pPr marL="0" marR="0" lvl="0" indent="0" algn="l" defTabSz="685800" rtl="0" eaLnBrk="1" fontAlgn="auto" latinLnBrk="1" hangingPunct="1">
+              <a:lnSpc>
+                <a:spcPct val="100000"/>
+              </a:lnSpc>
+              <a:spcBef>
+                <a:spcPts val="0"/>
+              </a:spcBef>
+              <a:spcAft>
+                <a:spcPts val="0"/>
+              </a:spcAft>
+              <a:buClrTx/>
+              <a:buSzTx/>
+              <a:buFontTx/>
+              <a:buNone/>
+              <a:tabLst/>
+              <a:defRPr/>
+            </a:pPr>
+            <a:r>
+              <a:rPr lang="en-US" altLang="ko-KR" dirty="0"/>
+              <a:t>Thread</a:t>
+            </a:r>
+            <a:r>
+              <a:rPr lang="ko-KR" altLang="en-US" dirty="0"/>
+              <a:t>의 </a:t>
+            </a:r>
+            <a:r>
+              <a:rPr lang="en-US" altLang="ko-KR" dirty="0"/>
+              <a:t>I/O blocking </a:t>
+            </a:r>
+            <a:r>
+              <a:rPr lang="ko-KR" altLang="en-US" dirty="0"/>
+              <a:t>이 대체 뭐가 문제란 걸까요 </a:t>
+            </a:r>
+            <a:r>
+              <a:rPr lang="en-US" altLang="ko-KR" dirty="0"/>
+              <a:t>?</a:t>
+            </a:r>
+          </a:p>
+          <a:p>
+            <a:pPr marL="0" marR="0" lvl="0" indent="0" algn="l" defTabSz="685800" rtl="0" eaLnBrk="1" fontAlgn="auto" latinLnBrk="1" hangingPunct="1">
+              <a:lnSpc>
+                <a:spcPct val="100000"/>
+              </a:lnSpc>
+              <a:spcBef>
+                <a:spcPts val="0"/>
+              </a:spcBef>
+              <a:spcAft>
+                <a:spcPts val="0"/>
+              </a:spcAft>
+              <a:buClrTx/>
+              <a:buSzTx/>
+              <a:buFontTx/>
+              <a:buNone/>
+              <a:tabLst/>
+              <a:defRPr/>
+            </a:pPr>
+            <a:endParaRPr lang="en-US" altLang="ko-KR" dirty="0"/>
+          </a:p>
+          <a:p>
+            <a:pPr marL="0" marR="0" lvl="0" indent="0" algn="l" defTabSz="685800" rtl="0" eaLnBrk="1" fontAlgn="auto" latinLnBrk="1" hangingPunct="1">
+              <a:lnSpc>
+                <a:spcPct val="100000"/>
+              </a:lnSpc>
+              <a:spcBef>
+                <a:spcPts val="0"/>
+              </a:spcBef>
+              <a:spcAft>
+                <a:spcPts val="0"/>
+              </a:spcAft>
+              <a:buClrTx/>
+              <a:buSzTx/>
+              <a:buFontTx/>
+              <a:buNone/>
+              <a:tabLst/>
+              <a:defRPr/>
+            </a:pPr>
+            <a:r>
+              <a:rPr lang="en-US" altLang="ko-KR" dirty="0"/>
+              <a:t>I/O blocking </a:t>
+            </a:r>
+            <a:r>
+              <a:rPr lang="ko-KR" altLang="en-US" dirty="0"/>
+              <a:t>되는 동안 억지로 다른 일을 시키지 않아도 </a:t>
+            </a:r>
+            <a:r>
+              <a:rPr lang="en-US" altLang="ko-KR" dirty="0"/>
+              <a:t>core</a:t>
+            </a:r>
+            <a:r>
+              <a:rPr lang="ko-KR" altLang="en-US" dirty="0"/>
+              <a:t>는 효율적으로 일을 하는데</a:t>
+            </a:r>
+            <a:r>
+              <a:rPr lang="en-US" altLang="ko-KR" dirty="0"/>
+              <a:t>, </a:t>
+            </a:r>
+            <a:r>
+              <a:rPr lang="ko-KR" altLang="en-US" dirty="0"/>
+              <a:t>굳이 </a:t>
+            </a:r>
+            <a:r>
+              <a:rPr lang="en-US" altLang="ko-KR" dirty="0"/>
+              <a:t>I/O Non-blocking </a:t>
+            </a:r>
+            <a:r>
+              <a:rPr lang="ko-KR" altLang="en-US" dirty="0"/>
+              <a:t>을 고집해야 할 이유가 있을까요 </a:t>
+            </a:r>
+            <a:r>
+              <a:rPr lang="en-US" altLang="ko-KR" dirty="0"/>
+              <a:t>?</a:t>
+            </a:r>
+          </a:p>
+          <a:p>
+            <a:pPr marL="0" marR="0" lvl="0" indent="0" algn="l" defTabSz="685800" rtl="0" eaLnBrk="1" fontAlgn="auto" latinLnBrk="1" hangingPunct="1">
+              <a:lnSpc>
+                <a:spcPct val="100000"/>
+              </a:lnSpc>
+              <a:spcBef>
+                <a:spcPts val="0"/>
+              </a:spcBef>
+              <a:spcAft>
+                <a:spcPts val="0"/>
+              </a:spcAft>
+              <a:buClrTx/>
+              <a:buSzTx/>
+              <a:buFontTx/>
+              <a:buNone/>
+              <a:tabLst/>
+              <a:defRPr/>
+            </a:pPr>
+            <a:r>
+              <a:rPr lang="en-US" altLang="ko-KR" dirty="0"/>
+              <a:t>I/O non-blocking </a:t>
+            </a:r>
+            <a:r>
+              <a:rPr lang="ko-KR" altLang="en-US" dirty="0"/>
+              <a:t>이 왜 빠르다고들 </a:t>
+            </a:r>
+            <a:r>
+              <a:rPr lang="ko-KR" altLang="en-US" dirty="0" err="1"/>
+              <a:t>하는걸까요</a:t>
+            </a:r>
+            <a:r>
+              <a:rPr lang="ko-KR" altLang="en-US" dirty="0"/>
+              <a:t> </a:t>
+            </a:r>
+            <a:r>
+              <a:rPr lang="en-US" altLang="ko-KR" dirty="0"/>
+              <a:t>?</a:t>
+            </a:r>
+          </a:p>
+          <a:p>
+            <a:pPr marL="0" marR="0" lvl="0" indent="0" algn="l" defTabSz="685800" rtl="0" eaLnBrk="1" fontAlgn="auto" latinLnBrk="1" hangingPunct="1">
+              <a:lnSpc>
+                <a:spcPct val="100000"/>
+              </a:lnSpc>
+              <a:spcBef>
+                <a:spcPts val="0"/>
+              </a:spcBef>
+              <a:spcAft>
+                <a:spcPts val="0"/>
+              </a:spcAft>
+              <a:buClrTx/>
+              <a:buSzTx/>
+              <a:buFontTx/>
+              <a:buNone/>
+              <a:tabLst/>
+              <a:defRPr/>
+            </a:pPr>
+            <a:endParaRPr lang="en-US" altLang="ko-KR" dirty="0"/>
+          </a:p>
+          <a:p>
+            <a:pPr marL="0" marR="0" lvl="0" indent="0" algn="l" defTabSz="685800" rtl="0" eaLnBrk="1" fontAlgn="auto" latinLnBrk="1" hangingPunct="1">
+              <a:lnSpc>
+                <a:spcPct val="100000"/>
+              </a:lnSpc>
+              <a:spcBef>
+                <a:spcPts val="0"/>
+              </a:spcBef>
+              <a:spcAft>
+                <a:spcPts val="0"/>
+              </a:spcAft>
+              <a:buClrTx/>
+              <a:buSzTx/>
+              <a:buFontTx/>
+              <a:buNone/>
+              <a:tabLst/>
+              <a:defRPr/>
+            </a:pPr>
+            <a:endParaRPr lang="en-US" altLang="ko-KR" dirty="0"/>
+          </a:p>
+          <a:p>
+            <a:r>
+              <a:rPr lang="en-US" altLang="ko-KR" b="1" dirty="0"/>
+              <a:t>Context switching</a:t>
+            </a:r>
+          </a:p>
+          <a:p>
+            <a:endParaRPr lang="en-US" altLang="ko-KR" dirty="0"/>
+          </a:p>
+          <a:p>
+            <a:r>
+              <a:rPr lang="en-US" altLang="ko-KR" dirty="0"/>
+              <a:t>CPU</a:t>
+            </a:r>
+            <a:r>
+              <a:rPr lang="ko-KR" altLang="en-US" dirty="0"/>
+              <a:t>가 현재 작업중인 </a:t>
+            </a:r>
+            <a:r>
+              <a:rPr lang="en-US" altLang="ko-KR" dirty="0"/>
+              <a:t>thread</a:t>
+            </a:r>
+            <a:r>
+              <a:rPr lang="ko-KR" altLang="en-US" dirty="0"/>
+              <a:t>를 중지시키고 다른 </a:t>
+            </a:r>
+            <a:r>
+              <a:rPr lang="en-US" altLang="ko-KR" dirty="0"/>
+              <a:t>thread</a:t>
+            </a:r>
+            <a:r>
+              <a:rPr lang="ko-KR" altLang="en-US" dirty="0"/>
+              <a:t>를 실행시키기 위해서는</a:t>
+            </a:r>
+            <a:endParaRPr lang="en-US" altLang="ko-KR" dirty="0"/>
+          </a:p>
+          <a:p>
+            <a:r>
+              <a:rPr lang="ko-KR" altLang="en-US" dirty="0"/>
+              <a:t>지금까지의 </a:t>
+            </a:r>
+            <a:r>
+              <a:rPr lang="en-US" altLang="ko-KR" dirty="0"/>
+              <a:t>thread </a:t>
+            </a:r>
+            <a:r>
+              <a:rPr lang="ko-KR" altLang="en-US" dirty="0"/>
+              <a:t>상태를 저장하고</a:t>
+            </a:r>
+            <a:r>
+              <a:rPr lang="en-US" altLang="ko-KR" dirty="0"/>
+              <a:t>, </a:t>
+            </a:r>
+            <a:r>
+              <a:rPr lang="ko-KR" altLang="en-US" dirty="0"/>
+              <a:t>새 </a:t>
+            </a:r>
+            <a:r>
+              <a:rPr lang="en-US" altLang="ko-KR" dirty="0"/>
+              <a:t>thread </a:t>
+            </a:r>
+            <a:r>
+              <a:rPr lang="ko-KR" altLang="en-US" dirty="0"/>
+              <a:t>의 상태를 복원해야 합니다</a:t>
+            </a:r>
+            <a:r>
+              <a:rPr lang="en-US" altLang="ko-KR" dirty="0"/>
+              <a:t>.</a:t>
+            </a:r>
+          </a:p>
+          <a:p>
+            <a:r>
+              <a:rPr lang="ko-KR" altLang="en-US" dirty="0"/>
+              <a:t>이 과정을 </a:t>
+            </a:r>
+            <a:r>
+              <a:rPr lang="en-US" altLang="ko-KR" dirty="0"/>
+              <a:t>Thread context switching </a:t>
+            </a:r>
+            <a:r>
+              <a:rPr lang="ko-KR" altLang="en-US" dirty="0"/>
+              <a:t>이라 부릅니다</a:t>
+            </a:r>
+            <a:r>
+              <a:rPr lang="en-US" altLang="ko-KR" dirty="0"/>
+              <a:t>.</a:t>
+            </a:r>
+          </a:p>
+          <a:p>
+            <a:endParaRPr lang="en-US" altLang="ko-KR" dirty="0"/>
+          </a:p>
+          <a:p>
+            <a:r>
+              <a:rPr lang="ko-KR" altLang="en-US" dirty="0"/>
+              <a:t>복원해야 할 정보는</a:t>
+            </a:r>
+            <a:r>
+              <a:rPr lang="en-US" altLang="ko-KR" dirty="0"/>
+              <a:t>,</a:t>
+            </a:r>
+            <a:r>
+              <a:rPr lang="ko-KR" altLang="en-US" dirty="0"/>
+              <a:t> </a:t>
+            </a:r>
+            <a:r>
+              <a:rPr lang="en-US" altLang="ko-KR" dirty="0"/>
+              <a:t>Thread</a:t>
+            </a:r>
+            <a:r>
+              <a:rPr lang="ko-KR" altLang="en-US" dirty="0"/>
+              <a:t>간 메모리를 공유하기 때문에 </a:t>
+            </a:r>
+            <a:r>
+              <a:rPr lang="en-US" altLang="ko-KR" dirty="0"/>
+              <a:t>process context switching </a:t>
+            </a:r>
+            <a:r>
+              <a:rPr lang="ko-KR" altLang="en-US" dirty="0"/>
+              <a:t>에 비해 훨씬 작긴 하지만</a:t>
+            </a:r>
+            <a:r>
+              <a:rPr lang="en-US" altLang="ko-KR" dirty="0"/>
+              <a:t>, </a:t>
             </a:r>
             <a:r>
               <a:rPr lang="ko-KR" altLang="en-US" dirty="0"/>
@@ -1522,33 +1748,7 @@
             </a:r>
             <a:r>
               <a:rPr lang="ko-KR" altLang="en-US" dirty="0"/>
-              <a:t>프로그램 카운터</a:t>
-            </a:r>
-            <a:r>
-              <a:rPr lang="en-US" altLang="ko-KR" dirty="0"/>
-              <a:t>) </a:t>
-            </a:r>
-            <a:r>
-              <a:rPr lang="ko-KR" altLang="en-US" dirty="0"/>
-              <a:t>저장</a:t>
-            </a:r>
-            <a:r>
-              <a:rPr lang="en-US" altLang="ko-KR" dirty="0"/>
-              <a:t>/</a:t>
-            </a:r>
-            <a:r>
-              <a:rPr lang="ko-KR" altLang="en-US" dirty="0"/>
-              <a:t>복구 </a:t>
-            </a:r>
-            <a:r>
-              <a:rPr lang="en-US" altLang="ko-KR" dirty="0">
-                <a:sym typeface="Wingdings" panose="05000000000000000000" pitchFamily="2" charset="2"/>
-              </a:rPr>
-              <a:t> </a:t>
-            </a:r>
-            <a:r>
-              <a:rPr lang="ko-KR" altLang="en-US" dirty="0"/>
-              <a:t>로컬 참조가 많을 수록 비용이 더 커집니다</a:t>
+              <a:t>프로그램 카운터 등을 저장하고 복원해야 합니다</a:t>
             </a:r>
             <a:r>
               <a:rPr lang="en-US" altLang="ko-KR" dirty="0"/>
@@ -1558,7 +1758,110 @@
           <a:p>
             <a:r>
               <a:rPr lang="en-US" altLang="ko-KR" dirty="0"/>
-              <a:t>thread</a:t>
+              <a:t>Thread</a:t>
+            </a:r>
+            <a:r>
+              <a:rPr lang="ko-KR" altLang="en-US" dirty="0"/>
+              <a:t>는 </a:t>
+            </a:r>
+            <a:r>
+              <a:rPr lang="en-US" altLang="ko-KR" dirty="0"/>
+              <a:t>User mode</a:t>
+            </a:r>
+            <a:r>
+              <a:rPr lang="ko-KR" altLang="en-US" dirty="0"/>
+              <a:t>와 </a:t>
+            </a:r>
+            <a:r>
+              <a:rPr lang="en-US" altLang="ko-KR" dirty="0"/>
+              <a:t>Kernel mode</a:t>
+            </a:r>
+            <a:r>
+              <a:rPr lang="ko-KR" altLang="en-US" dirty="0" err="1"/>
+              <a:t>란게</a:t>
+            </a:r>
+            <a:r>
+              <a:rPr lang="ko-KR" altLang="en-US" dirty="0"/>
+              <a:t> 있는데</a:t>
+            </a:r>
+            <a:r>
+              <a:rPr lang="en-US" altLang="ko-KR" dirty="0"/>
+              <a:t>, Java</a:t>
+            </a:r>
+            <a:r>
+              <a:rPr lang="ko-KR" altLang="en-US" dirty="0"/>
+              <a:t>는 </a:t>
+            </a:r>
+            <a:r>
+              <a:rPr lang="en-US" altLang="ko-KR" dirty="0"/>
+              <a:t>User mode</a:t>
+            </a:r>
+            <a:r>
+              <a:rPr lang="ko-KR" altLang="en-US" dirty="0"/>
+              <a:t>과 </a:t>
+            </a:r>
+            <a:r>
+              <a:rPr lang="en-US" altLang="ko-KR" dirty="0"/>
+              <a:t>Kernel mode</a:t>
+            </a:r>
+            <a:r>
+              <a:rPr lang="ko-KR" altLang="en-US" dirty="0"/>
+              <a:t>가 </a:t>
+            </a:r>
+            <a:r>
+              <a:rPr lang="en-US" altLang="ko-KR" dirty="0"/>
+              <a:t>1:1</a:t>
+            </a:r>
+            <a:r>
+              <a:rPr lang="ko-KR" altLang="en-US" dirty="0"/>
+              <a:t>이기 때문에 이 </a:t>
+            </a:r>
+            <a:r>
+              <a:rPr lang="en-US" altLang="ko-KR" dirty="0"/>
+              <a:t>mode </a:t>
+            </a:r>
+            <a:r>
+              <a:rPr lang="ko-KR" altLang="en-US" dirty="0"/>
+              <a:t>전환에도 </a:t>
+            </a:r>
+            <a:r>
+              <a:rPr lang="en-US" altLang="ko-KR" dirty="0"/>
+              <a:t>switching </a:t>
+            </a:r>
+            <a:r>
+              <a:rPr lang="ko-KR" altLang="en-US" dirty="0"/>
+              <a:t>비용이 발생합니다</a:t>
+            </a:r>
+            <a:r>
+              <a:rPr lang="en-US" altLang="ko-KR" dirty="0"/>
+              <a:t>.</a:t>
+            </a:r>
+          </a:p>
+          <a:p>
+            <a:pPr marL="0" marR="0" lvl="0" indent="0" algn="l" defTabSz="685800" rtl="0" eaLnBrk="1" fontAlgn="auto" latinLnBrk="1" hangingPunct="1">
+              <a:lnSpc>
+                <a:spcPct val="100000"/>
+              </a:lnSpc>
+              <a:spcBef>
+                <a:spcPts val="0"/>
+              </a:spcBef>
+              <a:spcAft>
+                <a:spcPts val="0"/>
+              </a:spcAft>
+              <a:buClrTx/>
+              <a:buSzTx/>
+              <a:buFontTx/>
+              <a:buNone/>
+              <a:tabLst/>
+              <a:defRPr/>
+            </a:pPr>
+            <a:r>
+              <a:rPr lang="ko-KR" altLang="en-US" dirty="0"/>
+              <a:t>마지막으로</a:t>
+            </a:r>
+            <a:r>
+              <a:rPr lang="en-US" altLang="ko-KR" dirty="0"/>
+              <a:t>, thread</a:t>
             </a:r>
             <a:r>
               <a:rPr lang="ko-KR" altLang="en-US" dirty="0"/>
@@ -1588,7 +1891,7 @@
           <a:p>
             <a:r>
               <a:rPr lang="ko-KR" altLang="en-US" dirty="0"/>
-              <a:t>전환비용은 대략 </a:t>
+              <a:t>이런 전환비용은 대략 </a:t>
             </a:r>
             <a:r>
               <a:rPr lang="en-US" altLang="ko-KR" dirty="0"/>
@@ -1598,6 +1901,14 @@
               <a:rPr lang="en-US" altLang="ko-KR" dirty="0" err="1"/>
               <a:t>ms</a:t>
             </a:r>
+            <a:r>
+              <a:rPr lang="en-US" altLang="ko-KR" dirty="0"/>
+              <a:t> </a:t>
+            </a:r>
+            <a:r>
+              <a:rPr lang="ko-KR" altLang="en-US" dirty="0"/>
+              <a:t>정도 소요된다고 하며</a:t>
+            </a:r>
             <a:endParaRPr lang="en-US" altLang="ko-KR" dirty="0"/>
           </a:p>
           <a:p>
@@ -1610,10 +1921,64 @@
             <a:endParaRPr lang="en-US" altLang="ko-KR" dirty="0"/>
           </a:p>
           <a:p>
+            <a:r>
+              <a:rPr lang="ko-KR" altLang="en-US" dirty="0"/>
+              <a:t>이 시간동안 </a:t>
+            </a:r>
+            <a:r>
+              <a:rPr lang="en-US" altLang="ko-KR" dirty="0"/>
+              <a:t>core</a:t>
+            </a:r>
+            <a:r>
+              <a:rPr lang="ko-KR" altLang="en-US" dirty="0"/>
+              <a:t>는 아무런 작업을 하지 않습니다</a:t>
+            </a:r>
+            <a:r>
+              <a:rPr lang="en-US" altLang="ko-KR" dirty="0"/>
+              <a:t>. core </a:t>
+            </a:r>
+            <a:r>
+              <a:rPr lang="ko-KR" altLang="en-US" dirty="0"/>
+              <a:t>실행이 </a:t>
+            </a:r>
+            <a:r>
+              <a:rPr lang="en-US" altLang="ko-KR" dirty="0"/>
+              <a:t>block </a:t>
+            </a:r>
+            <a:r>
+              <a:rPr lang="ko-KR" altLang="en-US" dirty="0" err="1"/>
+              <a:t>되는거죠</a:t>
+            </a:r>
+            <a:r>
+              <a:rPr lang="en-US" altLang="ko-KR" dirty="0"/>
+              <a:t>.</a:t>
+            </a:r>
+          </a:p>
+          <a:p>
             <a:endParaRPr lang="en-US" altLang="ko-KR" dirty="0"/>
           </a:p>
           <a:p>
             <a:r>
+              <a:rPr lang="ko-KR" altLang="en-US" dirty="0"/>
+              <a:t>저희가 서버를 </a:t>
+            </a:r>
+            <a:r>
+              <a:rPr lang="ko-KR" altLang="en-US" dirty="0" err="1"/>
+              <a:t>할당받을</a:t>
+            </a:r>
+            <a:r>
+              <a:rPr lang="ko-KR" altLang="en-US" dirty="0"/>
+              <a:t> 때</a:t>
+            </a:r>
+            <a:r>
+              <a:rPr lang="en-US" altLang="ko-KR" dirty="0"/>
+              <a:t>, VM</a:t>
+            </a:r>
+            <a:r>
+              <a:rPr lang="ko-KR" altLang="en-US" dirty="0"/>
+              <a:t>의 </a:t>
+            </a:r>
+            <a:r>
               <a:rPr lang="en-US" altLang="ko-KR" dirty="0"/>
               <a:t>core</a:t>
             </a:r>
@@ -1635,14 +2000,130 @@
             </a:r>
             <a:r>
               <a:rPr lang="ko-KR" altLang="en-US" dirty="0"/>
-              <a:t>개 정도인데</a:t>
+              <a:t>개 정도일 겁니다</a:t>
+            </a:r>
+            <a:r>
+              <a:rPr lang="en-US" altLang="ko-KR" dirty="0"/>
+              <a:t>.</a:t>
+            </a:r>
+          </a:p>
+          <a:p>
+            <a:r>
+              <a:rPr lang="ko-KR" altLang="en-US" dirty="0"/>
+              <a:t>여기에 </a:t>
+            </a:r>
+            <a:r>
+              <a:rPr lang="en-US" altLang="ko-KR" dirty="0"/>
+              <a:t>thread </a:t>
+            </a:r>
+            <a:r>
+              <a:rPr lang="ko-KR" altLang="en-US" dirty="0"/>
+              <a:t>를 </a:t>
+            </a:r>
+            <a:r>
+              <a:rPr lang="en-US" altLang="ko-KR" dirty="0"/>
+              <a:t>1000</a:t>
+            </a:r>
+            <a:r>
+              <a:rPr lang="ko-KR" altLang="en-US" dirty="0"/>
+              <a:t>개 띄운다고 가정해보면</a:t>
             </a:r>
             <a:endParaRPr lang="en-US" altLang="ko-KR" dirty="0"/>
           </a:p>
           <a:p>
-            <a:r>
-              <a:rPr lang="ko-KR" altLang="en-US" dirty="0"/>
-              <a:t>여기에 </a:t>
+            <a:endParaRPr lang="en-US" altLang="ko-KR" dirty="0"/>
+          </a:p>
+          <a:p>
+            <a:r>
+              <a:rPr lang="ko-KR" altLang="en-US" dirty="0"/>
+              <a:t>부하가 적어 </a:t>
+            </a:r>
+            <a:r>
+              <a:rPr lang="en-US" altLang="ko-KR" dirty="0"/>
+              <a:t>working thread </a:t>
+            </a:r>
+            <a:r>
+              <a:rPr lang="ko-KR" altLang="en-US" dirty="0"/>
+              <a:t>가 얼마 안 될 때는 아무런 문제가 되지 않습니다</a:t>
+            </a:r>
+            <a:r>
+              <a:rPr lang="en-US" altLang="ko-KR" dirty="0"/>
+              <a:t>.</a:t>
+            </a:r>
+          </a:p>
+          <a:p>
+            <a:r>
+              <a:rPr lang="en-US" altLang="ko-KR" dirty="0"/>
+              <a:t>CPU </a:t>
+            </a:r>
+            <a:r>
+              <a:rPr lang="ko-KR" altLang="en-US" dirty="0"/>
+              <a:t>경합이 발생하지 않아</a:t>
+            </a:r>
+            <a:r>
+              <a:rPr lang="en-US" altLang="ko-KR" dirty="0"/>
+              <a:t>, thread </a:t>
+            </a:r>
+            <a:r>
+              <a:rPr lang="ko-KR" altLang="en-US" dirty="0"/>
+              <a:t>는 처음 </a:t>
+            </a:r>
+            <a:r>
+              <a:rPr lang="ko-KR" altLang="en-US" dirty="0" err="1"/>
+              <a:t>할당받은</a:t>
+            </a:r>
+            <a:r>
+              <a:rPr lang="ko-KR" altLang="en-US" dirty="0"/>
+              <a:t> </a:t>
+            </a:r>
+            <a:r>
+              <a:rPr lang="en-US" altLang="ko-KR" dirty="0"/>
+              <a:t>core</a:t>
+            </a:r>
+            <a:r>
+              <a:rPr lang="ko-KR" altLang="en-US" dirty="0"/>
+              <a:t>에서 계속 실행될 </a:t>
+            </a:r>
+            <a:r>
+              <a:rPr lang="ko-KR" altLang="en-US" dirty="0" err="1"/>
+              <a:t>꺼고</a:t>
+            </a:r>
+            <a:r>
+              <a:rPr lang="en-US" altLang="ko-KR" dirty="0"/>
+              <a:t>, context switching </a:t>
+            </a:r>
+            <a:r>
+              <a:rPr lang="ko-KR" altLang="en-US" dirty="0"/>
+              <a:t>은 큰 비용손실 없이 자연스럽게 처리될 겁니다</a:t>
+            </a:r>
+            <a:r>
+              <a:rPr lang="en-US" altLang="ko-KR" dirty="0"/>
+              <a:t>.</a:t>
+            </a:r>
+          </a:p>
+          <a:p>
+            <a:endParaRPr lang="en-US" altLang="ko-KR" dirty="0"/>
+          </a:p>
+          <a:p>
+            <a:r>
+              <a:rPr lang="ko-KR" altLang="en-US" dirty="0"/>
+              <a:t>그런데</a:t>
+            </a:r>
+            <a:r>
+              <a:rPr lang="en-US" altLang="ko-KR" dirty="0"/>
+              <a:t>, </a:t>
+            </a:r>
+            <a:r>
+              <a:rPr lang="ko-KR" altLang="en-US" dirty="0"/>
+              <a:t>부하가 많아져서 </a:t>
+            </a:r>
+            <a:r>
+              <a:rPr lang="en-US" altLang="ko-KR" dirty="0"/>
+              <a:t>1000</a:t>
+            </a:r>
+            <a:r>
+              <a:rPr lang="ko-KR" altLang="en-US" dirty="0"/>
+              <a:t>개 </a:t>
             </a:r>
             <a:r>
               <a:rPr lang="en-US" altLang="ko-KR" dirty="0"/>
@@ -1650,123 +2131,78 @@
             </a:r>
             <a:r>
               <a:rPr lang="ko-KR" altLang="en-US" dirty="0"/>
-              <a:t>를 </a:t>
-            </a:r>
-            <a:r>
-              <a:rPr lang="en-US" altLang="ko-KR" dirty="0"/>
-              <a:t>1000</a:t>
-            </a:r>
-            <a:r>
-              <a:rPr lang="ko-KR" altLang="en-US" dirty="0"/>
-              <a:t>개 띄운다고 가정해보면</a:t>
+              <a:t>가 모두 일하는 상황이 된다면</a:t>
+            </a:r>
+            <a:r>
+              <a:rPr lang="en-US" altLang="ko-KR" dirty="0"/>
+              <a:t>,</a:t>
+            </a:r>
+          </a:p>
+          <a:p>
+            <a:r>
+              <a:rPr lang="ko-KR" altLang="en-US" dirty="0"/>
+              <a:t>적은 </a:t>
+            </a:r>
+            <a:r>
+              <a:rPr lang="en-US" altLang="ko-KR" dirty="0"/>
+              <a:t>core</a:t>
+            </a:r>
+            <a:r>
+              <a:rPr lang="ko-KR" altLang="en-US" dirty="0"/>
+              <a:t>를 차지하기 위해 </a:t>
+            </a:r>
+            <a:r>
+              <a:rPr lang="en-US" altLang="ko-KR" dirty="0"/>
+              <a:t>thread </a:t>
+            </a:r>
+            <a:r>
+              <a:rPr lang="ko-KR" altLang="en-US" dirty="0"/>
+              <a:t>간 경합이 발생하며</a:t>
             </a:r>
             <a:endParaRPr lang="en-US" altLang="ko-KR" dirty="0"/>
           </a:p>
           <a:p>
+            <a:r>
+              <a:rPr lang="en-US" altLang="ko-KR" dirty="0"/>
+              <a:t>core</a:t>
+            </a:r>
+            <a:r>
+              <a:rPr lang="ko-KR" altLang="en-US" dirty="0"/>
+              <a:t>에서 분할 실행되는 </a:t>
+            </a:r>
+            <a:r>
+              <a:rPr lang="en-US" altLang="ko-KR" dirty="0"/>
+              <a:t>thread </a:t>
+            </a:r>
+            <a:r>
+              <a:rPr lang="ko-KR" altLang="en-US" dirty="0"/>
+              <a:t>개수가 많아지고</a:t>
+            </a:r>
+            <a:r>
+              <a:rPr lang="en-US" altLang="ko-KR" dirty="0"/>
+              <a:t>, </a:t>
+            </a:r>
+            <a:r>
+              <a:rPr lang="ko-KR" altLang="en-US" dirty="0"/>
+              <a:t>이는 그만큼 </a:t>
+            </a:r>
+            <a:r>
+              <a:rPr lang="en-US" altLang="ko-KR" dirty="0"/>
+              <a:t>context switching </a:t>
+            </a:r>
+            <a:r>
+              <a:rPr lang="ko-KR" altLang="en-US" dirty="0"/>
+              <a:t>회수가 많아지게 되므로</a:t>
+            </a:r>
             <a:endParaRPr lang="en-US" altLang="ko-KR" dirty="0"/>
           </a:p>
           <a:p>
-            <a:r>
-              <a:rPr lang="ko-KR" altLang="en-US" dirty="0"/>
-              <a:t>부하가 적어 일하는 </a:t>
-            </a:r>
-            <a:r>
-              <a:rPr lang="en-US" altLang="ko-KR" dirty="0"/>
-              <a:t>thread </a:t>
-            </a:r>
-            <a:r>
-              <a:rPr lang="ko-KR" altLang="en-US" dirty="0"/>
-              <a:t>가 얼마 안 될 때는 아무런 문제가 되지 않습니다</a:t>
-            </a:r>
-            <a:r>
-              <a:rPr lang="en-US" altLang="ko-KR" dirty="0"/>
-              <a:t>. thread context switching </a:t>
-            </a:r>
-            <a:r>
-              <a:rPr lang="ko-KR" altLang="en-US" dirty="0"/>
-              <a:t>은 자연스럽게 처리되는데요</a:t>
-            </a:r>
-            <a:r>
-              <a:rPr lang="en-US" altLang="ko-KR" dirty="0"/>
-              <a:t>.</a:t>
-            </a:r>
-          </a:p>
-          <a:p>
             <a:endParaRPr lang="en-US" altLang="ko-KR" dirty="0"/>
           </a:p>
           <a:p>
             <a:r>
               <a:rPr lang="ko-KR" altLang="en-US" dirty="0"/>
-              <a:t>부하가 많아져서 </a:t>
-            </a:r>
-            <a:r>
-              <a:rPr lang="en-US" altLang="ko-KR" dirty="0"/>
-              <a:t>1000</a:t>
-            </a:r>
-            <a:r>
-              <a:rPr lang="ko-KR" altLang="en-US" dirty="0"/>
-              <a:t>개 </a:t>
-            </a:r>
-            <a:r>
-              <a:rPr lang="en-US" altLang="ko-KR" dirty="0"/>
-              <a:t>thread </a:t>
-            </a:r>
-            <a:r>
-              <a:rPr lang="ko-KR" altLang="en-US" dirty="0"/>
-              <a:t>가 모두 일하는 상황이 된다면</a:t>
-            </a:r>
-            <a:r>
-              <a:rPr lang="en-US" altLang="ko-KR" dirty="0"/>
-              <a:t>,</a:t>
-            </a:r>
-          </a:p>
-          <a:p>
-            <a:r>
-              <a:rPr lang="ko-KR" altLang="en-US" dirty="0"/>
-              <a:t>적은 </a:t>
-            </a:r>
-            <a:r>
-              <a:rPr lang="en-US" altLang="ko-KR" dirty="0"/>
-              <a:t>core</a:t>
-            </a:r>
-            <a:r>
-              <a:rPr lang="ko-KR" altLang="en-US" dirty="0"/>
-              <a:t>를 차지하기 위해 </a:t>
-            </a:r>
-            <a:r>
-              <a:rPr lang="en-US" altLang="ko-KR" dirty="0"/>
-              <a:t>thread </a:t>
-            </a:r>
-            <a:r>
-              <a:rPr lang="ko-KR" altLang="en-US" dirty="0"/>
-              <a:t>간 경합이 발생하며</a:t>
-            </a:r>
-            <a:endParaRPr lang="en-US" altLang="ko-KR" dirty="0"/>
-          </a:p>
-          <a:p>
-            <a:r>
-              <a:rPr lang="en-US" altLang="ko-KR" dirty="0"/>
-              <a:t>core</a:t>
-            </a:r>
-            <a:r>
-              <a:rPr lang="ko-KR" altLang="en-US" dirty="0"/>
-              <a:t>에서 분할 실행되는 </a:t>
-            </a:r>
-            <a:r>
-              <a:rPr lang="en-US" altLang="ko-KR" dirty="0"/>
-              <a:t>thread </a:t>
-            </a:r>
-            <a:r>
-              <a:rPr lang="ko-KR" altLang="en-US" dirty="0"/>
-              <a:t>개수가 많아지고</a:t>
-            </a:r>
-            <a:r>
-              <a:rPr lang="en-US" altLang="ko-KR" dirty="0"/>
-              <a:t>, </a:t>
-            </a:r>
-            <a:r>
-              <a:rPr lang="ko-KR" altLang="en-US" dirty="0"/>
-              <a:t>이는 그만큼 </a:t>
+              <a:t>결과적으로 </a:t>
             </a:r>
             <a:r>
               <a:rPr lang="en-US" altLang="ko-KR" dirty="0"/>
@@ -1774,25 +2210,7 @@
             </a:r>
             <a:r>
               <a:rPr lang="ko-KR" altLang="en-US" dirty="0"/>
-              <a:t>회수가 많아진다는 것과 같으므로</a:t>
-            </a:r>
-            <a:endParaRPr lang="en-US" altLang="ko-KR" dirty="0"/>
-          </a:p>
-          <a:p>
-            <a:endParaRPr lang="en-US" altLang="ko-KR" dirty="0"/>
-          </a:p>
-          <a:p>
-            <a:r>
-              <a:rPr lang="ko-KR" altLang="en-US" dirty="0"/>
-              <a:t>결과적으로 </a:t>
-            </a:r>
-            <a:r>
-              <a:rPr lang="en-US" altLang="ko-KR" dirty="0"/>
-              <a:t>context switching </a:t>
-            </a:r>
-            <a:r>
-              <a:rPr lang="ko-KR" altLang="en-US" dirty="0"/>
-              <a:t>비용 총합이 무시 못할 수준으로 많아지는 결과를 초래합니다</a:t>
+              <a:t>비용 총합이 커지는 결과를 초래합니다</a:t>
             </a:r>
             <a:r>
               <a:rPr lang="en-US" altLang="ko-KR" dirty="0"/>

--- a/99.ppt/[Ch4-1. 비동기 서비스 소개] 1-2. 비동기 호출이란 ~ 1-3. Servlet_Reactive.pptx
+++ b/99.ppt/[Ch4-1. 비동기 서비스 소개] 1-2. 비동기 호출이란 ~ 1-3. Servlet_Reactive.pptx
@@ -1432,24 +1432,12 @@
               <a:defRPr/>
             </a:pPr>
             <a:r>
-              <a:rPr lang="en-US" altLang="ko-KR" dirty="0"/>
-              <a:t>Thread</a:t>
-            </a:r>
-            <a:r>
-              <a:rPr lang="ko-KR" altLang="en-US" dirty="0"/>
-              <a:t>의 </a:t>
-            </a:r>
-            <a:r>
-              <a:rPr lang="en-US" altLang="ko-KR" dirty="0"/>
-              <a:t>I/O blocking </a:t>
-            </a:r>
-            <a:r>
-              <a:rPr lang="ko-KR" altLang="en-US" dirty="0"/>
-              <a:t>이 대체 뭐가 문제란 걸까요 </a:t>
-            </a:r>
-            <a:r>
-              <a:rPr lang="en-US" altLang="ko-KR" dirty="0"/>
-              <a:t>?</a:t>
+              <a:rPr lang="ko-KR" altLang="en-US" dirty="0"/>
+              <a:t>잠깐만요</a:t>
+            </a:r>
+            <a:r>
+              <a:rPr lang="en-US" altLang="ko-KR" dirty="0"/>
+              <a:t>.</a:t>
             </a:r>
           </a:p>
           <a:p>
@@ -1492,74 +1480,19 @@
             </a:pPr>
             <a:r>
               <a:rPr lang="en-US" altLang="ko-KR" dirty="0"/>
+              <a:t>Thread</a:t>
+            </a:r>
+            <a:r>
+              <a:rPr lang="ko-KR" altLang="en-US" dirty="0"/>
+              <a:t>의 </a:t>
+            </a:r>
+            <a:r>
+              <a:rPr lang="en-US" altLang="ko-KR" dirty="0"/>
               <a:t>I/O blocking </a:t>
             </a:r>
             <a:r>
               <a:rPr lang="ko-KR" altLang="en-US" dirty="0"/>
-              <a:t>되는 동안 억지로 다른 일을 시키지 않아도 </a:t>
-            </a:r>
-            <a:r>
-              <a:rPr lang="en-US" altLang="ko-KR" dirty="0"/>
-              <a:t>core</a:t>
-            </a:r>
-            <a:r>
-              <a:rPr lang="ko-KR" altLang="en-US" dirty="0"/>
-              <a:t>는 효율적으로 일을 하는데</a:t>
-            </a:r>
-            <a:r>
-              <a:rPr lang="en-US" altLang="ko-KR" dirty="0"/>
-              <a:t>, </a:t>
-            </a:r>
-            <a:r>
-              <a:rPr lang="ko-KR" altLang="en-US" dirty="0"/>
-              <a:t>굳이 </a:t>
-            </a:r>
-            <a:r>
-              <a:rPr lang="en-US" altLang="ko-KR" dirty="0"/>
-              <a:t>I/O Non-blocking </a:t>
-            </a:r>
-            <a:r>
-              <a:rPr lang="ko-KR" altLang="en-US" dirty="0"/>
-              <a:t>을 고집해야 할 이유가 있을까요 </a:t>
-            </a:r>
-            <a:r>
-              <a:rPr lang="en-US" altLang="ko-KR" dirty="0"/>
-              <a:t>?</a:t>
-            </a:r>
-          </a:p>
-          <a:p>
-            <a:pPr marL="0" marR="0" lvl="0" indent="0" algn="l" defTabSz="685800" rtl="0" eaLnBrk="1" fontAlgn="auto" latinLnBrk="1" hangingPunct="1">
-              <a:lnSpc>
-                <a:spcPct val="100000"/>
-              </a:lnSpc>
-              <a:spcBef>
-                <a:spcPts val="0"/>
-              </a:spcBef>
-              <a:spcAft>
-                <a:spcPts val="0"/>
-              </a:spcAft>
-              <a:buClrTx/>
-              <a:buSzTx/>
-              <a:buFontTx/>
-              <a:buNone/>
-              <a:tabLst/>
-              <a:defRPr/>
-            </a:pPr>
-            <a:r>
-              <a:rPr lang="en-US" altLang="ko-KR" dirty="0"/>
-              <a:t>I/O non-blocking </a:t>
-            </a:r>
-            <a:r>
-              <a:rPr lang="ko-KR" altLang="en-US" dirty="0"/>
-              <a:t>이 왜 빠르다고들 </a:t>
-            </a:r>
-            <a:r>
-              <a:rPr lang="ko-KR" altLang="en-US" dirty="0" err="1"/>
-              <a:t>하는걸까요</a:t>
-            </a:r>
-            <a:r>
-              <a:rPr lang="ko-KR" altLang="en-US" dirty="0"/>
-              <a:t> </a:t>
+              <a:t>이 대체 뭐가 문제란 걸까요 </a:t>
             </a:r>
             <a:r>
               <a:rPr lang="en-US" altLang="ko-KR" dirty="0"/>
@@ -1604,56 +1537,21 @@
               <a:tabLst/>
               <a:defRPr/>
             </a:pPr>
-            <a:endParaRPr lang="en-US" altLang="ko-KR" dirty="0"/>
-          </a:p>
-          <a:p>
-            <a:r>
-              <a:rPr lang="en-US" altLang="ko-KR" b="1" dirty="0"/>
-              <a:t>Context switching</a:t>
-            </a:r>
-          </a:p>
-          <a:p>
-            <a:endParaRPr lang="en-US" altLang="ko-KR" dirty="0"/>
-          </a:p>
-          <a:p>
-            <a:r>
-              <a:rPr lang="en-US" altLang="ko-KR" dirty="0"/>
-              <a:t>CPU</a:t>
-            </a:r>
-            <a:r>
-              <a:rPr lang="ko-KR" altLang="en-US" dirty="0"/>
-              <a:t>가 현재 작업중인 </a:t>
-            </a:r>
-            <a:r>
-              <a:rPr lang="en-US" altLang="ko-KR" dirty="0"/>
-              <a:t>thread</a:t>
-            </a:r>
-            <a:r>
-              <a:rPr lang="ko-KR" altLang="en-US" dirty="0"/>
-              <a:t>를 중지시키고 다른 </a:t>
-            </a:r>
-            <a:r>
-              <a:rPr lang="en-US" altLang="ko-KR" dirty="0"/>
-              <a:t>thread</a:t>
-            </a:r>
-            <a:r>
-              <a:rPr lang="ko-KR" altLang="en-US" dirty="0"/>
-              <a:t>를 실행시키기 위해서는</a:t>
-            </a:r>
-            <a:endParaRPr lang="en-US" altLang="ko-KR" dirty="0"/>
-          </a:p>
-          <a:p>
-            <a:r>
-              <a:rPr lang="ko-KR" altLang="en-US" dirty="0"/>
-              <a:t>지금까지의 </a:t>
-            </a:r>
-            <a:r>
-              <a:rPr lang="en-US" altLang="ko-KR" dirty="0"/>
-              <a:t>thread </a:t>
-            </a:r>
-            <a:r>
-              <a:rPr lang="ko-KR" altLang="en-US" dirty="0"/>
-              <a:t>상태를 저장하고</a:t>
+            <a:r>
+              <a:rPr lang="en-US" altLang="ko-KR" dirty="0"/>
+              <a:t>I/O blocking </a:t>
+            </a:r>
+            <a:r>
+              <a:rPr lang="ko-KR" altLang="en-US" dirty="0"/>
+              <a:t>되는 동안 억지로 다른 일을 시키지 않아도 </a:t>
+            </a:r>
+            <a:r>
+              <a:rPr lang="en-US" altLang="ko-KR" dirty="0"/>
+              <a:t>core</a:t>
+            </a:r>
+            <a:r>
+              <a:rPr lang="ko-KR" altLang="en-US" dirty="0"/>
+              <a:t>는 효율적으로 일을 하는데</a:t>
             </a:r>
             <a:r>
               <a:rPr lang="en-US" altLang="ko-KR" dirty="0"/>
@@ -1661,180 +1559,19 @@
             </a:r>
             <a:r>
               <a:rPr lang="ko-KR" altLang="en-US" dirty="0"/>
-              <a:t>새 </a:t>
-            </a:r>
-            <a:r>
-              <a:rPr lang="en-US" altLang="ko-KR" dirty="0"/>
-              <a:t>thread </a:t>
-            </a:r>
-            <a:r>
-              <a:rPr lang="ko-KR" altLang="en-US" dirty="0"/>
-              <a:t>의 상태를 복원해야 합니다</a:t>
-            </a:r>
-            <a:r>
-              <a:rPr lang="en-US" altLang="ko-KR" dirty="0"/>
-              <a:t>.</a:t>
-            </a:r>
-          </a:p>
-          <a:p>
-            <a:r>
-              <a:rPr lang="ko-KR" altLang="en-US" dirty="0"/>
-              <a:t>이 과정을 </a:t>
-            </a:r>
-            <a:r>
-              <a:rPr lang="en-US" altLang="ko-KR" dirty="0"/>
-              <a:t>Thread context switching </a:t>
-            </a:r>
-            <a:r>
-              <a:rPr lang="ko-KR" altLang="en-US" dirty="0"/>
-              <a:t>이라 부릅니다</a:t>
-            </a:r>
-            <a:r>
-              <a:rPr lang="en-US" altLang="ko-KR" dirty="0"/>
-              <a:t>.</a:t>
-            </a:r>
-          </a:p>
-          <a:p>
-            <a:endParaRPr lang="en-US" altLang="ko-KR" dirty="0"/>
-          </a:p>
-          <a:p>
-            <a:r>
-              <a:rPr lang="ko-KR" altLang="en-US" dirty="0"/>
-              <a:t>복원해야 할 정보는</a:t>
-            </a:r>
-            <a:r>
-              <a:rPr lang="en-US" altLang="ko-KR" dirty="0"/>
-              <a:t>,</a:t>
-            </a:r>
-            <a:r>
-              <a:rPr lang="ko-KR" altLang="en-US" dirty="0"/>
-              <a:t> </a:t>
-            </a:r>
-            <a:r>
-              <a:rPr lang="en-US" altLang="ko-KR" dirty="0"/>
-              <a:t>Thread</a:t>
-            </a:r>
-            <a:r>
-              <a:rPr lang="ko-KR" altLang="en-US" dirty="0"/>
-              <a:t>간 메모리를 공유하기 때문에 </a:t>
-            </a:r>
-            <a:r>
-              <a:rPr lang="en-US" altLang="ko-KR" dirty="0"/>
-              <a:t>process context switching </a:t>
-            </a:r>
-            <a:r>
-              <a:rPr lang="ko-KR" altLang="en-US" dirty="0"/>
-              <a:t>에 비해 훨씬 작긴 하지만</a:t>
-            </a:r>
-            <a:r>
-              <a:rPr lang="en-US" altLang="ko-KR" dirty="0"/>
-              <a:t>, </a:t>
-            </a:r>
-            <a:r>
-              <a:rPr lang="ko-KR" altLang="en-US" dirty="0"/>
-              <a:t>레지스터</a:t>
-            </a:r>
-            <a:r>
-              <a:rPr lang="en-US" altLang="ko-KR" dirty="0"/>
-              <a:t>, </a:t>
-            </a:r>
-            <a:r>
-              <a:rPr lang="ko-KR" altLang="en-US" dirty="0"/>
-              <a:t>스택 포인터</a:t>
-            </a:r>
-            <a:r>
-              <a:rPr lang="en-US" altLang="ko-KR" dirty="0"/>
-              <a:t>, </a:t>
-            </a:r>
-            <a:r>
-              <a:rPr lang="ko-KR" altLang="en-US" dirty="0"/>
-              <a:t>프로그램 카운터 등을 저장하고 복원해야 합니다</a:t>
-            </a:r>
-            <a:r>
-              <a:rPr lang="en-US" altLang="ko-KR" dirty="0"/>
-              <a:t>.</a:t>
-            </a:r>
-          </a:p>
-          <a:p>
-            <a:r>
-              <a:rPr lang="en-US" altLang="ko-KR" dirty="0"/>
-              <a:t>Thread</a:t>
-            </a:r>
-            <a:r>
-              <a:rPr lang="ko-KR" altLang="en-US" dirty="0"/>
-              <a:t>는 </a:t>
-            </a:r>
-            <a:r>
-              <a:rPr lang="en-US" altLang="ko-KR" dirty="0"/>
-              <a:t>User mode</a:t>
-            </a:r>
-            <a:r>
-              <a:rPr lang="ko-KR" altLang="en-US" dirty="0"/>
-              <a:t>와 </a:t>
-            </a:r>
-            <a:r>
-              <a:rPr lang="en-US" altLang="ko-KR" dirty="0"/>
-              <a:t>Kernel mode</a:t>
-            </a:r>
-            <a:r>
-              <a:rPr lang="ko-KR" altLang="en-US" dirty="0" err="1"/>
-              <a:t>란게</a:t>
-            </a:r>
-            <a:r>
-              <a:rPr lang="ko-KR" altLang="en-US" dirty="0"/>
-              <a:t> 있는데</a:t>
-            </a:r>
-            <a:r>
-              <a:rPr lang="en-US" altLang="ko-KR" dirty="0"/>
-              <a:t>, Java</a:t>
-            </a:r>
-            <a:r>
-              <a:rPr lang="ko-KR" altLang="en-US" dirty="0"/>
-              <a:t>는 </a:t>
-            </a:r>
-            <a:r>
-              <a:rPr lang="en-US" altLang="ko-KR" dirty="0"/>
-              <a:t>User mode</a:t>
-            </a:r>
-            <a:r>
-              <a:rPr lang="ko-KR" altLang="en-US" dirty="0"/>
-              <a:t>과 </a:t>
-            </a:r>
-            <a:r>
-              <a:rPr lang="en-US" altLang="ko-KR" dirty="0"/>
-              <a:t>Kernel mode</a:t>
-            </a:r>
-            <a:r>
-              <a:rPr lang="ko-KR" altLang="en-US" dirty="0"/>
-              <a:t>가 </a:t>
-            </a:r>
-            <a:r>
-              <a:rPr lang="en-US" altLang="ko-KR" dirty="0"/>
-              <a:t>1:1</a:t>
-            </a:r>
-            <a:r>
-              <a:rPr lang="ko-KR" altLang="en-US" dirty="0"/>
-              <a:t>이기 때문에 이 </a:t>
-            </a:r>
-            <a:r>
-              <a:rPr lang="en-US" altLang="ko-KR" dirty="0"/>
-              <a:t>mode </a:t>
-            </a:r>
-            <a:r>
-              <a:rPr lang="ko-KR" altLang="en-US" dirty="0"/>
-              <a:t>전환에도 </a:t>
-            </a:r>
-            <a:r>
-              <a:rPr lang="en-US" altLang="ko-KR" dirty="0"/>
-              <a:t>switching </a:t>
-            </a:r>
-            <a:r>
-              <a:rPr lang="ko-KR" altLang="en-US" dirty="0"/>
-              <a:t>비용이 발생합니다</a:t>
-            </a:r>
-            <a:r>
-              <a:rPr lang="en-US" altLang="ko-KR" dirty="0"/>
-              <a:t>.</a:t>
+              <a:t>굳이 </a:t>
+            </a:r>
+            <a:r>
+              <a:rPr lang="en-US" altLang="ko-KR" dirty="0"/>
+              <a:t>I/O Non-blocking </a:t>
+            </a:r>
+            <a:r>
+              <a:rPr lang="ko-KR" altLang="en-US" dirty="0"/>
+              <a:t>을 고집해야 할 이유가 있을까요 </a:t>
+            </a:r>
+            <a:r>
+              <a:rPr lang="en-US" altLang="ko-KR" dirty="0"/>
+              <a:t>?</a:t>
             </a:r>
           </a:p>
           <a:p>
@@ -1856,6 +1593,308 @@
               <a:defRPr/>
             </a:pPr>
             <a:r>
+              <a:rPr lang="en-US" altLang="ko-KR" dirty="0"/>
+              <a:t>I/O non-blocking </a:t>
+            </a:r>
+            <a:r>
+              <a:rPr lang="ko-KR" altLang="en-US" dirty="0"/>
+              <a:t>이 왜 빠르다고들 하는 걸까요 </a:t>
+            </a:r>
+            <a:r>
+              <a:rPr lang="en-US" altLang="ko-KR" dirty="0"/>
+              <a:t>?</a:t>
+            </a:r>
+          </a:p>
+          <a:p>
+            <a:pPr marL="0" marR="0" lvl="0" indent="0" algn="l" defTabSz="685800" rtl="0" eaLnBrk="1" fontAlgn="auto" latinLnBrk="1" hangingPunct="1">
+              <a:lnSpc>
+                <a:spcPct val="100000"/>
+              </a:lnSpc>
+              <a:spcBef>
+                <a:spcPts val="0"/>
+              </a:spcBef>
+              <a:spcAft>
+                <a:spcPts val="0"/>
+              </a:spcAft>
+              <a:buClrTx/>
+              <a:buSzTx/>
+              <a:buFontTx/>
+              <a:buNone/>
+              <a:tabLst/>
+              <a:defRPr/>
+            </a:pPr>
+            <a:endParaRPr lang="en-US" altLang="ko-KR" dirty="0"/>
+          </a:p>
+          <a:p>
+            <a:pPr marL="0" marR="0" lvl="0" indent="0" algn="l" defTabSz="685800" rtl="0" eaLnBrk="1" fontAlgn="auto" latinLnBrk="1" hangingPunct="1">
+              <a:lnSpc>
+                <a:spcPct val="100000"/>
+              </a:lnSpc>
+              <a:spcBef>
+                <a:spcPts val="0"/>
+              </a:spcBef>
+              <a:spcAft>
+                <a:spcPts val="0"/>
+              </a:spcAft>
+              <a:buClrTx/>
+              <a:buSzTx/>
+              <a:buFontTx/>
+              <a:buNone/>
+              <a:tabLst/>
+              <a:defRPr/>
+            </a:pPr>
+            <a:endParaRPr lang="en-US" altLang="ko-KR" dirty="0"/>
+          </a:p>
+          <a:p>
+            <a:r>
+              <a:rPr lang="en-US" altLang="ko-KR" b="1" dirty="0"/>
+              <a:t>Context switching</a:t>
+            </a:r>
+          </a:p>
+          <a:p>
+            <a:endParaRPr lang="en-US" altLang="ko-KR" dirty="0"/>
+          </a:p>
+          <a:p>
+            <a:r>
+              <a:rPr lang="en-US" altLang="ko-KR" dirty="0"/>
+              <a:t>CPU</a:t>
+            </a:r>
+            <a:r>
+              <a:rPr lang="ko-KR" altLang="en-US" dirty="0"/>
+              <a:t>가 현재 작업중인 </a:t>
+            </a:r>
+            <a:r>
+              <a:rPr lang="en-US" altLang="ko-KR" dirty="0"/>
+              <a:t>thread</a:t>
+            </a:r>
+            <a:r>
+              <a:rPr lang="ko-KR" altLang="en-US" dirty="0"/>
+              <a:t>를 중지시키고 다른 </a:t>
+            </a:r>
+            <a:r>
+              <a:rPr lang="en-US" altLang="ko-KR" dirty="0"/>
+              <a:t>thread</a:t>
+            </a:r>
+            <a:r>
+              <a:rPr lang="ko-KR" altLang="en-US" dirty="0"/>
+              <a:t>를 실행시키기 위해서는</a:t>
+            </a:r>
+            <a:endParaRPr lang="en-US" altLang="ko-KR" dirty="0"/>
+          </a:p>
+          <a:p>
+            <a:r>
+              <a:rPr lang="ko-KR" altLang="en-US" dirty="0"/>
+              <a:t>지금까지의 </a:t>
+            </a:r>
+            <a:r>
+              <a:rPr lang="en-US" altLang="ko-KR" dirty="0"/>
+              <a:t>thread </a:t>
+            </a:r>
+            <a:r>
+              <a:rPr lang="ko-KR" altLang="en-US" dirty="0"/>
+              <a:t>상태를 저장하고</a:t>
+            </a:r>
+            <a:r>
+              <a:rPr lang="en-US" altLang="ko-KR" dirty="0"/>
+              <a:t>, </a:t>
+            </a:r>
+            <a:r>
+              <a:rPr lang="ko-KR" altLang="en-US" dirty="0"/>
+              <a:t>새 </a:t>
+            </a:r>
+            <a:r>
+              <a:rPr lang="en-US" altLang="ko-KR" dirty="0"/>
+              <a:t>thread </a:t>
+            </a:r>
+            <a:r>
+              <a:rPr lang="ko-KR" altLang="en-US" dirty="0"/>
+              <a:t>의 상태를 복원해야 합니다</a:t>
+            </a:r>
+            <a:r>
+              <a:rPr lang="en-US" altLang="ko-KR" dirty="0"/>
+              <a:t>.</a:t>
+            </a:r>
+          </a:p>
+          <a:p>
+            <a:r>
+              <a:rPr lang="ko-KR" altLang="en-US" dirty="0"/>
+              <a:t>이 과정을 </a:t>
+            </a:r>
+            <a:r>
+              <a:rPr lang="en-US" altLang="ko-KR" dirty="0"/>
+              <a:t>Thread context switching </a:t>
+            </a:r>
+            <a:r>
+              <a:rPr lang="ko-KR" altLang="en-US" dirty="0"/>
+              <a:t>이라 부릅니다</a:t>
+            </a:r>
+            <a:r>
+              <a:rPr lang="en-US" altLang="ko-KR" dirty="0"/>
+              <a:t>.</a:t>
+            </a:r>
+          </a:p>
+          <a:p>
+            <a:endParaRPr lang="en-US" altLang="ko-KR" dirty="0"/>
+          </a:p>
+          <a:p>
+            <a:r>
+              <a:rPr lang="ko-KR" altLang="en-US" dirty="0"/>
+              <a:t>복원해야 할 정보는</a:t>
+            </a:r>
+            <a:r>
+              <a:rPr lang="en-US" altLang="ko-KR" dirty="0"/>
+              <a:t>,</a:t>
+            </a:r>
+            <a:r>
+              <a:rPr lang="ko-KR" altLang="en-US" dirty="0"/>
+              <a:t> </a:t>
+            </a:r>
+            <a:r>
+              <a:rPr lang="en-US" altLang="ko-KR" dirty="0"/>
+              <a:t>Thread</a:t>
+            </a:r>
+            <a:r>
+              <a:rPr lang="ko-KR" altLang="en-US" dirty="0"/>
+              <a:t>간 메모리를 공유하기 때문에 </a:t>
+            </a:r>
+            <a:r>
+              <a:rPr lang="en-US" altLang="ko-KR" dirty="0"/>
+              <a:t>process context switching </a:t>
+            </a:r>
+            <a:r>
+              <a:rPr lang="ko-KR" altLang="en-US" dirty="0"/>
+              <a:t>에 비해 훨씬 작긴 하지만</a:t>
+            </a:r>
+            <a:r>
+              <a:rPr lang="en-US" altLang="ko-KR" dirty="0"/>
+              <a:t>, </a:t>
+            </a:r>
+            <a:r>
+              <a:rPr lang="ko-KR" altLang="en-US" dirty="0"/>
+              <a:t>레지스터</a:t>
+            </a:r>
+            <a:r>
+              <a:rPr lang="en-US" altLang="ko-KR" dirty="0"/>
+              <a:t>, </a:t>
+            </a:r>
+            <a:r>
+              <a:rPr lang="ko-KR" altLang="en-US" dirty="0"/>
+              <a:t>스택 포인터</a:t>
+            </a:r>
+            <a:r>
+              <a:rPr lang="en-US" altLang="ko-KR" dirty="0"/>
+              <a:t>, </a:t>
+            </a:r>
+            <a:r>
+              <a:rPr lang="ko-KR" altLang="en-US" dirty="0"/>
+              <a:t>프로그램 카운터 등을 저장하고 복원해야 합니다</a:t>
+            </a:r>
+            <a:r>
+              <a:rPr lang="en-US" altLang="ko-KR" dirty="0"/>
+              <a:t>.</a:t>
+            </a:r>
+          </a:p>
+          <a:p>
+            <a:r>
+              <a:rPr lang="en-US" altLang="ko-KR" dirty="0"/>
+              <a:t>Thread</a:t>
+            </a:r>
+            <a:r>
+              <a:rPr lang="ko-KR" altLang="en-US" dirty="0"/>
+              <a:t>는 </a:t>
+            </a:r>
+            <a:r>
+              <a:rPr lang="en-US" altLang="ko-KR" dirty="0"/>
+              <a:t>User mode</a:t>
+            </a:r>
+            <a:r>
+              <a:rPr lang="ko-KR" altLang="en-US" dirty="0"/>
+              <a:t>와 </a:t>
+            </a:r>
+            <a:r>
+              <a:rPr lang="en-US" altLang="ko-KR" dirty="0"/>
+              <a:t>Kernel mode</a:t>
+            </a:r>
+            <a:r>
+              <a:rPr lang="ko-KR" altLang="en-US" dirty="0" err="1"/>
+              <a:t>란게</a:t>
+            </a:r>
+            <a:r>
+              <a:rPr lang="ko-KR" altLang="en-US" dirty="0"/>
+              <a:t> 있는데</a:t>
+            </a:r>
+            <a:r>
+              <a:rPr lang="en-US" altLang="ko-KR" dirty="0"/>
+              <a:t>, Java</a:t>
+            </a:r>
+            <a:r>
+              <a:rPr lang="ko-KR" altLang="en-US" dirty="0"/>
+              <a:t>는 </a:t>
+            </a:r>
+            <a:r>
+              <a:rPr lang="en-US" altLang="ko-KR" dirty="0"/>
+              <a:t>User mode</a:t>
+            </a:r>
+            <a:r>
+              <a:rPr lang="ko-KR" altLang="en-US" dirty="0"/>
+              <a:t>과 </a:t>
+            </a:r>
+            <a:r>
+              <a:rPr lang="en-US" altLang="ko-KR" dirty="0"/>
+              <a:t>Kernel mode</a:t>
+            </a:r>
+            <a:r>
+              <a:rPr lang="ko-KR" altLang="en-US" dirty="0"/>
+              <a:t>가 </a:t>
+            </a:r>
+            <a:r>
+              <a:rPr lang="en-US" altLang="ko-KR" dirty="0"/>
+              <a:t>1:1</a:t>
+            </a:r>
+            <a:r>
+              <a:rPr lang="ko-KR" altLang="en-US" dirty="0"/>
+              <a:t>이기 때문에 이 </a:t>
+            </a:r>
+            <a:r>
+              <a:rPr lang="en-US" altLang="ko-KR" dirty="0"/>
+              <a:t>mode </a:t>
+            </a:r>
+            <a:r>
+              <a:rPr lang="ko-KR" altLang="en-US" dirty="0"/>
+              <a:t>전환에도 </a:t>
+            </a:r>
+            <a:r>
+              <a:rPr lang="en-US" altLang="ko-KR" dirty="0"/>
+              <a:t>switching </a:t>
+            </a:r>
+            <a:r>
+              <a:rPr lang="ko-KR" altLang="en-US" dirty="0"/>
+              <a:t>비용이 발생합니다</a:t>
+            </a:r>
+            <a:r>
+              <a:rPr lang="en-US" altLang="ko-KR" dirty="0"/>
+              <a:t>.</a:t>
+            </a:r>
+          </a:p>
+          <a:p>
+            <a:pPr marL="0" marR="0" lvl="0" indent="0" algn="l" defTabSz="685800" rtl="0" eaLnBrk="1" fontAlgn="auto" latinLnBrk="1" hangingPunct="1">
+              <a:lnSpc>
+                <a:spcPct val="100000"/>
+              </a:lnSpc>
+              <a:spcBef>
+                <a:spcPts val="0"/>
+              </a:spcBef>
+              <a:spcAft>
+                <a:spcPts val="0"/>
+              </a:spcAft>
+              <a:buClrTx/>
+              <a:buSzTx/>
+              <a:buFontTx/>
+              <a:buNone/>
+              <a:tabLst/>
+              <a:defRPr/>
+            </a:pPr>
+            <a:r>
               <a:rPr lang="ko-KR" altLang="en-US" dirty="0"/>
               <a:t>마지막으로</a:t>
             </a:r>
@@ -1881,9 +1920,12 @@
             </a:r>
             <a:r>
               <a:rPr lang="ko-KR" altLang="en-US" dirty="0"/>
-              <a:t>가 발생하여 전환비용이 더 커짐</a:t>
-            </a:r>
-            <a:endParaRPr lang="en-US" altLang="ko-KR" dirty="0"/>
+              <a:t>가 발생하여 전환비용이 더 커집니다</a:t>
+            </a:r>
+            <a:r>
+              <a:rPr lang="en-US" altLang="ko-KR" dirty="0"/>
+              <a:t>.</a:t>
+            </a:r>
           </a:p>
           <a:p>
             <a:endParaRPr lang="en-US" altLang="ko-KR" dirty="0"/>
@@ -2438,11 +2480,11 @@
             </a:r>
             <a:r>
               <a:rPr lang="en-US" altLang="ko-KR" dirty="0"/>
-              <a:t>I/O block </a:t>
-            </a:r>
-            <a:r>
-              <a:rPr lang="ko-KR" altLang="en-US" dirty="0"/>
-              <a:t>때문에 </a:t>
+              <a:t>I/O blocking </a:t>
+            </a:r>
+            <a:r>
+              <a:rPr lang="ko-KR" altLang="en-US" dirty="0"/>
+              <a:t>으로 </a:t>
             </a:r>
             <a:r>
               <a:rPr lang="en-US" altLang="ko-KR" dirty="0"/>
@@ -4021,110 +4063,6 @@
               <a:t>.</a:t>
             </a:r>
           </a:p>
-          <a:p>
-            <a:endParaRPr lang="en-US" altLang="ko-KR" dirty="0"/>
-          </a:p>
-          <a:p>
-            <a:r>
-              <a:rPr lang="ko-KR" altLang="en-US" dirty="0"/>
-              <a:t>그래서 </a:t>
-            </a:r>
-            <a:r>
-              <a:rPr lang="ko-KR" altLang="en-US" dirty="0" err="1"/>
-              <a:t>구글링</a:t>
-            </a:r>
-            <a:r>
-              <a:rPr lang="ko-KR" altLang="en-US" dirty="0"/>
-              <a:t> 해보는 순간</a:t>
-            </a:r>
-            <a:r>
-              <a:rPr lang="en-US" altLang="ko-KR" dirty="0"/>
-              <a:t>, </a:t>
-            </a:r>
-            <a:r>
-              <a:rPr lang="ko-KR" altLang="en-US" dirty="0"/>
-              <a:t>지금 저희가 가볍게 정리했던 </a:t>
-            </a:r>
-            <a:r>
-              <a:rPr lang="en-US" altLang="ko-KR" dirty="0"/>
-              <a:t>Sync / Async, Blocking / Non-blocking </a:t>
-            </a:r>
-            <a:r>
-              <a:rPr lang="ko-KR" altLang="en-US" dirty="0"/>
-              <a:t>에 사실은 더 복잡한 의미들이 많이 숨어있다는 것을 알게 됩니다</a:t>
-            </a:r>
-            <a:r>
-              <a:rPr lang="en-US" altLang="ko-KR" dirty="0"/>
-              <a:t>.</a:t>
-            </a:r>
-          </a:p>
-          <a:p>
-            <a:endParaRPr lang="en-US" altLang="ko-KR" dirty="0"/>
-          </a:p>
-          <a:p>
-            <a:r>
-              <a:rPr lang="ko-KR" altLang="en-US" dirty="0"/>
-              <a:t>부족한 개념 다시 채워봅니다</a:t>
-            </a:r>
-            <a:r>
-              <a:rPr lang="en-US" altLang="ko-KR" dirty="0"/>
-              <a:t>.</a:t>
-            </a:r>
-          </a:p>
-          <a:p>
-            <a:endParaRPr lang="en-US" altLang="ko-KR" dirty="0"/>
-          </a:p>
-          <a:p>
-            <a:r>
-              <a:rPr lang="ko-KR" altLang="en-US" dirty="0"/>
-              <a:t>이제 알 것 같아 </a:t>
-            </a:r>
-            <a:r>
-              <a:rPr lang="en-US" altLang="ko-KR" dirty="0"/>
-              <a:t>! </a:t>
-            </a:r>
-            <a:r>
-              <a:rPr lang="ko-KR" altLang="en-US" dirty="0"/>
-              <a:t>하고 다시 이 표로 돌아오는 순간 </a:t>
-            </a:r>
-            <a:r>
-              <a:rPr lang="en-US" altLang="ko-KR" dirty="0"/>
-              <a:t>..</a:t>
-            </a:r>
-          </a:p>
-          <a:p>
-            <a:endParaRPr lang="en-US" altLang="ko-KR" dirty="0"/>
-          </a:p>
-          <a:p>
-            <a:r>
-              <a:rPr lang="ko-KR" altLang="en-US" dirty="0"/>
-              <a:t>또 다시 뭐가 </a:t>
-            </a:r>
-            <a:r>
-              <a:rPr lang="ko-KR" altLang="en-US" dirty="0" err="1"/>
-              <a:t>뭔지</a:t>
-            </a:r>
-            <a:r>
-              <a:rPr lang="ko-KR" altLang="en-US" dirty="0"/>
-              <a:t> 모르게 </a:t>
-            </a:r>
-            <a:r>
-              <a:rPr lang="ko-KR" altLang="en-US" dirty="0" err="1"/>
-              <a:t>되버리는</a:t>
-            </a:r>
-            <a:r>
-              <a:rPr lang="ko-KR" altLang="en-US" dirty="0"/>
-              <a:t> 과정이 무한 반복될 </a:t>
-            </a:r>
-            <a:r>
-              <a:rPr lang="ko-KR" altLang="en-US" dirty="0" err="1"/>
-              <a:t>꺼에요</a:t>
-            </a:r>
-            <a:r>
-              <a:rPr lang="en-US" altLang="ko-KR" dirty="0"/>
-              <a:t>.</a:t>
-            </a:r>
-          </a:p>
         </p:txBody>
       </p:sp>
       <p:sp>
@@ -4209,7 +4147,7 @@
           <a:p>
             <a:r>
               <a:rPr lang="ko-KR" altLang="en-US" dirty="0"/>
-              <a:t>저희 하나씩 </a:t>
+              <a:t>하나씩 천천히 </a:t>
             </a:r>
             <a:r>
               <a:rPr lang="ko-KR" altLang="en-US" dirty="0" err="1"/>
@@ -4545,7 +4483,7 @@
             </a:r>
             <a:r>
               <a:rPr lang="ko-KR" altLang="en-US" dirty="0"/>
-              <a:t>그 실행주기가 모두 일치되어 있으니 비동기가 아닌 동기라고 봐야 합니다</a:t>
+              <a:t>실행주기가 모두 일치하고 있으니 비동기가 아닌 동기라고 봐야 합니다</a:t>
             </a:r>
             <a:r>
               <a:rPr lang="en-US" altLang="ko-KR" dirty="0"/>
@@ -6694,7 +6632,7 @@
             </a:pPr>
             <a:r>
               <a:rPr lang="en-US" altLang="ko-KR" dirty="0"/>
-              <a:t>Async &amp; I/O Non-blocking in single thread</a:t>
+              <a:t>Async &amp; Non-blocking in single thread</a:t>
             </a:r>
           </a:p>
           <a:p>

--- a/99.ppt/[Ch4-1. 비동기 서비스 소개] 1-2. 비동기 호출이란 ~ 1-3. Servlet_Reactive.pptx
+++ b/99.ppt/[Ch4-1. 비동기 서비스 소개] 1-2. 비동기 호출이란 ~ 1-3. Servlet_Reactive.pptx
@@ -5,7 +5,7 @@
     <p:sldMasterId id="2147483665" r:id="rId1"/>
   </p:sldMasterIdLst>
   <p:notesMasterIdLst>
-    <p:notesMasterId r:id="rId23"/>
+    <p:notesMasterId r:id="rId24"/>
   </p:notesMasterIdLst>
   <p:sldIdLst>
     <p:sldId id="256" r:id="rId2"/>
@@ -17,18 +17,19 @@
     <p:sldId id="284" r:id="rId8"/>
     <p:sldId id="285" r:id="rId9"/>
     <p:sldId id="287" r:id="rId10"/>
-    <p:sldId id="264" r:id="rId11"/>
-    <p:sldId id="266" r:id="rId12"/>
-    <p:sldId id="273" r:id="rId13"/>
-    <p:sldId id="267" r:id="rId14"/>
-    <p:sldId id="275" r:id="rId15"/>
-    <p:sldId id="274" r:id="rId16"/>
-    <p:sldId id="279" r:id="rId17"/>
-    <p:sldId id="281" r:id="rId18"/>
-    <p:sldId id="278" r:id="rId19"/>
-    <p:sldId id="277" r:id="rId20"/>
-    <p:sldId id="282" r:id="rId21"/>
-    <p:sldId id="280" r:id="rId22"/>
+    <p:sldId id="289" r:id="rId11"/>
+    <p:sldId id="264" r:id="rId12"/>
+    <p:sldId id="266" r:id="rId13"/>
+    <p:sldId id="273" r:id="rId14"/>
+    <p:sldId id="267" r:id="rId15"/>
+    <p:sldId id="275" r:id="rId16"/>
+    <p:sldId id="274" r:id="rId17"/>
+    <p:sldId id="279" r:id="rId18"/>
+    <p:sldId id="281" r:id="rId19"/>
+    <p:sldId id="278" r:id="rId20"/>
+    <p:sldId id="277" r:id="rId21"/>
+    <p:sldId id="282" r:id="rId22"/>
+    <p:sldId id="288" r:id="rId23"/>
   </p:sldIdLst>
   <p:sldSz cx="9144000" cy="5143500" type="screen16x9"/>
   <p:notesSz cx="6858000" cy="9144000"/>
@@ -130,7 +131,7 @@
   <p:extLst>
     <p:ext uri="{EFAFB233-063F-42B5-8137-9DF3F51BA10A}">
       <p15:sldGuideLst xmlns:p15="http://schemas.microsoft.com/office/powerpoint/2012/main">
-        <p15:guide id="1" orient="horz" pos="1779" userDrawn="1">
+        <p15:guide id="1" orient="horz" pos="2822" userDrawn="1">
           <p15:clr>
             <a:srgbClr val="A4A3A4"/>
           </p15:clr>
@@ -228,7 +229,7 @@
           <a:p>
             <a:fld id="{9B770909-2C76-4DF9-BB76-4EE283593418}" type="datetimeFigureOut">
               <a:rPr lang="ko-KR" altLang="en-US" smtClean="0"/>
-              <a:t>2023-07-18</a:t>
+              <a:t>2023-07-20</a:t>
             </a:fld>
             <a:endParaRPr lang="ko-KR" altLang="en-US"/>
           </a:p>
@@ -539,6 +540,30 @@
           <a:bodyPr/>
           <a:lstStyle/>
           <a:p>
+            <a:r>
+              <a:rPr lang="ko-KR" altLang="en-US" dirty="0"/>
+              <a:t>비동기 호출</a:t>
+            </a:r>
+            <a:r>
+              <a:rPr lang="en-US" altLang="ko-KR" dirty="0"/>
+              <a:t>, </a:t>
+            </a:r>
+            <a:r>
+              <a:rPr lang="ko-KR" altLang="en-US" dirty="0"/>
+              <a:t>다른 말로 </a:t>
+            </a:r>
+            <a:r>
+              <a:rPr lang="en-US" altLang="ko-KR" dirty="0"/>
+              <a:t>Async Non-Block IO </a:t>
+            </a:r>
+            <a:r>
+              <a:rPr lang="ko-KR" altLang="en-US" dirty="0"/>
+              <a:t>란 개념에 대해 잠깐 말씀드리도록 하겠습니다</a:t>
+            </a:r>
+            <a:r>
+              <a:rPr lang="en-US" altLang="ko-KR" dirty="0"/>
+              <a:t>.</a:t>
+            </a:r>
             <a:endParaRPr lang="ko-KR" altLang="en-US" dirty="0"/>
           </a:p>
         </p:txBody>
@@ -653,7 +678,7 @@
     </p:spTree>
     <p:extLst>
       <p:ext uri="{BB962C8B-B14F-4D97-AF65-F5344CB8AC3E}">
-        <p14:creationId xmlns:p14="http://schemas.microsoft.com/office/powerpoint/2010/main" val="1219951499"/>
+        <p14:creationId xmlns:p14="http://schemas.microsoft.com/office/powerpoint/2010/main" val="2636464252"/>
       </p:ext>
     </p:extLst>
   </p:cSld>
@@ -737,7 +762,7 @@
     </p:spTree>
     <p:extLst>
       <p:ext uri="{BB962C8B-B14F-4D97-AF65-F5344CB8AC3E}">
-        <p14:creationId xmlns:p14="http://schemas.microsoft.com/office/powerpoint/2010/main" val="3159915711"/>
+        <p14:creationId xmlns:p14="http://schemas.microsoft.com/office/powerpoint/2010/main" val="1219951499"/>
       </p:ext>
     </p:extLst>
   </p:cSld>
@@ -821,7 +846,7 @@
     </p:spTree>
     <p:extLst>
       <p:ext uri="{BB962C8B-B14F-4D97-AF65-F5344CB8AC3E}">
-        <p14:creationId xmlns:p14="http://schemas.microsoft.com/office/powerpoint/2010/main" val="3220482043"/>
+        <p14:creationId xmlns:p14="http://schemas.microsoft.com/office/powerpoint/2010/main" val="3159915711"/>
       </p:ext>
     </p:extLst>
   </p:cSld>
@@ -875,22 +900,7 @@
           <a:bodyPr/>
           <a:lstStyle/>
           <a:p>
-            <a:r>
-              <a:rPr lang="en-US" altLang="ko-KR" dirty="0"/>
-              <a:t>Tomcat default thread </a:t>
-            </a:r>
-            <a:r>
-              <a:rPr lang="ko-KR" altLang="en-US" dirty="0"/>
-              <a:t>개수 </a:t>
-            </a:r>
-            <a:r>
-              <a:rPr lang="en-US" altLang="ko-KR" dirty="0"/>
-              <a:t>: 200</a:t>
-            </a:r>
-            <a:r>
-              <a:rPr lang="ko-KR" altLang="en-US" dirty="0"/>
-              <a:t>개</a:t>
-            </a:r>
+            <a:endParaRPr lang="ko-KR" altLang="en-US" dirty="0"/>
           </a:p>
         </p:txBody>
       </p:sp>
@@ -920,7 +930,7 @@
     </p:spTree>
     <p:extLst>
       <p:ext uri="{BB962C8B-B14F-4D97-AF65-F5344CB8AC3E}">
-        <p14:creationId xmlns:p14="http://schemas.microsoft.com/office/powerpoint/2010/main" val="5469521"/>
+        <p14:creationId xmlns:p14="http://schemas.microsoft.com/office/powerpoint/2010/main" val="3220482043"/>
       </p:ext>
     </p:extLst>
   </p:cSld>
@@ -976,43 +986,20 @@
           <a:p>
             <a:r>
               <a:rPr lang="en-US" altLang="ko-KR" dirty="0"/>
-              <a:t>Thread </a:t>
-            </a:r>
-            <a:r>
-              <a:rPr lang="ko-KR" altLang="en-US" dirty="0"/>
-              <a:t>개수는 </a:t>
-            </a:r>
-            <a:r>
-              <a:rPr lang="en-US" altLang="ko-KR" dirty="0"/>
-              <a:t>Core </a:t>
-            </a:r>
-            <a:r>
-              <a:rPr lang="ko-KR" altLang="en-US" dirty="0"/>
-              <a:t>수 </a:t>
-            </a:r>
-            <a:r>
-              <a:rPr lang="en-US" altLang="ko-KR" dirty="0"/>
-              <a:t>* 2</a:t>
-            </a:r>
-          </a:p>
-          <a:p>
-            <a:r>
-              <a:rPr lang="en-US" altLang="ko-KR" dirty="0"/>
-              <a:t>(</a:t>
-            </a:r>
-            <a:r>
-              <a:rPr lang="en-US" altLang="ko-KR" dirty="0" err="1"/>
-              <a:t>Netty</a:t>
-            </a:r>
-            <a:r>
-              <a:rPr lang="ko-KR" altLang="en-US" dirty="0"/>
-              <a:t>가 자동 결정</a:t>
-            </a:r>
-            <a:r>
-              <a:rPr lang="en-US" altLang="ko-KR" dirty="0"/>
-              <a:t>)</a:t>
-            </a:r>
-            <a:endParaRPr lang="ko-KR" altLang="en-US" dirty="0"/>
+              <a:t>Tomcat default thread </a:t>
+            </a:r>
+            <a:r>
+              <a:rPr lang="ko-KR" altLang="en-US" dirty="0"/>
+              <a:t>개수 </a:t>
+            </a:r>
+            <a:r>
+              <a:rPr lang="en-US" altLang="ko-KR" dirty="0"/>
+              <a:t>: 200</a:t>
+            </a:r>
+            <a:r>
+              <a:rPr lang="ko-KR" altLang="en-US" dirty="0"/>
+              <a:t>개</a:t>
+            </a:r>
           </a:p>
         </p:txBody>
       </p:sp>
@@ -1042,7 +1029,7 @@
     </p:spTree>
     <p:extLst>
       <p:ext uri="{BB962C8B-B14F-4D97-AF65-F5344CB8AC3E}">
-        <p14:creationId xmlns:p14="http://schemas.microsoft.com/office/powerpoint/2010/main" val="280591175"/>
+        <p14:creationId xmlns:p14="http://schemas.microsoft.com/office/powerpoint/2010/main" val="5469521"/>
       </p:ext>
     </p:extLst>
   </p:cSld>
@@ -1098,1184 +1085,42 @@
           <a:p>
             <a:r>
               <a:rPr lang="en-US" altLang="ko-KR" dirty="0"/>
-              <a:t>thread</a:t>
-            </a:r>
-            <a:r>
-              <a:rPr lang="ko-KR" altLang="en-US" dirty="0"/>
-              <a:t>가 </a:t>
-            </a:r>
-            <a:r>
-              <a:rPr lang="en-US" altLang="ko-KR" dirty="0"/>
-              <a:t>block </a:t>
-            </a:r>
-            <a:r>
-              <a:rPr lang="ko-KR" altLang="en-US" dirty="0"/>
-              <a:t>된다고 </a:t>
-            </a:r>
-            <a:r>
-              <a:rPr lang="en-US" altLang="ko-KR" dirty="0"/>
-              <a:t>core</a:t>
-            </a:r>
-            <a:r>
-              <a:rPr lang="ko-KR" altLang="en-US" dirty="0"/>
-              <a:t>가 정지하진 않습니다</a:t>
-            </a:r>
-            <a:r>
-              <a:rPr lang="en-US" altLang="ko-KR" dirty="0"/>
-              <a:t>.</a:t>
-            </a:r>
-          </a:p>
-          <a:p>
-            <a:endParaRPr lang="en-US" altLang="ko-KR" dirty="0"/>
-          </a:p>
-          <a:p>
-            <a:pPr marL="0" marR="0" lvl="0" indent="0" algn="l" defTabSz="685800" rtl="0" eaLnBrk="1" fontAlgn="auto" latinLnBrk="1" hangingPunct="1">
-              <a:lnSpc>
-                <a:spcPct val="100000"/>
-              </a:lnSpc>
-              <a:spcBef>
-                <a:spcPts val="0"/>
-              </a:spcBef>
-              <a:spcAft>
-                <a:spcPts val="0"/>
-              </a:spcAft>
-              <a:buClrTx/>
-              <a:buSzTx/>
-              <a:buFontTx/>
-              <a:buNone/>
-              <a:tabLst/>
-              <a:defRPr/>
-            </a:pPr>
-            <a:r>
-              <a:rPr lang="en-US" altLang="ko-KR" dirty="0"/>
-              <a:t>Thread</a:t>
-            </a:r>
-            <a:r>
-              <a:rPr lang="ko-KR" altLang="en-US" dirty="0"/>
-              <a:t>에 </a:t>
-            </a:r>
-            <a:r>
-              <a:rPr lang="en-US" altLang="ko-KR" b="1" u="sng" dirty="0"/>
-              <a:t>I/O blocking, CPU </a:t>
-            </a:r>
-            <a:r>
-              <a:rPr lang="ko-KR" altLang="en-US" b="1" u="sng" dirty="0"/>
-              <a:t>사용시간 만료</a:t>
-            </a:r>
-            <a:r>
-              <a:rPr lang="en-US" altLang="ko-KR" b="1" u="sng" dirty="0"/>
-              <a:t>, </a:t>
-            </a:r>
-            <a:r>
-              <a:rPr lang="ko-KR" altLang="en-US" b="1" u="sng" dirty="0"/>
-              <a:t>자식 프로세스 생성</a:t>
-            </a:r>
-            <a:r>
-              <a:rPr lang="en-US" altLang="ko-KR" b="1" u="sng" dirty="0"/>
-              <a:t>, </a:t>
-            </a:r>
-            <a:r>
-              <a:rPr lang="ko-KR" altLang="en-US" b="1" u="sng" dirty="0"/>
-              <a:t>또는 </a:t>
-            </a:r>
-            <a:r>
-              <a:rPr lang="en-US" altLang="ko-KR" b="1" u="sng" dirty="0"/>
-              <a:t>sleep </a:t>
-            </a:r>
-            <a:r>
-              <a:rPr lang="ko-KR" altLang="en-US" b="1" u="sng" dirty="0"/>
-              <a:t>등으로 처리를 양보하는 경우</a:t>
-            </a:r>
-            <a:r>
-              <a:rPr lang="en-US" altLang="ko-KR" dirty="0"/>
-              <a:t> interrupt</a:t>
-            </a:r>
-            <a:r>
-              <a:rPr lang="ko-KR" altLang="en-US" dirty="0"/>
-              <a:t>가 발생하고</a:t>
-            </a:r>
-            <a:endParaRPr lang="en-US" altLang="ko-KR" dirty="0"/>
-          </a:p>
-          <a:p>
-            <a:pPr marL="0" marR="0" lvl="0" indent="0" algn="l" defTabSz="685800" rtl="0" eaLnBrk="1" fontAlgn="auto" latinLnBrk="1" hangingPunct="1">
-              <a:lnSpc>
-                <a:spcPct val="100000"/>
-              </a:lnSpc>
-              <a:spcBef>
-                <a:spcPts val="0"/>
-              </a:spcBef>
-              <a:spcAft>
-                <a:spcPts val="0"/>
-              </a:spcAft>
-              <a:buClrTx/>
-              <a:buSzTx/>
-              <a:buFontTx/>
-              <a:buNone/>
-              <a:tabLst/>
-              <a:defRPr/>
-            </a:pPr>
-            <a:endParaRPr lang="en-US" altLang="ko-KR" dirty="0"/>
-          </a:p>
-          <a:p>
-            <a:pPr marL="0" marR="0" lvl="0" indent="0" algn="l" defTabSz="685800" rtl="0" eaLnBrk="1" fontAlgn="auto" latinLnBrk="1" hangingPunct="1">
-              <a:lnSpc>
-                <a:spcPct val="100000"/>
-              </a:lnSpc>
-              <a:spcBef>
-                <a:spcPts val="0"/>
-              </a:spcBef>
-              <a:spcAft>
-                <a:spcPts val="0"/>
-              </a:spcAft>
-              <a:buClrTx/>
-              <a:buSzTx/>
-              <a:buFontTx/>
-              <a:buNone/>
-              <a:tabLst/>
-              <a:defRPr/>
-            </a:pPr>
-            <a:r>
-              <a:rPr lang="en-US" altLang="ko-KR" dirty="0"/>
-              <a:t>OS </a:t>
-            </a:r>
-            <a:r>
-              <a:rPr lang="ko-KR" altLang="en-US" dirty="0"/>
-              <a:t>커널은 </a:t>
-            </a:r>
-            <a:r>
-              <a:rPr lang="en-US" altLang="ko-KR" dirty="0"/>
-              <a:t>interrupt</a:t>
-            </a:r>
-            <a:r>
-              <a:rPr lang="ko-KR" altLang="en-US" dirty="0"/>
-              <a:t>가 발생한 </a:t>
-            </a:r>
-            <a:r>
-              <a:rPr lang="en-US" altLang="ko-KR" dirty="0"/>
-              <a:t>thread</a:t>
-            </a:r>
-            <a:r>
-              <a:rPr lang="ko-KR" altLang="en-US" dirty="0"/>
-              <a:t> 는 </a:t>
-            </a:r>
-            <a:r>
-              <a:rPr lang="en-US" altLang="ko-KR" dirty="0"/>
-              <a:t>wait </a:t>
-            </a:r>
-            <a:r>
-              <a:rPr lang="ko-KR" altLang="en-US" dirty="0"/>
-              <a:t>상태로 마킹하고 실행을 중지시키고</a:t>
-            </a:r>
-            <a:r>
-              <a:rPr lang="en-US" altLang="ko-KR" dirty="0"/>
-              <a:t>, runnable </a:t>
-            </a:r>
-            <a:r>
-              <a:rPr lang="ko-KR" altLang="en-US" dirty="0"/>
-              <a:t>상태로 </a:t>
-            </a:r>
-            <a:r>
-              <a:rPr lang="ko-KR" altLang="en-US" dirty="0" err="1"/>
-              <a:t>마킹되어</a:t>
-            </a:r>
-            <a:r>
-              <a:rPr lang="ko-KR" altLang="en-US" dirty="0"/>
-              <a:t> 있는 다른 </a:t>
-            </a:r>
-            <a:r>
-              <a:rPr lang="en-US" altLang="ko-KR" dirty="0"/>
-              <a:t>thread </a:t>
-            </a:r>
-            <a:r>
-              <a:rPr lang="ko-KR" altLang="en-US" dirty="0"/>
-              <a:t>를 실행합니다</a:t>
-            </a:r>
-            <a:r>
-              <a:rPr lang="en-US" altLang="ko-KR" dirty="0"/>
-              <a:t>.</a:t>
-            </a:r>
-          </a:p>
-          <a:p>
-            <a:pPr marL="0" marR="0" lvl="0" indent="0" algn="l" defTabSz="685800" rtl="0" eaLnBrk="1" fontAlgn="auto" latinLnBrk="1" hangingPunct="1">
-              <a:lnSpc>
-                <a:spcPct val="100000"/>
-              </a:lnSpc>
-              <a:spcBef>
-                <a:spcPts val="0"/>
-              </a:spcBef>
-              <a:spcAft>
-                <a:spcPts val="0"/>
-              </a:spcAft>
-              <a:buClrTx/>
-              <a:buSzTx/>
-              <a:buFontTx/>
-              <a:buNone/>
-              <a:tabLst/>
-              <a:defRPr/>
-            </a:pPr>
-            <a:endParaRPr lang="en-US" altLang="ko-KR" dirty="0"/>
-          </a:p>
-          <a:p>
-            <a:pPr marL="0" marR="0" lvl="0" indent="0" algn="l" defTabSz="685800" rtl="0" eaLnBrk="1" fontAlgn="auto" latinLnBrk="1" hangingPunct="1">
-              <a:lnSpc>
-                <a:spcPct val="100000"/>
-              </a:lnSpc>
-              <a:spcBef>
-                <a:spcPts val="0"/>
-              </a:spcBef>
-              <a:spcAft>
-                <a:spcPts val="0"/>
-              </a:spcAft>
-              <a:buClrTx/>
-              <a:buSzTx/>
-              <a:buFontTx/>
-              <a:buNone/>
-              <a:tabLst/>
-              <a:defRPr/>
-            </a:pPr>
-            <a:r>
-              <a:rPr lang="ko-KR" altLang="en-US" dirty="0"/>
-              <a:t>즉 </a:t>
-            </a:r>
-            <a:r>
-              <a:rPr lang="en-US" altLang="ko-KR" dirty="0"/>
-              <a:t>Core</a:t>
-            </a:r>
-            <a:r>
-              <a:rPr lang="ko-KR" altLang="en-US" dirty="0"/>
-              <a:t>는 노는 시간이 없다는 건데요</a:t>
-            </a:r>
-            <a:r>
-              <a:rPr lang="en-US" altLang="ko-KR" dirty="0"/>
-              <a:t>.</a:t>
-            </a:r>
-          </a:p>
-          <a:p>
-            <a:pPr marL="0" marR="0" lvl="0" indent="0" algn="l" defTabSz="685800" rtl="0" eaLnBrk="1" fontAlgn="auto" latinLnBrk="1" hangingPunct="1">
-              <a:lnSpc>
-                <a:spcPct val="100000"/>
-              </a:lnSpc>
-              <a:spcBef>
-                <a:spcPts val="0"/>
-              </a:spcBef>
-              <a:spcAft>
-                <a:spcPts val="0"/>
-              </a:spcAft>
-              <a:buClrTx/>
-              <a:buSzTx/>
-              <a:buFontTx/>
-              <a:buNone/>
-              <a:tabLst/>
-              <a:defRPr/>
-            </a:pPr>
-            <a:endParaRPr lang="en-US" altLang="ko-KR" dirty="0"/>
-          </a:p>
-          <a:p>
-            <a:pPr marL="0" marR="0" lvl="0" indent="0" algn="l" defTabSz="685800" rtl="0" eaLnBrk="1" fontAlgn="auto" latinLnBrk="1" hangingPunct="1">
-              <a:lnSpc>
-                <a:spcPct val="100000"/>
-              </a:lnSpc>
-              <a:spcBef>
-                <a:spcPts val="0"/>
-              </a:spcBef>
-              <a:spcAft>
-                <a:spcPts val="0"/>
-              </a:spcAft>
-              <a:buClrTx/>
-              <a:buSzTx/>
-              <a:buFontTx/>
-              <a:buNone/>
-              <a:tabLst/>
-              <a:defRPr/>
-            </a:pPr>
-            <a:r>
-              <a:rPr lang="en-US" altLang="ko-KR" dirty="0"/>
-              <a:t>…</a:t>
-            </a:r>
-          </a:p>
-          <a:p>
-            <a:pPr marL="0" marR="0" lvl="0" indent="0" algn="l" defTabSz="685800" rtl="0" eaLnBrk="1" fontAlgn="auto" latinLnBrk="1" hangingPunct="1">
-              <a:lnSpc>
-                <a:spcPct val="100000"/>
-              </a:lnSpc>
-              <a:spcBef>
-                <a:spcPts val="0"/>
-              </a:spcBef>
-              <a:spcAft>
-                <a:spcPts val="0"/>
-              </a:spcAft>
-              <a:buClrTx/>
-              <a:buSzTx/>
-              <a:buFontTx/>
-              <a:buNone/>
-              <a:tabLst/>
-              <a:defRPr/>
-            </a:pPr>
-            <a:endParaRPr lang="en-US" altLang="ko-KR" dirty="0"/>
-          </a:p>
-          <a:p>
-            <a:pPr marL="0" marR="0" lvl="0" indent="0" algn="l" defTabSz="685800" rtl="0" eaLnBrk="1" fontAlgn="auto" latinLnBrk="1" hangingPunct="1">
-              <a:lnSpc>
-                <a:spcPct val="100000"/>
-              </a:lnSpc>
-              <a:spcBef>
-                <a:spcPts val="0"/>
-              </a:spcBef>
-              <a:spcAft>
-                <a:spcPts val="0"/>
-              </a:spcAft>
-              <a:buClrTx/>
-              <a:buSzTx/>
-              <a:buFontTx/>
-              <a:buNone/>
-              <a:tabLst/>
-              <a:defRPr/>
-            </a:pPr>
-            <a:r>
-              <a:rPr lang="ko-KR" altLang="en-US" dirty="0"/>
-              <a:t>잠깐만요</a:t>
-            </a:r>
-            <a:r>
-              <a:rPr lang="en-US" altLang="ko-KR" dirty="0"/>
-              <a:t>.</a:t>
-            </a:r>
-          </a:p>
-          <a:p>
-            <a:pPr marL="0" marR="0" lvl="0" indent="0" algn="l" defTabSz="685800" rtl="0" eaLnBrk="1" fontAlgn="auto" latinLnBrk="1" hangingPunct="1">
-              <a:lnSpc>
-                <a:spcPct val="100000"/>
-              </a:lnSpc>
-              <a:spcBef>
-                <a:spcPts val="0"/>
-              </a:spcBef>
-              <a:spcAft>
-                <a:spcPts val="0"/>
-              </a:spcAft>
-              <a:buClrTx/>
-              <a:buSzTx/>
-              <a:buFontTx/>
-              <a:buNone/>
-              <a:tabLst/>
-              <a:defRPr/>
-            </a:pPr>
-            <a:endParaRPr lang="en-US" altLang="ko-KR" dirty="0"/>
-          </a:p>
-          <a:p>
-            <a:pPr marL="0" marR="0" lvl="0" indent="0" algn="l" defTabSz="685800" rtl="0" eaLnBrk="1" fontAlgn="auto" latinLnBrk="1" hangingPunct="1">
-              <a:lnSpc>
-                <a:spcPct val="100000"/>
-              </a:lnSpc>
-              <a:spcBef>
-                <a:spcPts val="0"/>
-              </a:spcBef>
-              <a:spcAft>
-                <a:spcPts val="0"/>
-              </a:spcAft>
-              <a:buClrTx/>
-              <a:buSzTx/>
-              <a:buFontTx/>
-              <a:buNone/>
-              <a:tabLst/>
-              <a:defRPr/>
-            </a:pPr>
-            <a:r>
-              <a:rPr lang="en-US" altLang="ko-KR" dirty="0"/>
-              <a:t>Thread</a:t>
-            </a:r>
-            <a:r>
-              <a:rPr lang="ko-KR" altLang="en-US" dirty="0"/>
-              <a:t>의 </a:t>
-            </a:r>
-            <a:r>
-              <a:rPr lang="en-US" altLang="ko-KR" dirty="0"/>
-              <a:t>I/O blocking </a:t>
-            </a:r>
-            <a:r>
-              <a:rPr lang="ko-KR" altLang="en-US" dirty="0"/>
-              <a:t>이 대체 뭐가 문제란 걸까요 </a:t>
-            </a:r>
-            <a:r>
-              <a:rPr lang="en-US" altLang="ko-KR" dirty="0"/>
-              <a:t>?</a:t>
-            </a:r>
-          </a:p>
-          <a:p>
-            <a:pPr marL="0" marR="0" lvl="0" indent="0" algn="l" defTabSz="685800" rtl="0" eaLnBrk="1" fontAlgn="auto" latinLnBrk="1" hangingPunct="1">
-              <a:lnSpc>
-                <a:spcPct val="100000"/>
-              </a:lnSpc>
-              <a:spcBef>
-                <a:spcPts val="0"/>
-              </a:spcBef>
-              <a:spcAft>
-                <a:spcPts val="0"/>
-              </a:spcAft>
-              <a:buClrTx/>
-              <a:buSzTx/>
-              <a:buFontTx/>
-              <a:buNone/>
-              <a:tabLst/>
-              <a:defRPr/>
-            </a:pPr>
-            <a:endParaRPr lang="en-US" altLang="ko-KR" dirty="0"/>
-          </a:p>
-          <a:p>
-            <a:pPr marL="0" marR="0" lvl="0" indent="0" algn="l" defTabSz="685800" rtl="0" eaLnBrk="1" fontAlgn="auto" latinLnBrk="1" hangingPunct="1">
-              <a:lnSpc>
-                <a:spcPct val="100000"/>
-              </a:lnSpc>
-              <a:spcBef>
-                <a:spcPts val="0"/>
-              </a:spcBef>
-              <a:spcAft>
-                <a:spcPts val="0"/>
-              </a:spcAft>
-              <a:buClrTx/>
-              <a:buSzTx/>
-              <a:buFontTx/>
-              <a:buNone/>
-              <a:tabLst/>
-              <a:defRPr/>
-            </a:pPr>
-            <a:r>
-              <a:rPr lang="en-US" altLang="ko-KR" dirty="0"/>
-              <a:t>I/O blocking </a:t>
-            </a:r>
-            <a:r>
-              <a:rPr lang="ko-KR" altLang="en-US" dirty="0"/>
-              <a:t>되는 동안 억지로 다른 일을 시키지 않아도 </a:t>
-            </a:r>
-            <a:r>
-              <a:rPr lang="en-US" altLang="ko-KR" dirty="0"/>
-              <a:t>core</a:t>
-            </a:r>
-            <a:r>
-              <a:rPr lang="ko-KR" altLang="en-US" dirty="0"/>
-              <a:t>는 효율적으로 일을 하는데</a:t>
-            </a:r>
-            <a:r>
-              <a:rPr lang="en-US" altLang="ko-KR" dirty="0"/>
-              <a:t>, </a:t>
-            </a:r>
-            <a:r>
-              <a:rPr lang="ko-KR" altLang="en-US" dirty="0"/>
-              <a:t>굳이 </a:t>
-            </a:r>
-            <a:r>
-              <a:rPr lang="en-US" altLang="ko-KR" dirty="0"/>
-              <a:t>I/O Non-blocking </a:t>
-            </a:r>
-            <a:r>
-              <a:rPr lang="ko-KR" altLang="en-US" dirty="0"/>
-              <a:t>을 고집해야 할 이유가 있을까요 </a:t>
-            </a:r>
-            <a:r>
-              <a:rPr lang="en-US" altLang="ko-KR" dirty="0"/>
-              <a:t>?</a:t>
-            </a:r>
-          </a:p>
-          <a:p>
-            <a:pPr marL="0" marR="0" lvl="0" indent="0" algn="l" defTabSz="685800" rtl="0" eaLnBrk="1" fontAlgn="auto" latinLnBrk="1" hangingPunct="1">
-              <a:lnSpc>
-                <a:spcPct val="100000"/>
-              </a:lnSpc>
-              <a:spcBef>
-                <a:spcPts val="0"/>
-              </a:spcBef>
-              <a:spcAft>
-                <a:spcPts val="0"/>
-              </a:spcAft>
-              <a:buClrTx/>
-              <a:buSzTx/>
-              <a:buFontTx/>
-              <a:buNone/>
-              <a:tabLst/>
-              <a:defRPr/>
-            </a:pPr>
-            <a:r>
-              <a:rPr lang="en-US" altLang="ko-KR" dirty="0"/>
-              <a:t>I/O non-blocking </a:t>
-            </a:r>
-            <a:r>
-              <a:rPr lang="ko-KR" altLang="en-US" dirty="0"/>
-              <a:t>이 왜 빠르다고들 하는 걸까요 </a:t>
-            </a:r>
-            <a:r>
-              <a:rPr lang="en-US" altLang="ko-KR" dirty="0"/>
-              <a:t>?</a:t>
-            </a:r>
-          </a:p>
-          <a:p>
-            <a:pPr marL="0" marR="0" lvl="0" indent="0" algn="l" defTabSz="685800" rtl="0" eaLnBrk="1" fontAlgn="auto" latinLnBrk="1" hangingPunct="1">
-              <a:lnSpc>
-                <a:spcPct val="100000"/>
-              </a:lnSpc>
-              <a:spcBef>
-                <a:spcPts val="0"/>
-              </a:spcBef>
-              <a:spcAft>
-                <a:spcPts val="0"/>
-              </a:spcAft>
-              <a:buClrTx/>
-              <a:buSzTx/>
-              <a:buFontTx/>
-              <a:buNone/>
-              <a:tabLst/>
-              <a:defRPr/>
-            </a:pPr>
-            <a:endParaRPr lang="en-US" altLang="ko-KR" dirty="0"/>
-          </a:p>
-          <a:p>
-            <a:pPr marL="0" marR="0" lvl="0" indent="0" algn="l" defTabSz="685800" rtl="0" eaLnBrk="1" fontAlgn="auto" latinLnBrk="1" hangingPunct="1">
-              <a:lnSpc>
-                <a:spcPct val="100000"/>
-              </a:lnSpc>
-              <a:spcBef>
-                <a:spcPts val="0"/>
-              </a:spcBef>
-              <a:spcAft>
-                <a:spcPts val="0"/>
-              </a:spcAft>
-              <a:buClrTx/>
-              <a:buSzTx/>
-              <a:buFontTx/>
-              <a:buNone/>
-              <a:tabLst/>
-              <a:defRPr/>
-            </a:pPr>
-            <a:endParaRPr lang="en-US" altLang="ko-KR" dirty="0"/>
-          </a:p>
-          <a:p>
-            <a:r>
-              <a:rPr lang="en-US" altLang="ko-KR" b="1" dirty="0"/>
-              <a:t>Context switching</a:t>
-            </a:r>
-          </a:p>
-          <a:p>
-            <a:endParaRPr lang="en-US" altLang="ko-KR" dirty="0"/>
-          </a:p>
-          <a:p>
-            <a:r>
-              <a:rPr lang="en-US" altLang="ko-KR" dirty="0"/>
-              <a:t>CPU</a:t>
-            </a:r>
-            <a:r>
-              <a:rPr lang="ko-KR" altLang="en-US" dirty="0"/>
-              <a:t>가 현재 작업중인 </a:t>
-            </a:r>
-            <a:r>
-              <a:rPr lang="en-US" altLang="ko-KR" dirty="0"/>
-              <a:t>thread</a:t>
-            </a:r>
-            <a:r>
-              <a:rPr lang="ko-KR" altLang="en-US" dirty="0"/>
-              <a:t>를 중지시키고 다른 </a:t>
-            </a:r>
-            <a:r>
-              <a:rPr lang="en-US" altLang="ko-KR" dirty="0"/>
-              <a:t>thread</a:t>
-            </a:r>
-            <a:r>
-              <a:rPr lang="ko-KR" altLang="en-US" dirty="0"/>
-              <a:t>를 실행시키기 위해서는</a:t>
-            </a:r>
-            <a:endParaRPr lang="en-US" altLang="ko-KR" dirty="0"/>
-          </a:p>
-          <a:p>
-            <a:r>
-              <a:rPr lang="ko-KR" altLang="en-US" dirty="0"/>
-              <a:t>지금까지의 </a:t>
-            </a:r>
-            <a:r>
-              <a:rPr lang="en-US" altLang="ko-KR" dirty="0"/>
-              <a:t>thread </a:t>
-            </a:r>
-            <a:r>
-              <a:rPr lang="ko-KR" altLang="en-US" dirty="0"/>
-              <a:t>상태를 저장하고</a:t>
-            </a:r>
-            <a:r>
-              <a:rPr lang="en-US" altLang="ko-KR" dirty="0"/>
-              <a:t>, </a:t>
-            </a:r>
-            <a:r>
-              <a:rPr lang="ko-KR" altLang="en-US" dirty="0"/>
-              <a:t>새 </a:t>
-            </a:r>
-            <a:r>
-              <a:rPr lang="en-US" altLang="ko-KR" dirty="0"/>
-              <a:t>thread </a:t>
-            </a:r>
-            <a:r>
-              <a:rPr lang="ko-KR" altLang="en-US" dirty="0"/>
-              <a:t>의 상태를 복원해야 합니다</a:t>
-            </a:r>
-            <a:r>
-              <a:rPr lang="en-US" altLang="ko-KR" dirty="0"/>
-              <a:t>.</a:t>
-            </a:r>
-          </a:p>
-          <a:p>
-            <a:r>
-              <a:rPr lang="ko-KR" altLang="en-US" dirty="0"/>
-              <a:t>이 과정을 </a:t>
-            </a:r>
-            <a:r>
-              <a:rPr lang="en-US" altLang="ko-KR" dirty="0"/>
-              <a:t>Thread context switching </a:t>
-            </a:r>
-            <a:r>
-              <a:rPr lang="ko-KR" altLang="en-US" dirty="0"/>
-              <a:t>이라 부릅니다</a:t>
-            </a:r>
-            <a:r>
-              <a:rPr lang="en-US" altLang="ko-KR" dirty="0"/>
-              <a:t>.</a:t>
-            </a:r>
-          </a:p>
-          <a:p>
-            <a:endParaRPr lang="en-US" altLang="ko-KR" dirty="0"/>
-          </a:p>
-          <a:p>
-            <a:r>
-              <a:rPr lang="ko-KR" altLang="en-US" dirty="0"/>
-              <a:t>복원해야 할 정보는</a:t>
-            </a:r>
-            <a:r>
-              <a:rPr lang="en-US" altLang="ko-KR" dirty="0"/>
-              <a:t>,</a:t>
-            </a:r>
-            <a:r>
-              <a:rPr lang="ko-KR" altLang="en-US" dirty="0"/>
-              <a:t> </a:t>
-            </a:r>
-            <a:r>
-              <a:rPr lang="en-US" altLang="ko-KR" dirty="0"/>
-              <a:t>Thread</a:t>
-            </a:r>
-            <a:r>
-              <a:rPr lang="ko-KR" altLang="en-US" dirty="0"/>
-              <a:t>간 메모리를 공유하기 때문에 </a:t>
-            </a:r>
-            <a:r>
-              <a:rPr lang="en-US" altLang="ko-KR" dirty="0"/>
-              <a:t>process context switching </a:t>
-            </a:r>
-            <a:r>
-              <a:rPr lang="ko-KR" altLang="en-US" dirty="0"/>
-              <a:t>에 비해 훨씬 작긴 하지만</a:t>
-            </a:r>
-            <a:r>
-              <a:rPr lang="en-US" altLang="ko-KR" dirty="0"/>
-              <a:t>, </a:t>
-            </a:r>
-            <a:r>
-              <a:rPr lang="ko-KR" altLang="en-US" dirty="0"/>
-              <a:t>레지스터</a:t>
-            </a:r>
-            <a:r>
-              <a:rPr lang="en-US" altLang="ko-KR" dirty="0"/>
-              <a:t>, </a:t>
-            </a:r>
-            <a:r>
-              <a:rPr lang="ko-KR" altLang="en-US" dirty="0"/>
-              <a:t>스택 포인터</a:t>
-            </a:r>
-            <a:r>
-              <a:rPr lang="en-US" altLang="ko-KR" dirty="0"/>
-              <a:t>, </a:t>
-            </a:r>
-            <a:r>
-              <a:rPr lang="ko-KR" altLang="en-US" dirty="0"/>
-              <a:t>프로그램 카운터 등을 저장하고 복원해야 합니다</a:t>
-            </a:r>
-            <a:r>
-              <a:rPr lang="en-US" altLang="ko-KR" dirty="0"/>
-              <a:t>.</a:t>
-            </a:r>
-          </a:p>
-          <a:p>
-            <a:r>
-              <a:rPr lang="en-US" altLang="ko-KR" dirty="0"/>
-              <a:t>Thread</a:t>
-            </a:r>
-            <a:r>
-              <a:rPr lang="ko-KR" altLang="en-US" dirty="0"/>
-              <a:t>는 </a:t>
-            </a:r>
-            <a:r>
-              <a:rPr lang="en-US" altLang="ko-KR" dirty="0"/>
-              <a:t>User mode</a:t>
-            </a:r>
-            <a:r>
-              <a:rPr lang="ko-KR" altLang="en-US" dirty="0"/>
-              <a:t>와 </a:t>
-            </a:r>
-            <a:r>
-              <a:rPr lang="en-US" altLang="ko-KR" dirty="0"/>
-              <a:t>Kernel mode</a:t>
-            </a:r>
-            <a:r>
-              <a:rPr lang="ko-KR" altLang="en-US" dirty="0" err="1"/>
-              <a:t>란게</a:t>
-            </a:r>
-            <a:r>
-              <a:rPr lang="ko-KR" altLang="en-US" dirty="0"/>
-              <a:t> 있는데</a:t>
-            </a:r>
-            <a:r>
-              <a:rPr lang="en-US" altLang="ko-KR" dirty="0"/>
-              <a:t>, Java</a:t>
-            </a:r>
-            <a:r>
-              <a:rPr lang="ko-KR" altLang="en-US" dirty="0"/>
-              <a:t>는 </a:t>
-            </a:r>
-            <a:r>
-              <a:rPr lang="en-US" altLang="ko-KR" dirty="0"/>
-              <a:t>User mode</a:t>
-            </a:r>
-            <a:r>
-              <a:rPr lang="ko-KR" altLang="en-US" dirty="0"/>
-              <a:t>과 </a:t>
-            </a:r>
-            <a:r>
-              <a:rPr lang="en-US" altLang="ko-KR" dirty="0"/>
-              <a:t>Kernel mode</a:t>
-            </a:r>
-            <a:r>
-              <a:rPr lang="ko-KR" altLang="en-US" dirty="0"/>
-              <a:t>가 </a:t>
-            </a:r>
-            <a:r>
-              <a:rPr lang="en-US" altLang="ko-KR" dirty="0"/>
-              <a:t>1:1</a:t>
-            </a:r>
-            <a:r>
-              <a:rPr lang="ko-KR" altLang="en-US" dirty="0"/>
-              <a:t>이기 때문에 이 </a:t>
-            </a:r>
-            <a:r>
-              <a:rPr lang="en-US" altLang="ko-KR" dirty="0"/>
-              <a:t>mode </a:t>
-            </a:r>
-            <a:r>
-              <a:rPr lang="ko-KR" altLang="en-US" dirty="0"/>
-              <a:t>전환에도 </a:t>
-            </a:r>
-            <a:r>
-              <a:rPr lang="en-US" altLang="ko-KR" dirty="0"/>
-              <a:t>switching </a:t>
-            </a:r>
-            <a:r>
-              <a:rPr lang="ko-KR" altLang="en-US" dirty="0"/>
-              <a:t>비용이 발생합니다</a:t>
-            </a:r>
-            <a:r>
-              <a:rPr lang="en-US" altLang="ko-KR" dirty="0"/>
-              <a:t>.</a:t>
-            </a:r>
-          </a:p>
-          <a:p>
-            <a:pPr marL="0" marR="0" lvl="0" indent="0" algn="l" defTabSz="685800" rtl="0" eaLnBrk="1" fontAlgn="auto" latinLnBrk="1" hangingPunct="1">
-              <a:lnSpc>
-                <a:spcPct val="100000"/>
-              </a:lnSpc>
-              <a:spcBef>
-                <a:spcPts val="0"/>
-              </a:spcBef>
-              <a:spcAft>
-                <a:spcPts val="0"/>
-              </a:spcAft>
-              <a:buClrTx/>
-              <a:buSzTx/>
-              <a:buFontTx/>
-              <a:buNone/>
-              <a:tabLst/>
-              <a:defRPr/>
-            </a:pPr>
-            <a:r>
-              <a:rPr lang="ko-KR" altLang="en-US" dirty="0"/>
-              <a:t>마지막으로</a:t>
-            </a:r>
-            <a:r>
-              <a:rPr lang="en-US" altLang="ko-KR" dirty="0"/>
-              <a:t>, thread</a:t>
-            </a:r>
-            <a:r>
-              <a:rPr lang="ko-KR" altLang="en-US" dirty="0"/>
-              <a:t>가 실행되던 </a:t>
-            </a:r>
-            <a:r>
-              <a:rPr lang="en-US" altLang="ko-KR" dirty="0"/>
-              <a:t>core</a:t>
-            </a:r>
-            <a:r>
-              <a:rPr lang="ko-KR" altLang="en-US" dirty="0"/>
-              <a:t>가 바뀌면 대량의 </a:t>
-            </a:r>
-            <a:r>
-              <a:rPr lang="en-US" altLang="ko-KR" dirty="0"/>
-              <a:t>cache miss</a:t>
-            </a:r>
-            <a:r>
-              <a:rPr lang="ko-KR" altLang="en-US" dirty="0"/>
-              <a:t>가 발생하여 전환비용이 더 커집니다</a:t>
-            </a:r>
-            <a:r>
-              <a:rPr lang="en-US" altLang="ko-KR" dirty="0"/>
-              <a:t>.</a:t>
-            </a:r>
-          </a:p>
-          <a:p>
-            <a:endParaRPr lang="en-US" altLang="ko-KR" dirty="0"/>
-          </a:p>
-          <a:p>
-            <a:r>
-              <a:rPr lang="ko-KR" altLang="en-US" dirty="0"/>
-              <a:t>이런 전환비용은 대략 </a:t>
-            </a:r>
-            <a:r>
-              <a:rPr lang="en-US" altLang="ko-KR" dirty="0"/>
-              <a:t>20 us ~ 20 </a:t>
+              <a:t>Thread </a:t>
+            </a:r>
+            <a:r>
+              <a:rPr lang="ko-KR" altLang="en-US" dirty="0"/>
+              <a:t>개수는 </a:t>
+            </a:r>
+            <a:r>
+              <a:rPr lang="en-US" altLang="ko-KR" dirty="0"/>
+              <a:t>Core </a:t>
+            </a:r>
+            <a:r>
+              <a:rPr lang="ko-KR" altLang="en-US" dirty="0"/>
+              <a:t>수 </a:t>
+            </a:r>
+            <a:r>
+              <a:rPr lang="en-US" altLang="ko-KR" dirty="0"/>
+              <a:t>* 2</a:t>
+            </a:r>
+          </a:p>
+          <a:p>
+            <a:r>
+              <a:rPr lang="en-US" altLang="ko-KR" dirty="0"/>
+              <a:t>(</a:t>
             </a:r>
             <a:r>
               <a:rPr lang="en-US" altLang="ko-KR" dirty="0" err="1"/>
-              <a:t>ms</a:t>
-            </a:r>
-            <a:r>
-              <a:rPr lang="en-US" altLang="ko-KR" dirty="0"/>
-              <a:t> </a:t>
-            </a:r>
-            <a:r>
-              <a:rPr lang="ko-KR" altLang="en-US" dirty="0"/>
-              <a:t>정도 소요된다고 하며</a:t>
-            </a:r>
-            <a:endParaRPr lang="en-US" altLang="ko-KR" dirty="0"/>
-          </a:p>
-          <a:p>
-            <a:r>
-              <a:rPr lang="en-US" altLang="ko-KR" dirty="0"/>
-              <a:t>(https://blog.tsunanet.net/2010/11/how-long-does-it-take-to-make-context.html)</a:t>
-            </a:r>
-          </a:p>
-          <a:p>
-            <a:endParaRPr lang="en-US" altLang="ko-KR" dirty="0"/>
-          </a:p>
-          <a:p>
-            <a:r>
-              <a:rPr lang="ko-KR" altLang="en-US" dirty="0"/>
-              <a:t>이 시간동안 </a:t>
-            </a:r>
-            <a:r>
-              <a:rPr lang="en-US" altLang="ko-KR" dirty="0"/>
-              <a:t>core</a:t>
-            </a:r>
-            <a:r>
-              <a:rPr lang="ko-KR" altLang="en-US" dirty="0"/>
-              <a:t>는 아무런 작업을 하지 않습니다</a:t>
-            </a:r>
-            <a:r>
-              <a:rPr lang="en-US" altLang="ko-KR" dirty="0"/>
-              <a:t>. core </a:t>
-            </a:r>
-            <a:r>
-              <a:rPr lang="ko-KR" altLang="en-US" dirty="0"/>
-              <a:t>실행이 </a:t>
-            </a:r>
-            <a:r>
-              <a:rPr lang="en-US" altLang="ko-KR" dirty="0"/>
-              <a:t>block </a:t>
-            </a:r>
-            <a:r>
-              <a:rPr lang="ko-KR" altLang="en-US" dirty="0" err="1"/>
-              <a:t>되는거죠</a:t>
-            </a:r>
-            <a:r>
-              <a:rPr lang="en-US" altLang="ko-KR" dirty="0"/>
-              <a:t>.</a:t>
-            </a:r>
-          </a:p>
-          <a:p>
-            <a:endParaRPr lang="en-US" altLang="ko-KR" dirty="0"/>
-          </a:p>
-          <a:p>
-            <a:r>
-              <a:rPr lang="ko-KR" altLang="en-US" dirty="0"/>
-              <a:t>저희가 서버를 </a:t>
-            </a:r>
-            <a:r>
-              <a:rPr lang="ko-KR" altLang="en-US" dirty="0" err="1"/>
-              <a:t>할당받을</a:t>
-            </a:r>
-            <a:r>
-              <a:rPr lang="ko-KR" altLang="en-US" dirty="0"/>
-              <a:t> 때</a:t>
-            </a:r>
-            <a:r>
-              <a:rPr lang="en-US" altLang="ko-KR" dirty="0"/>
-              <a:t>, VM</a:t>
-            </a:r>
-            <a:r>
-              <a:rPr lang="ko-KR" altLang="en-US" dirty="0"/>
-              <a:t>의 </a:t>
-            </a:r>
-            <a:r>
-              <a:rPr lang="en-US" altLang="ko-KR" dirty="0"/>
-              <a:t>core</a:t>
-            </a:r>
-            <a:r>
-              <a:rPr lang="ko-KR" altLang="en-US" dirty="0"/>
-              <a:t>는 보통 </a:t>
-            </a:r>
-            <a:r>
-              <a:rPr lang="en-US" altLang="ko-KR" dirty="0"/>
-              <a:t>2</a:t>
-            </a:r>
-            <a:r>
-              <a:rPr lang="ko-KR" altLang="en-US" dirty="0"/>
-              <a:t>개 </a:t>
-            </a:r>
-            <a:r>
-              <a:rPr lang="en-US" altLang="ko-KR" dirty="0"/>
-              <a:t>~ 4</a:t>
-            </a:r>
-            <a:r>
-              <a:rPr lang="ko-KR" altLang="en-US" dirty="0"/>
-              <a:t>개 정도일 겁니다</a:t>
-            </a:r>
-            <a:r>
-              <a:rPr lang="en-US" altLang="ko-KR" dirty="0"/>
-              <a:t>.</a:t>
-            </a:r>
-          </a:p>
-          <a:p>
-            <a:r>
-              <a:rPr lang="ko-KR" altLang="en-US" dirty="0"/>
-              <a:t>여기에 </a:t>
-            </a:r>
-            <a:r>
-              <a:rPr lang="en-US" altLang="ko-KR" dirty="0"/>
-              <a:t>thread </a:t>
-            </a:r>
-            <a:r>
-              <a:rPr lang="ko-KR" altLang="en-US" dirty="0"/>
-              <a:t>를 </a:t>
-            </a:r>
-            <a:r>
-              <a:rPr lang="en-US" altLang="ko-KR" dirty="0"/>
-              <a:t>1000</a:t>
-            </a:r>
-            <a:r>
-              <a:rPr lang="ko-KR" altLang="en-US" dirty="0"/>
-              <a:t>개 띄운다고 가정해보면</a:t>
-            </a:r>
-            <a:endParaRPr lang="en-US" altLang="ko-KR" dirty="0"/>
-          </a:p>
-          <a:p>
-            <a:endParaRPr lang="en-US" altLang="ko-KR" dirty="0"/>
-          </a:p>
-          <a:p>
-            <a:r>
-              <a:rPr lang="ko-KR" altLang="en-US" dirty="0"/>
-              <a:t>부하가 적어 </a:t>
-            </a:r>
-            <a:r>
-              <a:rPr lang="en-US" altLang="ko-KR" dirty="0"/>
-              <a:t>working thread </a:t>
-            </a:r>
-            <a:r>
-              <a:rPr lang="ko-KR" altLang="en-US" dirty="0"/>
-              <a:t>가 얼마 안 될 때는 아무런 문제가 되지 않습니다</a:t>
-            </a:r>
-            <a:r>
-              <a:rPr lang="en-US" altLang="ko-KR" dirty="0"/>
-              <a:t>.</a:t>
-            </a:r>
-          </a:p>
-          <a:p>
-            <a:r>
-              <a:rPr lang="en-US" altLang="ko-KR" dirty="0"/>
-              <a:t>CPU </a:t>
-            </a:r>
-            <a:r>
-              <a:rPr lang="ko-KR" altLang="en-US" dirty="0"/>
-              <a:t>경합이 발생하지 않아</a:t>
-            </a:r>
-            <a:r>
-              <a:rPr lang="en-US" altLang="ko-KR" dirty="0"/>
-              <a:t>, thread </a:t>
-            </a:r>
-            <a:r>
-              <a:rPr lang="ko-KR" altLang="en-US" dirty="0"/>
-              <a:t>는 처음 </a:t>
-            </a:r>
-            <a:r>
-              <a:rPr lang="ko-KR" altLang="en-US" dirty="0" err="1"/>
-              <a:t>할당받은</a:t>
-            </a:r>
-            <a:r>
-              <a:rPr lang="ko-KR" altLang="en-US" dirty="0"/>
-              <a:t> </a:t>
-            </a:r>
-            <a:r>
-              <a:rPr lang="en-US" altLang="ko-KR" dirty="0"/>
-              <a:t>core</a:t>
-            </a:r>
-            <a:r>
-              <a:rPr lang="ko-KR" altLang="en-US" dirty="0"/>
-              <a:t>에서 계속 실행될 </a:t>
-            </a:r>
-            <a:r>
-              <a:rPr lang="ko-KR" altLang="en-US" dirty="0" err="1"/>
-              <a:t>꺼고</a:t>
-            </a:r>
-            <a:r>
-              <a:rPr lang="en-US" altLang="ko-KR" dirty="0"/>
-              <a:t>, context switching </a:t>
-            </a:r>
-            <a:r>
-              <a:rPr lang="ko-KR" altLang="en-US" dirty="0"/>
-              <a:t>은 큰 비용손실 없이 자연스럽게 처리될 겁니다</a:t>
-            </a:r>
-            <a:r>
-              <a:rPr lang="en-US" altLang="ko-KR" dirty="0"/>
-              <a:t>.</a:t>
-            </a:r>
-          </a:p>
-          <a:p>
-            <a:endParaRPr lang="en-US" altLang="ko-KR" dirty="0"/>
-          </a:p>
-          <a:p>
-            <a:r>
-              <a:rPr lang="ko-KR" altLang="en-US" dirty="0"/>
-              <a:t>그런데</a:t>
-            </a:r>
-            <a:r>
-              <a:rPr lang="en-US" altLang="ko-KR" dirty="0"/>
-              <a:t>, </a:t>
-            </a:r>
-            <a:r>
-              <a:rPr lang="ko-KR" altLang="en-US" dirty="0"/>
-              <a:t>부하가 많아져서 </a:t>
-            </a:r>
-            <a:r>
-              <a:rPr lang="en-US" altLang="ko-KR" dirty="0"/>
-              <a:t>1000</a:t>
-            </a:r>
-            <a:r>
-              <a:rPr lang="ko-KR" altLang="en-US" dirty="0"/>
-              <a:t>개 </a:t>
-            </a:r>
-            <a:r>
-              <a:rPr lang="en-US" altLang="ko-KR" dirty="0"/>
-              <a:t>thread </a:t>
-            </a:r>
-            <a:r>
-              <a:rPr lang="ko-KR" altLang="en-US" dirty="0"/>
-              <a:t>가 모두 일하는 상황이 된다면</a:t>
-            </a:r>
-            <a:r>
-              <a:rPr lang="en-US" altLang="ko-KR" dirty="0"/>
-              <a:t>,</a:t>
-            </a:r>
-          </a:p>
-          <a:p>
-            <a:r>
-              <a:rPr lang="ko-KR" altLang="en-US" dirty="0"/>
-              <a:t>적은 </a:t>
-            </a:r>
-            <a:r>
-              <a:rPr lang="en-US" altLang="ko-KR" dirty="0"/>
-              <a:t>core</a:t>
-            </a:r>
-            <a:r>
-              <a:rPr lang="ko-KR" altLang="en-US" dirty="0"/>
-              <a:t>를 차지하기 위해 </a:t>
-            </a:r>
-            <a:r>
-              <a:rPr lang="en-US" altLang="ko-KR" dirty="0"/>
-              <a:t>thread </a:t>
-            </a:r>
-            <a:r>
-              <a:rPr lang="ko-KR" altLang="en-US" dirty="0"/>
-              <a:t>간 경합이 발생하며</a:t>
-            </a:r>
-            <a:endParaRPr lang="en-US" altLang="ko-KR" dirty="0"/>
-          </a:p>
-          <a:p>
-            <a:r>
-              <a:rPr lang="en-US" altLang="ko-KR" dirty="0"/>
-              <a:t>core</a:t>
-            </a:r>
-            <a:r>
-              <a:rPr lang="ko-KR" altLang="en-US" dirty="0"/>
-              <a:t>에서 분할 실행되는 </a:t>
-            </a:r>
-            <a:r>
-              <a:rPr lang="en-US" altLang="ko-KR" dirty="0"/>
-              <a:t>thread </a:t>
-            </a:r>
-            <a:r>
-              <a:rPr lang="ko-KR" altLang="en-US" dirty="0"/>
-              <a:t>개수가 많아지고</a:t>
-            </a:r>
-            <a:r>
-              <a:rPr lang="en-US" altLang="ko-KR" dirty="0"/>
-              <a:t>, </a:t>
-            </a:r>
-            <a:r>
-              <a:rPr lang="ko-KR" altLang="en-US" dirty="0"/>
-              <a:t>이는 그만큼 </a:t>
-            </a:r>
-            <a:r>
-              <a:rPr lang="en-US" altLang="ko-KR" dirty="0"/>
-              <a:t>context switching </a:t>
-            </a:r>
-            <a:r>
-              <a:rPr lang="ko-KR" altLang="en-US" dirty="0"/>
-              <a:t>회수가 많아지게 되므로</a:t>
-            </a:r>
-            <a:endParaRPr lang="en-US" altLang="ko-KR" dirty="0"/>
-          </a:p>
-          <a:p>
-            <a:endParaRPr lang="en-US" altLang="ko-KR" dirty="0"/>
-          </a:p>
-          <a:p>
-            <a:r>
-              <a:rPr lang="ko-KR" altLang="en-US" dirty="0"/>
-              <a:t>결과적으로 </a:t>
-            </a:r>
-            <a:r>
-              <a:rPr lang="en-US" altLang="ko-KR" dirty="0"/>
-              <a:t>context switching </a:t>
-            </a:r>
-            <a:r>
-              <a:rPr lang="ko-KR" altLang="en-US" dirty="0"/>
-              <a:t>비용 총합이 커지는 결과를 초래합니다</a:t>
-            </a:r>
-            <a:r>
-              <a:rPr lang="en-US" altLang="ko-KR" dirty="0"/>
-              <a:t>. </a:t>
-            </a:r>
-            <a:r>
-              <a:rPr lang="ko-KR" altLang="en-US" dirty="0"/>
-              <a:t>즉</a:t>
-            </a:r>
-            <a:r>
-              <a:rPr lang="en-US" altLang="ko-KR" dirty="0"/>
-              <a:t>, core</a:t>
-            </a:r>
-            <a:r>
-              <a:rPr lang="ko-KR" altLang="en-US" dirty="0"/>
-              <a:t>에 불필요한 부하가 걸려 처리 지연으로 이어집니다</a:t>
-            </a:r>
-            <a:r>
-              <a:rPr lang="en-US" altLang="ko-KR" dirty="0"/>
-              <a:t>.</a:t>
-            </a:r>
-          </a:p>
-          <a:p>
+              <a:t>Netty</a:t>
+            </a:r>
+            <a:r>
+              <a:rPr lang="ko-KR" altLang="en-US" dirty="0"/>
+              <a:t>가 자동 결정</a:t>
+            </a:r>
+            <a:r>
+              <a:rPr lang="en-US" altLang="ko-KR" dirty="0"/>
+              <a:t>)</a:t>
+            </a:r>
             <a:endParaRPr lang="ko-KR" altLang="en-US" dirty="0"/>
           </a:p>
         </p:txBody>
@@ -2306,7 +1151,7 @@
     </p:spTree>
     <p:extLst>
       <p:ext uri="{BB962C8B-B14F-4D97-AF65-F5344CB8AC3E}">
-        <p14:creationId xmlns:p14="http://schemas.microsoft.com/office/powerpoint/2010/main" val="2132203688"/>
+        <p14:creationId xmlns:p14="http://schemas.microsoft.com/office/powerpoint/2010/main" val="280591175"/>
       </p:ext>
     </p:extLst>
   </p:cSld>
@@ -2366,42 +1211,894 @@
             </a:r>
             <a:r>
               <a:rPr lang="ko-KR" altLang="en-US" dirty="0"/>
+              <a:t>가 </a:t>
+            </a:r>
+            <a:r>
+              <a:rPr lang="en-US" altLang="ko-KR" dirty="0"/>
+              <a:t>block </a:t>
+            </a:r>
+            <a:r>
+              <a:rPr lang="ko-KR" altLang="en-US" dirty="0"/>
+              <a:t>된다고 </a:t>
+            </a:r>
+            <a:r>
+              <a:rPr lang="en-US" altLang="ko-KR" dirty="0"/>
+              <a:t>core</a:t>
+            </a:r>
+            <a:r>
+              <a:rPr lang="ko-KR" altLang="en-US" dirty="0"/>
+              <a:t>가 정지하진 않습니다</a:t>
+            </a:r>
+            <a:r>
+              <a:rPr lang="en-US" altLang="ko-KR" dirty="0"/>
+              <a:t>.</a:t>
+            </a:r>
+          </a:p>
+          <a:p>
+            <a:endParaRPr lang="en-US" altLang="ko-KR" dirty="0"/>
+          </a:p>
+          <a:p>
+            <a:pPr marL="0" marR="0" lvl="0" indent="0" algn="l" defTabSz="685800" rtl="0" eaLnBrk="1" fontAlgn="auto" latinLnBrk="1" hangingPunct="1">
+              <a:lnSpc>
+                <a:spcPct val="100000"/>
+              </a:lnSpc>
+              <a:spcBef>
+                <a:spcPts val="0"/>
+              </a:spcBef>
+              <a:spcAft>
+                <a:spcPts val="0"/>
+              </a:spcAft>
+              <a:buClrTx/>
+              <a:buSzTx/>
+              <a:buFontTx/>
+              <a:buNone/>
+              <a:tabLst/>
+              <a:defRPr/>
+            </a:pPr>
+            <a:r>
+              <a:rPr lang="en-US" altLang="ko-KR" dirty="0"/>
+              <a:t>Thread</a:t>
+            </a:r>
+            <a:r>
+              <a:rPr lang="ko-KR" altLang="en-US" dirty="0"/>
+              <a:t>에 </a:t>
+            </a:r>
+            <a:r>
+              <a:rPr lang="en-US" altLang="ko-KR" b="1" u="sng" dirty="0"/>
+              <a:t>I/O blocking, CPU </a:t>
+            </a:r>
+            <a:r>
+              <a:rPr lang="ko-KR" altLang="en-US" b="1" u="sng" dirty="0"/>
+              <a:t>사용시간 만료</a:t>
+            </a:r>
+            <a:r>
+              <a:rPr lang="en-US" altLang="ko-KR" b="1" u="sng" dirty="0"/>
+              <a:t>, </a:t>
+            </a:r>
+            <a:r>
+              <a:rPr lang="ko-KR" altLang="en-US" b="1" u="sng" dirty="0"/>
+              <a:t>자식 프로세스 생성</a:t>
+            </a:r>
+            <a:r>
+              <a:rPr lang="en-US" altLang="ko-KR" b="1" u="sng" dirty="0"/>
+              <a:t>, </a:t>
+            </a:r>
+            <a:r>
+              <a:rPr lang="ko-KR" altLang="en-US" b="1" u="sng" dirty="0"/>
+              <a:t>또는 </a:t>
+            </a:r>
+            <a:r>
+              <a:rPr lang="en-US" altLang="ko-KR" b="1" u="sng" dirty="0"/>
+              <a:t>sleep </a:t>
+            </a:r>
+            <a:r>
+              <a:rPr lang="ko-KR" altLang="en-US" b="1" u="sng" dirty="0"/>
+              <a:t>등으로 처리를 양보하는 경우</a:t>
+            </a:r>
+            <a:r>
+              <a:rPr lang="en-US" altLang="ko-KR" dirty="0"/>
+              <a:t> interrupt</a:t>
+            </a:r>
+            <a:r>
+              <a:rPr lang="ko-KR" altLang="en-US" dirty="0"/>
+              <a:t>가 발생하고</a:t>
+            </a:r>
+            <a:endParaRPr lang="en-US" altLang="ko-KR" dirty="0"/>
+          </a:p>
+          <a:p>
+            <a:pPr marL="0" marR="0" lvl="0" indent="0" algn="l" defTabSz="685800" rtl="0" eaLnBrk="1" fontAlgn="auto" latinLnBrk="1" hangingPunct="1">
+              <a:lnSpc>
+                <a:spcPct val="100000"/>
+              </a:lnSpc>
+              <a:spcBef>
+                <a:spcPts val="0"/>
+              </a:spcBef>
+              <a:spcAft>
+                <a:spcPts val="0"/>
+              </a:spcAft>
+              <a:buClrTx/>
+              <a:buSzTx/>
+              <a:buFontTx/>
+              <a:buNone/>
+              <a:tabLst/>
+              <a:defRPr/>
+            </a:pPr>
+            <a:endParaRPr lang="en-US" altLang="ko-KR" dirty="0"/>
+          </a:p>
+          <a:p>
+            <a:pPr marL="0" marR="0" lvl="0" indent="0" algn="l" defTabSz="685800" rtl="0" eaLnBrk="1" fontAlgn="auto" latinLnBrk="1" hangingPunct="1">
+              <a:lnSpc>
+                <a:spcPct val="100000"/>
+              </a:lnSpc>
+              <a:spcBef>
+                <a:spcPts val="0"/>
+              </a:spcBef>
+              <a:spcAft>
+                <a:spcPts val="0"/>
+              </a:spcAft>
+              <a:buClrTx/>
+              <a:buSzTx/>
+              <a:buFontTx/>
+              <a:buNone/>
+              <a:tabLst/>
+              <a:defRPr/>
+            </a:pPr>
+            <a:r>
+              <a:rPr lang="en-US" altLang="ko-KR" dirty="0"/>
+              <a:t>OS </a:t>
+            </a:r>
+            <a:r>
+              <a:rPr lang="ko-KR" altLang="en-US" dirty="0"/>
+              <a:t>커널은 </a:t>
+            </a:r>
+            <a:r>
+              <a:rPr lang="en-US" altLang="ko-KR" dirty="0"/>
+              <a:t>interrupt</a:t>
+            </a:r>
+            <a:r>
+              <a:rPr lang="ko-KR" altLang="en-US" dirty="0"/>
+              <a:t>가 발생한 </a:t>
+            </a:r>
+            <a:r>
+              <a:rPr lang="en-US" altLang="ko-KR" dirty="0"/>
+              <a:t>thread</a:t>
+            </a:r>
+            <a:r>
+              <a:rPr lang="ko-KR" altLang="en-US" dirty="0"/>
+              <a:t> 는 </a:t>
+            </a:r>
+            <a:r>
+              <a:rPr lang="en-US" altLang="ko-KR" dirty="0"/>
+              <a:t>wait </a:t>
+            </a:r>
+            <a:r>
+              <a:rPr lang="ko-KR" altLang="en-US" dirty="0"/>
+              <a:t>상태로 마킹하고 실행을 중지시키고</a:t>
+            </a:r>
+            <a:r>
+              <a:rPr lang="en-US" altLang="ko-KR" dirty="0"/>
+              <a:t>, runnable </a:t>
+            </a:r>
+            <a:r>
+              <a:rPr lang="ko-KR" altLang="en-US" dirty="0"/>
+              <a:t>상태로 </a:t>
+            </a:r>
+            <a:r>
+              <a:rPr lang="ko-KR" altLang="en-US" dirty="0" err="1"/>
+              <a:t>마킹되어</a:t>
+            </a:r>
+            <a:r>
+              <a:rPr lang="ko-KR" altLang="en-US" dirty="0"/>
+              <a:t> 있는 다른 </a:t>
+            </a:r>
+            <a:r>
+              <a:rPr lang="en-US" altLang="ko-KR" dirty="0"/>
+              <a:t>thread </a:t>
+            </a:r>
+            <a:r>
+              <a:rPr lang="ko-KR" altLang="en-US" dirty="0"/>
+              <a:t>를 실행합니다</a:t>
+            </a:r>
+            <a:r>
+              <a:rPr lang="en-US" altLang="ko-KR" dirty="0"/>
+              <a:t>.</a:t>
+            </a:r>
+          </a:p>
+          <a:p>
+            <a:pPr marL="0" marR="0" lvl="0" indent="0" algn="l" defTabSz="685800" rtl="0" eaLnBrk="1" fontAlgn="auto" latinLnBrk="1" hangingPunct="1">
+              <a:lnSpc>
+                <a:spcPct val="100000"/>
+              </a:lnSpc>
+              <a:spcBef>
+                <a:spcPts val="0"/>
+              </a:spcBef>
+              <a:spcAft>
+                <a:spcPts val="0"/>
+              </a:spcAft>
+              <a:buClrTx/>
+              <a:buSzTx/>
+              <a:buFontTx/>
+              <a:buNone/>
+              <a:tabLst/>
+              <a:defRPr/>
+            </a:pPr>
+            <a:endParaRPr lang="en-US" altLang="ko-KR" dirty="0"/>
+          </a:p>
+          <a:p>
+            <a:pPr marL="0" marR="0" lvl="0" indent="0" algn="l" defTabSz="685800" rtl="0" eaLnBrk="1" fontAlgn="auto" latinLnBrk="1" hangingPunct="1">
+              <a:lnSpc>
+                <a:spcPct val="100000"/>
+              </a:lnSpc>
+              <a:spcBef>
+                <a:spcPts val="0"/>
+              </a:spcBef>
+              <a:spcAft>
+                <a:spcPts val="0"/>
+              </a:spcAft>
+              <a:buClrTx/>
+              <a:buSzTx/>
+              <a:buFontTx/>
+              <a:buNone/>
+              <a:tabLst/>
+              <a:defRPr/>
+            </a:pPr>
+            <a:r>
+              <a:rPr lang="ko-KR" altLang="en-US" dirty="0"/>
+              <a:t>즉 </a:t>
+            </a:r>
+            <a:r>
+              <a:rPr lang="en-US" altLang="ko-KR" dirty="0"/>
+              <a:t>Core</a:t>
+            </a:r>
+            <a:r>
+              <a:rPr lang="ko-KR" altLang="en-US" dirty="0"/>
+              <a:t>는 노는 시간이 없다는 건데요</a:t>
+            </a:r>
+            <a:r>
+              <a:rPr lang="en-US" altLang="ko-KR" dirty="0"/>
+              <a:t>.</a:t>
+            </a:r>
+          </a:p>
+          <a:p>
+            <a:pPr marL="0" marR="0" lvl="0" indent="0" algn="l" defTabSz="685800" rtl="0" eaLnBrk="1" fontAlgn="auto" latinLnBrk="1" hangingPunct="1">
+              <a:lnSpc>
+                <a:spcPct val="100000"/>
+              </a:lnSpc>
+              <a:spcBef>
+                <a:spcPts val="0"/>
+              </a:spcBef>
+              <a:spcAft>
+                <a:spcPts val="0"/>
+              </a:spcAft>
+              <a:buClrTx/>
+              <a:buSzTx/>
+              <a:buFontTx/>
+              <a:buNone/>
+              <a:tabLst/>
+              <a:defRPr/>
+            </a:pPr>
+            <a:endParaRPr lang="en-US" altLang="ko-KR" dirty="0"/>
+          </a:p>
+          <a:p>
+            <a:pPr marL="0" marR="0" lvl="0" indent="0" algn="l" defTabSz="685800" rtl="0" eaLnBrk="1" fontAlgn="auto" latinLnBrk="1" hangingPunct="1">
+              <a:lnSpc>
+                <a:spcPct val="100000"/>
+              </a:lnSpc>
+              <a:spcBef>
+                <a:spcPts val="0"/>
+              </a:spcBef>
+              <a:spcAft>
+                <a:spcPts val="0"/>
+              </a:spcAft>
+              <a:buClrTx/>
+              <a:buSzTx/>
+              <a:buFontTx/>
+              <a:buNone/>
+              <a:tabLst/>
+              <a:defRPr/>
+            </a:pPr>
+            <a:r>
+              <a:rPr lang="en-US" altLang="ko-KR" dirty="0"/>
+              <a:t>…</a:t>
+            </a:r>
+          </a:p>
+          <a:p>
+            <a:pPr marL="0" marR="0" lvl="0" indent="0" algn="l" defTabSz="685800" rtl="0" eaLnBrk="1" fontAlgn="auto" latinLnBrk="1" hangingPunct="1">
+              <a:lnSpc>
+                <a:spcPct val="100000"/>
+              </a:lnSpc>
+              <a:spcBef>
+                <a:spcPts val="0"/>
+              </a:spcBef>
+              <a:spcAft>
+                <a:spcPts val="0"/>
+              </a:spcAft>
+              <a:buClrTx/>
+              <a:buSzTx/>
+              <a:buFontTx/>
+              <a:buNone/>
+              <a:tabLst/>
+              <a:defRPr/>
+            </a:pPr>
+            <a:endParaRPr lang="en-US" altLang="ko-KR" dirty="0"/>
+          </a:p>
+          <a:p>
+            <a:pPr marL="0" marR="0" lvl="0" indent="0" algn="l" defTabSz="685800" rtl="0" eaLnBrk="1" fontAlgn="auto" latinLnBrk="1" hangingPunct="1">
+              <a:lnSpc>
+                <a:spcPct val="100000"/>
+              </a:lnSpc>
+              <a:spcBef>
+                <a:spcPts val="0"/>
+              </a:spcBef>
+              <a:spcAft>
+                <a:spcPts val="0"/>
+              </a:spcAft>
+              <a:buClrTx/>
+              <a:buSzTx/>
+              <a:buFontTx/>
+              <a:buNone/>
+              <a:tabLst/>
+              <a:defRPr/>
+            </a:pPr>
+            <a:r>
+              <a:rPr lang="ko-KR" altLang="en-US" dirty="0"/>
+              <a:t>잠깐만요</a:t>
+            </a:r>
+            <a:r>
+              <a:rPr lang="en-US" altLang="ko-KR" dirty="0"/>
+              <a:t>.</a:t>
+            </a:r>
+          </a:p>
+          <a:p>
+            <a:pPr marL="0" marR="0" lvl="0" indent="0" algn="l" defTabSz="685800" rtl="0" eaLnBrk="1" fontAlgn="auto" latinLnBrk="1" hangingPunct="1">
+              <a:lnSpc>
+                <a:spcPct val="100000"/>
+              </a:lnSpc>
+              <a:spcBef>
+                <a:spcPts val="0"/>
+              </a:spcBef>
+              <a:spcAft>
+                <a:spcPts val="0"/>
+              </a:spcAft>
+              <a:buClrTx/>
+              <a:buSzTx/>
+              <a:buFontTx/>
+              <a:buNone/>
+              <a:tabLst/>
+              <a:defRPr/>
+            </a:pPr>
+            <a:endParaRPr lang="en-US" altLang="ko-KR" dirty="0"/>
+          </a:p>
+          <a:p>
+            <a:pPr marL="0" marR="0" lvl="0" indent="0" algn="l" defTabSz="685800" rtl="0" eaLnBrk="1" fontAlgn="auto" latinLnBrk="1" hangingPunct="1">
+              <a:lnSpc>
+                <a:spcPct val="100000"/>
+              </a:lnSpc>
+              <a:spcBef>
+                <a:spcPts val="0"/>
+              </a:spcBef>
+              <a:spcAft>
+                <a:spcPts val="0"/>
+              </a:spcAft>
+              <a:buClrTx/>
+              <a:buSzTx/>
+              <a:buFontTx/>
+              <a:buNone/>
+              <a:tabLst/>
+              <a:defRPr/>
+            </a:pPr>
+            <a:r>
+              <a:rPr lang="en-US" altLang="ko-KR" dirty="0"/>
+              <a:t>Thread</a:t>
+            </a:r>
+            <a:r>
+              <a:rPr lang="ko-KR" altLang="en-US" dirty="0"/>
+              <a:t>의 </a:t>
+            </a:r>
+            <a:r>
+              <a:rPr lang="en-US" altLang="ko-KR" dirty="0"/>
+              <a:t>I/O blocking </a:t>
+            </a:r>
+            <a:r>
+              <a:rPr lang="ko-KR" altLang="en-US" dirty="0"/>
+              <a:t>이 대체 뭐가 문제란 걸까요 </a:t>
+            </a:r>
+            <a:r>
+              <a:rPr lang="en-US" altLang="ko-KR" dirty="0"/>
+              <a:t>?</a:t>
+            </a:r>
+          </a:p>
+          <a:p>
+            <a:pPr marL="0" marR="0" lvl="0" indent="0" algn="l" defTabSz="685800" rtl="0" eaLnBrk="1" fontAlgn="auto" latinLnBrk="1" hangingPunct="1">
+              <a:lnSpc>
+                <a:spcPct val="100000"/>
+              </a:lnSpc>
+              <a:spcBef>
+                <a:spcPts val="0"/>
+              </a:spcBef>
+              <a:spcAft>
+                <a:spcPts val="0"/>
+              </a:spcAft>
+              <a:buClrTx/>
+              <a:buSzTx/>
+              <a:buFontTx/>
+              <a:buNone/>
+              <a:tabLst/>
+              <a:defRPr/>
+            </a:pPr>
+            <a:endParaRPr lang="en-US" altLang="ko-KR" dirty="0"/>
+          </a:p>
+          <a:p>
+            <a:pPr marL="0" marR="0" lvl="0" indent="0" algn="l" defTabSz="685800" rtl="0" eaLnBrk="1" fontAlgn="auto" latinLnBrk="1" hangingPunct="1">
+              <a:lnSpc>
+                <a:spcPct val="100000"/>
+              </a:lnSpc>
+              <a:spcBef>
+                <a:spcPts val="0"/>
+              </a:spcBef>
+              <a:spcAft>
+                <a:spcPts val="0"/>
+              </a:spcAft>
+              <a:buClrTx/>
+              <a:buSzTx/>
+              <a:buFontTx/>
+              <a:buNone/>
+              <a:tabLst/>
+              <a:defRPr/>
+            </a:pPr>
+            <a:r>
+              <a:rPr lang="en-US" altLang="ko-KR" dirty="0"/>
+              <a:t>I/O blocking </a:t>
+            </a:r>
+            <a:r>
+              <a:rPr lang="ko-KR" altLang="en-US" dirty="0"/>
+              <a:t>되는 동안 억지로 다른 일을 시키지 않아도 </a:t>
+            </a:r>
+            <a:r>
+              <a:rPr lang="en-US" altLang="ko-KR" dirty="0"/>
+              <a:t>core</a:t>
+            </a:r>
+            <a:r>
+              <a:rPr lang="ko-KR" altLang="en-US" dirty="0"/>
+              <a:t>는 효율적으로 일을 하는데</a:t>
+            </a:r>
+            <a:r>
+              <a:rPr lang="en-US" altLang="ko-KR" dirty="0"/>
+              <a:t>, </a:t>
+            </a:r>
+            <a:r>
+              <a:rPr lang="ko-KR" altLang="en-US" dirty="0"/>
+              <a:t>굳이 </a:t>
+            </a:r>
+            <a:r>
+              <a:rPr lang="en-US" altLang="ko-KR" dirty="0"/>
+              <a:t>I/O Non-blocking </a:t>
+            </a:r>
+            <a:r>
+              <a:rPr lang="ko-KR" altLang="en-US" dirty="0"/>
+              <a:t>을 고집해야 할 이유가 있을까요 </a:t>
+            </a:r>
+            <a:r>
+              <a:rPr lang="en-US" altLang="ko-KR" dirty="0"/>
+              <a:t>?</a:t>
+            </a:r>
+          </a:p>
+          <a:p>
+            <a:pPr marL="0" marR="0" lvl="0" indent="0" algn="l" defTabSz="685800" rtl="0" eaLnBrk="1" fontAlgn="auto" latinLnBrk="1" hangingPunct="1">
+              <a:lnSpc>
+                <a:spcPct val="100000"/>
+              </a:lnSpc>
+              <a:spcBef>
+                <a:spcPts val="0"/>
+              </a:spcBef>
+              <a:spcAft>
+                <a:spcPts val="0"/>
+              </a:spcAft>
+              <a:buClrTx/>
+              <a:buSzTx/>
+              <a:buFontTx/>
+              <a:buNone/>
+              <a:tabLst/>
+              <a:defRPr/>
+            </a:pPr>
+            <a:r>
+              <a:rPr lang="en-US" altLang="ko-KR" dirty="0"/>
+              <a:t>I/O non-blocking </a:t>
+            </a:r>
+            <a:r>
+              <a:rPr lang="ko-KR" altLang="en-US" dirty="0"/>
+              <a:t>이 왜 빠르다고들 하는 걸까요 </a:t>
+            </a:r>
+            <a:r>
+              <a:rPr lang="en-US" altLang="ko-KR" dirty="0"/>
+              <a:t>?</a:t>
+            </a:r>
+          </a:p>
+          <a:p>
+            <a:pPr marL="0" marR="0" lvl="0" indent="0" algn="l" defTabSz="685800" rtl="0" eaLnBrk="1" fontAlgn="auto" latinLnBrk="1" hangingPunct="1">
+              <a:lnSpc>
+                <a:spcPct val="100000"/>
+              </a:lnSpc>
+              <a:spcBef>
+                <a:spcPts val="0"/>
+              </a:spcBef>
+              <a:spcAft>
+                <a:spcPts val="0"/>
+              </a:spcAft>
+              <a:buClrTx/>
+              <a:buSzTx/>
+              <a:buFontTx/>
+              <a:buNone/>
+              <a:tabLst/>
+              <a:defRPr/>
+            </a:pPr>
+            <a:endParaRPr lang="en-US" altLang="ko-KR" dirty="0"/>
+          </a:p>
+          <a:p>
+            <a:pPr marL="0" marR="0" lvl="0" indent="0" algn="l" defTabSz="685800" rtl="0" eaLnBrk="1" fontAlgn="auto" latinLnBrk="1" hangingPunct="1">
+              <a:lnSpc>
+                <a:spcPct val="100000"/>
+              </a:lnSpc>
+              <a:spcBef>
+                <a:spcPts val="0"/>
+              </a:spcBef>
+              <a:spcAft>
+                <a:spcPts val="0"/>
+              </a:spcAft>
+              <a:buClrTx/>
+              <a:buSzTx/>
+              <a:buFontTx/>
+              <a:buNone/>
+              <a:tabLst/>
+              <a:defRPr/>
+            </a:pPr>
+            <a:endParaRPr lang="en-US" altLang="ko-KR" dirty="0"/>
+          </a:p>
+          <a:p>
+            <a:r>
+              <a:rPr lang="en-US" altLang="ko-KR" b="1" dirty="0"/>
+              <a:t>Context switching</a:t>
+            </a:r>
+          </a:p>
+          <a:p>
+            <a:endParaRPr lang="en-US" altLang="ko-KR" dirty="0"/>
+          </a:p>
+          <a:p>
+            <a:r>
+              <a:rPr lang="en-US" altLang="ko-KR" dirty="0"/>
+              <a:t>CPU</a:t>
+            </a:r>
+            <a:r>
+              <a:rPr lang="ko-KR" altLang="en-US" dirty="0"/>
+              <a:t>가 현재 작업중인 </a:t>
+            </a:r>
+            <a:r>
+              <a:rPr lang="en-US" altLang="ko-KR" dirty="0"/>
+              <a:t>thread</a:t>
+            </a:r>
+            <a:r>
+              <a:rPr lang="ko-KR" altLang="en-US" dirty="0"/>
+              <a:t>를 중지시키고 다른 </a:t>
+            </a:r>
+            <a:r>
+              <a:rPr lang="en-US" altLang="ko-KR" dirty="0"/>
+              <a:t>thread</a:t>
+            </a:r>
+            <a:r>
+              <a:rPr lang="ko-KR" altLang="en-US" dirty="0"/>
+              <a:t>를 실행시키기 위해서는</a:t>
+            </a:r>
+            <a:endParaRPr lang="en-US" altLang="ko-KR" dirty="0"/>
+          </a:p>
+          <a:p>
+            <a:r>
+              <a:rPr lang="ko-KR" altLang="en-US" dirty="0"/>
+              <a:t>지금까지의 </a:t>
+            </a:r>
+            <a:r>
+              <a:rPr lang="en-US" altLang="ko-KR" dirty="0"/>
+              <a:t>thread </a:t>
+            </a:r>
+            <a:r>
+              <a:rPr lang="ko-KR" altLang="en-US" dirty="0"/>
+              <a:t>상태를 저장하고</a:t>
+            </a:r>
+            <a:r>
+              <a:rPr lang="en-US" altLang="ko-KR" dirty="0"/>
+              <a:t>, </a:t>
+            </a:r>
+            <a:r>
+              <a:rPr lang="ko-KR" altLang="en-US" dirty="0"/>
+              <a:t>새 </a:t>
+            </a:r>
+            <a:r>
+              <a:rPr lang="en-US" altLang="ko-KR" dirty="0"/>
+              <a:t>thread </a:t>
+            </a:r>
+            <a:r>
+              <a:rPr lang="ko-KR" altLang="en-US" dirty="0"/>
+              <a:t>의 상태를 복원해야 합니다</a:t>
+            </a:r>
+            <a:r>
+              <a:rPr lang="en-US" altLang="ko-KR" dirty="0"/>
+              <a:t>.</a:t>
+            </a:r>
+          </a:p>
+          <a:p>
+            <a:r>
+              <a:rPr lang="ko-KR" altLang="en-US" dirty="0"/>
+              <a:t>이 과정을 </a:t>
+            </a:r>
+            <a:r>
+              <a:rPr lang="en-US" altLang="ko-KR" dirty="0"/>
+              <a:t>Thread context switching </a:t>
+            </a:r>
+            <a:r>
+              <a:rPr lang="ko-KR" altLang="en-US" dirty="0"/>
+              <a:t>이라 부릅니다</a:t>
+            </a:r>
+            <a:r>
+              <a:rPr lang="en-US" altLang="ko-KR" dirty="0"/>
+              <a:t>.</a:t>
+            </a:r>
+          </a:p>
+          <a:p>
+            <a:endParaRPr lang="en-US" altLang="ko-KR" dirty="0"/>
+          </a:p>
+          <a:p>
+            <a:r>
+              <a:rPr lang="ko-KR" altLang="en-US" dirty="0"/>
+              <a:t>복원해야 할 정보는</a:t>
+            </a:r>
+            <a:r>
+              <a:rPr lang="en-US" altLang="ko-KR" dirty="0"/>
+              <a:t>,</a:t>
+            </a:r>
+            <a:r>
+              <a:rPr lang="ko-KR" altLang="en-US" dirty="0"/>
               <a:t> </a:t>
             </a:r>
             <a:r>
               <a:rPr lang="en-US" altLang="ko-KR" dirty="0"/>
-              <a:t>context</a:t>
-            </a:r>
-            <a:r>
-              <a:rPr lang="ko-KR" altLang="en-US" dirty="0"/>
+              <a:t>Thread</a:t>
+            </a:r>
+            <a:r>
+              <a:rPr lang="ko-KR" altLang="en-US" dirty="0"/>
+              <a:t>간 메모리를 공유하기 때문에 </a:t>
+            </a:r>
+            <a:r>
+              <a:rPr lang="en-US" altLang="ko-KR" dirty="0"/>
+              <a:t>process context switching </a:t>
+            </a:r>
+            <a:r>
+              <a:rPr lang="ko-KR" altLang="en-US" dirty="0"/>
+              <a:t>에 비해 훨씬 작긴 하지만</a:t>
+            </a:r>
+            <a:r>
+              <a:rPr lang="en-US" altLang="ko-KR" dirty="0"/>
+              <a:t>, </a:t>
+            </a:r>
+            <a:r>
+              <a:rPr lang="ko-KR" altLang="en-US" dirty="0"/>
+              <a:t>레지스터</a:t>
+            </a:r>
+            <a:r>
+              <a:rPr lang="en-US" altLang="ko-KR" dirty="0"/>
+              <a:t>, </a:t>
+            </a:r>
+            <a:r>
+              <a:rPr lang="ko-KR" altLang="en-US" dirty="0"/>
+              <a:t>스택 포인터</a:t>
+            </a:r>
+            <a:r>
+              <a:rPr lang="en-US" altLang="ko-KR" dirty="0"/>
+              <a:t>, </a:t>
+            </a:r>
+            <a:r>
+              <a:rPr lang="ko-KR" altLang="en-US" dirty="0"/>
+              <a:t>프로그램 카운터 등을 저장하고 복원해야 합니다</a:t>
+            </a:r>
+            <a:r>
+              <a:rPr lang="en-US" altLang="ko-KR" dirty="0"/>
+              <a:t>.</a:t>
+            </a:r>
+          </a:p>
+          <a:p>
+            <a:r>
+              <a:rPr lang="en-US" altLang="ko-KR" dirty="0"/>
+              <a:t>Thread</a:t>
+            </a:r>
+            <a:r>
+              <a:rPr lang="ko-KR" altLang="en-US" dirty="0"/>
+              <a:t>는 </a:t>
+            </a:r>
+            <a:r>
+              <a:rPr lang="en-US" altLang="ko-KR" dirty="0"/>
+              <a:t>User mode</a:t>
+            </a:r>
+            <a:r>
+              <a:rPr lang="ko-KR" altLang="en-US" dirty="0"/>
+              <a:t>와 </a:t>
+            </a:r>
+            <a:r>
+              <a:rPr lang="en-US" altLang="ko-KR" dirty="0"/>
+              <a:t>Kernel mode</a:t>
+            </a:r>
+            <a:r>
+              <a:rPr lang="ko-KR" altLang="en-US" dirty="0" err="1"/>
+              <a:t>란게</a:t>
+            </a:r>
+            <a:r>
+              <a:rPr lang="ko-KR" altLang="en-US" dirty="0"/>
+              <a:t> 있는데</a:t>
+            </a:r>
+            <a:r>
+              <a:rPr lang="en-US" altLang="ko-KR" dirty="0"/>
+              <a:t>, Java</a:t>
+            </a:r>
+            <a:r>
+              <a:rPr lang="ko-KR" altLang="en-US" dirty="0"/>
+              <a:t>는 </a:t>
+            </a:r>
+            <a:r>
+              <a:rPr lang="en-US" altLang="ko-KR" dirty="0"/>
+              <a:t>User mode</a:t>
+            </a:r>
+            <a:r>
+              <a:rPr lang="ko-KR" altLang="en-US" dirty="0"/>
+              <a:t>과 </a:t>
+            </a:r>
+            <a:r>
+              <a:rPr lang="en-US" altLang="ko-KR" dirty="0"/>
+              <a:t>Kernel mode</a:t>
+            </a:r>
+            <a:r>
+              <a:rPr lang="ko-KR" altLang="en-US" dirty="0"/>
+              <a:t>가 </a:t>
+            </a:r>
+            <a:r>
+              <a:rPr lang="en-US" altLang="ko-KR" dirty="0"/>
+              <a:t>1:1</a:t>
+            </a:r>
+            <a:r>
+              <a:rPr lang="ko-KR" altLang="en-US" dirty="0"/>
+              <a:t>이기 때문에 이 </a:t>
+            </a:r>
+            <a:r>
+              <a:rPr lang="en-US" altLang="ko-KR" dirty="0"/>
+              <a:t>mode </a:t>
+            </a:r>
+            <a:r>
+              <a:rPr lang="ko-KR" altLang="en-US" dirty="0"/>
+              <a:t>전환에도 </a:t>
+            </a:r>
+            <a:r>
+              <a:rPr lang="en-US" altLang="ko-KR" dirty="0"/>
+              <a:t>switching </a:t>
+            </a:r>
+            <a:r>
+              <a:rPr lang="ko-KR" altLang="en-US" dirty="0"/>
+              <a:t>비용이 발생합니다</a:t>
+            </a:r>
+            <a:r>
+              <a:rPr lang="en-US" altLang="ko-KR" dirty="0"/>
+              <a:t>.</a:t>
+            </a:r>
+          </a:p>
+          <a:p>
+            <a:pPr marL="0" marR="0" lvl="0" indent="0" algn="l" defTabSz="685800" rtl="0" eaLnBrk="1" fontAlgn="auto" latinLnBrk="1" hangingPunct="1">
+              <a:lnSpc>
+                <a:spcPct val="100000"/>
+              </a:lnSpc>
+              <a:spcBef>
+                <a:spcPts val="0"/>
+              </a:spcBef>
+              <a:spcAft>
+                <a:spcPts val="0"/>
+              </a:spcAft>
+              <a:buClrTx/>
+              <a:buSzTx/>
+              <a:buFontTx/>
+              <a:buNone/>
+              <a:tabLst/>
+              <a:defRPr/>
+            </a:pPr>
+            <a:r>
+              <a:rPr lang="ko-KR" altLang="en-US" dirty="0"/>
+              <a:t>마지막으로</a:t>
+            </a:r>
+            <a:r>
+              <a:rPr lang="en-US" altLang="ko-KR" dirty="0"/>
+              <a:t>, thread</a:t>
+            </a:r>
+            <a:r>
+              <a:rPr lang="ko-KR" altLang="en-US" dirty="0"/>
+              <a:t>가 실행되던 </a:t>
+            </a:r>
+            <a:r>
+              <a:rPr lang="en-US" altLang="ko-KR" dirty="0"/>
+              <a:t>core</a:t>
+            </a:r>
+            <a:r>
+              <a:rPr lang="ko-KR" altLang="en-US" dirty="0"/>
+              <a:t>가 바뀌면 대량의 </a:t>
+            </a:r>
+            <a:r>
+              <a:rPr lang="en-US" altLang="ko-KR" dirty="0"/>
+              <a:t>cache miss</a:t>
+            </a:r>
+            <a:r>
+              <a:rPr lang="ko-KR" altLang="en-US" dirty="0"/>
+              <a:t>가 발생하여 전환비용이 더 커집니다</a:t>
+            </a:r>
+            <a:r>
+              <a:rPr lang="en-US" altLang="ko-KR" dirty="0"/>
+              <a:t>.</a:t>
+            </a:r>
+          </a:p>
+          <a:p>
+            <a:endParaRPr lang="en-US" altLang="ko-KR" dirty="0"/>
+          </a:p>
+          <a:p>
+            <a:r>
+              <a:rPr lang="ko-KR" altLang="en-US" dirty="0"/>
+              <a:t>이런 전환비용은 대략 </a:t>
+            </a:r>
+            <a:r>
+              <a:rPr lang="en-US" altLang="ko-KR" dirty="0"/>
+              <a:t>20 us ~ 20 </a:t>
+            </a:r>
+            <a:r>
+              <a:rPr lang="en-US" altLang="ko-KR" dirty="0" err="1"/>
+              <a:t>ms</a:t>
+            </a:r>
+            <a:r>
+              <a:rPr lang="en-US" altLang="ko-KR" dirty="0"/>
               <a:t> </a:t>
             </a:r>
             <a:r>
-              <a:rPr lang="en-US" altLang="ko-KR" dirty="0"/>
-              <a:t>switching</a:t>
-            </a:r>
-            <a:r>
-              <a:rPr lang="ko-KR" altLang="en-US" dirty="0"/>
-              <a:t> 비용이 비싸다고도 하고</a:t>
+              <a:rPr lang="ko-KR" altLang="en-US" dirty="0"/>
+              <a:t>정도 소요된다고 하며</a:t>
             </a:r>
             <a:endParaRPr lang="en-US" altLang="ko-KR" dirty="0"/>
           </a:p>
           <a:p>
             <a:r>
               <a:rPr lang="en-US" altLang="ko-KR" dirty="0"/>
-              <a:t>thread 1000</a:t>
-            </a:r>
-            <a:r>
-              <a:rPr lang="ko-KR" altLang="en-US" dirty="0"/>
-              <a:t>개를 만들면 메모리는 </a:t>
-            </a:r>
-            <a:r>
-              <a:rPr lang="en-US" altLang="ko-KR" dirty="0"/>
-              <a:t>1.6G </a:t>
-            </a:r>
-            <a:r>
-              <a:rPr lang="ko-KR" altLang="en-US" dirty="0"/>
-              <a:t>잡아먹거든요</a:t>
+              <a:t>(https://blog.tsunanet.net/2010/11/how-long-does-it-take-to-make-context.html)</a:t>
+            </a:r>
+          </a:p>
+          <a:p>
+            <a:endParaRPr lang="en-US" altLang="ko-KR" dirty="0"/>
+          </a:p>
+          <a:p>
+            <a:r>
+              <a:rPr lang="ko-KR" altLang="en-US" dirty="0"/>
+              <a:t>이 시간동안 </a:t>
+            </a:r>
+            <a:r>
+              <a:rPr lang="en-US" altLang="ko-KR" dirty="0"/>
+              <a:t>core</a:t>
+            </a:r>
+            <a:r>
+              <a:rPr lang="ko-KR" altLang="en-US" dirty="0"/>
+              <a:t>는 아무런 작업을 하지 않습니다</a:t>
+            </a:r>
+            <a:r>
+              <a:rPr lang="en-US" altLang="ko-KR" dirty="0"/>
+              <a:t>. core </a:t>
+            </a:r>
+            <a:r>
+              <a:rPr lang="ko-KR" altLang="en-US" dirty="0"/>
+              <a:t>실행이 </a:t>
+            </a:r>
+            <a:r>
+              <a:rPr lang="en-US" altLang="ko-KR" dirty="0"/>
+              <a:t>block </a:t>
+            </a:r>
+            <a:r>
+              <a:rPr lang="ko-KR" altLang="en-US" dirty="0" err="1"/>
+              <a:t>되는거죠</a:t>
             </a:r>
             <a:r>
               <a:rPr lang="en-US" altLang="ko-KR" dirty="0"/>
@@ -2413,20 +2110,92 @@
           </a:p>
           <a:p>
             <a:r>
+              <a:rPr lang="ko-KR" altLang="en-US" dirty="0"/>
+              <a:t>저희가 서버를 </a:t>
+            </a:r>
+            <a:r>
+              <a:rPr lang="ko-KR" altLang="en-US" dirty="0" err="1"/>
+              <a:t>할당받을</a:t>
+            </a:r>
+            <a:r>
+              <a:rPr lang="ko-KR" altLang="en-US" dirty="0"/>
+              <a:t> 때</a:t>
+            </a:r>
+            <a:r>
+              <a:rPr lang="en-US" altLang="ko-KR" dirty="0"/>
+              <a:t>, VM</a:t>
+            </a:r>
+            <a:r>
+              <a:rPr lang="ko-KR" altLang="en-US" dirty="0"/>
+              <a:t>의 </a:t>
+            </a:r>
+            <a:r>
+              <a:rPr lang="en-US" altLang="ko-KR" dirty="0"/>
+              <a:t>core</a:t>
+            </a:r>
+            <a:r>
+              <a:rPr lang="ko-KR" altLang="en-US" dirty="0"/>
+              <a:t>는 보통 </a:t>
+            </a:r>
+            <a:r>
+              <a:rPr lang="en-US" altLang="ko-KR" dirty="0"/>
+              <a:t>2</a:t>
+            </a:r>
+            <a:r>
+              <a:rPr lang="ko-KR" altLang="en-US" dirty="0"/>
+              <a:t>개 </a:t>
+            </a:r>
+            <a:r>
+              <a:rPr lang="en-US" altLang="ko-KR" dirty="0"/>
+              <a:t>~ 4</a:t>
+            </a:r>
+            <a:r>
+              <a:rPr lang="ko-KR" altLang="en-US" dirty="0"/>
+              <a:t>개 정도일 겁니다</a:t>
+            </a:r>
+            <a:r>
+              <a:rPr lang="en-US" altLang="ko-KR" dirty="0"/>
+              <a:t>.</a:t>
+            </a:r>
+          </a:p>
+          <a:p>
+            <a:r>
+              <a:rPr lang="ko-KR" altLang="en-US" dirty="0"/>
+              <a:t>여기에 </a:t>
+            </a:r>
+            <a:r>
               <a:rPr lang="en-US" altLang="ko-KR" dirty="0"/>
               <a:t>thread </a:t>
             </a:r>
             <a:r>
               <a:rPr lang="ko-KR" altLang="en-US" dirty="0"/>
-              <a:t>를 많이 만들면</a:t>
-            </a:r>
-            <a:r>
-              <a:rPr lang="en-US" altLang="ko-KR" dirty="0"/>
-              <a:t>, CPU, </a:t>
-            </a:r>
-            <a:r>
-              <a:rPr lang="ko-KR" altLang="en-US" dirty="0"/>
-              <a:t>메모리에 부하가 생겨 좋지 않습니다</a:t>
+              <a:t>를 </a:t>
+            </a:r>
+            <a:r>
+              <a:rPr lang="en-US" altLang="ko-KR" dirty="0"/>
+              <a:t>1000</a:t>
+            </a:r>
+            <a:r>
+              <a:rPr lang="ko-KR" altLang="en-US" dirty="0"/>
+              <a:t>개 띄운다고 가정해보면</a:t>
+            </a:r>
+            <a:endParaRPr lang="en-US" altLang="ko-KR" dirty="0"/>
+          </a:p>
+          <a:p>
+            <a:endParaRPr lang="en-US" altLang="ko-KR" dirty="0"/>
+          </a:p>
+          <a:p>
+            <a:r>
+              <a:rPr lang="ko-KR" altLang="en-US" dirty="0"/>
+              <a:t>부하가 적어 </a:t>
+            </a:r>
+            <a:r>
+              <a:rPr lang="en-US" altLang="ko-KR" dirty="0"/>
+              <a:t>working thread </a:t>
+            </a:r>
+            <a:r>
+              <a:rPr lang="ko-KR" altLang="en-US" dirty="0"/>
+              <a:t>가 얼마 안 될 때는 아무런 문제가 되지 않습니다</a:t>
             </a:r>
             <a:r>
               <a:rPr lang="en-US" altLang="ko-KR" dirty="0"/>
@@ -2434,20 +2203,165 @@
             </a:r>
           </a:p>
           <a:p>
+            <a:r>
+              <a:rPr lang="en-US" altLang="ko-KR" dirty="0"/>
+              <a:t>CPU </a:t>
+            </a:r>
+            <a:r>
+              <a:rPr lang="ko-KR" altLang="en-US" dirty="0"/>
+              <a:t>경합이 발생하지 않아</a:t>
+            </a:r>
+            <a:r>
+              <a:rPr lang="en-US" altLang="ko-KR" dirty="0"/>
+              <a:t>, thread </a:t>
+            </a:r>
+            <a:r>
+              <a:rPr lang="ko-KR" altLang="en-US" dirty="0"/>
+              <a:t>는 처음 </a:t>
+            </a:r>
+            <a:r>
+              <a:rPr lang="ko-KR" altLang="en-US" dirty="0" err="1"/>
+              <a:t>할당받은</a:t>
+            </a:r>
+            <a:r>
+              <a:rPr lang="ko-KR" altLang="en-US" dirty="0"/>
+              <a:t> </a:t>
+            </a:r>
+            <a:r>
+              <a:rPr lang="en-US" altLang="ko-KR" dirty="0"/>
+              <a:t>core</a:t>
+            </a:r>
+            <a:r>
+              <a:rPr lang="ko-KR" altLang="en-US" dirty="0"/>
+              <a:t>에서 계속 실행될 </a:t>
+            </a:r>
+            <a:r>
+              <a:rPr lang="ko-KR" altLang="en-US" dirty="0" err="1"/>
+              <a:t>꺼고</a:t>
+            </a:r>
+            <a:r>
+              <a:rPr lang="en-US" altLang="ko-KR" dirty="0"/>
+              <a:t>, context switching </a:t>
+            </a:r>
+            <a:r>
+              <a:rPr lang="ko-KR" altLang="en-US" dirty="0"/>
+              <a:t>은 큰 비용손실 없이 자연스럽게 처리될 겁니다</a:t>
+            </a:r>
+            <a:r>
+              <a:rPr lang="en-US" altLang="ko-KR" dirty="0"/>
+              <a:t>.</a:t>
+            </a:r>
+          </a:p>
+          <a:p>
             <a:endParaRPr lang="en-US" altLang="ko-KR" dirty="0"/>
           </a:p>
           <a:p>
             <a:r>
               <a:rPr lang="ko-KR" altLang="en-US" dirty="0"/>
-              <a:t>그래서 이번엔 </a:t>
-            </a:r>
-            <a:r>
-              <a:rPr lang="en-US" altLang="ko-KR" dirty="0"/>
-              <a:t>thread</a:t>
-            </a:r>
-            <a:r>
-              <a:rPr lang="ko-KR" altLang="en-US" dirty="0"/>
-              <a:t>를 줄여보겠습니다</a:t>
+              <a:t>그런데</a:t>
+            </a:r>
+            <a:r>
+              <a:rPr lang="en-US" altLang="ko-KR" dirty="0"/>
+              <a:t>, </a:t>
+            </a:r>
+            <a:r>
+              <a:rPr lang="ko-KR" altLang="en-US" dirty="0"/>
+              <a:t>부하가 많아져서 </a:t>
+            </a:r>
+            <a:r>
+              <a:rPr lang="en-US" altLang="ko-KR" dirty="0"/>
+              <a:t>1000</a:t>
+            </a:r>
+            <a:r>
+              <a:rPr lang="ko-KR" altLang="en-US" dirty="0"/>
+              <a:t>개 </a:t>
+            </a:r>
+            <a:r>
+              <a:rPr lang="en-US" altLang="ko-KR" dirty="0"/>
+              <a:t>thread </a:t>
+            </a:r>
+            <a:r>
+              <a:rPr lang="ko-KR" altLang="en-US" dirty="0"/>
+              <a:t>가 모두 일하는 상황이 된다면</a:t>
+            </a:r>
+            <a:r>
+              <a:rPr lang="en-US" altLang="ko-KR" dirty="0"/>
+              <a:t>,</a:t>
+            </a:r>
+          </a:p>
+          <a:p>
+            <a:r>
+              <a:rPr lang="ko-KR" altLang="en-US" dirty="0"/>
+              <a:t>적은 </a:t>
+            </a:r>
+            <a:r>
+              <a:rPr lang="en-US" altLang="ko-KR" dirty="0"/>
+              <a:t>core</a:t>
+            </a:r>
+            <a:r>
+              <a:rPr lang="ko-KR" altLang="en-US" dirty="0"/>
+              <a:t>를 차지하기 위해 </a:t>
+            </a:r>
+            <a:r>
+              <a:rPr lang="en-US" altLang="ko-KR" dirty="0"/>
+              <a:t>thread </a:t>
+            </a:r>
+            <a:r>
+              <a:rPr lang="ko-KR" altLang="en-US" dirty="0"/>
+              <a:t>간 경합이 발생하며</a:t>
+            </a:r>
+            <a:endParaRPr lang="en-US" altLang="ko-KR" dirty="0"/>
+          </a:p>
+          <a:p>
+            <a:r>
+              <a:rPr lang="en-US" altLang="ko-KR" dirty="0"/>
+              <a:t>core</a:t>
+            </a:r>
+            <a:r>
+              <a:rPr lang="ko-KR" altLang="en-US" dirty="0"/>
+              <a:t>에서 분할 실행되는 </a:t>
+            </a:r>
+            <a:r>
+              <a:rPr lang="en-US" altLang="ko-KR" dirty="0"/>
+              <a:t>thread </a:t>
+            </a:r>
+            <a:r>
+              <a:rPr lang="ko-KR" altLang="en-US" dirty="0"/>
+              <a:t>개수가 많아지고</a:t>
+            </a:r>
+            <a:r>
+              <a:rPr lang="en-US" altLang="ko-KR" dirty="0"/>
+              <a:t>, </a:t>
+            </a:r>
+            <a:r>
+              <a:rPr lang="ko-KR" altLang="en-US" dirty="0"/>
+              <a:t>이는 그만큼 </a:t>
+            </a:r>
+            <a:r>
+              <a:rPr lang="en-US" altLang="ko-KR" dirty="0"/>
+              <a:t>context switching </a:t>
+            </a:r>
+            <a:r>
+              <a:rPr lang="ko-KR" altLang="en-US" dirty="0"/>
+              <a:t>회수가 많아지게 되므로</a:t>
+            </a:r>
+            <a:endParaRPr lang="en-US" altLang="ko-KR" dirty="0"/>
+          </a:p>
+          <a:p>
+            <a:endParaRPr lang="en-US" altLang="ko-KR" dirty="0"/>
+          </a:p>
+          <a:p>
+            <a:r>
+              <a:rPr lang="ko-KR" altLang="en-US" dirty="0"/>
+              <a:t>결과적으로 </a:t>
+            </a:r>
+            <a:r>
+              <a:rPr lang="en-US" altLang="ko-KR" dirty="0"/>
+              <a:t>context switching </a:t>
+            </a:r>
+            <a:r>
+              <a:rPr lang="ko-KR" altLang="en-US" dirty="0"/>
+              <a:t>비용 총합이 커지는 결과를 초래합니다</a:t>
             </a:r>
             <a:r>
               <a:rPr lang="en-US" altLang="ko-KR" dirty="0"/>
@@ -2455,101 +2369,23 @@
             </a:r>
             <a:r>
               <a:rPr lang="ko-KR" altLang="en-US" dirty="0"/>
-              <a:t>그럼 문제가 해결될까요 </a:t>
-            </a:r>
-            <a:r>
-              <a:rPr lang="en-US" altLang="ko-KR" dirty="0"/>
-              <a:t>?</a:t>
-            </a:r>
-          </a:p>
-          <a:p>
-            <a:endParaRPr lang="en-US" altLang="ko-KR" dirty="0"/>
-          </a:p>
-          <a:p>
-            <a:r>
-              <a:rPr lang="ko-KR" altLang="en-US" dirty="0"/>
-              <a:t>대부분의 </a:t>
-            </a:r>
-            <a:r>
-              <a:rPr lang="en-US" altLang="ko-KR" dirty="0"/>
-              <a:t>thread</a:t>
-            </a:r>
-            <a:r>
-              <a:rPr lang="ko-KR" altLang="en-US" dirty="0"/>
-              <a:t>는 </a:t>
-            </a:r>
-            <a:r>
-              <a:rPr lang="en-US" altLang="ko-KR" dirty="0"/>
-              <a:t>I/O blocking </a:t>
-            </a:r>
-            <a:r>
-              <a:rPr lang="ko-KR" altLang="en-US" dirty="0"/>
-              <a:t>으로 </a:t>
-            </a:r>
-            <a:r>
-              <a:rPr lang="en-US" altLang="ko-KR" dirty="0"/>
-              <a:t>block wait </a:t>
-            </a:r>
-            <a:r>
-              <a:rPr lang="ko-KR" altLang="en-US" dirty="0"/>
-              <a:t>상태인 경우가 많아서</a:t>
-            </a:r>
-            <a:endParaRPr lang="en-US" altLang="ko-KR" dirty="0"/>
-          </a:p>
-          <a:p>
-            <a:r>
-              <a:rPr lang="ko-KR" altLang="en-US" dirty="0"/>
-              <a:t>이제는 </a:t>
-            </a:r>
-            <a:r>
-              <a:rPr lang="en-US" altLang="ko-KR" dirty="0"/>
-              <a:t>core</a:t>
-            </a:r>
-            <a:r>
-              <a:rPr lang="ko-KR" altLang="en-US" dirty="0"/>
-              <a:t>가 놀고 있어도</a:t>
-            </a:r>
-            <a:r>
-              <a:rPr lang="en-US" altLang="ko-KR" dirty="0"/>
-              <a:t>, thread</a:t>
-            </a:r>
-            <a:r>
-              <a:rPr lang="ko-KR" altLang="en-US" dirty="0"/>
-              <a:t>가 모두 </a:t>
-            </a:r>
-            <a:r>
-              <a:rPr lang="en-US" altLang="ko-KR" dirty="0"/>
-              <a:t>block </a:t>
-            </a:r>
-            <a:r>
-              <a:rPr lang="ko-KR" altLang="en-US" dirty="0"/>
-              <a:t>상태여서 </a:t>
-            </a:r>
-            <a:r>
-              <a:rPr lang="en-US" altLang="ko-KR" dirty="0"/>
-              <a:t>request</a:t>
-            </a:r>
-            <a:r>
-              <a:rPr lang="ko-KR" altLang="en-US" dirty="0"/>
-              <a:t>를 처리할 </a:t>
-            </a:r>
-            <a:r>
-              <a:rPr lang="en-US" altLang="ko-KR" dirty="0"/>
-              <a:t>thread</a:t>
-            </a:r>
-            <a:r>
-              <a:rPr lang="ko-KR" altLang="en-US" dirty="0"/>
-              <a:t>가 없습니다</a:t>
-            </a:r>
-            <a:r>
-              <a:rPr lang="en-US" altLang="ko-KR" dirty="0"/>
-              <a:t>. </a:t>
-            </a:r>
-            <a:r>
-              <a:rPr lang="ko-KR" altLang="en-US" dirty="0"/>
-              <a:t>처리율이 저하되는 현상이 발생합니다</a:t>
-            </a:r>
-            <a:endParaRPr lang="en-US" altLang="ko-KR" dirty="0"/>
+              <a:t>즉</a:t>
+            </a:r>
+            <a:r>
+              <a:rPr lang="en-US" altLang="ko-KR" dirty="0"/>
+              <a:t>, core</a:t>
+            </a:r>
+            <a:r>
+              <a:rPr lang="ko-KR" altLang="en-US" dirty="0"/>
+              <a:t>에 불필요한 부하가 걸려 처리 지연으로 이어집니다</a:t>
+            </a:r>
+            <a:r>
+              <a:rPr lang="en-US" altLang="ko-KR" dirty="0"/>
+              <a:t>.</a:t>
+            </a:r>
+          </a:p>
+          <a:p>
+            <a:endParaRPr lang="ko-KR" altLang="en-US" dirty="0"/>
           </a:p>
         </p:txBody>
       </p:sp>
@@ -2579,7 +2415,7 @@
     </p:spTree>
     <p:extLst>
       <p:ext uri="{BB962C8B-B14F-4D97-AF65-F5344CB8AC3E}">
-        <p14:creationId xmlns:p14="http://schemas.microsoft.com/office/powerpoint/2010/main" val="2902778811"/>
+        <p14:creationId xmlns:p14="http://schemas.microsoft.com/office/powerpoint/2010/main" val="2132203688"/>
       </p:ext>
     </p:extLst>
   </p:cSld>
@@ -2634,8 +2470,118 @@
           <a:lstStyle/>
           <a:p>
             <a:r>
-              <a:rPr lang="en-US" altLang="ko-KR" dirty="0" err="1"/>
-              <a:t>webflux</a:t>
+              <a:rPr lang="en-US" altLang="ko-KR" dirty="0"/>
+              <a:t>thread</a:t>
+            </a:r>
+            <a:r>
+              <a:rPr lang="ko-KR" altLang="en-US" dirty="0"/>
+              <a:t> </a:t>
+            </a:r>
+            <a:r>
+              <a:rPr lang="en-US" altLang="ko-KR" dirty="0"/>
+              <a:t>context</a:t>
+            </a:r>
+            <a:r>
+              <a:rPr lang="ko-KR" altLang="en-US" dirty="0"/>
+              <a:t> </a:t>
+            </a:r>
+            <a:r>
+              <a:rPr lang="en-US" altLang="ko-KR" dirty="0"/>
+              <a:t>switching</a:t>
+            </a:r>
+            <a:r>
+              <a:rPr lang="ko-KR" altLang="en-US" dirty="0"/>
+              <a:t> 비용이 비싸다고도 하고</a:t>
+            </a:r>
+            <a:endParaRPr lang="en-US" altLang="ko-KR" dirty="0"/>
+          </a:p>
+          <a:p>
+            <a:r>
+              <a:rPr lang="en-US" altLang="ko-KR" dirty="0"/>
+              <a:t>thread 1000</a:t>
+            </a:r>
+            <a:r>
+              <a:rPr lang="ko-KR" altLang="en-US" dirty="0"/>
+              <a:t>개를 만들면 메모리는 </a:t>
+            </a:r>
+            <a:r>
+              <a:rPr lang="en-US" altLang="ko-KR" dirty="0"/>
+              <a:t>1.6G </a:t>
+            </a:r>
+            <a:r>
+              <a:rPr lang="ko-KR" altLang="en-US" dirty="0"/>
+              <a:t>잡아먹거든요</a:t>
+            </a:r>
+            <a:r>
+              <a:rPr lang="en-US" altLang="ko-KR" dirty="0"/>
+              <a:t>.</a:t>
+            </a:r>
+          </a:p>
+          <a:p>
+            <a:endParaRPr lang="en-US" altLang="ko-KR" dirty="0"/>
+          </a:p>
+          <a:p>
+            <a:r>
+              <a:rPr lang="en-US" altLang="ko-KR" dirty="0"/>
+              <a:t>thread </a:t>
+            </a:r>
+            <a:r>
+              <a:rPr lang="ko-KR" altLang="en-US" dirty="0"/>
+              <a:t>를 많이 만들면</a:t>
+            </a:r>
+            <a:r>
+              <a:rPr lang="en-US" altLang="ko-KR" dirty="0"/>
+              <a:t>, CPU, </a:t>
+            </a:r>
+            <a:r>
+              <a:rPr lang="ko-KR" altLang="en-US" dirty="0"/>
+              <a:t>메모리에 부하가 생겨 좋지 않습니다</a:t>
+            </a:r>
+            <a:r>
+              <a:rPr lang="en-US" altLang="ko-KR" dirty="0"/>
+              <a:t>.</a:t>
+            </a:r>
+          </a:p>
+          <a:p>
+            <a:endParaRPr lang="en-US" altLang="ko-KR" dirty="0"/>
+          </a:p>
+          <a:p>
+            <a:r>
+              <a:rPr lang="ko-KR" altLang="en-US" dirty="0"/>
+              <a:t>그래서 이번엔 </a:t>
+            </a:r>
+            <a:r>
+              <a:rPr lang="en-US" altLang="ko-KR" dirty="0"/>
+              <a:t>thread</a:t>
+            </a:r>
+            <a:r>
+              <a:rPr lang="ko-KR" altLang="en-US" dirty="0"/>
+              <a:t>를 줄여보겠습니다</a:t>
+            </a:r>
+            <a:r>
+              <a:rPr lang="en-US" altLang="ko-KR" dirty="0"/>
+              <a:t>. </a:t>
+            </a:r>
+            <a:r>
+              <a:rPr lang="ko-KR" altLang="en-US" dirty="0"/>
+              <a:t>그럼 문제가 해결될까요 </a:t>
+            </a:r>
+            <a:r>
+              <a:rPr lang="en-US" altLang="ko-KR" dirty="0"/>
+              <a:t>?</a:t>
+            </a:r>
+          </a:p>
+          <a:p>
+            <a:endParaRPr lang="en-US" altLang="ko-KR" dirty="0"/>
+          </a:p>
+          <a:p>
+            <a:r>
+              <a:rPr lang="ko-KR" altLang="en-US" dirty="0"/>
+              <a:t>대부분의 </a:t>
+            </a:r>
+            <a:r>
+              <a:rPr lang="en-US" altLang="ko-KR" dirty="0"/>
+              <a:t>thread</a:t>
             </a:r>
             <a:r>
               <a:rPr lang="ko-KR" altLang="en-US" dirty="0"/>
@@ -2643,69 +2589,58 @@
             </a:r>
             <a:r>
               <a:rPr lang="en-US" altLang="ko-KR" dirty="0"/>
-              <a:t>thread </a:t>
-            </a:r>
-            <a:r>
-              <a:rPr lang="ko-KR" altLang="en-US" dirty="0"/>
-              <a:t>개수 </a:t>
-            </a:r>
-            <a:r>
-              <a:rPr lang="en-US" altLang="ko-KR" dirty="0"/>
-              <a:t>== core </a:t>
-            </a:r>
-            <a:r>
-              <a:rPr lang="ko-KR" altLang="en-US" dirty="0"/>
-              <a:t>개수 로 설정되기 때문에</a:t>
-            </a:r>
-            <a:r>
-              <a:rPr lang="en-US" altLang="ko-KR" dirty="0"/>
-              <a:t>, thread context switching </a:t>
-            </a:r>
-            <a:r>
-              <a:rPr lang="ko-KR" altLang="en-US" dirty="0"/>
-              <a:t>비용이 발생하지 않습니다</a:t>
-            </a:r>
-            <a:r>
-              <a:rPr lang="en-US" altLang="ko-KR" dirty="0"/>
-              <a:t>.</a:t>
-            </a:r>
-          </a:p>
-          <a:p>
+              <a:t>I/O blocking </a:t>
+            </a:r>
+            <a:r>
+              <a:rPr lang="ko-KR" altLang="en-US" dirty="0"/>
+              <a:t>으로 </a:t>
+            </a:r>
+            <a:r>
+              <a:rPr lang="en-US" altLang="ko-KR" dirty="0"/>
+              <a:t>block wait </a:t>
+            </a:r>
+            <a:r>
+              <a:rPr lang="ko-KR" altLang="en-US" dirty="0"/>
+              <a:t>상태인 경우가 많아서</a:t>
+            </a:r>
             <a:endParaRPr lang="en-US" altLang="ko-KR" dirty="0"/>
           </a:p>
           <a:p>
-            <a:pPr marL="514350" marR="0" lvl="1" indent="-171450" algn="l" defTabSz="685800" rtl="0" eaLnBrk="1" fontAlgn="auto" latinLnBrk="1" hangingPunct="1">
-              <a:lnSpc>
-                <a:spcPct val="100000"/>
-              </a:lnSpc>
-              <a:spcBef>
-                <a:spcPts val="0"/>
-              </a:spcBef>
-              <a:spcAft>
-                <a:spcPts val="0"/>
-              </a:spcAft>
-              <a:buClrTx/>
-              <a:buSzTx/>
-              <a:buFont typeface="Arial" panose="020B0604020202020204" pitchFamily="34" charset="0"/>
-              <a:buChar char="•"/>
-              <a:tabLst/>
-              <a:defRPr/>
-            </a:pPr>
+            <a:r>
+              <a:rPr lang="ko-KR" altLang="en-US" dirty="0"/>
+              <a:t>이제는 </a:t>
+            </a:r>
             <a:r>
               <a:rPr lang="en-US" altLang="ko-KR" dirty="0"/>
               <a:t>core</a:t>
             </a:r>
             <a:r>
               <a:rPr lang="ko-KR" altLang="en-US" dirty="0"/>
-              <a:t>당 </a:t>
-            </a:r>
-            <a:r>
-              <a:rPr lang="en-US" altLang="ko-KR" dirty="0"/>
-              <a:t>2</a:t>
-            </a:r>
-            <a:r>
-              <a:rPr lang="ko-KR" altLang="en-US" dirty="0"/>
-              <a:t>개씩 하드웨어 </a:t>
+              <a:t>가 놀고 있어도</a:t>
+            </a:r>
+            <a:r>
+              <a:rPr lang="en-US" altLang="ko-KR" dirty="0"/>
+              <a:t>, thread</a:t>
+            </a:r>
+            <a:r>
+              <a:rPr lang="ko-KR" altLang="en-US" dirty="0"/>
+              <a:t>가 모두 </a:t>
+            </a:r>
+            <a:r>
+              <a:rPr lang="en-US" altLang="ko-KR" dirty="0"/>
+              <a:t>block </a:t>
+            </a:r>
+            <a:r>
+              <a:rPr lang="ko-KR" altLang="en-US" dirty="0"/>
+              <a:t>상태여서 </a:t>
+            </a:r>
+            <a:r>
+              <a:rPr lang="en-US" altLang="ko-KR" dirty="0"/>
+              <a:t>request</a:t>
+            </a:r>
+            <a:r>
+              <a:rPr lang="ko-KR" altLang="en-US" dirty="0"/>
+              <a:t>를 처리할 </a:t>
             </a:r>
             <a:r>
               <a:rPr lang="en-US" altLang="ko-KR" dirty="0"/>
@@ -2713,154 +2648,17 @@
             </a:r>
             <a:r>
               <a:rPr lang="ko-KR" altLang="en-US" dirty="0"/>
-              <a:t>를 지원하기 때문에</a:t>
-            </a:r>
-            <a:r>
-              <a:rPr lang="en-US" altLang="ko-KR" dirty="0"/>
-              <a:t>, thread </a:t>
-            </a:r>
-            <a:r>
-              <a:rPr lang="ko-KR" altLang="en-US" dirty="0"/>
-              <a:t>수 </a:t>
-            </a:r>
-            <a:r>
-              <a:rPr lang="en-US" altLang="ko-KR" dirty="0"/>
-              <a:t>= core * 2 (by </a:t>
-            </a:r>
-            <a:r>
-              <a:rPr lang="en-US" altLang="ko-KR" dirty="0" err="1"/>
-              <a:t>Netty</a:t>
-            </a:r>
-            <a:r>
-              <a:rPr lang="en-US" altLang="ko-KR" dirty="0"/>
-              <a:t>)</a:t>
-            </a:r>
-          </a:p>
-          <a:p>
+              <a:t>가 없습니다</a:t>
+            </a:r>
+            <a:r>
+              <a:rPr lang="en-US" altLang="ko-KR" dirty="0"/>
+              <a:t>. </a:t>
+            </a:r>
+            <a:r>
+              <a:rPr lang="ko-KR" altLang="en-US" dirty="0"/>
+              <a:t>처리율이 저하되는 현상이 발생합니다</a:t>
+            </a:r>
             <a:endParaRPr lang="en-US" altLang="ko-KR" dirty="0"/>
-          </a:p>
-          <a:p>
-            <a:r>
-              <a:rPr lang="en-US" altLang="ko-KR" dirty="0"/>
-              <a:t>task</a:t>
-            </a:r>
-            <a:r>
-              <a:rPr lang="ko-KR" altLang="en-US" dirty="0"/>
-              <a:t>는 </a:t>
-            </a:r>
-            <a:r>
-              <a:rPr lang="en-US" altLang="ko-KR" dirty="0" err="1"/>
-              <a:t>os</a:t>
-            </a:r>
-            <a:r>
-              <a:rPr lang="ko-KR" altLang="en-US" dirty="0"/>
-              <a:t>에서 관리하는 </a:t>
-            </a:r>
-            <a:r>
-              <a:rPr lang="en-US" altLang="ko-KR" dirty="0"/>
-              <a:t>thread </a:t>
-            </a:r>
-            <a:r>
-              <a:rPr lang="ko-KR" altLang="en-US" dirty="0"/>
-              <a:t>가 아니라 프로그램 </a:t>
-            </a:r>
-            <a:r>
-              <a:rPr lang="en-US" altLang="ko-KR" dirty="0"/>
-              <a:t>code block</a:t>
-            </a:r>
-            <a:r>
-              <a:rPr lang="ko-KR" altLang="en-US" dirty="0"/>
-              <a:t>이기 때문에</a:t>
-            </a:r>
-            <a:r>
-              <a:rPr lang="en-US" altLang="ko-KR" dirty="0"/>
-              <a:t>, </a:t>
-            </a:r>
-            <a:r>
-              <a:rPr lang="ko-KR" altLang="en-US" dirty="0"/>
-              <a:t>어떤 </a:t>
-            </a:r>
-            <a:r>
-              <a:rPr lang="en-US" altLang="ko-KR" dirty="0"/>
-              <a:t>core</a:t>
-            </a:r>
-            <a:r>
-              <a:rPr lang="ko-KR" altLang="en-US" dirty="0"/>
-              <a:t>에서 실행되더라도 </a:t>
-            </a:r>
-            <a:r>
-              <a:rPr lang="en-US" altLang="ko-KR" dirty="0"/>
-              <a:t>context switching </a:t>
-            </a:r>
-            <a:r>
-              <a:rPr lang="ko-KR" altLang="en-US" dirty="0"/>
-              <a:t>비용이 발생하지 않음</a:t>
-            </a:r>
-            <a:endParaRPr lang="en-US" altLang="ko-KR" dirty="0"/>
-          </a:p>
-          <a:p>
-            <a:endParaRPr lang="en-US" altLang="ko-KR" dirty="0"/>
-          </a:p>
-          <a:p>
-            <a:r>
-              <a:rPr lang="en-US" altLang="ko-KR" dirty="0"/>
-              <a:t>CPU</a:t>
-            </a:r>
-            <a:r>
-              <a:rPr lang="ko-KR" altLang="en-US" dirty="0"/>
-              <a:t>가 놀지만 않는다면</a:t>
-            </a:r>
-            <a:r>
-              <a:rPr lang="en-US" altLang="ko-KR" dirty="0"/>
-              <a:t>, </a:t>
-            </a:r>
-            <a:r>
-              <a:rPr lang="ko-KR" altLang="en-US" dirty="0" err="1"/>
-              <a:t>요청받은대로</a:t>
-            </a:r>
-            <a:r>
-              <a:rPr lang="ko-KR" altLang="en-US" dirty="0"/>
-              <a:t> </a:t>
-            </a:r>
-            <a:r>
-              <a:rPr lang="en-US" altLang="ko-KR" dirty="0"/>
-              <a:t>request</a:t>
-            </a:r>
-            <a:r>
-              <a:rPr lang="ko-KR" altLang="en-US" dirty="0"/>
-              <a:t>를 끊임없이 계속 처리할 수 있음</a:t>
-            </a:r>
-            <a:endParaRPr lang="en-US" altLang="ko-KR" dirty="0"/>
-          </a:p>
-          <a:p>
-            <a:r>
-              <a:rPr lang="en-US" altLang="ko-KR" dirty="0"/>
-              <a:t>(</a:t>
-            </a:r>
-            <a:r>
-              <a:rPr lang="ko-KR" altLang="en-US" dirty="0"/>
-              <a:t>마치 무한대의 </a:t>
-            </a:r>
-            <a:r>
-              <a:rPr lang="en-US" altLang="ko-KR" dirty="0"/>
-              <a:t>thread</a:t>
-            </a:r>
-            <a:r>
-              <a:rPr lang="ko-KR" altLang="en-US" dirty="0"/>
-              <a:t>를 </a:t>
-            </a:r>
-            <a:r>
-              <a:rPr lang="en-US" altLang="ko-KR" dirty="0"/>
-              <a:t>MVC</a:t>
-            </a:r>
-            <a:r>
-              <a:rPr lang="ko-KR" altLang="en-US" dirty="0"/>
-              <a:t>에 구성해 놓은 것처럼 트래픽 수용</a:t>
-            </a:r>
-            <a:r>
-              <a:rPr lang="en-US" altLang="ko-KR" dirty="0"/>
-              <a:t>)</a:t>
-            </a:r>
           </a:p>
         </p:txBody>
       </p:sp>
@@ -2881,7 +2679,7 @@
           <a:p>
             <a:fld id="{4F243B46-72FF-4656-838A-691B9EB329E3}" type="slidenum">
               <a:rPr lang="ko-KR" altLang="en-US" smtClean="0"/>
-              <a:t>18</a:t>
+              <a:t>17</a:t>
             </a:fld>
             <a:endParaRPr lang="ko-KR" altLang="en-US"/>
           </a:p>
@@ -2890,7 +2688,7 @@
     </p:spTree>
     <p:extLst>
       <p:ext uri="{BB962C8B-B14F-4D97-AF65-F5344CB8AC3E}">
-        <p14:creationId xmlns:p14="http://schemas.microsoft.com/office/powerpoint/2010/main" val="126230596"/>
+        <p14:creationId xmlns:p14="http://schemas.microsoft.com/office/powerpoint/2010/main" val="2902778811"/>
       </p:ext>
     </p:extLst>
   </p:cSld>
@@ -2944,7 +2742,234 @@
           <a:bodyPr/>
           <a:lstStyle/>
           <a:p>
-            <a:endParaRPr lang="ko-KR" altLang="en-US"/>
+            <a:r>
+              <a:rPr lang="en-US" altLang="ko-KR" dirty="0" err="1"/>
+              <a:t>webflux</a:t>
+            </a:r>
+            <a:r>
+              <a:rPr lang="ko-KR" altLang="en-US" dirty="0"/>
+              <a:t>는 </a:t>
+            </a:r>
+            <a:r>
+              <a:rPr lang="en-US" altLang="ko-KR" dirty="0"/>
+              <a:t>thread </a:t>
+            </a:r>
+            <a:r>
+              <a:rPr lang="ko-KR" altLang="en-US" dirty="0"/>
+              <a:t>개수 </a:t>
+            </a:r>
+            <a:r>
+              <a:rPr lang="en-US" altLang="ko-KR" dirty="0"/>
+              <a:t>== core </a:t>
+            </a:r>
+            <a:r>
+              <a:rPr lang="ko-KR" altLang="en-US" dirty="0"/>
+              <a:t>개수 로 설정되기 때문에</a:t>
+            </a:r>
+            <a:r>
+              <a:rPr lang="en-US" altLang="ko-KR" dirty="0"/>
+              <a:t>, thread context switching </a:t>
+            </a:r>
+            <a:r>
+              <a:rPr lang="ko-KR" altLang="en-US" dirty="0"/>
+              <a:t>비용이 발생하지 않습니다</a:t>
+            </a:r>
+            <a:r>
+              <a:rPr lang="en-US" altLang="ko-KR" dirty="0"/>
+              <a:t>.</a:t>
+            </a:r>
+          </a:p>
+          <a:p>
+            <a:endParaRPr lang="en-US" altLang="ko-KR" dirty="0"/>
+          </a:p>
+          <a:p>
+            <a:pPr marL="514350" marR="0" lvl="1" indent="-171450" algn="l" defTabSz="685800" rtl="0" eaLnBrk="1" fontAlgn="auto" latinLnBrk="1" hangingPunct="1">
+              <a:lnSpc>
+                <a:spcPct val="100000"/>
+              </a:lnSpc>
+              <a:spcBef>
+                <a:spcPts val="0"/>
+              </a:spcBef>
+              <a:spcAft>
+                <a:spcPts val="0"/>
+              </a:spcAft>
+              <a:buClrTx/>
+              <a:buSzTx/>
+              <a:buFont typeface="Arial" panose="020B0604020202020204" pitchFamily="34" charset="0"/>
+              <a:buChar char="•"/>
+              <a:tabLst/>
+              <a:defRPr/>
+            </a:pPr>
+            <a:r>
+              <a:rPr lang="en-US" altLang="ko-KR" dirty="0"/>
+              <a:t>core</a:t>
+            </a:r>
+            <a:r>
+              <a:rPr lang="ko-KR" altLang="en-US" dirty="0"/>
+              <a:t>당 </a:t>
+            </a:r>
+            <a:r>
+              <a:rPr lang="en-US" altLang="ko-KR" dirty="0"/>
+              <a:t>2</a:t>
+            </a:r>
+            <a:r>
+              <a:rPr lang="ko-KR" altLang="en-US" dirty="0"/>
+              <a:t>개씩 하드웨어 </a:t>
+            </a:r>
+            <a:r>
+              <a:rPr lang="en-US" altLang="ko-KR" dirty="0"/>
+              <a:t>thread</a:t>
+            </a:r>
+            <a:r>
+              <a:rPr lang="ko-KR" altLang="en-US" dirty="0"/>
+              <a:t>를 지원하기 때문에</a:t>
+            </a:r>
+            <a:r>
+              <a:rPr lang="en-US" altLang="ko-KR" dirty="0"/>
+              <a:t>, thread </a:t>
+            </a:r>
+            <a:r>
+              <a:rPr lang="ko-KR" altLang="en-US" dirty="0"/>
+              <a:t>수 </a:t>
+            </a:r>
+            <a:r>
+              <a:rPr lang="en-US" altLang="ko-KR" dirty="0"/>
+              <a:t>= core * 2 (by </a:t>
+            </a:r>
+            <a:r>
+              <a:rPr lang="en-US" altLang="ko-KR" dirty="0" err="1"/>
+              <a:t>Netty</a:t>
+            </a:r>
+            <a:r>
+              <a:rPr lang="en-US" altLang="ko-KR" dirty="0"/>
+              <a:t>)</a:t>
+            </a:r>
+          </a:p>
+          <a:p>
+            <a:endParaRPr lang="en-US" altLang="ko-KR" dirty="0"/>
+          </a:p>
+          <a:p>
+            <a:r>
+              <a:rPr lang="en-US" altLang="ko-KR" dirty="0"/>
+              <a:t>task</a:t>
+            </a:r>
+            <a:r>
+              <a:rPr lang="ko-KR" altLang="en-US" dirty="0"/>
+              <a:t>는 </a:t>
+            </a:r>
+            <a:r>
+              <a:rPr lang="en-US" altLang="ko-KR" dirty="0" err="1"/>
+              <a:t>os</a:t>
+            </a:r>
+            <a:r>
+              <a:rPr lang="ko-KR" altLang="en-US" dirty="0"/>
+              <a:t>에서 관리하는 </a:t>
+            </a:r>
+            <a:r>
+              <a:rPr lang="en-US" altLang="ko-KR" dirty="0"/>
+              <a:t>thread </a:t>
+            </a:r>
+            <a:r>
+              <a:rPr lang="ko-KR" altLang="en-US" dirty="0"/>
+              <a:t>가 아니라 프로그램 </a:t>
+            </a:r>
+            <a:r>
+              <a:rPr lang="en-US" altLang="ko-KR" dirty="0"/>
+              <a:t>code block</a:t>
+            </a:r>
+            <a:r>
+              <a:rPr lang="ko-KR" altLang="en-US" dirty="0"/>
+              <a:t>이기 때문에</a:t>
+            </a:r>
+            <a:r>
+              <a:rPr lang="en-US" altLang="ko-KR" dirty="0"/>
+              <a:t>, </a:t>
+            </a:r>
+            <a:r>
+              <a:rPr lang="ko-KR" altLang="en-US" dirty="0"/>
+              <a:t>어떤 </a:t>
+            </a:r>
+            <a:r>
+              <a:rPr lang="en-US" altLang="ko-KR" dirty="0"/>
+              <a:t>core</a:t>
+            </a:r>
+            <a:r>
+              <a:rPr lang="ko-KR" altLang="en-US" dirty="0"/>
+              <a:t>에서 실행되더라도 </a:t>
+            </a:r>
+            <a:r>
+              <a:rPr lang="en-US" altLang="ko-KR" dirty="0"/>
+              <a:t>context switching </a:t>
+            </a:r>
+            <a:r>
+              <a:rPr lang="ko-KR" altLang="en-US" dirty="0"/>
+              <a:t>비용이 발생하지 않음</a:t>
+            </a:r>
+            <a:endParaRPr lang="en-US" altLang="ko-KR" dirty="0"/>
+          </a:p>
+          <a:p>
+            <a:endParaRPr lang="en-US" altLang="ko-KR" dirty="0"/>
+          </a:p>
+          <a:p>
+            <a:r>
+              <a:rPr lang="en-US" altLang="ko-KR" dirty="0"/>
+              <a:t>CPU</a:t>
+            </a:r>
+            <a:r>
+              <a:rPr lang="ko-KR" altLang="en-US" dirty="0"/>
+              <a:t>가 놀지만 않는다면</a:t>
+            </a:r>
+            <a:r>
+              <a:rPr lang="en-US" altLang="ko-KR" dirty="0"/>
+              <a:t>, </a:t>
+            </a:r>
+            <a:r>
+              <a:rPr lang="ko-KR" altLang="en-US" dirty="0" err="1"/>
+              <a:t>요청받은대로</a:t>
+            </a:r>
+            <a:r>
+              <a:rPr lang="ko-KR" altLang="en-US" dirty="0"/>
+              <a:t> </a:t>
+            </a:r>
+            <a:r>
+              <a:rPr lang="en-US" altLang="ko-KR" dirty="0"/>
+              <a:t>request</a:t>
+            </a:r>
+            <a:r>
+              <a:rPr lang="ko-KR" altLang="en-US" dirty="0"/>
+              <a:t>를 끊임없이 계속 처리할 수 있음</a:t>
+            </a:r>
+            <a:endParaRPr lang="en-US" altLang="ko-KR" dirty="0"/>
+          </a:p>
+          <a:p>
+            <a:r>
+              <a:rPr lang="en-US" altLang="ko-KR" dirty="0"/>
+              <a:t>(</a:t>
+            </a:r>
+            <a:r>
+              <a:rPr lang="ko-KR" altLang="en-US" dirty="0"/>
+              <a:t>마치 무한대의 </a:t>
+            </a:r>
+            <a:r>
+              <a:rPr lang="en-US" altLang="ko-KR" dirty="0"/>
+              <a:t>thread</a:t>
+            </a:r>
+            <a:r>
+              <a:rPr lang="ko-KR" altLang="en-US" dirty="0"/>
+              <a:t>를 </a:t>
+            </a:r>
+            <a:r>
+              <a:rPr lang="en-US" altLang="ko-KR" dirty="0"/>
+              <a:t>MVC</a:t>
+            </a:r>
+            <a:r>
+              <a:rPr lang="ko-KR" altLang="en-US" dirty="0"/>
+              <a:t>에 구성해 놓은 것처럼 트래픽 수용</a:t>
+            </a:r>
+            <a:r>
+              <a:rPr lang="en-US" altLang="ko-KR" dirty="0"/>
+              <a:t>)</a:t>
+            </a:r>
           </a:p>
         </p:txBody>
       </p:sp>
@@ -2965,7 +2990,7 @@
           <a:p>
             <a:fld id="{4F243B46-72FF-4656-838A-691B9EB329E3}" type="slidenum">
               <a:rPr lang="ko-KR" altLang="en-US" smtClean="0"/>
-              <a:t>21</a:t>
+              <a:t>19</a:t>
             </a:fld>
             <a:endParaRPr lang="ko-KR" altLang="en-US"/>
           </a:p>
@@ -2974,7 +2999,91 @@
     </p:spTree>
     <p:extLst>
       <p:ext uri="{BB962C8B-B14F-4D97-AF65-F5344CB8AC3E}">
-        <p14:creationId xmlns:p14="http://schemas.microsoft.com/office/powerpoint/2010/main" val="335999133"/>
+        <p14:creationId xmlns:p14="http://schemas.microsoft.com/office/powerpoint/2010/main" val="126230596"/>
+      </p:ext>
+    </p:extLst>
+  </p:cSld>
+  <p:clrMapOvr>
+    <a:masterClrMapping/>
+  </p:clrMapOvr>
+</p:notes>
+</file>
+
+<file path=ppt/notesSlides/notesSlide19.xml><?xml version="1.0" encoding="utf-8"?>
+<p:notes xmlns:a="http://schemas.openxmlformats.org/drawingml/2006/main" xmlns:r="http://schemas.openxmlformats.org/officeDocument/2006/relationships" xmlns:p="http://schemas.openxmlformats.org/presentationml/2006/main">
+  <p:cSld>
+    <p:spTree>
+      <p:nvGrpSpPr>
+        <p:cNvPr id="1" name=""/>
+        <p:cNvGrpSpPr/>
+        <p:nvPr/>
+      </p:nvGrpSpPr>
+      <p:grpSpPr>
+        <a:xfrm>
+          <a:off x="0" y="0"/>
+          <a:ext cx="0" cy="0"/>
+          <a:chOff x="0" y="0"/>
+          <a:chExt cx="0" cy="0"/>
+        </a:xfrm>
+      </p:grpSpPr>
+      <p:sp>
+        <p:nvSpPr>
+          <p:cNvPr id="2" name="슬라이드 이미지 개체 틀 1"/>
+          <p:cNvSpPr>
+            <a:spLocks noGrp="1" noRot="1" noChangeAspect="1"/>
+          </p:cNvSpPr>
+          <p:nvPr>
+            <p:ph type="sldImg"/>
+          </p:nvPr>
+        </p:nvSpPr>
+        <p:spPr/>
+      </p:sp>
+      <p:sp>
+        <p:nvSpPr>
+          <p:cNvPr id="3" name="슬라이드 노트 개체 틀 2"/>
+          <p:cNvSpPr>
+            <a:spLocks noGrp="1"/>
+          </p:cNvSpPr>
+          <p:nvPr>
+            <p:ph type="body" idx="1"/>
+          </p:nvPr>
+        </p:nvSpPr>
+        <p:spPr/>
+        <p:txBody>
+          <a:bodyPr/>
+          <a:lstStyle/>
+          <a:p>
+            <a:endParaRPr lang="ko-KR" altLang="en-US"/>
+          </a:p>
+        </p:txBody>
+      </p:sp>
+      <p:sp>
+        <p:nvSpPr>
+          <p:cNvPr id="4" name="슬라이드 번호 개체 틀 3"/>
+          <p:cNvSpPr>
+            <a:spLocks noGrp="1"/>
+          </p:cNvSpPr>
+          <p:nvPr>
+            <p:ph type="sldNum" sz="quarter" idx="5"/>
+          </p:nvPr>
+        </p:nvSpPr>
+        <p:spPr/>
+        <p:txBody>
+          <a:bodyPr/>
+          <a:lstStyle/>
+          <a:p>
+            <a:fld id="{4F243B46-72FF-4656-838A-691B9EB329E3}" type="slidenum">
+              <a:rPr lang="ko-KR" altLang="en-US" smtClean="0"/>
+              <a:t>22</a:t>
+            </a:fld>
+            <a:endParaRPr lang="ko-KR" altLang="en-US"/>
+          </a:p>
+        </p:txBody>
+      </p:sp>
+    </p:spTree>
+    <p:extLst>
+      <p:ext uri="{BB962C8B-B14F-4D97-AF65-F5344CB8AC3E}">
+        <p14:creationId xmlns:p14="http://schemas.microsoft.com/office/powerpoint/2010/main" val="806211755"/>
       </p:ext>
     </p:extLst>
   </p:cSld>
@@ -3557,19 +3666,7 @@
             </a:r>
             <a:r>
               <a:rPr lang="ko-KR" altLang="en-US" dirty="0"/>
-              <a:t>를 사용하기 때문에 빠르다는 말</a:t>
-            </a:r>
-            <a:r>
-              <a:rPr lang="en-US" altLang="ko-KR" dirty="0"/>
-              <a:t>,</a:t>
-            </a:r>
-            <a:r>
-              <a:rPr lang="ko-KR" altLang="en-US" dirty="0"/>
-              <a:t> 들어본 적 있으실 </a:t>
-            </a:r>
-            <a:r>
-              <a:rPr lang="ko-KR" altLang="en-US" dirty="0" err="1"/>
-              <a:t>거에요</a:t>
+              <a:t>를 사용하기 때문에 빠르다고 말씀드렸는데요</a:t>
             </a:r>
             <a:r>
               <a:rPr lang="en-US" altLang="ko-KR" dirty="0"/>
@@ -3582,7 +3679,7 @@
           <a:p>
             <a:r>
               <a:rPr lang="ko-KR" altLang="en-US" dirty="0"/>
-              <a:t>조금 더 </a:t>
+              <a:t>조금만 더 </a:t>
             </a:r>
             <a:r>
               <a:rPr lang="ko-KR" altLang="en-US" dirty="0" err="1"/>
@@ -3740,7 +3837,7 @@
             </a:r>
             <a:r>
               <a:rPr lang="ko-KR" altLang="en-US" dirty="0"/>
-              <a:t>시간에 다른 일을 처리한다는 게 어떤 의미일까요 </a:t>
+              <a:t>시간에 다른 일을 처리하려면 어떻게 동작해야 할까요 </a:t>
             </a:r>
             <a:r>
               <a:rPr lang="en-US" altLang="ko-KR" dirty="0"/>
@@ -3752,8 +3849,28 @@
           </a:p>
           <a:p>
             <a:r>
-              <a:rPr lang="ko-KR" altLang="en-US" dirty="0"/>
-              <a:t>동시에 여러가지 일을 처리한다는 거니 작업이 비동기로 수행되는 거고</a:t>
+              <a:rPr lang="en-US" altLang="ko-KR" dirty="0"/>
+              <a:t>Spring MVC </a:t>
+            </a:r>
+            <a:r>
+              <a:rPr lang="ko-KR" altLang="en-US" dirty="0"/>
+              <a:t>에서 하나의 </a:t>
+            </a:r>
+            <a:r>
+              <a:rPr lang="en-US" altLang="ko-KR" dirty="0"/>
+              <a:t>request</a:t>
+            </a:r>
+            <a:r>
+              <a:rPr lang="ko-KR" altLang="en-US" dirty="0"/>
+              <a:t>는 하나의 </a:t>
+            </a:r>
+            <a:r>
+              <a:rPr lang="en-US" altLang="ko-KR" dirty="0"/>
+              <a:t>thread </a:t>
+            </a:r>
+            <a:r>
+              <a:rPr lang="ko-KR" altLang="en-US" dirty="0"/>
+              <a:t>에서 동작하니까</a:t>
             </a:r>
             <a:endParaRPr lang="en-US" altLang="ko-KR" dirty="0"/>
           </a:p>
@@ -3762,12 +3879,66 @@
           </a:p>
           <a:p>
             <a:r>
-              <a:rPr lang="en-US" altLang="ko-KR" dirty="0"/>
-              <a:t>I/O blocking </a:t>
-            </a:r>
-            <a:r>
-              <a:rPr lang="ko-KR" altLang="en-US" dirty="0"/>
-              <a:t>시간을 기다리지 않고</a:t>
+              <a:rPr lang="ko-KR" altLang="en-US" dirty="0"/>
+              <a:t>하나의 </a:t>
+            </a:r>
+            <a:r>
+              <a:rPr lang="en-US" altLang="ko-KR" dirty="0"/>
+              <a:t>thread </a:t>
+            </a:r>
+            <a:r>
+              <a:rPr lang="ko-KR" altLang="en-US" dirty="0"/>
+              <a:t>에서 여러 프로그램이 동시에 동작해야 한다는 건데</a:t>
+            </a:r>
+            <a:r>
+              <a:rPr lang="en-US" altLang="ko-KR" dirty="0"/>
+              <a:t>…</a:t>
+            </a:r>
+          </a:p>
+          <a:p>
+            <a:endParaRPr lang="en-US" altLang="ko-KR" dirty="0"/>
+          </a:p>
+          <a:p>
+            <a:r>
+              <a:rPr lang="ko-KR" altLang="en-US" dirty="0"/>
+              <a:t>어떻게 해야 이런 처리가 가능할까요 </a:t>
+            </a:r>
+            <a:r>
+              <a:rPr lang="en-US" altLang="ko-KR" dirty="0"/>
+              <a:t>?</a:t>
+            </a:r>
+          </a:p>
+          <a:p>
+            <a:endParaRPr lang="en-US" altLang="ko-KR" dirty="0"/>
+          </a:p>
+          <a:p>
+            <a:endParaRPr lang="en-US" altLang="ko-KR" dirty="0"/>
+          </a:p>
+          <a:p>
+            <a:r>
+              <a:rPr lang="ko-KR" altLang="en-US" dirty="0"/>
+              <a:t>우선 용어 정의부터 하고 넘어가 보겠습니다</a:t>
+            </a:r>
+            <a:r>
+              <a:rPr lang="en-US" altLang="ko-KR" dirty="0"/>
+              <a:t>.</a:t>
+            </a:r>
+          </a:p>
+          <a:p>
+            <a:endParaRPr lang="en-US" altLang="ko-KR" dirty="0"/>
+          </a:p>
+          <a:p>
+            <a:r>
+              <a:rPr lang="ko-KR" altLang="en-US" dirty="0"/>
+              <a:t>동기 </a:t>
+            </a:r>
+            <a:r>
+              <a:rPr lang="en-US" altLang="ko-KR" dirty="0"/>
+              <a:t>/ </a:t>
+            </a:r>
+            <a:r>
+              <a:rPr lang="ko-KR" altLang="en-US" dirty="0"/>
+              <a:t>비동기는 한 번에 한가지 일만 하거나</a:t>
             </a:r>
             <a:r>
               <a:rPr lang="en-US" altLang="ko-KR" dirty="0"/>
@@ -3775,15 +3946,7 @@
             </a:r>
             <a:r>
               <a:rPr lang="ko-KR" altLang="en-US" dirty="0"/>
-              <a:t>즉 </a:t>
-            </a:r>
-            <a:r>
-              <a:rPr lang="en-US" altLang="ko-KR" dirty="0"/>
-              <a:t>non-blocking </a:t>
-            </a:r>
-            <a:r>
-              <a:rPr lang="ko-KR" altLang="en-US" dirty="0"/>
-              <a:t>하게 다른 일을 처리한다는 말이겠죠</a:t>
+              <a:t>동시에 여러가지 일을 할 수 있다는 것을 의미합니다</a:t>
             </a:r>
             <a:r>
               <a:rPr lang="en-US" altLang="ko-KR" dirty="0"/>
@@ -3794,62 +3957,9 @@
             <a:endParaRPr lang="en-US" altLang="ko-KR" dirty="0"/>
           </a:p>
           <a:p>
-            <a:endParaRPr lang="en-US" altLang="ko-KR" dirty="0"/>
-          </a:p>
-          <a:p>
-            <a:r>
-              <a:rPr lang="ko-KR" altLang="en-US" dirty="0"/>
-              <a:t>우선 용어 정의부터 하고 넘어가 보겠습니다</a:t>
-            </a:r>
-            <a:r>
-              <a:rPr lang="en-US" altLang="ko-KR" dirty="0"/>
-              <a:t>.</a:t>
-            </a:r>
-          </a:p>
-          <a:p>
-            <a:endParaRPr lang="en-US" altLang="ko-KR" dirty="0"/>
-          </a:p>
-          <a:p>
-            <a:r>
-              <a:rPr lang="ko-KR" altLang="en-US" dirty="0"/>
-              <a:t>동기 </a:t>
-            </a:r>
-            <a:r>
-              <a:rPr lang="en-US" altLang="ko-KR" dirty="0"/>
-              <a:t>/ </a:t>
-            </a:r>
-            <a:r>
-              <a:rPr lang="ko-KR" altLang="en-US" dirty="0"/>
-              <a:t>비동기는 한 번에 한가지 일만 하거나</a:t>
-            </a:r>
-            <a:r>
-              <a:rPr lang="en-US" altLang="ko-KR" dirty="0"/>
-              <a:t>, </a:t>
-            </a:r>
-            <a:r>
-              <a:rPr lang="ko-KR" altLang="en-US" dirty="0"/>
-              <a:t>동시에 여러가지 일을 할 수 있다는 것을 의미합니다</a:t>
-            </a:r>
-            <a:r>
-              <a:rPr lang="en-US" altLang="ko-KR" dirty="0"/>
-              <a:t>.</a:t>
-            </a:r>
-          </a:p>
-          <a:p>
-            <a:endParaRPr lang="en-US" altLang="ko-KR" dirty="0"/>
-          </a:p>
-          <a:p>
-            <a:r>
-              <a:rPr lang="en-US" altLang="ko-KR" dirty="0"/>
-              <a:t>I/O </a:t>
-            </a:r>
-            <a:r>
-              <a:rPr lang="ko-KR" altLang="en-US" dirty="0"/>
-              <a:t>란 말은 일단 빼고</a:t>
-            </a:r>
-            <a:r>
-              <a:rPr lang="en-US" altLang="ko-KR" dirty="0"/>
-              <a:t>, Blocking</a:t>
+            <a:r>
+              <a:rPr lang="en-US" altLang="ko-KR" dirty="0"/>
+              <a:t>Blocking</a:t>
             </a:r>
             <a:r>
               <a:rPr lang="ko-KR" altLang="en-US" dirty="0"/>
@@ -3895,114 +4005,92 @@
             </a:r>
             <a:r>
               <a:rPr lang="en-US" altLang="ko-KR" dirty="0"/>
-              <a:t>2 x</a:t>
-            </a:r>
-            <a:r>
-              <a:rPr lang="ko-KR" altLang="en-US" dirty="0"/>
+              <a:t>Sync/Async, Blocking/Non-Blocking </a:t>
+            </a:r>
+            <a:r>
+              <a:rPr lang="ko-KR" altLang="en-US" dirty="0"/>
+              <a:t>표로 만들어 비교해보면</a:t>
+            </a:r>
+            <a:r>
+              <a:rPr lang="en-US" altLang="ko-KR" dirty="0"/>
+              <a:t>,</a:t>
+            </a:r>
+            <a:r>
+              <a:rPr lang="ko-KR" altLang="en-US" dirty="0"/>
+              <a:t> 이 때부터 머리가 엉기기 시작합니다</a:t>
+            </a:r>
+            <a:r>
+              <a:rPr lang="en-US" altLang="ko-KR" dirty="0"/>
+              <a:t>.</a:t>
+            </a:r>
+          </a:p>
+          <a:p>
+            <a:endParaRPr lang="en-US" altLang="ko-KR" dirty="0"/>
+          </a:p>
+          <a:p>
+            <a:r>
+              <a:rPr lang="ko-KR" altLang="en-US" dirty="0"/>
+              <a:t>왼쪽 선이 </a:t>
+            </a:r>
+            <a:r>
+              <a:rPr lang="en-US" altLang="ko-KR" dirty="0"/>
+              <a:t>Application, </a:t>
+            </a:r>
+            <a:r>
+              <a:rPr lang="ko-KR" altLang="en-US" dirty="0"/>
+              <a:t>오른쪽 선을 외부 호출이라 가정해 </a:t>
+            </a:r>
+            <a:r>
+              <a:rPr lang="ko-KR" altLang="en-US" dirty="0" err="1"/>
+              <a:t>볼께요</a:t>
+            </a:r>
+            <a:endParaRPr lang="en-US" altLang="ko-KR" dirty="0"/>
+          </a:p>
+          <a:p>
+            <a:endParaRPr lang="en-US" altLang="ko-KR" dirty="0"/>
+          </a:p>
+          <a:p>
+            <a:r>
+              <a:rPr lang="en-US" altLang="ko-KR" dirty="0"/>
+              <a:t>Sync-Block </a:t>
+            </a:r>
+            <a:r>
+              <a:rPr lang="ko-KR" altLang="en-US" dirty="0"/>
+              <a:t>설명 </a:t>
+            </a:r>
+            <a:r>
+              <a:rPr lang="en-US" altLang="ko-KR" dirty="0"/>
+              <a:t>-&gt; Java</a:t>
+            </a:r>
+            <a:r>
+              <a:rPr lang="ko-KR" altLang="en-US" dirty="0"/>
+              <a:t>가 이렇죠</a:t>
+            </a:r>
+            <a:endParaRPr lang="en-US" altLang="ko-KR" dirty="0"/>
+          </a:p>
+          <a:p>
+            <a:endParaRPr lang="en-US" altLang="ko-KR" dirty="0"/>
+          </a:p>
+          <a:p>
+            <a:r>
+              <a:rPr lang="en-US" altLang="ko-KR" dirty="0"/>
+              <a:t>Async-</a:t>
+            </a:r>
+            <a:r>
+              <a:rPr lang="en-US" altLang="ko-KR" dirty="0" err="1"/>
+              <a:t>NonBlock</a:t>
+            </a:r>
+            <a:r>
+              <a:rPr lang="en-US" altLang="ko-KR" dirty="0"/>
               <a:t> </a:t>
             </a:r>
             <a:r>
-              <a:rPr lang="en-US" altLang="ko-KR" dirty="0"/>
-              <a:t>2</a:t>
-            </a:r>
-            <a:r>
-              <a:rPr lang="ko-KR" altLang="en-US" dirty="0"/>
-              <a:t> 표로 만들어 비교해보면</a:t>
-            </a:r>
-            <a:r>
-              <a:rPr lang="en-US" altLang="ko-KR" dirty="0"/>
-              <a:t>,</a:t>
-            </a:r>
-            <a:r>
-              <a:rPr lang="ko-KR" altLang="en-US" dirty="0"/>
-              <a:t> 이 때부터 머리가 엉기기 시작합니다</a:t>
-            </a:r>
-            <a:r>
-              <a:rPr lang="en-US" altLang="ko-KR" dirty="0"/>
-              <a:t>.</a:t>
-            </a:r>
-          </a:p>
-          <a:p>
-            <a:endParaRPr lang="en-US" altLang="ko-KR" dirty="0"/>
-          </a:p>
-          <a:p>
-            <a:r>
-              <a:rPr lang="ko-KR" altLang="en-US" dirty="0"/>
-              <a:t>왼쪽 선이 </a:t>
-            </a:r>
-            <a:r>
-              <a:rPr lang="en-US" altLang="ko-KR" dirty="0"/>
-              <a:t>Application, </a:t>
-            </a:r>
-            <a:r>
-              <a:rPr lang="ko-KR" altLang="en-US" dirty="0"/>
-              <a:t>오른쪽 선이 </a:t>
-            </a:r>
-            <a:r>
-              <a:rPr lang="en-US" altLang="ko-KR" dirty="0"/>
-              <a:t>Kernel </a:t>
-            </a:r>
-            <a:r>
-              <a:rPr lang="ko-KR" altLang="en-US" dirty="0"/>
-              <a:t>이에요</a:t>
-            </a:r>
-            <a:r>
-              <a:rPr lang="en-US" altLang="ko-KR" dirty="0"/>
-              <a:t>.</a:t>
-            </a:r>
-          </a:p>
-          <a:p>
-            <a:endParaRPr lang="en-US" altLang="ko-KR" dirty="0"/>
-          </a:p>
-          <a:p>
-            <a:r>
-              <a:rPr lang="en-US" altLang="ko-KR" dirty="0"/>
-              <a:t>Synchronous, </a:t>
-            </a:r>
-            <a:r>
-              <a:rPr lang="ko-KR" altLang="en-US" dirty="0"/>
-              <a:t>동기 방식으로 이전 처리결과를 기다리는 것은</a:t>
-            </a:r>
-            <a:r>
-              <a:rPr lang="en-US" altLang="ko-KR" dirty="0"/>
-              <a:t>, Java </a:t>
-            </a:r>
-            <a:r>
-              <a:rPr lang="ko-KR" altLang="en-US" dirty="0"/>
-              <a:t>가 이렇죠</a:t>
-            </a:r>
-            <a:r>
-              <a:rPr lang="en-US" altLang="ko-KR" dirty="0"/>
-              <a:t>.</a:t>
-            </a:r>
-          </a:p>
-          <a:p>
-            <a:endParaRPr lang="en-US" altLang="ko-KR" dirty="0"/>
-          </a:p>
-          <a:p>
-            <a:r>
-              <a:rPr lang="ko-KR" altLang="en-US" dirty="0"/>
-              <a:t>그리고 </a:t>
-            </a:r>
-            <a:r>
-              <a:rPr lang="en-US" altLang="ko-KR" dirty="0"/>
-              <a:t>Asynchronous, </a:t>
-            </a:r>
-            <a:r>
-              <a:rPr lang="ko-KR" altLang="en-US" dirty="0"/>
-              <a:t>비동기 방식으로</a:t>
-            </a:r>
-            <a:r>
-              <a:rPr lang="en-US" altLang="ko-KR" dirty="0"/>
-              <a:t>, </a:t>
-            </a:r>
-            <a:r>
-              <a:rPr lang="ko-KR" altLang="en-US" dirty="0"/>
-              <a:t>이전 처리결과를 기다리지 않고 호출하는 것은</a:t>
-            </a:r>
-            <a:r>
-              <a:rPr lang="en-US" altLang="ko-KR" dirty="0"/>
-              <a:t>, </a:t>
+              <a:rPr lang="ko-KR" altLang="en-US" dirty="0"/>
+              <a:t>설명 </a:t>
+            </a:r>
+            <a:r>
+              <a:rPr lang="en-US" altLang="ko-KR" dirty="0"/>
+              <a:t>-&gt; </a:t>
             </a:r>
             <a:r>
               <a:rPr lang="en-US" altLang="ko-KR" dirty="0" err="1"/>
@@ -4014,7 +4102,7 @@
             </a:r>
             <a:r>
               <a:rPr lang="ko-KR" altLang="en-US" dirty="0"/>
-              <a:t>에서 본 것 같죠</a:t>
+              <a:t>가 이렇게 동작하죠</a:t>
             </a:r>
             <a:r>
               <a:rPr lang="en-US" altLang="ko-KR" dirty="0"/>
@@ -4025,6 +4113,9 @@
             <a:endParaRPr lang="en-US" altLang="ko-KR" dirty="0"/>
           </a:p>
           <a:p>
+            <a:endParaRPr lang="en-US" altLang="ko-KR" dirty="0"/>
+          </a:p>
+          <a:p>
             <a:r>
               <a:rPr lang="ko-KR" altLang="en-US" dirty="0"/>
               <a:t>그런데</a:t>
@@ -4062,6 +4153,29 @@
               <a:rPr lang="en-US" altLang="ko-KR" dirty="0"/>
               <a:t>.</a:t>
             </a:r>
+          </a:p>
+          <a:p>
+            <a:endParaRPr lang="en-US" altLang="ko-KR" dirty="0"/>
+          </a:p>
+          <a:p>
+            <a:endParaRPr lang="en-US" altLang="ko-KR" dirty="0"/>
+          </a:p>
+          <a:p>
+            <a:r>
+              <a:rPr lang="ko-KR" altLang="en-US" dirty="0"/>
+              <a:t>용어를 하나씩 천천히 </a:t>
+            </a:r>
+            <a:r>
+              <a:rPr lang="ko-KR" altLang="en-US" dirty="0" err="1"/>
+              <a:t>뜯어볼께요</a:t>
+            </a:r>
+            <a:r>
+              <a:rPr lang="en-US" altLang="ko-KR" dirty="0"/>
+              <a:t>.</a:t>
+            </a:r>
+          </a:p>
+          <a:p>
+            <a:endParaRPr lang="en-US" altLang="ko-KR" dirty="0"/>
           </a:p>
         </p:txBody>
       </p:sp>
@@ -4145,25 +4259,11 @@
           <a:bodyPr/>
           <a:lstStyle/>
           <a:p>
-            <a:r>
-              <a:rPr lang="ko-KR" altLang="en-US" dirty="0"/>
-              <a:t>하나씩 천천히 </a:t>
-            </a:r>
-            <a:r>
-              <a:rPr lang="ko-KR" altLang="en-US" dirty="0" err="1"/>
-              <a:t>뜯어볼께요</a:t>
-            </a:r>
-            <a:r>
-              <a:rPr lang="en-US" altLang="ko-KR" dirty="0"/>
-              <a:t>.</a:t>
-            </a:r>
-          </a:p>
-          <a:p>
-            <a:endParaRPr lang="en-US" altLang="ko-KR" dirty="0"/>
-          </a:p>
-          <a:p>
-            <a:r>
-              <a:rPr lang="ko-KR" altLang="en-US" dirty="0"/>
+            <a:endParaRPr lang="en-US" altLang="ko-KR"/>
+          </a:p>
+          <a:p>
+            <a:r>
+              <a:rPr lang="ko-KR" altLang="en-US"/>
               <a:t>우선 </a:t>
             </a:r>
             <a:r>
@@ -4446,7 +4546,7 @@
           <a:p>
             <a:r>
               <a:rPr lang="ko-KR" altLang="en-US" dirty="0"/>
-              <a:t>그럼 두번째 예는</a:t>
+              <a:t>두번째 예는</a:t>
             </a:r>
             <a:r>
               <a:rPr lang="en-US" altLang="ko-KR" dirty="0"/>
@@ -4484,6 +4584,101 @@
             <a:r>
               <a:rPr lang="ko-KR" altLang="en-US" dirty="0"/>
               <a:t>실행주기가 모두 일치하고 있으니 비동기가 아닌 동기라고 봐야 합니다</a:t>
+            </a:r>
+            <a:r>
+              <a:rPr lang="en-US" altLang="ko-KR" dirty="0"/>
+              <a:t>.</a:t>
+            </a:r>
+          </a:p>
+          <a:p>
+            <a:endParaRPr lang="en-US" altLang="ko-KR" dirty="0"/>
+          </a:p>
+          <a:p>
+            <a:endParaRPr lang="en-US" altLang="ko-KR" dirty="0"/>
+          </a:p>
+          <a:p>
+            <a:r>
+              <a:rPr lang="ko-KR" altLang="en-US" dirty="0"/>
+              <a:t>세번째 </a:t>
+            </a:r>
+            <a:r>
+              <a:rPr lang="ko-KR" altLang="en-US" dirty="0" err="1"/>
+              <a:t>보실께요</a:t>
+            </a:r>
+            <a:r>
+              <a:rPr lang="en-US" altLang="ko-KR" dirty="0"/>
+              <a:t>.</a:t>
+            </a:r>
+          </a:p>
+          <a:p>
+            <a:endParaRPr lang="en-US" altLang="ko-KR" dirty="0"/>
+          </a:p>
+          <a:p>
+            <a:r>
+              <a:rPr lang="en-US" altLang="ko-KR" dirty="0"/>
+              <a:t>A</a:t>
+            </a:r>
+            <a:r>
+              <a:rPr lang="ko-KR" altLang="en-US" dirty="0"/>
+              <a:t>와 </a:t>
+            </a:r>
+            <a:r>
+              <a:rPr lang="en-US" altLang="ko-KR" dirty="0"/>
+              <a:t>B</a:t>
+            </a:r>
+            <a:r>
+              <a:rPr lang="ko-KR" altLang="en-US" dirty="0"/>
+              <a:t>의 실행주기가 일치하고 있으니 동기일까요 </a:t>
+            </a:r>
+            <a:r>
+              <a:rPr lang="en-US" altLang="ko-KR" dirty="0"/>
+              <a:t>?</a:t>
+            </a:r>
+          </a:p>
+          <a:p>
+            <a:endParaRPr lang="en-US" altLang="ko-KR" dirty="0"/>
+          </a:p>
+          <a:p>
+            <a:r>
+              <a:rPr lang="ko-KR" altLang="en-US" dirty="0"/>
+              <a:t>종료 주기를 맞추긴 했으나 시작 시간은 서로 다릅니다</a:t>
+            </a:r>
+            <a:r>
+              <a:rPr lang="en-US" altLang="ko-KR" dirty="0"/>
+              <a:t>.</a:t>
+            </a:r>
+          </a:p>
+          <a:p>
+            <a:endParaRPr lang="en-US" altLang="ko-KR" dirty="0"/>
+          </a:p>
+          <a:p>
+            <a:r>
+              <a:rPr lang="ko-KR" altLang="en-US" dirty="0"/>
+              <a:t>실행주기가 일치하고 있는 것이 아니라</a:t>
+            </a:r>
+            <a:r>
+              <a:rPr lang="en-US" altLang="ko-KR" dirty="0"/>
+              <a:t>, </a:t>
+            </a:r>
+            <a:r>
+              <a:rPr lang="ko-KR" altLang="en-US" dirty="0"/>
+              <a:t>종료주기를 강제로 </a:t>
+            </a:r>
+            <a:r>
+              <a:rPr lang="en-US" altLang="ko-KR" dirty="0"/>
+              <a:t>blocking </a:t>
+            </a:r>
+            <a:r>
+              <a:rPr lang="ko-KR" altLang="en-US" dirty="0"/>
+              <a:t>해서 맞춘 것이므로</a:t>
+            </a:r>
+            <a:r>
+              <a:rPr lang="en-US" altLang="ko-KR" dirty="0"/>
+              <a:t>, </a:t>
+            </a:r>
+            <a:r>
+              <a:rPr lang="ko-KR" altLang="en-US" dirty="0"/>
+              <a:t>비동기입니다</a:t>
             </a:r>
             <a:r>
               <a:rPr lang="en-US" altLang="ko-KR" dirty="0"/>
@@ -4826,12 +5021,98 @@
             </a:r>
             <a:r>
               <a:rPr lang="ko-KR" altLang="en-US" dirty="0"/>
-              <a:t>의 처리결과를 기다리지 않고 즉시 나머지 명령어를 실행합니다</a:t>
+              <a:t>의 처리결과를 기다리지 않고 즉시 다음 명령어를 실행합니다</a:t>
             </a:r>
             <a:r>
               <a:rPr lang="en-US" altLang="ko-KR" dirty="0"/>
               <a:t>.</a:t>
             </a:r>
+          </a:p>
+          <a:p>
+            <a:endParaRPr lang="en-US" altLang="ko-KR" dirty="0"/>
+          </a:p>
+          <a:p>
+            <a:r>
+              <a:rPr lang="ko-KR" altLang="en-US" dirty="0"/>
+              <a:t>그럼 이렇게 생각하실 수 있어요</a:t>
+            </a:r>
+            <a:r>
+              <a:rPr lang="en-US" altLang="ko-KR" dirty="0"/>
+              <a:t>.</a:t>
+            </a:r>
+          </a:p>
+          <a:p>
+            <a:endParaRPr lang="en-US" altLang="ko-KR" dirty="0"/>
+          </a:p>
+          <a:p>
+            <a:r>
+              <a:rPr lang="en-US" altLang="ko-KR" dirty="0"/>
+              <a:t>Blocking </a:t>
+            </a:r>
+            <a:r>
+              <a:rPr lang="ko-KR" altLang="en-US" dirty="0"/>
+              <a:t>은 </a:t>
+            </a:r>
+            <a:r>
+              <a:rPr lang="en-US" altLang="ko-KR" dirty="0"/>
+              <a:t>Sync, Non-Blocking</a:t>
+            </a:r>
+            <a:r>
+              <a:rPr lang="ko-KR" altLang="en-US" dirty="0"/>
+              <a:t>은 </a:t>
+            </a:r>
+            <a:r>
+              <a:rPr lang="en-US" altLang="ko-KR" dirty="0"/>
+              <a:t>Async </a:t>
+            </a:r>
+            <a:r>
+              <a:rPr lang="ko-KR" altLang="en-US" dirty="0"/>
+              <a:t>인가요 </a:t>
+            </a:r>
+            <a:r>
+              <a:rPr lang="en-US" altLang="ko-KR" dirty="0"/>
+              <a:t>?</a:t>
+            </a:r>
+          </a:p>
+          <a:p>
+            <a:endParaRPr lang="en-US" altLang="ko-KR" dirty="0"/>
+          </a:p>
+          <a:p>
+            <a:r>
+              <a:rPr lang="en-US" altLang="ko-KR" dirty="0"/>
+              <a:t>… </a:t>
+            </a:r>
+            <a:r>
+              <a:rPr lang="ko-KR" altLang="en-US" dirty="0"/>
+              <a:t>아닙니다</a:t>
+            </a:r>
+            <a:r>
+              <a:rPr lang="en-US" altLang="ko-KR" dirty="0"/>
+              <a:t>. </a:t>
+            </a:r>
+            <a:r>
+              <a:rPr lang="ko-KR" altLang="en-US" dirty="0"/>
+              <a:t>우선 여기까지 용어만 단순하게 정리하고</a:t>
+            </a:r>
+            <a:r>
+              <a:rPr lang="en-US" altLang="ko-KR" dirty="0"/>
+              <a:t>, </a:t>
+            </a:r>
+            <a:r>
+              <a:rPr lang="ko-KR" altLang="en-US" dirty="0"/>
+              <a:t>실습을 통해 각각의 사례 확인해 </a:t>
+            </a:r>
+            <a:r>
+              <a:rPr lang="ko-KR" altLang="en-US" dirty="0" err="1"/>
+              <a:t>보실께요</a:t>
+            </a:r>
+            <a:r>
+              <a:rPr lang="en-US" altLang="ko-KR" dirty="0"/>
+              <a:t>.</a:t>
+            </a:r>
+          </a:p>
+          <a:p>
+            <a:endParaRPr lang="en-US" altLang="ko-KR" dirty="0"/>
           </a:p>
         </p:txBody>
       </p:sp>
@@ -6586,10 +6867,10 @@
               <a:buNone/>
             </a:pPr>
             <a:r>
-              <a:rPr lang="ko-KR" altLang="en-US" b="1" dirty="0"/>
-              <a:t>실습</a:t>
-            </a:r>
-            <a:endParaRPr lang="en-US" altLang="ko-KR" b="1" dirty="0"/>
+              <a:rPr lang="ko-KR" altLang="en-US" dirty="0"/>
+              <a:t>개발환경</a:t>
+            </a:r>
+            <a:endParaRPr lang="en-US" altLang="ko-KR" dirty="0"/>
           </a:p>
           <a:p>
             <a:pPr lvl="1">
@@ -6599,48 +6880,18 @@
             </a:pPr>
             <a:r>
               <a:rPr lang="en-US" altLang="ko-KR" dirty="0"/>
-              <a:t>2 x 2 combination</a:t>
+              <a:t>IntelliJ community edition</a:t>
             </a:r>
           </a:p>
           <a:p>
             <a:pPr lvl="2"/>
             <a:r>
-              <a:rPr lang="en-US" altLang="ko-KR" dirty="0"/>
-              <a:t>Synchronous /</a:t>
-            </a:r>
-            <a:r>
-              <a:rPr lang="ko-KR" altLang="en-US" dirty="0"/>
-              <a:t> </a:t>
-            </a:r>
-            <a:r>
-              <a:rPr lang="en-US" altLang="ko-KR" dirty="0"/>
-              <a:t>Asynchronous</a:t>
-            </a:r>
-          </a:p>
-          <a:p>
-            <a:pPr lvl="2"/>
-            <a:r>
-              <a:rPr lang="en-US" altLang="ko-KR" dirty="0"/>
-              <a:t>Blocking / Non-blocking</a:t>
-            </a:r>
-          </a:p>
-          <a:p>
-            <a:pPr lvl="1">
-              <a:lnSpc>
-                <a:spcPct val="150000"/>
-              </a:lnSpc>
-            </a:pPr>
-            <a:r>
-              <a:rPr lang="en-US" altLang="ko-KR" dirty="0"/>
-              <a:t>Async &amp; Non-blocking in single thread</a:t>
-            </a:r>
-          </a:p>
-          <a:p>
-            <a:pPr lvl="1">
-              <a:lnSpc>
-                <a:spcPct val="150000"/>
-              </a:lnSpc>
-            </a:pPr>
+              <a:rPr lang="en-US" altLang="ko-KR" dirty="0">
+                <a:effectLst/>
+                <a:hlinkClick r:id="rId3"/>
+              </a:rPr>
+              <a:t>https://www.jetbrains.com/idea/download</a:t>
+            </a:r>
             <a:endParaRPr lang="en-US" altLang="ko-KR" dirty="0"/>
           </a:p>
           <a:p>
@@ -6800,6 +7051,314 @@
     </p:spTree>
     <p:extLst>
       <p:ext uri="{BB962C8B-B14F-4D97-AF65-F5344CB8AC3E}">
+        <p14:creationId xmlns:p14="http://schemas.microsoft.com/office/powerpoint/2010/main" val="3315142240"/>
+      </p:ext>
+    </p:extLst>
+  </p:cSld>
+  <p:clrMapOvr>
+    <a:masterClrMapping/>
+  </p:clrMapOvr>
+</p:sld>
+</file>
+
+<file path=ppt/slides/slide11.xml><?xml version="1.0" encoding="utf-8"?>
+<p:sld xmlns:a="http://schemas.openxmlformats.org/drawingml/2006/main" xmlns:r="http://schemas.openxmlformats.org/officeDocument/2006/relationships" xmlns:p="http://schemas.openxmlformats.org/presentationml/2006/main">
+  <p:cSld>
+    <p:spTree>
+      <p:nvGrpSpPr>
+        <p:cNvPr id="1" name=""/>
+        <p:cNvGrpSpPr/>
+        <p:nvPr/>
+      </p:nvGrpSpPr>
+      <p:grpSpPr>
+        <a:xfrm>
+          <a:off x="0" y="0"/>
+          <a:ext cx="0" cy="0"/>
+          <a:chOff x="0" y="0"/>
+          <a:chExt cx="0" cy="0"/>
+        </a:xfrm>
+      </p:grpSpPr>
+      <p:sp>
+        <p:nvSpPr>
+          <p:cNvPr id="2" name="제목 1">
+            <a:extLst>
+              <a:ext uri="{FF2B5EF4-FFF2-40B4-BE49-F238E27FC236}">
+                <a16:creationId xmlns:a16="http://schemas.microsoft.com/office/drawing/2014/main" id="{D21C1AA9-5E52-3A11-B3B3-447787E29D09}"/>
+              </a:ext>
+            </a:extLst>
+          </p:cNvPr>
+          <p:cNvSpPr>
+            <a:spLocks noGrp="1"/>
+          </p:cNvSpPr>
+          <p:nvPr>
+            <p:ph type="title"/>
+          </p:nvPr>
+        </p:nvSpPr>
+        <p:spPr/>
+        <p:txBody>
+          <a:bodyPr/>
+          <a:lstStyle/>
+          <a:p>
+            <a:r>
+              <a:rPr lang="en-US" altLang="ko-KR" dirty="0"/>
+              <a:t>Async Non-Blocking</a:t>
+            </a:r>
+            <a:endParaRPr lang="ko-KR" altLang="en-US" dirty="0"/>
+          </a:p>
+        </p:txBody>
+      </p:sp>
+      <p:sp>
+        <p:nvSpPr>
+          <p:cNvPr id="4" name="내용 개체 틀 3">
+            <a:extLst>
+              <a:ext uri="{FF2B5EF4-FFF2-40B4-BE49-F238E27FC236}">
+                <a16:creationId xmlns:a16="http://schemas.microsoft.com/office/drawing/2014/main" id="{42F6317C-F28B-ECBE-0810-17736FC7D8AB}"/>
+              </a:ext>
+            </a:extLst>
+          </p:cNvPr>
+          <p:cNvSpPr>
+            <a:spLocks noGrp="1"/>
+          </p:cNvSpPr>
+          <p:nvPr>
+            <p:ph idx="1"/>
+          </p:nvPr>
+        </p:nvSpPr>
+        <p:spPr/>
+        <p:txBody>
+          <a:bodyPr>
+            <a:normAutofit/>
+          </a:bodyPr>
+          <a:lstStyle/>
+          <a:p>
+            <a:pPr marL="0" indent="0">
+              <a:lnSpc>
+                <a:spcPct val="150000"/>
+              </a:lnSpc>
+              <a:buNone/>
+            </a:pPr>
+            <a:r>
+              <a:rPr lang="ko-KR" altLang="en-US" b="1" dirty="0"/>
+              <a:t>실습</a:t>
+            </a:r>
+            <a:endParaRPr lang="en-US" altLang="ko-KR" b="1" dirty="0"/>
+          </a:p>
+          <a:p>
+            <a:pPr lvl="1">
+              <a:lnSpc>
+                <a:spcPct val="150000"/>
+              </a:lnSpc>
+            </a:pPr>
+            <a:r>
+              <a:rPr lang="en-US" altLang="ko-KR" dirty="0"/>
+              <a:t>2 x 2 combination</a:t>
+            </a:r>
+          </a:p>
+          <a:p>
+            <a:pPr lvl="2"/>
+            <a:r>
+              <a:rPr lang="en-US" altLang="ko-KR" dirty="0"/>
+              <a:t>Synchronous /</a:t>
+            </a:r>
+            <a:r>
+              <a:rPr lang="ko-KR" altLang="en-US" dirty="0"/>
+              <a:t> </a:t>
+            </a:r>
+            <a:r>
+              <a:rPr lang="en-US" altLang="ko-KR" dirty="0"/>
+              <a:t>Asynchronous</a:t>
+            </a:r>
+          </a:p>
+          <a:p>
+            <a:pPr lvl="2"/>
+            <a:r>
+              <a:rPr lang="en-US" altLang="ko-KR" dirty="0"/>
+              <a:t>Blocking / Non-blocking</a:t>
+            </a:r>
+          </a:p>
+          <a:p>
+            <a:pPr lvl="1">
+              <a:lnSpc>
+                <a:spcPct val="150000"/>
+              </a:lnSpc>
+            </a:pPr>
+            <a:r>
+              <a:rPr lang="en-US" altLang="ko-KR" dirty="0"/>
+              <a:t>Async &amp; Non-blocking in </a:t>
+            </a:r>
+            <a:r>
+              <a:rPr lang="en-US" altLang="ko-KR" b="1" u="sng" dirty="0">
+                <a:solidFill>
+                  <a:srgbClr val="FF0000"/>
+                </a:solidFill>
+              </a:rPr>
+              <a:t>single thread</a:t>
+            </a:r>
+          </a:p>
+          <a:p>
+            <a:pPr lvl="1">
+              <a:lnSpc>
+                <a:spcPct val="150000"/>
+              </a:lnSpc>
+            </a:pPr>
+            <a:endParaRPr lang="en-US" altLang="ko-KR" dirty="0"/>
+          </a:p>
+          <a:p>
+            <a:pPr marL="0" indent="0">
+              <a:lnSpc>
+                <a:spcPct val="150000"/>
+              </a:lnSpc>
+              <a:buNone/>
+            </a:pPr>
+            <a:r>
+              <a:rPr lang="en-US" altLang="ko-KR" dirty="0"/>
+              <a:t>	</a:t>
+            </a:r>
+            <a:endParaRPr lang="ko-KR" altLang="en-US" dirty="0"/>
+          </a:p>
+        </p:txBody>
+      </p:sp>
+      <p:sp>
+        <p:nvSpPr>
+          <p:cNvPr id="7" name="Google Shape;209;p30">
+            <a:extLst>
+              <a:ext uri="{FF2B5EF4-FFF2-40B4-BE49-F238E27FC236}">
+                <a16:creationId xmlns:a16="http://schemas.microsoft.com/office/drawing/2014/main" id="{35F3E219-4EBB-8DE8-0966-E4317399395E}"/>
+              </a:ext>
+            </a:extLst>
+          </p:cNvPr>
+          <p:cNvSpPr/>
+          <p:nvPr/>
+        </p:nvSpPr>
+        <p:spPr>
+          <a:xfrm>
+            <a:off x="7811013" y="528014"/>
+            <a:ext cx="952500" cy="298200"/>
+          </a:xfrm>
+          <a:prstGeom prst="rect">
+            <a:avLst/>
+          </a:prstGeom>
+          <a:noFill/>
+          <a:ln>
+            <a:noFill/>
+          </a:ln>
+        </p:spPr>
+        <p:txBody>
+          <a:bodyPr spcFirstLastPara="1" wrap="square" lIns="19050" tIns="19050" rIns="19050" bIns="19050" anchor="t" anchorCtr="0">
+            <a:noAutofit/>
+          </a:bodyPr>
+          <a:lstStyle/>
+          <a:p>
+            <a:pPr marL="63500" marR="0" lvl="1" indent="0" algn="l" rtl="0">
+              <a:lnSpc>
+                <a:spcPct val="90000"/>
+              </a:lnSpc>
+              <a:spcBef>
+                <a:spcPts val="0"/>
+              </a:spcBef>
+              <a:spcAft>
+                <a:spcPts val="0"/>
+              </a:spcAft>
+              <a:buNone/>
+            </a:pPr>
+            <a:r>
+              <a:rPr lang="en-US" altLang="ko" sz="1900" b="1" dirty="0">
+                <a:solidFill>
+                  <a:schemeClr val="bg1"/>
+                </a:solidFill>
+              </a:rPr>
+              <a:t>2</a:t>
+            </a:r>
+            <a:r>
+              <a:rPr lang="ko" sz="1200" b="1" i="0" u="none" strike="noStrike" cap="none" dirty="0">
+                <a:solidFill>
+                  <a:schemeClr val="bg1"/>
+                </a:solidFill>
+                <a:latin typeface="Arial"/>
+                <a:ea typeface="Arial"/>
+                <a:cs typeface="Arial"/>
+                <a:sym typeface="Arial"/>
+              </a:rPr>
+              <a:t>.</a:t>
+            </a:r>
+            <a:endParaRPr sz="500" dirty="0">
+              <a:solidFill>
+                <a:schemeClr val="bg1"/>
+              </a:solidFill>
+            </a:endParaRPr>
+          </a:p>
+        </p:txBody>
+      </p:sp>
+      <p:sp>
+        <p:nvSpPr>
+          <p:cNvPr id="8" name="Google Shape;210;p30">
+            <a:extLst>
+              <a:ext uri="{FF2B5EF4-FFF2-40B4-BE49-F238E27FC236}">
+                <a16:creationId xmlns:a16="http://schemas.microsoft.com/office/drawing/2014/main" id="{8CB63A74-B5C7-DCAA-53F5-96E44004D694}"/>
+              </a:ext>
+            </a:extLst>
+          </p:cNvPr>
+          <p:cNvSpPr/>
+          <p:nvPr/>
+        </p:nvSpPr>
+        <p:spPr>
+          <a:xfrm>
+            <a:off x="7811013" y="825047"/>
+            <a:ext cx="952500" cy="293400"/>
+          </a:xfrm>
+          <a:prstGeom prst="rect">
+            <a:avLst/>
+          </a:prstGeom>
+          <a:noFill/>
+          <a:ln>
+            <a:noFill/>
+          </a:ln>
+        </p:spPr>
+        <p:txBody>
+          <a:bodyPr spcFirstLastPara="1" wrap="square" lIns="19050" tIns="19050" rIns="19050" bIns="19050" anchor="t" anchorCtr="0">
+            <a:noAutofit/>
+          </a:bodyPr>
+          <a:lstStyle/>
+          <a:p>
+            <a:pPr marL="63500" marR="0" lvl="1" indent="0" algn="l" rtl="0">
+              <a:spcBef>
+                <a:spcPts val="200"/>
+              </a:spcBef>
+              <a:spcAft>
+                <a:spcPts val="0"/>
+              </a:spcAft>
+              <a:buClr>
+                <a:srgbClr val="000000"/>
+              </a:buClr>
+              <a:buFont typeface="Arial"/>
+              <a:buNone/>
+            </a:pPr>
+            <a:r>
+              <a:rPr lang="ko-KR" altLang="en-US" sz="800" dirty="0">
+                <a:solidFill>
+                  <a:schemeClr val="bg1"/>
+                </a:solidFill>
+              </a:rPr>
+              <a:t>비동기 호출이란 </a:t>
+            </a:r>
+            <a:r>
+              <a:rPr lang="en-US" altLang="ko-KR" sz="800" dirty="0">
+                <a:solidFill>
+                  <a:schemeClr val="bg1"/>
+                </a:solidFill>
+              </a:rPr>
+              <a:t>?</a:t>
+            </a:r>
+            <a:endParaRPr sz="800" dirty="0">
+              <a:solidFill>
+                <a:schemeClr val="bg1"/>
+              </a:solidFill>
+            </a:endParaRPr>
+          </a:p>
+        </p:txBody>
+      </p:sp>
+    </p:spTree>
+    <p:extLst>
+      <p:ext uri="{BB962C8B-B14F-4D97-AF65-F5344CB8AC3E}">
         <p14:creationId xmlns:p14="http://schemas.microsoft.com/office/powerpoint/2010/main" val="2430164131"/>
       </p:ext>
     </p:extLst>
@@ -6810,7 +7369,7 @@
 </p:sld>
 </file>
 
-<file path=ppt/slides/slide11.xml><?xml version="1.0" encoding="utf-8"?>
+<file path=ppt/slides/slide12.xml><?xml version="1.0" encoding="utf-8"?>
 <p:sld xmlns:a="http://schemas.openxmlformats.org/drawingml/2006/main" xmlns:r="http://schemas.openxmlformats.org/officeDocument/2006/relationships" xmlns:p="http://schemas.openxmlformats.org/presentationml/2006/main">
   <p:cSld>
     <p:spTree>
@@ -8282,7 +8841,7 @@
 </p:sld>
 </file>
 
-<file path=ppt/slides/slide12.xml><?xml version="1.0" encoding="utf-8"?>
+<file path=ppt/slides/slide13.xml><?xml version="1.0" encoding="utf-8"?>
 <p:sld xmlns:a="http://schemas.openxmlformats.org/drawingml/2006/main" xmlns:r="http://schemas.openxmlformats.org/officeDocument/2006/relationships" xmlns:p="http://schemas.openxmlformats.org/presentationml/2006/main">
   <p:cSld>
     <p:spTree>
@@ -8392,7 +8951,7 @@
 </p:sld>
 </file>
 
-<file path=ppt/slides/slide13.xml><?xml version="1.0" encoding="utf-8"?>
+<file path=ppt/slides/slide14.xml><?xml version="1.0" encoding="utf-8"?>
 <p:sld xmlns:a="http://schemas.openxmlformats.org/drawingml/2006/main" xmlns:r="http://schemas.openxmlformats.org/officeDocument/2006/relationships" xmlns:p="http://schemas.openxmlformats.org/presentationml/2006/main">
   <p:cSld>
     <p:spTree>
@@ -8688,7 +9247,7 @@
 </p:sld>
 </file>
 
-<file path=ppt/slides/slide14.xml><?xml version="1.0" encoding="utf-8"?>
+<file path=ppt/slides/slide15.xml><?xml version="1.0" encoding="utf-8"?>
 <p:sld xmlns:a="http://schemas.openxmlformats.org/drawingml/2006/main" xmlns:r="http://schemas.openxmlformats.org/officeDocument/2006/relationships" xmlns:p="http://schemas.openxmlformats.org/presentationml/2006/main">
   <p:cSld>
     <p:spTree>
@@ -9043,7 +9602,7 @@
 </p:sld>
 </file>
 
-<file path=ppt/slides/slide15.xml><?xml version="1.0" encoding="utf-8"?>
+<file path=ppt/slides/slide16.xml><?xml version="1.0" encoding="utf-8"?>
 <p:sld xmlns:a="http://schemas.openxmlformats.org/drawingml/2006/main" xmlns:r="http://schemas.openxmlformats.org/officeDocument/2006/relationships" xmlns:p="http://schemas.openxmlformats.org/presentationml/2006/main">
   <p:cSld>
     <p:spTree>
@@ -10862,7 +11421,7 @@
 </p:sld>
 </file>
 
-<file path=ppt/slides/slide16.xml><?xml version="1.0" encoding="utf-8"?>
+<file path=ppt/slides/slide17.xml><?xml version="1.0" encoding="utf-8"?>
 <p:sld xmlns:a="http://schemas.openxmlformats.org/drawingml/2006/main" xmlns:r="http://schemas.openxmlformats.org/officeDocument/2006/relationships" xmlns:p="http://schemas.openxmlformats.org/presentationml/2006/main">
   <p:cSld>
     <p:spTree>
@@ -12582,7 +13141,7 @@
 </p:sld>
 </file>
 
-<file path=ppt/slides/slide17.xml><?xml version="1.0" encoding="utf-8"?>
+<file path=ppt/slides/slide18.xml><?xml version="1.0" encoding="utf-8"?>
 <p:sld xmlns:a="http://schemas.openxmlformats.org/drawingml/2006/main" xmlns:r="http://schemas.openxmlformats.org/officeDocument/2006/relationships" xmlns:p="http://schemas.openxmlformats.org/presentationml/2006/main">
   <p:cSld>
     <p:spTree>
@@ -12901,7 +13460,7 @@
 </p:sld>
 </file>
 
-<file path=ppt/slides/slide18.xml><?xml version="1.0" encoding="utf-8"?>
+<file path=ppt/slides/slide19.xml><?xml version="1.0" encoding="utf-8"?>
 <p:sld xmlns:a="http://schemas.openxmlformats.org/drawingml/2006/main" xmlns:r="http://schemas.openxmlformats.org/officeDocument/2006/relationships" xmlns:p="http://schemas.openxmlformats.org/presentationml/2006/main">
   <p:cSld>
     <p:spTree>
@@ -14426,307 +14985,6 @@
 </p:sld>
 </file>
 
-<file path=ppt/slides/slide19.xml><?xml version="1.0" encoding="utf-8"?>
-<p:sld xmlns:a="http://schemas.openxmlformats.org/drawingml/2006/main" xmlns:r="http://schemas.openxmlformats.org/officeDocument/2006/relationships" xmlns:p="http://schemas.openxmlformats.org/presentationml/2006/main">
-  <p:cSld>
-    <p:spTree>
-      <p:nvGrpSpPr>
-        <p:cNvPr id="1" name=""/>
-        <p:cNvGrpSpPr/>
-        <p:nvPr/>
-      </p:nvGrpSpPr>
-      <p:grpSpPr>
-        <a:xfrm>
-          <a:off x="0" y="0"/>
-          <a:ext cx="0" cy="0"/>
-          <a:chOff x="0" y="0"/>
-          <a:chExt cx="0" cy="0"/>
-        </a:xfrm>
-      </p:grpSpPr>
-      <p:pic>
-        <p:nvPicPr>
-          <p:cNvPr id="7" name="그림 6">
-            <a:extLst>
-              <a:ext uri="{FF2B5EF4-FFF2-40B4-BE49-F238E27FC236}">
-                <a16:creationId xmlns:a16="http://schemas.microsoft.com/office/drawing/2014/main" id="{7A3F6A43-67FB-08B6-19F3-D5152460F6FC}"/>
-              </a:ext>
-            </a:extLst>
-          </p:cNvPr>
-          <p:cNvPicPr>
-            <a:picLocks noChangeAspect="1"/>
-          </p:cNvPicPr>
-          <p:nvPr/>
-        </p:nvPicPr>
-        <p:blipFill>
-          <a:blip r:embed="rId2"/>
-          <a:stretch>
-            <a:fillRect/>
-          </a:stretch>
-        </p:blipFill>
-        <p:spPr>
-          <a:xfrm>
-            <a:off x="1568963" y="1415480"/>
-            <a:ext cx="6242050" cy="3508032"/>
-          </a:xfrm>
-          <a:prstGeom prst="rect">
-            <a:avLst/>
-          </a:prstGeom>
-        </p:spPr>
-      </p:pic>
-      <p:sp>
-        <p:nvSpPr>
-          <p:cNvPr id="2" name="제목 1">
-            <a:extLst>
-              <a:ext uri="{FF2B5EF4-FFF2-40B4-BE49-F238E27FC236}">
-                <a16:creationId xmlns:a16="http://schemas.microsoft.com/office/drawing/2014/main" id="{F8434E71-DFC9-33A7-B699-262771F20D5D}"/>
-              </a:ext>
-            </a:extLst>
-          </p:cNvPr>
-          <p:cNvSpPr>
-            <a:spLocks noGrp="1"/>
-          </p:cNvSpPr>
-          <p:nvPr>
-            <p:ph type="title"/>
-          </p:nvPr>
-        </p:nvSpPr>
-        <p:spPr/>
-        <p:txBody>
-          <a:bodyPr/>
-          <a:lstStyle/>
-          <a:p>
-            <a:r>
-              <a:rPr lang="en-US" altLang="ko-KR" dirty="0"/>
-              <a:t>Servlet / Reactive</a:t>
-            </a:r>
-            <a:endParaRPr lang="ko-KR" altLang="en-US" dirty="0"/>
-          </a:p>
-        </p:txBody>
-      </p:sp>
-      <p:sp>
-        <p:nvSpPr>
-          <p:cNvPr id="3" name="내용 개체 틀 2">
-            <a:extLst>
-              <a:ext uri="{FF2B5EF4-FFF2-40B4-BE49-F238E27FC236}">
-                <a16:creationId xmlns:a16="http://schemas.microsoft.com/office/drawing/2014/main" id="{E994A1C4-5032-E4B3-8D1A-520AFB1DAF2D}"/>
-              </a:ext>
-            </a:extLst>
-          </p:cNvPr>
-          <p:cNvSpPr>
-            <a:spLocks noGrp="1"/>
-          </p:cNvSpPr>
-          <p:nvPr>
-            <p:ph idx="1"/>
-          </p:nvPr>
-        </p:nvSpPr>
-        <p:spPr/>
-        <p:txBody>
-          <a:bodyPr>
-            <a:normAutofit/>
-          </a:bodyPr>
-          <a:lstStyle/>
-          <a:p>
-            <a:pPr marL="0" indent="0">
-              <a:buNone/>
-            </a:pPr>
-            <a:r>
-              <a:rPr lang="ko-KR" altLang="en-US" dirty="0"/>
-              <a:t>성능 비교</a:t>
-            </a:r>
-            <a:endParaRPr lang="en-US" altLang="ko-KR" dirty="0"/>
-          </a:p>
-        </p:txBody>
-      </p:sp>
-      <p:sp>
-        <p:nvSpPr>
-          <p:cNvPr id="4" name="Google Shape;209;p30">
-            <a:extLst>
-              <a:ext uri="{FF2B5EF4-FFF2-40B4-BE49-F238E27FC236}">
-                <a16:creationId xmlns:a16="http://schemas.microsoft.com/office/drawing/2014/main" id="{A1A5C5A0-7BCD-519F-0E91-C1E7928DBC64}"/>
-              </a:ext>
-            </a:extLst>
-          </p:cNvPr>
-          <p:cNvSpPr/>
-          <p:nvPr/>
-        </p:nvSpPr>
-        <p:spPr>
-          <a:xfrm>
-            <a:off x="7811013" y="528014"/>
-            <a:ext cx="952500" cy="298200"/>
-          </a:xfrm>
-          <a:prstGeom prst="rect">
-            <a:avLst/>
-          </a:prstGeom>
-          <a:noFill/>
-          <a:ln>
-            <a:noFill/>
-          </a:ln>
-        </p:spPr>
-        <p:txBody>
-          <a:bodyPr spcFirstLastPara="1" wrap="square" lIns="19050" tIns="19050" rIns="19050" bIns="19050" anchor="t" anchorCtr="0">
-            <a:noAutofit/>
-          </a:bodyPr>
-          <a:lstStyle/>
-          <a:p>
-            <a:pPr marL="63500" marR="0" lvl="1" indent="0" algn="l" rtl="0">
-              <a:lnSpc>
-                <a:spcPct val="90000"/>
-              </a:lnSpc>
-              <a:spcBef>
-                <a:spcPts val="0"/>
-              </a:spcBef>
-              <a:spcAft>
-                <a:spcPts val="0"/>
-              </a:spcAft>
-              <a:buNone/>
-            </a:pPr>
-            <a:r>
-              <a:rPr lang="en-US" altLang="ko" sz="1900" b="1" dirty="0">
-                <a:solidFill>
-                  <a:schemeClr val="bg1"/>
-                </a:solidFill>
-              </a:rPr>
-              <a:t>2</a:t>
-            </a:r>
-            <a:r>
-              <a:rPr lang="ko" sz="1200" b="1" i="0" u="none" strike="noStrike" cap="none" dirty="0">
-                <a:solidFill>
-                  <a:schemeClr val="bg1"/>
-                </a:solidFill>
-                <a:latin typeface="Arial"/>
-                <a:ea typeface="Arial"/>
-                <a:cs typeface="Arial"/>
-                <a:sym typeface="Arial"/>
-              </a:rPr>
-              <a:t>.</a:t>
-            </a:r>
-            <a:endParaRPr sz="500" dirty="0">
-              <a:solidFill>
-                <a:schemeClr val="bg1"/>
-              </a:solidFill>
-            </a:endParaRPr>
-          </a:p>
-        </p:txBody>
-      </p:sp>
-      <p:sp>
-        <p:nvSpPr>
-          <p:cNvPr id="5" name="Google Shape;210;p30">
-            <a:extLst>
-              <a:ext uri="{FF2B5EF4-FFF2-40B4-BE49-F238E27FC236}">
-                <a16:creationId xmlns:a16="http://schemas.microsoft.com/office/drawing/2014/main" id="{3C83FAD2-E905-1554-D76D-5FD7F8538AAE}"/>
-              </a:ext>
-            </a:extLst>
-          </p:cNvPr>
-          <p:cNvSpPr/>
-          <p:nvPr/>
-        </p:nvSpPr>
-        <p:spPr>
-          <a:xfrm>
-            <a:off x="7811013" y="825047"/>
-            <a:ext cx="952500" cy="293400"/>
-          </a:xfrm>
-          <a:prstGeom prst="rect">
-            <a:avLst/>
-          </a:prstGeom>
-          <a:noFill/>
-          <a:ln>
-            <a:noFill/>
-          </a:ln>
-        </p:spPr>
-        <p:txBody>
-          <a:bodyPr spcFirstLastPara="1" wrap="square" lIns="19050" tIns="19050" rIns="19050" bIns="19050" anchor="t" anchorCtr="0">
-            <a:noAutofit/>
-          </a:bodyPr>
-          <a:lstStyle/>
-          <a:p>
-            <a:pPr marL="63500" marR="0" lvl="1" indent="0" algn="l" rtl="0">
-              <a:spcBef>
-                <a:spcPts val="200"/>
-              </a:spcBef>
-              <a:spcAft>
-                <a:spcPts val="0"/>
-              </a:spcAft>
-              <a:buClr>
-                <a:srgbClr val="000000"/>
-              </a:buClr>
-              <a:buFont typeface="Arial"/>
-              <a:buNone/>
-            </a:pPr>
-            <a:r>
-              <a:rPr lang="ko-KR" altLang="en-US" sz="800" dirty="0">
-                <a:solidFill>
-                  <a:schemeClr val="bg1"/>
-                </a:solidFill>
-              </a:rPr>
-              <a:t>비동기 호출이란 </a:t>
-            </a:r>
-            <a:r>
-              <a:rPr lang="en-US" altLang="ko-KR" sz="800" dirty="0">
-                <a:solidFill>
-                  <a:schemeClr val="bg1"/>
-                </a:solidFill>
-              </a:rPr>
-              <a:t>?</a:t>
-            </a:r>
-            <a:endParaRPr sz="800" dirty="0">
-              <a:solidFill>
-                <a:schemeClr val="bg1"/>
-              </a:solidFill>
-            </a:endParaRPr>
-          </a:p>
-        </p:txBody>
-      </p:sp>
-      <p:sp>
-        <p:nvSpPr>
-          <p:cNvPr id="9" name="TextBox 8">
-            <a:extLst>
-              <a:ext uri="{FF2B5EF4-FFF2-40B4-BE49-F238E27FC236}">
-                <a16:creationId xmlns:a16="http://schemas.microsoft.com/office/drawing/2014/main" id="{99EF9A9F-5253-7839-943F-BD19DA2257BB}"/>
-              </a:ext>
-            </a:extLst>
-          </p:cNvPr>
-          <p:cNvSpPr txBox="1"/>
-          <p:nvPr/>
-        </p:nvSpPr>
-        <p:spPr>
-          <a:xfrm>
-            <a:off x="628650" y="4785012"/>
-            <a:ext cx="6229350" cy="276999"/>
-          </a:xfrm>
-          <a:prstGeom prst="rect">
-            <a:avLst/>
-          </a:prstGeom>
-          <a:noFill/>
-        </p:spPr>
-        <p:txBody>
-          <a:bodyPr wrap="square">
-            <a:spAutoFit/>
-          </a:bodyPr>
-          <a:lstStyle/>
-          <a:p>
-            <a:r>
-              <a:rPr lang="en-US" altLang="ko-KR" sz="1200" dirty="0">
-                <a:effectLst/>
-                <a:hlinkClick r:id="rId3"/>
-              </a:rPr>
-              <a:t>https://dzone.com/articles/spring-boot-20-webflux-reactive-performance-test</a:t>
-            </a:r>
-            <a:endParaRPr lang="ko-KR" altLang="en-US" sz="1200" dirty="0"/>
-          </a:p>
-        </p:txBody>
-      </p:sp>
-    </p:spTree>
-    <p:extLst>
-      <p:ext uri="{BB962C8B-B14F-4D97-AF65-F5344CB8AC3E}">
-        <p14:creationId xmlns:p14="http://schemas.microsoft.com/office/powerpoint/2010/main" val="3930439978"/>
-      </p:ext>
-    </p:extLst>
-  </p:cSld>
-  <p:clrMapOvr>
-    <a:masterClrMapping/>
-  </p:clrMapOvr>
-</p:sld>
-</file>
-
 <file path=ppt/slides/slide2.xml><?xml version="1.0" encoding="utf-8"?>
 <p:sld xmlns:a="http://schemas.openxmlformats.org/drawingml/2006/main" xmlns:r="http://schemas.openxmlformats.org/officeDocument/2006/relationships" xmlns:p="http://schemas.openxmlformats.org/presentationml/2006/main">
   <p:cSld>
@@ -15125,6 +15383,36 @@
           <a:chExt cx="0" cy="0"/>
         </a:xfrm>
       </p:grpSpPr>
+      <p:pic>
+        <p:nvPicPr>
+          <p:cNvPr id="7" name="그림 6">
+            <a:extLst>
+              <a:ext uri="{FF2B5EF4-FFF2-40B4-BE49-F238E27FC236}">
+                <a16:creationId xmlns:a16="http://schemas.microsoft.com/office/drawing/2014/main" id="{7A3F6A43-67FB-08B6-19F3-D5152460F6FC}"/>
+              </a:ext>
+            </a:extLst>
+          </p:cNvPr>
+          <p:cNvPicPr>
+            <a:picLocks noChangeAspect="1"/>
+          </p:cNvPicPr>
+          <p:nvPr/>
+        </p:nvPicPr>
+        <p:blipFill>
+          <a:blip r:embed="rId2"/>
+          <a:stretch>
+            <a:fillRect/>
+          </a:stretch>
+        </p:blipFill>
+        <p:spPr>
+          <a:xfrm>
+            <a:off x="1568963" y="1415480"/>
+            <a:ext cx="6242050" cy="3508032"/>
+          </a:xfrm>
+          <a:prstGeom prst="rect">
+            <a:avLst/>
+          </a:prstGeom>
+        </p:spPr>
+      </p:pic>
       <p:sp>
         <p:nvSpPr>
           <p:cNvPr id="2" name="제목 1">
@@ -15181,65 +15469,10 @@
               <a:buNone/>
             </a:pPr>
             <a:r>
-              <a:rPr lang="en-US" altLang="ko-KR" dirty="0"/>
-              <a:t>Spring </a:t>
-            </a:r>
-            <a:r>
-              <a:rPr lang="en-US" altLang="ko-KR" dirty="0" err="1"/>
-              <a:t>Webflux</a:t>
-            </a:r>
-            <a:r>
-              <a:rPr lang="ko-KR" altLang="en-US" dirty="0"/>
-              <a:t> 단점</a:t>
+              <a:rPr lang="ko-KR" altLang="en-US" dirty="0"/>
+              <a:t>성능 비교</a:t>
             </a:r>
             <a:endParaRPr lang="en-US" altLang="ko-KR" dirty="0"/>
-          </a:p>
-          <a:p>
-            <a:pPr lvl="1"/>
-            <a:r>
-              <a:rPr lang="en-US" altLang="ko-KR" dirty="0"/>
-              <a:t>Reactor </a:t>
-            </a:r>
-            <a:r>
-              <a:rPr lang="ko-KR" altLang="en-US" dirty="0"/>
-              <a:t>구현 난이도</a:t>
-            </a:r>
-            <a:endParaRPr lang="en-US" altLang="ko-KR" dirty="0"/>
-          </a:p>
-          <a:p>
-            <a:pPr lvl="1"/>
-            <a:r>
-              <a:rPr lang="en-US" altLang="ko-KR" dirty="0"/>
-              <a:t>MVC</a:t>
-            </a:r>
-            <a:r>
-              <a:rPr lang="ko-KR" altLang="en-US" dirty="0"/>
-              <a:t>보다 느릴 수 있음</a:t>
-            </a:r>
-            <a:endParaRPr lang="en-US" altLang="ko-KR" dirty="0"/>
-          </a:p>
-          <a:p>
-            <a:pPr lvl="2"/>
-            <a:r>
-              <a:rPr lang="ko-KR" altLang="en-US" dirty="0"/>
-              <a:t>적은 리소스로 많은 트래픽을 감당하는 개념</a:t>
-            </a:r>
-            <a:endParaRPr lang="en-US" altLang="ko-KR" dirty="0"/>
-          </a:p>
-          <a:p>
-            <a:pPr lvl="2"/>
-            <a:r>
-              <a:rPr lang="ko-KR" altLang="en-US" dirty="0"/>
-              <a:t>사소한 </a:t>
-            </a:r>
-            <a:r>
-              <a:rPr lang="en-US" altLang="ko-KR" dirty="0"/>
-              <a:t>Blocking </a:t>
-            </a:r>
-            <a:r>
-              <a:rPr lang="ko-KR" altLang="en-US" dirty="0"/>
-              <a:t>코드가 전체 처리속도에 악영향을 미칠 수 있음</a:t>
-            </a:r>
           </a:p>
         </p:txBody>
       </p:sp>
@@ -15382,10 +15615,49 @@
           </a:p>
         </p:txBody>
       </p:sp>
+      <p:sp>
+        <p:nvSpPr>
+          <p:cNvPr id="9" name="TextBox 8">
+            <a:extLst>
+              <a:ext uri="{FF2B5EF4-FFF2-40B4-BE49-F238E27FC236}">
+                <a16:creationId xmlns:a16="http://schemas.microsoft.com/office/drawing/2014/main" id="{99EF9A9F-5253-7839-943F-BD19DA2257BB}"/>
+              </a:ext>
+            </a:extLst>
+          </p:cNvPr>
+          <p:cNvSpPr txBox="1"/>
+          <p:nvPr/>
+        </p:nvSpPr>
+        <p:spPr>
+          <a:xfrm>
+            <a:off x="628650" y="4785012"/>
+            <a:ext cx="6229350" cy="276999"/>
+          </a:xfrm>
+          <a:prstGeom prst="rect">
+            <a:avLst/>
+          </a:prstGeom>
+          <a:noFill/>
+        </p:spPr>
+        <p:txBody>
+          <a:bodyPr wrap="square">
+            <a:spAutoFit/>
+          </a:bodyPr>
+          <a:lstStyle/>
+          <a:p>
+            <a:r>
+              <a:rPr lang="en-US" altLang="ko-KR" sz="1200" dirty="0">
+                <a:effectLst/>
+                <a:hlinkClick r:id="rId3"/>
+              </a:rPr>
+              <a:t>https://dzone.com/articles/spring-boot-20-webflux-reactive-performance-test</a:t>
+            </a:r>
+            <a:endParaRPr lang="ko-KR" altLang="en-US" sz="1200" dirty="0"/>
+          </a:p>
+        </p:txBody>
+      </p:sp>
     </p:spTree>
     <p:extLst>
       <p:ext uri="{BB962C8B-B14F-4D97-AF65-F5344CB8AC3E}">
-        <p14:creationId xmlns:p14="http://schemas.microsoft.com/office/powerpoint/2010/main" val="1315531451"/>
+        <p14:creationId xmlns:p14="http://schemas.microsoft.com/office/powerpoint/2010/main" val="3930439978"/>
       </p:ext>
     </p:extLst>
   </p:cSld>
@@ -15468,8 +15740,16 @@
               <a:buNone/>
             </a:pPr>
             <a:r>
-              <a:rPr lang="ko-KR" altLang="en-US" dirty="0"/>
-              <a:t>실습</a:t>
+              <a:rPr lang="en-US" altLang="ko-KR" dirty="0"/>
+              <a:t>Spring </a:t>
+            </a:r>
+            <a:r>
+              <a:rPr lang="en-US" altLang="ko-KR" dirty="0" err="1"/>
+              <a:t>Webflux</a:t>
+            </a:r>
+            <a:r>
+              <a:rPr lang="ko-KR" altLang="en-US" dirty="0"/>
+              <a:t> 단점</a:t>
             </a:r>
             <a:endParaRPr lang="en-US" altLang="ko-KR" dirty="0"/>
           </a:p>
@@ -15477,11 +15757,47 @@
             <a:pPr lvl="1"/>
             <a:r>
               <a:rPr lang="en-US" altLang="ko-KR" dirty="0"/>
-              <a:t>Thread vs  Event Loop </a:t>
-            </a:r>
-            <a:r>
-              <a:rPr lang="ko-KR" altLang="en-US" dirty="0"/>
-              <a:t>처리속도 비교</a:t>
+              <a:t>MVC</a:t>
+            </a:r>
+            <a:r>
+              <a:rPr lang="ko-KR" altLang="en-US" dirty="0"/>
+              <a:t>보다 느릴 수 있음</a:t>
+            </a:r>
+            <a:endParaRPr lang="en-US" altLang="ko-KR" dirty="0"/>
+          </a:p>
+          <a:p>
+            <a:pPr lvl="2"/>
+            <a:r>
+              <a:rPr lang="ko-KR" altLang="en-US" dirty="0"/>
+              <a:t>적은 리소스로 많은 트래픽을 감당하는 개념</a:t>
+            </a:r>
+            <a:endParaRPr lang="en-US" altLang="ko-KR" dirty="0"/>
+          </a:p>
+          <a:p>
+            <a:pPr lvl="2"/>
+            <a:r>
+              <a:rPr lang="ko-KR" altLang="en-US" dirty="0"/>
+              <a:t>사소한 </a:t>
+            </a:r>
+            <a:r>
+              <a:rPr lang="en-US" altLang="ko-KR" dirty="0"/>
+              <a:t>Blocking </a:t>
+            </a:r>
+            <a:r>
+              <a:rPr lang="ko-KR" altLang="en-US" dirty="0"/>
+              <a:t>코드가 전체 처리속도에 악영향을 미칠 수 있음</a:t>
+            </a:r>
+            <a:endParaRPr lang="en-US" altLang="ko-KR" dirty="0"/>
+          </a:p>
+          <a:p>
+            <a:pPr lvl="1"/>
+            <a:r>
+              <a:rPr lang="en-US" altLang="ko-KR" dirty="0"/>
+              <a:t>Reactor </a:t>
+            </a:r>
+            <a:r>
+              <a:rPr lang="ko-KR" altLang="en-US" dirty="0"/>
+              <a:t>구현 난이도</a:t>
             </a:r>
             <a:endParaRPr lang="en-US" altLang="ko-KR" dirty="0"/>
           </a:p>
@@ -15629,7 +15945,251 @@
     </p:spTree>
     <p:extLst>
       <p:ext uri="{BB962C8B-B14F-4D97-AF65-F5344CB8AC3E}">
-        <p14:creationId xmlns:p14="http://schemas.microsoft.com/office/powerpoint/2010/main" val="1974040420"/>
+        <p14:creationId xmlns:p14="http://schemas.microsoft.com/office/powerpoint/2010/main" val="1315531451"/>
+      </p:ext>
+    </p:extLst>
+  </p:cSld>
+  <p:clrMapOvr>
+    <a:masterClrMapping/>
+  </p:clrMapOvr>
+</p:sld>
+</file>
+
+<file path=ppt/slides/slide22.xml><?xml version="1.0" encoding="utf-8"?>
+<p:sld xmlns:a="http://schemas.openxmlformats.org/drawingml/2006/main" xmlns:r="http://schemas.openxmlformats.org/officeDocument/2006/relationships" xmlns:p="http://schemas.openxmlformats.org/presentationml/2006/main">
+  <p:cSld>
+    <p:spTree>
+      <p:nvGrpSpPr>
+        <p:cNvPr id="1" name=""/>
+        <p:cNvGrpSpPr/>
+        <p:nvPr/>
+      </p:nvGrpSpPr>
+      <p:grpSpPr>
+        <a:xfrm>
+          <a:off x="0" y="0"/>
+          <a:ext cx="0" cy="0"/>
+          <a:chOff x="0" y="0"/>
+          <a:chExt cx="0" cy="0"/>
+        </a:xfrm>
+      </p:grpSpPr>
+      <p:sp>
+        <p:nvSpPr>
+          <p:cNvPr id="2" name="제목 1">
+            <a:extLst>
+              <a:ext uri="{FF2B5EF4-FFF2-40B4-BE49-F238E27FC236}">
+                <a16:creationId xmlns:a16="http://schemas.microsoft.com/office/drawing/2014/main" id="{F8434E71-DFC9-33A7-B699-262771F20D5D}"/>
+              </a:ext>
+            </a:extLst>
+          </p:cNvPr>
+          <p:cNvSpPr>
+            <a:spLocks noGrp="1"/>
+          </p:cNvSpPr>
+          <p:nvPr>
+            <p:ph type="title"/>
+          </p:nvPr>
+        </p:nvSpPr>
+        <p:spPr/>
+        <p:txBody>
+          <a:bodyPr/>
+          <a:lstStyle/>
+          <a:p>
+            <a:r>
+              <a:rPr lang="en-US" altLang="ko-KR" dirty="0"/>
+              <a:t>Servlet / Reactive</a:t>
+            </a:r>
+            <a:endParaRPr lang="ko-KR" altLang="en-US" dirty="0"/>
+          </a:p>
+        </p:txBody>
+      </p:sp>
+      <p:sp>
+        <p:nvSpPr>
+          <p:cNvPr id="3" name="내용 개체 틀 2">
+            <a:extLst>
+              <a:ext uri="{FF2B5EF4-FFF2-40B4-BE49-F238E27FC236}">
+                <a16:creationId xmlns:a16="http://schemas.microsoft.com/office/drawing/2014/main" id="{E994A1C4-5032-E4B3-8D1A-520AFB1DAF2D}"/>
+              </a:ext>
+            </a:extLst>
+          </p:cNvPr>
+          <p:cNvSpPr>
+            <a:spLocks noGrp="1"/>
+          </p:cNvSpPr>
+          <p:nvPr>
+            <p:ph idx="1"/>
+          </p:nvPr>
+        </p:nvSpPr>
+        <p:spPr/>
+        <p:txBody>
+          <a:bodyPr>
+            <a:normAutofit/>
+          </a:bodyPr>
+          <a:lstStyle/>
+          <a:p>
+            <a:pPr marL="0" indent="0">
+              <a:buNone/>
+            </a:pPr>
+            <a:r>
+              <a:rPr lang="ko-KR" altLang="en-US" dirty="0"/>
+              <a:t>실습</a:t>
+            </a:r>
+            <a:endParaRPr lang="en-US" altLang="ko-KR" dirty="0"/>
+          </a:p>
+          <a:p>
+            <a:pPr lvl="1"/>
+            <a:r>
+              <a:rPr lang="en-US" altLang="ko-KR" dirty="0"/>
+              <a:t>Thread vs  Event Loop </a:t>
+            </a:r>
+            <a:r>
+              <a:rPr lang="ko-KR" altLang="en-US" dirty="0"/>
+              <a:t>처리속도 비교</a:t>
+            </a:r>
+            <a:endParaRPr lang="en-US" altLang="ko-KR" dirty="0"/>
+          </a:p>
+        </p:txBody>
+      </p:sp>
+      <p:sp>
+        <p:nvSpPr>
+          <p:cNvPr id="4" name="Google Shape;209;p30">
+            <a:extLst>
+              <a:ext uri="{FF2B5EF4-FFF2-40B4-BE49-F238E27FC236}">
+                <a16:creationId xmlns:a16="http://schemas.microsoft.com/office/drawing/2014/main" id="{A1A5C5A0-7BCD-519F-0E91-C1E7928DBC64}"/>
+              </a:ext>
+            </a:extLst>
+          </p:cNvPr>
+          <p:cNvSpPr/>
+          <p:nvPr/>
+        </p:nvSpPr>
+        <p:spPr>
+          <a:xfrm>
+            <a:off x="7811013" y="528014"/>
+            <a:ext cx="952500" cy="298200"/>
+          </a:xfrm>
+          <a:prstGeom prst="rect">
+            <a:avLst/>
+          </a:prstGeom>
+          <a:noFill/>
+          <a:ln>
+            <a:noFill/>
+          </a:ln>
+        </p:spPr>
+        <p:txBody>
+          <a:bodyPr spcFirstLastPara="1" wrap="square" lIns="19050" tIns="19050" rIns="19050" bIns="19050" anchor="t" anchorCtr="0">
+            <a:noAutofit/>
+          </a:bodyPr>
+          <a:lstStyle/>
+          <a:p>
+            <a:pPr marL="63500" marR="0" lvl="1" indent="0" algn="l" rtl="0">
+              <a:lnSpc>
+                <a:spcPct val="90000"/>
+              </a:lnSpc>
+              <a:spcBef>
+                <a:spcPts val="0"/>
+              </a:spcBef>
+              <a:spcAft>
+                <a:spcPts val="0"/>
+              </a:spcAft>
+              <a:buNone/>
+            </a:pPr>
+            <a:r>
+              <a:rPr lang="en-US" altLang="ko" sz="1900" b="1" dirty="0">
+                <a:solidFill>
+                  <a:schemeClr val="bg1"/>
+                </a:solidFill>
+              </a:rPr>
+              <a:t>2</a:t>
+            </a:r>
+            <a:r>
+              <a:rPr lang="ko" sz="1200" b="1" i="0" u="none" strike="noStrike" cap="none" dirty="0">
+                <a:solidFill>
+                  <a:schemeClr val="bg1"/>
+                </a:solidFill>
+                <a:latin typeface="Arial"/>
+                <a:ea typeface="Arial"/>
+                <a:cs typeface="Arial"/>
+                <a:sym typeface="Arial"/>
+              </a:rPr>
+              <a:t>.</a:t>
+            </a:r>
+            <a:endParaRPr sz="500" dirty="0">
+              <a:solidFill>
+                <a:schemeClr val="bg1"/>
+              </a:solidFill>
+            </a:endParaRPr>
+          </a:p>
+        </p:txBody>
+      </p:sp>
+      <p:sp>
+        <p:nvSpPr>
+          <p:cNvPr id="5" name="Google Shape;210;p30">
+            <a:extLst>
+              <a:ext uri="{FF2B5EF4-FFF2-40B4-BE49-F238E27FC236}">
+                <a16:creationId xmlns:a16="http://schemas.microsoft.com/office/drawing/2014/main" id="{3C83FAD2-E905-1554-D76D-5FD7F8538AAE}"/>
+              </a:ext>
+            </a:extLst>
+          </p:cNvPr>
+          <p:cNvSpPr/>
+          <p:nvPr/>
+        </p:nvSpPr>
+        <p:spPr>
+          <a:xfrm>
+            <a:off x="7811013" y="825047"/>
+            <a:ext cx="952500" cy="293400"/>
+          </a:xfrm>
+          <a:prstGeom prst="rect">
+            <a:avLst/>
+          </a:prstGeom>
+          <a:noFill/>
+          <a:ln>
+            <a:noFill/>
+          </a:ln>
+        </p:spPr>
+        <p:txBody>
+          <a:bodyPr spcFirstLastPara="1" wrap="square" lIns="19050" tIns="19050" rIns="19050" bIns="19050" anchor="t" anchorCtr="0">
+            <a:noAutofit/>
+          </a:bodyPr>
+          <a:lstStyle/>
+          <a:p>
+            <a:pPr marL="63500" marR="0" lvl="1" indent="0" algn="l" rtl="0">
+              <a:spcBef>
+                <a:spcPts val="200"/>
+              </a:spcBef>
+              <a:spcAft>
+                <a:spcPts val="0"/>
+              </a:spcAft>
+              <a:buClr>
+                <a:srgbClr val="000000"/>
+              </a:buClr>
+              <a:buFont typeface="Arial"/>
+              <a:buNone/>
+            </a:pPr>
+            <a:r>
+              <a:rPr lang="ko-KR" altLang="en-US" sz="800" dirty="0">
+                <a:solidFill>
+                  <a:schemeClr val="bg1"/>
+                </a:solidFill>
+              </a:rPr>
+              <a:t>비동기 호출이란 </a:t>
+            </a:r>
+            <a:r>
+              <a:rPr lang="en-US" altLang="ko-KR" sz="800" dirty="0">
+                <a:solidFill>
+                  <a:schemeClr val="bg1"/>
+                </a:solidFill>
+              </a:rPr>
+              <a:t>?</a:t>
+            </a:r>
+            <a:endParaRPr sz="800" dirty="0">
+              <a:solidFill>
+                <a:schemeClr val="bg1"/>
+              </a:solidFill>
+            </a:endParaRPr>
+          </a:p>
+        </p:txBody>
+      </p:sp>
+    </p:spTree>
+    <p:extLst>
+      <p:ext uri="{BB962C8B-B14F-4D97-AF65-F5344CB8AC3E}">
+        <p14:creationId xmlns:p14="http://schemas.microsoft.com/office/powerpoint/2010/main" val="469870496"/>
       </p:ext>
     </p:extLst>
   </p:cSld>
@@ -17747,8 +18307,8 @@
         </p:nvSpPr>
         <p:spPr>
           <a:xfrm>
-            <a:off x="2992664" y="3261176"/>
-            <a:ext cx="4438650" cy="433387"/>
+            <a:off x="2992664" y="3013257"/>
+            <a:ext cx="4438650" cy="369332"/>
           </a:xfrm>
           <a:prstGeom prst="rightArrow">
             <a:avLst/>
@@ -17797,7 +18357,7 @@
         </p:nvSpPr>
         <p:spPr>
           <a:xfrm>
-            <a:off x="899886" y="3307215"/>
+            <a:off x="899886" y="3264184"/>
             <a:ext cx="1959428" cy="369332"/>
           </a:xfrm>
           <a:prstGeom prst="rect">
@@ -17839,8 +18399,8 @@
         </p:nvSpPr>
         <p:spPr>
           <a:xfrm>
-            <a:off x="2992664" y="3748083"/>
-            <a:ext cx="4438650" cy="433387"/>
+            <a:off x="2992664" y="3435616"/>
+            <a:ext cx="4438650" cy="369332"/>
           </a:xfrm>
           <a:prstGeom prst="rightArrow">
             <a:avLst/>
@@ -17872,6 +18432,148 @@
               <a:t>B</a:t>
             </a:r>
             <a:endParaRPr lang="ko-KR" altLang="en-US" dirty="0"/>
+          </a:p>
+        </p:txBody>
+      </p:sp>
+      <p:sp>
+        <p:nvSpPr>
+          <p:cNvPr id="6" name="화살표: 오른쪽 5">
+            <a:extLst>
+              <a:ext uri="{FF2B5EF4-FFF2-40B4-BE49-F238E27FC236}">
+                <a16:creationId xmlns:a16="http://schemas.microsoft.com/office/drawing/2014/main" id="{C1425392-2D00-7F64-D092-E28BA4990F3E}"/>
+              </a:ext>
+            </a:extLst>
+          </p:cNvPr>
+          <p:cNvSpPr/>
+          <p:nvPr/>
+        </p:nvSpPr>
+        <p:spPr>
+          <a:xfrm>
+            <a:off x="2992664" y="4110593"/>
+            <a:ext cx="4438650" cy="369332"/>
+          </a:xfrm>
+          <a:prstGeom prst="rightArrow">
+            <a:avLst/>
+          </a:prstGeom>
+        </p:spPr>
+        <p:style>
+          <a:lnRef idx="2">
+            <a:schemeClr val="accent1">
+              <a:shade val="15000"/>
+            </a:schemeClr>
+          </a:lnRef>
+          <a:fillRef idx="1">
+            <a:schemeClr val="accent1"/>
+          </a:fillRef>
+          <a:effectRef idx="0">
+            <a:schemeClr val="accent1"/>
+          </a:effectRef>
+          <a:fontRef idx="minor">
+            <a:schemeClr val="lt1"/>
+          </a:fontRef>
+        </p:style>
+        <p:txBody>
+          <a:bodyPr rtlCol="0" anchor="ctr"/>
+          <a:lstStyle/>
+          <a:p>
+            <a:pPr algn="ctr"/>
+            <a:r>
+              <a:rPr lang="en-US" altLang="ko-KR" dirty="0"/>
+              <a:t>A</a:t>
+            </a:r>
+            <a:endParaRPr lang="ko-KR" altLang="en-US" dirty="0"/>
+          </a:p>
+        </p:txBody>
+      </p:sp>
+      <p:sp>
+        <p:nvSpPr>
+          <p:cNvPr id="11" name="화살표: 오른쪽 10">
+            <a:extLst>
+              <a:ext uri="{FF2B5EF4-FFF2-40B4-BE49-F238E27FC236}">
+                <a16:creationId xmlns:a16="http://schemas.microsoft.com/office/drawing/2014/main" id="{B3980909-248A-78D1-4CF5-FF9344DC7CC9}"/>
+              </a:ext>
+            </a:extLst>
+          </p:cNvPr>
+          <p:cNvSpPr/>
+          <p:nvPr/>
+        </p:nvSpPr>
+        <p:spPr>
+          <a:xfrm>
+            <a:off x="4399878" y="4532952"/>
+            <a:ext cx="3031436" cy="369332"/>
+          </a:xfrm>
+          <a:prstGeom prst="rightArrow">
+            <a:avLst/>
+          </a:prstGeom>
+        </p:spPr>
+        <p:style>
+          <a:lnRef idx="2">
+            <a:schemeClr val="accent1">
+              <a:shade val="15000"/>
+            </a:schemeClr>
+          </a:lnRef>
+          <a:fillRef idx="1">
+            <a:schemeClr val="accent1"/>
+          </a:fillRef>
+          <a:effectRef idx="0">
+            <a:schemeClr val="accent1"/>
+          </a:effectRef>
+          <a:fontRef idx="minor">
+            <a:schemeClr val="lt1"/>
+          </a:fontRef>
+        </p:style>
+        <p:txBody>
+          <a:bodyPr rtlCol="0" anchor="ctr"/>
+          <a:lstStyle/>
+          <a:p>
+            <a:pPr algn="ctr"/>
+            <a:r>
+              <a:rPr lang="en-US" altLang="ko-KR" dirty="0"/>
+              <a:t>B</a:t>
+            </a:r>
+            <a:endParaRPr lang="ko-KR" altLang="en-US" dirty="0"/>
+          </a:p>
+        </p:txBody>
+      </p:sp>
+      <p:sp>
+        <p:nvSpPr>
+          <p:cNvPr id="12" name="TextBox 11">
+            <a:extLst>
+              <a:ext uri="{FF2B5EF4-FFF2-40B4-BE49-F238E27FC236}">
+                <a16:creationId xmlns:a16="http://schemas.microsoft.com/office/drawing/2014/main" id="{6A859647-EE34-E93A-0331-56DDAEA9FC17}"/>
+              </a:ext>
+            </a:extLst>
+          </p:cNvPr>
+          <p:cNvSpPr txBox="1"/>
+          <p:nvPr/>
+        </p:nvSpPr>
+        <p:spPr>
+          <a:xfrm>
+            <a:off x="901677" y="4277199"/>
+            <a:ext cx="1959428" cy="369332"/>
+          </a:xfrm>
+          <a:prstGeom prst="rect">
+            <a:avLst/>
+          </a:prstGeom>
+          <a:noFill/>
+        </p:spPr>
+        <p:txBody>
+          <a:bodyPr wrap="square" rtlCol="0">
+            <a:spAutoFit/>
+          </a:bodyPr>
+          <a:lstStyle/>
+          <a:p>
+            <a:r>
+              <a:rPr lang="en-US" altLang="ko-KR" b="1" dirty="0">
+                <a:latin typeface="Spoqa Han Sans Neo Bold" panose="020B0800000000000000" pitchFamily="50" charset="-127"/>
+                <a:ea typeface="Spoqa Han Sans Neo Bold" panose="020B0800000000000000" pitchFamily="50" charset="-127"/>
+              </a:rPr>
+              <a:t>Synchronous ?</a:t>
+            </a:r>
+            <a:endParaRPr lang="ko-KR" altLang="en-US" b="1" dirty="0">
+              <a:latin typeface="Spoqa Han Sans Neo Bold" panose="020B0800000000000000" pitchFamily="50" charset="-127"/>
+              <a:ea typeface="Spoqa Han Sans Neo Bold" panose="020B0800000000000000" pitchFamily="50" charset="-127"/>
+            </a:endParaRPr>
           </a:p>
         </p:txBody>
       </p:sp>
@@ -18192,7 +18894,23 @@
             </a:pPr>
             <a:r>
               <a:rPr lang="ko-KR" altLang="en-US" dirty="0"/>
-              <a:t>다음 명령어를 실행시킬 수 있는 제어권이 나에게 있는가 </a:t>
+              <a:t>다음 명령어를 실행시킬 수 있는 </a:t>
+            </a:r>
+            <a:r>
+              <a:rPr lang="ko-KR" altLang="en-US" b="1" u="sng" dirty="0"/>
+              <a:t>제어권</a:t>
+            </a:r>
+            <a:r>
+              <a:rPr lang="ko-KR" altLang="en-US" dirty="0"/>
+              <a:t>이 </a:t>
+            </a:r>
+            <a:r>
+              <a:rPr lang="en-US" altLang="ko-KR" dirty="0"/>
+              <a:t>caller</a:t>
+            </a:r>
+            <a:r>
+              <a:rPr lang="ko-KR" altLang="en-US" dirty="0"/>
+              <a:t>에게 있는가 </a:t>
             </a:r>
             <a:r>
               <a:rPr lang="en-US" altLang="ko-KR" dirty="0"/>

--- a/99.ppt/[Ch4-1. 비동기 서비스 소개] 1-2. 비동기 호출이란 ~ 1-3. Servlet_Reactive.pptx
+++ b/99.ppt/[Ch4-1. 비동기 서비스 소개] 1-2. 비동기 호출이란 ~ 1-3. Servlet_Reactive.pptx
@@ -272,7 +272,7 @@
           <a:p>
             <a:fld id="{9B770909-2C76-4DF9-BB76-4EE283593418}" type="datetimeFigureOut">
               <a:rPr lang="ko-KR" altLang="en-US" smtClean="0"/>
-              <a:t>2023-07-24</a:t>
+              <a:t>2023-08-01</a:t>
             </a:fld>
             <a:endParaRPr lang="ko-KR" altLang="en-US"/>
           </a:p>
@@ -721,7 +721,15 @@
             </a:r>
             <a:r>
               <a:rPr lang="ko-KR" altLang="en-US" dirty="0"/>
-              <a:t>기계가 일하는 동안 다른 일을 빨리 빨리 진행시키면</a:t>
+              <a:t>기계가 일하는 동안 다른 일을 진행시킬 수가 있어요</a:t>
+            </a:r>
+            <a:r>
+              <a:rPr lang="en-US" altLang="ko-KR" dirty="0"/>
+              <a:t>. </a:t>
+            </a:r>
+            <a:r>
+              <a:rPr lang="ko-KR" altLang="en-US" dirty="0"/>
+              <a:t>즉</a:t>
             </a:r>
             <a:r>
               <a:rPr lang="en-US" altLang="ko-KR" dirty="0"/>
@@ -729,7 +737,7 @@
             </a:r>
             <a:r>
               <a:rPr lang="ko-KR" altLang="en-US" dirty="0"/>
-              <a:t>동시에 여러 일을 진행시킬 수가 있어요</a:t>
+              <a:t>동시에 여러 일을 진행시킬 수 있어요</a:t>
             </a:r>
             <a:r>
               <a:rPr lang="en-US" altLang="ko-KR" dirty="0"/>
@@ -764,7 +772,7 @@
           <a:p>
             <a:r>
               <a:rPr lang="ko-KR" altLang="en-US" dirty="0"/>
-              <a:t>커피 한 잔 만드는 데 분업화 시스템과 마찬가지로 </a:t>
+              <a:t>커피 한 잔 만드는 데는 방금 전 봤던 분업 시스템과 마찬가지로 </a:t>
             </a:r>
             <a:r>
               <a:rPr lang="en-US" altLang="ko-KR" dirty="0"/>
@@ -1413,7 +1421,7 @@
             </a:pPr>
             <a:r>
               <a:rPr lang="ko-KR" altLang="en-US" dirty="0"/>
-              <a:t>시계방향으로 작동 사례를 하나씩 살펴보겠습니다</a:t>
+              <a:t>시계방향 순으로 차례대로 사례를 하나씩 살펴보겠습니다</a:t>
             </a:r>
             <a:r>
               <a:rPr lang="en-US" altLang="ko-KR" dirty="0"/>
@@ -1795,15 +1803,12 @@
             </a:r>
             <a:r>
               <a:rPr lang="ko-KR" altLang="en-US" dirty="0"/>
-              <a:t>처리에 많이 쓰인다고 합니다</a:t>
+              <a:t>처리에 많이 쓰입니다</a:t>
             </a:r>
             <a:r>
               <a:rPr lang="en-US" altLang="ko-KR" dirty="0"/>
               <a:t>.</a:t>
             </a:r>
-          </a:p>
-          <a:p>
-            <a:endParaRPr lang="en-US" altLang="ko-KR" dirty="0"/>
           </a:p>
           <a:p>
             <a:endParaRPr lang="ko-KR" altLang="en-US" dirty="0"/>
@@ -2744,7 +2749,7 @@
             </a:r>
             <a:r>
               <a:rPr lang="en-US" altLang="ko-KR" dirty="0"/>
-              <a:t>runnable </a:t>
+              <a:t>ready </a:t>
             </a:r>
             <a:r>
               <a:rPr lang="ko-KR" altLang="en-US" dirty="0"/>
@@ -2809,72 +2814,44 @@
             </a:r>
             <a:r>
               <a:rPr lang="ko-KR" altLang="en-US" dirty="0"/>
-              <a:t>이 걸리는 것이 무슨 큰 결함인 것 처럼 이야기 해 왔는데</a:t>
-            </a:r>
+              <a:t>이 걸리면 무슨 큰일이 나는 것처럼 이야기 해 왔는데</a:t>
+            </a:r>
+            <a:r>
+              <a:rPr lang="en-US" altLang="ko-KR" dirty="0"/>
+              <a:t>,</a:t>
+            </a:r>
+          </a:p>
+          <a:p>
             <a:endParaRPr lang="en-US" altLang="ko-KR" dirty="0"/>
           </a:p>
           <a:p>
+            <a:r>
+              <a:rPr lang="en-US" altLang="ko-KR" dirty="0" err="1"/>
+              <a:t>os</a:t>
+            </a:r>
+            <a:r>
+              <a:rPr lang="en-US" altLang="ko-KR" dirty="0"/>
+              <a:t> </a:t>
+            </a:r>
+            <a:r>
+              <a:rPr lang="ko-KR" altLang="en-US" dirty="0"/>
+              <a:t>는 굉장히 잘 만들어져 있어서</a:t>
+            </a:r>
+            <a:r>
+              <a:rPr lang="en-US" altLang="ko-KR" dirty="0"/>
+              <a:t>, thread I/O blocking </a:t>
+            </a:r>
+            <a:r>
+              <a:rPr lang="ko-KR" altLang="en-US" dirty="0"/>
+              <a:t>시간에 하드웨어를 놀리지 않습니다</a:t>
+            </a:r>
+            <a:r>
+              <a:rPr lang="en-US" altLang="ko-KR" dirty="0"/>
+              <a:t>.</a:t>
+            </a:r>
+          </a:p>
+          <a:p>
             <a:endParaRPr lang="en-US" altLang="ko-KR" dirty="0"/>
-          </a:p>
-          <a:p>
-            <a:r>
-              <a:rPr lang="ko-KR" altLang="en-US" dirty="0"/>
-              <a:t>막상 큰 일이 아닌 것 같습니다</a:t>
-            </a:r>
-            <a:r>
-              <a:rPr lang="en-US" altLang="ko-KR" dirty="0"/>
-              <a:t>.</a:t>
-            </a:r>
-          </a:p>
-          <a:p>
-            <a:endParaRPr lang="en-US" altLang="ko-KR" dirty="0"/>
-          </a:p>
-          <a:p>
-            <a:r>
-              <a:rPr lang="ko-KR" altLang="en-US" dirty="0"/>
-              <a:t>하드웨어 자원은 </a:t>
-            </a:r>
-            <a:r>
-              <a:rPr lang="en-US" altLang="ko-KR" dirty="0"/>
-              <a:t>kernel </a:t>
-            </a:r>
-            <a:r>
-              <a:rPr lang="ko-KR" altLang="en-US" dirty="0"/>
-              <a:t>에 의해 놀지 않고 잘 운용되고 있거든요</a:t>
-            </a:r>
-            <a:r>
-              <a:rPr lang="en-US" altLang="ko-KR" dirty="0"/>
-              <a:t>.</a:t>
-            </a:r>
-          </a:p>
-          <a:p>
-            <a:endParaRPr lang="en-US" altLang="ko-KR" dirty="0"/>
-          </a:p>
-          <a:p>
-            <a:r>
-              <a:rPr lang="ko-KR" altLang="en-US" dirty="0"/>
-              <a:t>다소 느릴 수는 있겠지만</a:t>
-            </a:r>
-            <a:r>
-              <a:rPr lang="en-US" altLang="ko-KR" dirty="0"/>
-              <a:t>, </a:t>
-            </a:r>
-            <a:r>
-              <a:rPr lang="ko-KR" altLang="en-US" dirty="0"/>
-              <a:t>서버 </a:t>
-            </a:r>
-            <a:r>
-              <a:rPr lang="en-US" altLang="ko-KR" dirty="0"/>
-              <a:t>throughput </a:t>
-            </a:r>
-            <a:r>
-              <a:rPr lang="ko-KR" altLang="en-US" dirty="0"/>
-              <a:t>은 그다지 나쁠 일이 없을 것 같거든요</a:t>
-            </a:r>
-            <a:r>
-              <a:rPr lang="en-US" altLang="ko-KR" dirty="0"/>
-              <a:t>.</a:t>
-            </a:r>
           </a:p>
           <a:p>
             <a:endParaRPr lang="en-US" altLang="ko-KR" dirty="0"/>
@@ -3057,19 +3034,35 @@
             </a:r>
             <a:r>
               <a:rPr lang="en-US" altLang="ko-KR" dirty="0"/>
-              <a:t>windows 95 </a:t>
+              <a:t>windows </a:t>
             </a:r>
             <a:r>
               <a:rPr lang="ko-KR" altLang="en-US" dirty="0"/>
-              <a:t>나오면서</a:t>
+              <a:t>같은 </a:t>
+            </a:r>
+            <a:r>
+              <a:rPr lang="ko-KR" altLang="en-US" dirty="0" err="1"/>
+              <a:t>멀티테스킹</a:t>
+            </a:r>
+            <a:r>
+              <a:rPr lang="ko-KR" altLang="en-US" dirty="0"/>
+              <a:t> </a:t>
+            </a:r>
+            <a:r>
+              <a:rPr lang="en-US" altLang="ko-KR" dirty="0" err="1"/>
+              <a:t>os</a:t>
+            </a:r>
+            <a:r>
+              <a:rPr lang="en-US" altLang="ko-KR" dirty="0"/>
+              <a:t> </a:t>
+            </a:r>
+            <a:r>
+              <a:rPr lang="ko-KR" altLang="en-US" dirty="0"/>
+              <a:t>가 나오면서</a:t>
             </a:r>
             <a:r>
               <a:rPr lang="en-US" altLang="ko-KR" dirty="0"/>
               <a:t>, </a:t>
-            </a:r>
-            <a:r>
-              <a:rPr lang="ko-KR" altLang="en-US" dirty="0"/>
-              <a:t>여러 프로그램을 </a:t>
             </a:r>
             <a:r>
               <a:rPr lang="en-US" altLang="ko-KR" dirty="0" err="1"/>
@@ -3081,141 +3074,7 @@
             </a:r>
             <a:r>
               <a:rPr lang="ko-KR" altLang="en-US" dirty="0"/>
-              <a:t>놀리지 않고 가득 채워 실행시킬 수 있도록 </a:t>
-            </a:r>
-            <a:r>
-              <a:rPr lang="ko-KR" altLang="en-US" dirty="0" err="1"/>
-              <a:t>바꼈습니다</a:t>
-            </a:r>
-            <a:r>
-              <a:rPr lang="en-US" altLang="ko-KR" dirty="0"/>
-              <a:t>.</a:t>
-            </a:r>
-          </a:p>
-          <a:p>
-            <a:endParaRPr lang="en-US" altLang="ko-KR" dirty="0"/>
-          </a:p>
-          <a:p>
-            <a:r>
-              <a:rPr lang="en-US" altLang="ko-KR" dirty="0"/>
-              <a:t>hyper threading </a:t>
-            </a:r>
-            <a:r>
-              <a:rPr lang="ko-KR" altLang="en-US" dirty="0" err="1"/>
-              <a:t>들어보셨죠</a:t>
-            </a:r>
-            <a:r>
-              <a:rPr lang="ko-KR" altLang="en-US" dirty="0"/>
-              <a:t> </a:t>
-            </a:r>
-            <a:r>
-              <a:rPr lang="en-US" altLang="ko-KR" dirty="0"/>
-              <a:t>?</a:t>
-            </a:r>
-          </a:p>
-          <a:p>
-            <a:endParaRPr lang="en-US" altLang="ko-KR" dirty="0"/>
-          </a:p>
-          <a:p>
-            <a:r>
-              <a:rPr lang="en-US" altLang="ko-KR" dirty="0" err="1"/>
-              <a:t>cpu</a:t>
-            </a:r>
-            <a:r>
-              <a:rPr lang="en-US" altLang="ko-KR" dirty="0"/>
-              <a:t> </a:t>
-            </a:r>
-            <a:r>
-              <a:rPr lang="ko-KR" altLang="en-US" dirty="0"/>
-              <a:t>가 연산을 처리하다가 메모리에 접근해 데이터를 가져오려고 할 때</a:t>
-            </a:r>
-            <a:endParaRPr lang="en-US" altLang="ko-KR" dirty="0"/>
-          </a:p>
-          <a:p>
-            <a:r>
-              <a:rPr lang="ko-KR" altLang="en-US" dirty="0"/>
-              <a:t>메모리에 접근하는 시간이 </a:t>
-            </a:r>
-            <a:r>
-              <a:rPr lang="en-US" altLang="ko-KR" dirty="0" err="1"/>
-              <a:t>cpu</a:t>
-            </a:r>
-            <a:r>
-              <a:rPr lang="en-US" altLang="ko-KR" dirty="0"/>
-              <a:t> </a:t>
-            </a:r>
-            <a:r>
-              <a:rPr lang="ko-KR" altLang="en-US" dirty="0" err="1"/>
-              <a:t>싸이클</a:t>
-            </a:r>
-            <a:r>
-              <a:rPr lang="ko-KR" altLang="en-US" dirty="0"/>
-              <a:t> 관점에서는 </a:t>
-            </a:r>
-            <a:r>
-              <a:rPr lang="en-US" altLang="ko-KR" dirty="0"/>
-              <a:t>I/O blocking </a:t>
-            </a:r>
-            <a:r>
-              <a:rPr lang="ko-KR" altLang="en-US" dirty="0"/>
-              <a:t>과 마찬가지로 오래 걸리는 작업이어서</a:t>
-            </a:r>
-            <a:endParaRPr lang="en-US" altLang="ko-KR" dirty="0"/>
-          </a:p>
-          <a:p>
-            <a:r>
-              <a:rPr lang="ko-KR" altLang="en-US" dirty="0"/>
-              <a:t>이 시간동안 가만히 기다리지 말고</a:t>
-            </a:r>
-            <a:r>
-              <a:rPr lang="en-US" altLang="ko-KR" dirty="0"/>
-              <a:t>, </a:t>
-            </a:r>
-            <a:r>
-              <a:rPr lang="ko-KR" altLang="en-US" dirty="0"/>
-              <a:t>다른 연산을 진행할 수 있도록 하자</a:t>
-            </a:r>
-            <a:r>
-              <a:rPr lang="en-US" altLang="ko-KR" dirty="0"/>
-              <a:t>.</a:t>
-            </a:r>
-          </a:p>
-          <a:p>
-            <a:r>
-              <a:rPr lang="ko-KR" altLang="en-US" dirty="0"/>
-              <a:t>그래서 </a:t>
-            </a:r>
-            <a:r>
-              <a:rPr lang="en-US" altLang="ko-KR" dirty="0" err="1"/>
-              <a:t>cpu</a:t>
-            </a:r>
-            <a:r>
-              <a:rPr lang="en-US" altLang="ko-KR" dirty="0"/>
-              <a:t> </a:t>
-            </a:r>
-            <a:r>
-              <a:rPr lang="ko-KR" altLang="en-US" dirty="0"/>
-              <a:t>하나가 </a:t>
-            </a:r>
-            <a:r>
-              <a:rPr lang="en-US" altLang="ko-KR" dirty="0"/>
-              <a:t>2</a:t>
-            </a:r>
-            <a:r>
-              <a:rPr lang="ko-KR" altLang="en-US" dirty="0"/>
-              <a:t>배의 연산을 처리할 수 있도록 하자는 개념이 </a:t>
-            </a:r>
-            <a:r>
-              <a:rPr lang="ko-KR" altLang="en-US" dirty="0" err="1"/>
-              <a:t>하이퍼</a:t>
-            </a:r>
-            <a:r>
-              <a:rPr lang="ko-KR" altLang="en-US" dirty="0"/>
-              <a:t> </a:t>
-            </a:r>
-            <a:r>
-              <a:rPr lang="ko-KR" altLang="en-US" dirty="0" err="1"/>
-              <a:t>쓰레딩입니다</a:t>
+              <a:t>연산시간에 여러가지 프로그램을 가득 채워 실행시킬 수 있도록 바뀌었습니다</a:t>
             </a:r>
             <a:r>
               <a:rPr lang="en-US" altLang="ko-KR" dirty="0"/>
@@ -3548,19 +3407,11 @@
           <a:p>
             <a:r>
               <a:rPr lang="ko-KR" altLang="en-US" dirty="0"/>
-              <a:t>그런데</a:t>
-            </a:r>
-            <a:r>
-              <a:rPr lang="en-US" altLang="ko-KR" dirty="0"/>
-              <a:t>, </a:t>
-            </a:r>
-            <a:r>
-              <a:rPr lang="ko-KR" altLang="en-US" dirty="0"/>
               <a:t>프로그램이 실행되는 </a:t>
             </a:r>
             <a:r>
               <a:rPr lang="en-US" altLang="ko-KR" dirty="0"/>
-              <a:t>user thread </a:t>
+              <a:t>user mode </a:t>
             </a:r>
             <a:r>
               <a:rPr lang="ko-KR" altLang="en-US" dirty="0"/>
@@ -3571,7 +3422,7 @@
           <a:p>
             <a:r>
               <a:rPr lang="en-US" altLang="ko-KR" dirty="0"/>
-              <a:t>kernel thread </a:t>
+              <a:t>kernel mode </a:t>
             </a:r>
             <a:r>
               <a:rPr lang="ko-KR" altLang="en-US" dirty="0"/>
@@ -3604,7 +3455,7 @@
           <a:p>
             <a:r>
               <a:rPr lang="ko-KR" altLang="en-US" dirty="0"/>
-              <a:t>실행되는 </a:t>
+              <a:t>실행중인 </a:t>
             </a:r>
             <a:r>
               <a:rPr lang="en-US" altLang="ko-KR" dirty="0"/>
@@ -3612,7 +3463,7 @@
             </a:r>
             <a:r>
               <a:rPr lang="ko-KR" altLang="en-US" dirty="0"/>
-              <a:t>개수가 적을 때는 이 </a:t>
+              <a:t>가 적을 때는 이 </a:t>
             </a:r>
             <a:r>
               <a:rPr lang="en-US" altLang="ko-KR" dirty="0"/>
@@ -3628,9 +3479,12 @@
             </a:r>
           </a:p>
           <a:p>
+            <a:endParaRPr lang="en-US" altLang="ko-KR" dirty="0"/>
+          </a:p>
+          <a:p>
             <a:r>
               <a:rPr lang="ko-KR" altLang="en-US" dirty="0"/>
-              <a:t>하지만 실행되는 </a:t>
+              <a:t>하지만 실행중인 </a:t>
             </a:r>
             <a:r>
               <a:rPr lang="en-US" altLang="ko-KR" dirty="0"/>
@@ -3638,11 +3492,11 @@
             </a:r>
             <a:r>
               <a:rPr lang="ko-KR" altLang="en-US" dirty="0"/>
-              <a:t>개수가 많아지면 어떻게 될까요 </a:t>
-            </a:r>
-            <a:r>
-              <a:rPr lang="en-US" altLang="ko-KR" dirty="0"/>
-              <a:t>?</a:t>
+              <a:t>가 많아지면 이야기가 달라지는데요</a:t>
+            </a:r>
+            <a:r>
+              <a:rPr lang="en-US" altLang="ko-KR" dirty="0"/>
+              <a:t>.</a:t>
             </a:r>
           </a:p>
           <a:p>
@@ -3650,8 +3504,12 @@
           </a:p>
           <a:p>
             <a:r>
+              <a:rPr lang="en-US" altLang="ko-KR" dirty="0" err="1"/>
+              <a:t>os</a:t>
+            </a:r>
+            <a:r>
               <a:rPr lang="ko-KR" altLang="en-US" dirty="0"/>
-              <a:t>서버 </a:t>
+              <a:t>는 </a:t>
             </a:r>
             <a:r>
               <a:rPr lang="en-US" altLang="ko-KR" dirty="0"/>
@@ -3659,118 +3517,40 @@
             </a:r>
             <a:r>
               <a:rPr lang="ko-KR" altLang="en-US" dirty="0"/>
-              <a:t>로 보통 </a:t>
-            </a:r>
-            <a:r>
-              <a:rPr lang="en-US" altLang="ko-KR" dirty="0"/>
-              <a:t>2</a:t>
+              <a:t>의 </a:t>
+            </a:r>
+            <a:r>
+              <a:rPr lang="en-US" altLang="ko-KR" dirty="0"/>
+              <a:t>time slice </a:t>
             </a:r>
             <a:r>
               <a:rPr lang="ko-KR" altLang="en-US" dirty="0"/>
-              <a:t>개 </a:t>
-            </a:r>
-            <a:r>
-              <a:rPr lang="en-US" altLang="ko-KR" dirty="0"/>
-              <a:t>~ 4</a:t>
+              <a:t>를 가변적으로 운영합니다</a:t>
+            </a:r>
+            <a:r>
+              <a:rPr lang="en-US" altLang="ko-KR" dirty="0"/>
+              <a:t>.</a:t>
+            </a:r>
+          </a:p>
+          <a:p>
+            <a:endParaRPr lang="en-US" altLang="ko-KR" dirty="0"/>
+          </a:p>
+          <a:p>
+            <a:r>
+              <a:rPr lang="en-US" altLang="ko-KR" dirty="0"/>
+              <a:t>kernel </a:t>
             </a:r>
             <a:r>
               <a:rPr lang="ko-KR" altLang="en-US" dirty="0"/>
-              <a:t>개 정도를 </a:t>
-            </a:r>
-            <a:r>
-              <a:rPr lang="ko-KR" altLang="en-US" dirty="0" err="1"/>
-              <a:t>사용하실텐데요</a:t>
-            </a:r>
-            <a:r>
-              <a:rPr lang="en-US" altLang="ko-KR" dirty="0"/>
-              <a:t>.</a:t>
-            </a:r>
-          </a:p>
-          <a:p>
-            <a:r>
-              <a:rPr lang="en-US" altLang="ko-KR" dirty="0"/>
-              <a:t>request</a:t>
+              <a:t>의</a:t>
+            </a:r>
+            <a:r>
+              <a:rPr lang="en-US" altLang="ko-KR" dirty="0"/>
+              <a:t> thread </a:t>
             </a:r>
             <a:r>
               <a:rPr lang="ko-KR" altLang="en-US" dirty="0"/>
-              <a:t>를 많이 받겠다고</a:t>
-            </a:r>
-            <a:r>
-              <a:rPr lang="en-US" altLang="ko-KR" dirty="0"/>
-              <a:t>, thread</a:t>
-            </a:r>
-            <a:r>
-              <a:rPr lang="ko-KR" altLang="en-US" dirty="0"/>
-              <a:t>를 </a:t>
-            </a:r>
-            <a:r>
-              <a:rPr lang="en-US" altLang="ko-KR" dirty="0"/>
-              <a:t>1000 </a:t>
-            </a:r>
-            <a:r>
-              <a:rPr lang="ko-KR" altLang="en-US" dirty="0"/>
-              <a:t>개정도 띄운다고 가정해 </a:t>
-            </a:r>
-            <a:r>
-              <a:rPr lang="ko-KR" altLang="en-US" dirty="0" err="1"/>
-              <a:t>볼께요</a:t>
-            </a:r>
-            <a:r>
-              <a:rPr lang="en-US" altLang="ko-KR" dirty="0"/>
-              <a:t>.</a:t>
-            </a:r>
-          </a:p>
-          <a:p>
-            <a:r>
-              <a:rPr lang="ko-KR" altLang="en-US" dirty="0"/>
-              <a:t>요청이 밀려들어 </a:t>
-            </a:r>
-            <a:r>
-              <a:rPr lang="en-US" altLang="ko-KR" dirty="0"/>
-              <a:t>thread 1000</a:t>
-            </a:r>
-            <a:r>
-              <a:rPr lang="ko-KR" altLang="en-US" dirty="0"/>
-              <a:t>개가 모두 움직이고 있는데</a:t>
-            </a:r>
-            <a:r>
-              <a:rPr lang="en-US" altLang="ko-KR" dirty="0"/>
-              <a:t>, </a:t>
-            </a:r>
-            <a:r>
-              <a:rPr lang="ko-KR" altLang="en-US" dirty="0"/>
-              <a:t>이 </a:t>
-            </a:r>
-            <a:r>
-              <a:rPr lang="en-US" altLang="ko-KR" dirty="0"/>
-              <a:t>1000</a:t>
-            </a:r>
-            <a:r>
-              <a:rPr lang="ko-KR" altLang="en-US" dirty="0"/>
-              <a:t>개의 </a:t>
-            </a:r>
-            <a:r>
-              <a:rPr lang="en-US" altLang="ko-KR" dirty="0"/>
-              <a:t>thread </a:t>
-            </a:r>
-            <a:r>
-              <a:rPr lang="ko-KR" altLang="en-US" dirty="0"/>
-              <a:t>들이 얼마 안되는 </a:t>
-            </a:r>
-            <a:r>
-              <a:rPr lang="en-US" altLang="ko-KR" dirty="0"/>
-              <a:t>core</a:t>
-            </a:r>
-            <a:r>
-              <a:rPr lang="ko-KR" altLang="en-US" dirty="0"/>
-              <a:t>를 서로 차지하겠다고 경합을 벌이면</a:t>
-            </a:r>
-            <a:endParaRPr lang="en-US" altLang="ko-KR" dirty="0"/>
-          </a:p>
-          <a:p>
-            <a:r>
-              <a:rPr lang="ko-KR" altLang="en-US" dirty="0"/>
-              <a:t>미세한 </a:t>
+              <a:t>스케줄러는 모든 쓰레드가 공평하게 </a:t>
             </a:r>
             <a:r>
               <a:rPr lang="en-US" altLang="ko-KR" dirty="0" err="1"/>
@@ -3778,11 +3558,81 @@
             </a:r>
             <a:r>
               <a:rPr lang="en-US" altLang="ko-KR" dirty="0"/>
-              <a:t> time slice </a:t>
+              <a:t> </a:t>
             </a:r>
             <a:r>
               <a:rPr lang="ko-KR" altLang="en-US" dirty="0"/>
-              <a:t>동안 수많은 </a:t>
+              <a:t>시간을 쪼개어 사용하도록 움직입니다</a:t>
+            </a:r>
+            <a:r>
+              <a:rPr lang="en-US" altLang="ko-KR" dirty="0"/>
+              <a:t>. </a:t>
+            </a:r>
+          </a:p>
+          <a:p>
+            <a:endParaRPr lang="en-US" altLang="ko-KR" dirty="0"/>
+          </a:p>
+          <a:p>
+            <a:r>
+              <a:rPr lang="ko-KR" altLang="en-US" dirty="0"/>
+              <a:t>실행중인 </a:t>
+            </a:r>
+            <a:r>
+              <a:rPr lang="en-US" altLang="ko-KR" dirty="0"/>
+              <a:t>thread </a:t>
+            </a:r>
+            <a:r>
+              <a:rPr lang="ko-KR" altLang="en-US" dirty="0"/>
+              <a:t>가 적으면 </a:t>
+            </a:r>
+            <a:r>
+              <a:rPr lang="en-US" altLang="ko-KR" dirty="0"/>
+              <a:t>time slice </a:t>
+            </a:r>
+            <a:r>
+              <a:rPr lang="ko-KR" altLang="en-US" dirty="0"/>
+              <a:t>가 커지고</a:t>
+            </a:r>
+            <a:r>
+              <a:rPr lang="en-US" altLang="ko-KR" dirty="0"/>
+              <a:t>, </a:t>
+            </a:r>
+            <a:r>
+              <a:rPr lang="ko-KR" altLang="en-US" dirty="0"/>
+              <a:t>많으면 </a:t>
+            </a:r>
+            <a:r>
+              <a:rPr lang="ko-KR" altLang="en-US" dirty="0" err="1"/>
+              <a:t>작아지는거죠</a:t>
+            </a:r>
+            <a:r>
+              <a:rPr lang="en-US" altLang="ko-KR" dirty="0"/>
+              <a:t>.</a:t>
+            </a:r>
+          </a:p>
+          <a:p>
+            <a:endParaRPr lang="en-US" altLang="ko-KR" dirty="0"/>
+          </a:p>
+          <a:p>
+            <a:r>
+              <a:rPr lang="ko-KR" altLang="en-US" dirty="0"/>
+              <a:t>따라서 실행중인 </a:t>
+            </a:r>
+            <a:r>
+              <a:rPr lang="en-US" altLang="ko-KR" dirty="0"/>
+              <a:t>thread </a:t>
+            </a:r>
+            <a:r>
+              <a:rPr lang="ko-KR" altLang="en-US" dirty="0"/>
+              <a:t>가 많아질수록</a:t>
+            </a:r>
+            <a:r>
+              <a:rPr lang="en-US" altLang="ko-KR" dirty="0"/>
+              <a:t>, time slice </a:t>
+            </a:r>
+            <a:r>
+              <a:rPr lang="ko-KR" altLang="en-US" dirty="0"/>
+              <a:t>가 작아져 </a:t>
             </a:r>
             <a:r>
               <a:rPr lang="en-US" altLang="ko-KR" dirty="0"/>
@@ -3790,20 +3640,117 @@
             </a:r>
             <a:r>
               <a:rPr lang="ko-KR" altLang="en-US" dirty="0"/>
-              <a:t>이 발생하게 되어</a:t>
-            </a:r>
-            <a:r>
-              <a:rPr lang="en-US" altLang="ko-KR" dirty="0"/>
-              <a:t>, </a:t>
+              <a:t>이 자주 일어나 </a:t>
+            </a:r>
+            <a:r>
+              <a:rPr lang="en-US" altLang="ko-KR" dirty="0" err="1"/>
+              <a:t>cpu</a:t>
+            </a:r>
+            <a:r>
+              <a:rPr lang="en-US" altLang="ko-KR" dirty="0"/>
+              <a:t> </a:t>
             </a:r>
             <a:r>
               <a:rPr lang="ko-KR" altLang="en-US" dirty="0"/>
-              <a:t>이 전환비용의 합이 무시할 수 없을 정도로 커지게 됩니다</a:t>
+              <a:t>가 </a:t>
+            </a:r>
+            <a:r>
+              <a:rPr lang="ko-KR" altLang="en-US" dirty="0" err="1"/>
+              <a:t>블럭되는</a:t>
+            </a:r>
+            <a:r>
+              <a:rPr lang="ko-KR" altLang="en-US" dirty="0"/>
+              <a:t> 시간이 길어지게 됩니다</a:t>
             </a:r>
             <a:r>
               <a:rPr lang="en-US" altLang="ko-KR" dirty="0"/>
               <a:t>.</a:t>
             </a:r>
+          </a:p>
+          <a:p>
+            <a:endParaRPr lang="en-US" altLang="ko-KR" dirty="0"/>
+          </a:p>
+          <a:p>
+            <a:r>
+              <a:rPr lang="ko-KR" altLang="en-US" dirty="0"/>
+              <a:t>여기에 더해 </a:t>
+            </a:r>
+            <a:r>
+              <a:rPr lang="en-US" altLang="ko-KR" dirty="0"/>
+              <a:t>thread </a:t>
+            </a:r>
+            <a:r>
+              <a:rPr lang="ko-KR" altLang="en-US" dirty="0"/>
+              <a:t>들이 </a:t>
+            </a:r>
+            <a:r>
+              <a:rPr lang="en-US" altLang="ko-KR" dirty="0"/>
+              <a:t>core </a:t>
+            </a:r>
+            <a:r>
+              <a:rPr lang="ko-KR" altLang="en-US" dirty="0"/>
+              <a:t>의 </a:t>
+            </a:r>
+            <a:r>
+              <a:rPr lang="en-US" altLang="ko-KR" dirty="0"/>
+              <a:t>time slice </a:t>
+            </a:r>
+            <a:r>
+              <a:rPr lang="ko-KR" altLang="en-US" dirty="0"/>
+              <a:t>를 차지하기 위해 서로 경합을 벌이면서 다른 </a:t>
+            </a:r>
+            <a:r>
+              <a:rPr lang="en-US" altLang="ko-KR" dirty="0"/>
+              <a:t>core </a:t>
+            </a:r>
+            <a:r>
+              <a:rPr lang="ko-KR" altLang="en-US" dirty="0"/>
+              <a:t>에서라도 기꺼이 실행되면서</a:t>
+            </a:r>
+            <a:endParaRPr lang="en-US" altLang="ko-KR" dirty="0"/>
+          </a:p>
+          <a:p>
+            <a:endParaRPr lang="en-US" altLang="ko-KR" dirty="0"/>
+          </a:p>
+          <a:p>
+            <a:r>
+              <a:rPr lang="en-US" altLang="ko-KR" dirty="0"/>
+              <a:t>CPU </a:t>
+            </a:r>
+            <a:r>
+              <a:rPr lang="ko-KR" altLang="en-US" dirty="0"/>
+              <a:t>캐시 메모리의 </a:t>
+            </a:r>
+            <a:r>
+              <a:rPr lang="en-US" altLang="ko-KR" dirty="0"/>
+              <a:t>cache hit </a:t>
+            </a:r>
+            <a:r>
+              <a:rPr lang="ko-KR" altLang="en-US" dirty="0"/>
+              <a:t>율이 현저히 떨어집니다</a:t>
+            </a:r>
+            <a:r>
+              <a:rPr lang="en-US" altLang="ko-KR" dirty="0"/>
+              <a:t>. </a:t>
+            </a:r>
+            <a:r>
+              <a:rPr lang="ko-KR" altLang="en-US" dirty="0"/>
+              <a:t>즉 더 </a:t>
+            </a:r>
+            <a:r>
+              <a:rPr lang="ko-KR" altLang="en-US" dirty="0" err="1"/>
+              <a:t>느려지는거죠</a:t>
+            </a:r>
+            <a:r>
+              <a:rPr lang="en-US" altLang="ko-KR" dirty="0"/>
+              <a:t>.</a:t>
+            </a:r>
+          </a:p>
+          <a:p>
+            <a:endParaRPr lang="en-US" altLang="ko-KR" dirty="0"/>
+          </a:p>
+          <a:p>
+            <a:endParaRPr lang="en-US" altLang="ko-KR" dirty="0"/>
           </a:p>
           <a:p>
             <a:endParaRPr lang="en-US" altLang="ko-KR" dirty="0"/>
@@ -3964,7 +3911,7 @@
             </a:r>
             <a:r>
               <a:rPr lang="ko-KR" altLang="en-US" dirty="0"/>
-              <a:t>개 운용에 </a:t>
+              <a:t>개가 동시에 움직이면 </a:t>
             </a:r>
             <a:r>
               <a:rPr lang="en-US" altLang="ko-KR" dirty="0"/>
@@ -3972,7 +3919,7 @@
             </a:r>
             <a:r>
               <a:rPr lang="ko-KR" altLang="en-US" dirty="0"/>
-              <a:t>정도를 필요로 합니다</a:t>
+              <a:t>정도의 메모리가 추가로 필요합니다</a:t>
             </a:r>
             <a:r>
               <a:rPr lang="en-US" altLang="ko-KR" dirty="0"/>
@@ -4373,12 +4320,8 @@
               <a:t>thread </a:t>
             </a:r>
             <a:r>
-              <a:rPr lang="ko-KR" altLang="en-US" dirty="0" err="1"/>
-              <a:t>하나씩이</a:t>
-            </a:r>
-            <a:r>
               <a:rPr lang="ko-KR" altLang="en-US" dirty="0"/>
-              <a:t> 배분될 수 있도록</a:t>
+              <a:t>가 하나씩 배분될 수 있도록</a:t>
             </a:r>
             <a:r>
               <a:rPr lang="en-US" altLang="ko-KR" dirty="0"/>
@@ -5063,8 +5006,12 @@
           </a:p>
           <a:p>
             <a:r>
+              <a:rPr lang="en-US" altLang="ko-KR" dirty="0"/>
+              <a:t>MSA</a:t>
+            </a:r>
+            <a:r>
               <a:rPr lang="ko-KR" altLang="en-US" dirty="0"/>
-              <a:t>마이크로 서비스 아키텍처가 보편화되면서</a:t>
+              <a:t>가 보편화되면서</a:t>
             </a:r>
             <a:r>
               <a:rPr lang="en-US" altLang="ko-KR" dirty="0"/>
@@ -5072,7 +5019,15 @@
             </a:r>
             <a:r>
               <a:rPr lang="ko-KR" altLang="en-US" dirty="0"/>
-              <a:t>방식의 서버 구성은 처리지연이 전파되는 이슈에 매우 취약했기 때문입니다</a:t>
+              <a:t>방식의 </a:t>
+            </a:r>
+            <a:r>
+              <a:rPr lang="en-US" altLang="ko-KR" dirty="0"/>
+              <a:t>Micro Server </a:t>
+            </a:r>
+            <a:r>
+              <a:rPr lang="ko-KR" altLang="en-US" dirty="0"/>
+              <a:t>들은 처리지연이 전파되는 이슈에 매우 취약했기 때문입니다</a:t>
             </a:r>
             <a:r>
               <a:rPr lang="en-US" altLang="ko-KR" dirty="0"/>
@@ -5174,6 +5129,42 @@
               <a:rPr lang="en-US" altLang="ko-KR" dirty="0"/>
               <a:t>.</a:t>
             </a:r>
+          </a:p>
+          <a:p>
+            <a:endParaRPr lang="en-US" altLang="ko-KR" dirty="0"/>
+          </a:p>
+          <a:p>
+            <a:pPr marL="0" marR="0" lvl="0" indent="0" algn="l" defTabSz="685800" rtl="0" eaLnBrk="1" fontAlgn="auto" latinLnBrk="1" hangingPunct="1">
+              <a:lnSpc>
+                <a:spcPct val="100000"/>
+              </a:lnSpc>
+              <a:spcBef>
+                <a:spcPts val="0"/>
+              </a:spcBef>
+              <a:spcAft>
+                <a:spcPts val="0"/>
+              </a:spcAft>
+              <a:buClrTx/>
+              <a:buSzTx/>
+              <a:buFontTx/>
+              <a:buNone/>
+              <a:tabLst/>
+              <a:defRPr/>
+            </a:pPr>
+            <a:r>
+              <a:rPr lang="en-US" altLang="ko-KR" dirty="0"/>
+              <a:t>&lt;&lt;</a:t>
+            </a:r>
+            <a:r>
+              <a:rPr lang="ko-KR" altLang="en-US" dirty="0"/>
+              <a:t>설명</a:t>
+            </a:r>
+            <a:r>
+              <a:rPr lang="en-US" altLang="ko-KR" dirty="0"/>
+              <a:t>&gt;&gt;</a:t>
+            </a:r>
+          </a:p>
+          <a:p>
             <a:endParaRPr lang="ko-KR" altLang="en-US" dirty="0"/>
           </a:p>
         </p:txBody>
@@ -5374,15 +5365,7 @@
             </a:r>
             <a:r>
               <a:rPr lang="ko-KR" altLang="en-US" dirty="0"/>
-              <a:t>개가 개별적으로 </a:t>
-            </a:r>
-            <a:r>
-              <a:rPr lang="ko-KR" altLang="en-US" dirty="0" err="1"/>
-              <a:t>움직이는거라</a:t>
-            </a:r>
-            <a:r>
-              <a:rPr lang="ko-KR" altLang="en-US" dirty="0"/>
-              <a:t> 제어가 까다로워집니다</a:t>
+              <a:t>개를 개별적으로 운영하는 거라 제어가 까다롭습니다</a:t>
             </a:r>
             <a:r>
               <a:rPr lang="en-US" altLang="ko-KR" dirty="0"/>
@@ -5691,6 +5674,42 @@
               <a:rPr lang="en-US" altLang="ko-KR" dirty="0"/>
               <a:t>.</a:t>
             </a:r>
+          </a:p>
+          <a:p>
+            <a:endParaRPr lang="en-US" altLang="ko-KR" dirty="0"/>
+          </a:p>
+          <a:p>
+            <a:pPr marL="0" marR="0" lvl="0" indent="0" algn="l" defTabSz="685800" rtl="0" eaLnBrk="1" fontAlgn="auto" latinLnBrk="1" hangingPunct="1">
+              <a:lnSpc>
+                <a:spcPct val="100000"/>
+              </a:lnSpc>
+              <a:spcBef>
+                <a:spcPts val="0"/>
+              </a:spcBef>
+              <a:spcAft>
+                <a:spcPts val="0"/>
+              </a:spcAft>
+              <a:buClrTx/>
+              <a:buSzTx/>
+              <a:buFontTx/>
+              <a:buNone/>
+              <a:tabLst/>
+              <a:defRPr/>
+            </a:pPr>
+            <a:r>
+              <a:rPr lang="en-US" altLang="ko-KR" dirty="0"/>
+              <a:t>&lt;&lt;</a:t>
+            </a:r>
+            <a:r>
+              <a:rPr lang="ko-KR" altLang="en-US" dirty="0"/>
+              <a:t>설명</a:t>
+            </a:r>
+            <a:r>
+              <a:rPr lang="en-US" altLang="ko-KR" dirty="0"/>
+              <a:t>&gt;&gt;</a:t>
+            </a:r>
+          </a:p>
+          <a:p>
             <a:endParaRPr lang="ko-KR" altLang="en-US" dirty="0"/>
           </a:p>
         </p:txBody>
@@ -6349,7 +6368,7 @@
             </a:r>
             <a:r>
               <a:rPr lang="ko-KR" altLang="en-US" dirty="0"/>
-              <a:t>호출을 이용해 어플리케이션 성능을 향상시키는 </a:t>
+              <a:t>호출을 이용한 어플리케이션 성능 향상 </a:t>
             </a:r>
             <a:r>
               <a:rPr lang="ko-KR" altLang="en-US" dirty="0" err="1"/>
@@ -6411,7 +6430,7 @@
             </a:r>
             <a:r>
               <a:rPr lang="en-US" altLang="ko-KR" dirty="0"/>
-              <a:t>Kernel </a:t>
+              <a:t>OS kernel </a:t>
             </a:r>
             <a:r>
               <a:rPr lang="ko-KR" altLang="en-US" dirty="0"/>
@@ -6579,7 +6598,7 @@
             </a:r>
             <a:r>
               <a:rPr lang="ko-KR" altLang="en-US" dirty="0"/>
-              <a:t>저희 별다방에서 라떼 한 잔 </a:t>
+              <a:t>저희 라떼 한 잔 </a:t>
             </a:r>
             <a:r>
               <a:rPr lang="ko-KR" altLang="en-US" dirty="0" err="1"/>
@@ -7073,12 +7092,16 @@
           </a:p>
           <a:p>
             <a:r>
+              <a:rPr lang="ko-KR" altLang="en-US" dirty="0"/>
+              <a:t>순차적으로 처리할 때 </a:t>
+            </a:r>
+            <a:r>
               <a:rPr lang="en-US" altLang="ko-KR" dirty="0"/>
               <a:t>10</a:t>
             </a:r>
             <a:r>
               <a:rPr lang="ko-KR" altLang="en-US" dirty="0"/>
-              <a:t>초 걸릴 일을 </a:t>
+              <a:t>초 걸리던 일을 </a:t>
             </a:r>
             <a:r>
               <a:rPr lang="en-US" altLang="ko-KR" dirty="0"/>
@@ -7128,11 +7151,7 @@
             </a:r>
             <a:r>
               <a:rPr lang="ko-KR" altLang="en-US" dirty="0"/>
-              <a:t> 우유 데우는 일은 기계가 </a:t>
-            </a:r>
-            <a:r>
-              <a:rPr lang="ko-KR" altLang="en-US" dirty="0" err="1"/>
-              <a:t>하쟎아요</a:t>
+              <a:t> 우유 데우는 일은 기계가 하잖아요</a:t>
             </a:r>
             <a:r>
               <a:rPr lang="en-US" altLang="ko-KR" dirty="0"/>
@@ -20140,7 +20159,7 @@
         <p:spPr>
           <a:xfrm>
             <a:off x="3130549" y="2152650"/>
-            <a:ext cx="2894198" cy="336550"/>
+            <a:ext cx="2853129" cy="336550"/>
           </a:xfrm>
           <a:prstGeom prst="rect">
             <a:avLst/>
@@ -20206,8 +20225,8 @@
         </p:nvSpPr>
         <p:spPr>
           <a:xfrm>
-            <a:off x="6073140" y="2150998"/>
-            <a:ext cx="429260" cy="336550"/>
+            <a:off x="5990583" y="2150998"/>
+            <a:ext cx="511817" cy="336550"/>
           </a:xfrm>
           <a:prstGeom prst="rect">
             <a:avLst/>
@@ -20241,7 +20260,7 @@
             <a:pPr algn="ctr"/>
             <a:r>
               <a:rPr lang="en-US" altLang="ko-KR" sz="1000" dirty="0"/>
-              <a:t>runnable</a:t>
+              <a:t>ready</a:t>
             </a:r>
             <a:endParaRPr lang="ko-KR" altLang="en-US" sz="1000" dirty="0"/>
           </a:p>
@@ -24310,6 +24329,958 @@
   <p:clrMapOvr>
     <a:masterClrMapping/>
   </p:clrMapOvr>
+  <p:timing>
+    <p:tnLst>
+      <p:par>
+        <p:cTn id="1" dur="indefinite" restart="never" nodeType="tmRoot">
+          <p:childTnLst>
+            <p:seq concurrent="1" nextAc="seek">
+              <p:cTn id="2" dur="indefinite" nodeType="mainSeq">
+                <p:childTnLst>
+                  <p:par>
+                    <p:cTn id="3" fill="hold">
+                      <p:stCondLst>
+                        <p:cond delay="indefinite"/>
+                      </p:stCondLst>
+                      <p:childTnLst>
+                        <p:par>
+                          <p:cTn id="4" fill="hold">
+                            <p:stCondLst>
+                              <p:cond delay="0"/>
+                            </p:stCondLst>
+                            <p:childTnLst>
+                              <p:par>
+                                <p:cTn id="5" presetID="1" presetClass="entr" presetSubtype="0" fill="hold" grpId="0" nodeType="clickEffect">
+                                  <p:stCondLst>
+                                    <p:cond delay="0"/>
+                                  </p:stCondLst>
+                                  <p:childTnLst>
+                                    <p:set>
+                                      <p:cBhvr>
+                                        <p:cTn id="6" dur="1" fill="hold">
+                                          <p:stCondLst>
+                                            <p:cond delay="0"/>
+                                          </p:stCondLst>
+                                        </p:cTn>
+                                        <p:tgtEl>
+                                          <p:spTgt spid="74"/>
+                                        </p:tgtEl>
+                                        <p:attrNameLst>
+                                          <p:attrName>style.visibility</p:attrName>
+                                        </p:attrNameLst>
+                                      </p:cBhvr>
+                                      <p:to>
+                                        <p:strVal val="visible"/>
+                                      </p:to>
+                                    </p:set>
+                                  </p:childTnLst>
+                                </p:cTn>
+                              </p:par>
+                            </p:childTnLst>
+                          </p:cTn>
+                        </p:par>
+                      </p:childTnLst>
+                    </p:cTn>
+                  </p:par>
+                  <p:par>
+                    <p:cTn id="7" fill="hold">
+                      <p:stCondLst>
+                        <p:cond delay="indefinite"/>
+                      </p:stCondLst>
+                      <p:childTnLst>
+                        <p:par>
+                          <p:cTn id="8" fill="hold">
+                            <p:stCondLst>
+                              <p:cond delay="0"/>
+                            </p:stCondLst>
+                            <p:childTnLst>
+                              <p:par>
+                                <p:cTn id="9" presetID="1" presetClass="entr" presetSubtype="0" fill="hold" grpId="0" nodeType="clickEffect">
+                                  <p:stCondLst>
+                                    <p:cond delay="0"/>
+                                  </p:stCondLst>
+                                  <p:childTnLst>
+                                    <p:set>
+                                      <p:cBhvr>
+                                        <p:cTn id="10" dur="1" fill="hold">
+                                          <p:stCondLst>
+                                            <p:cond delay="0"/>
+                                          </p:stCondLst>
+                                        </p:cTn>
+                                        <p:tgtEl>
+                                          <p:spTgt spid="75"/>
+                                        </p:tgtEl>
+                                        <p:attrNameLst>
+                                          <p:attrName>style.visibility</p:attrName>
+                                        </p:attrNameLst>
+                                      </p:cBhvr>
+                                      <p:to>
+                                        <p:strVal val="visible"/>
+                                      </p:to>
+                                    </p:set>
+                                  </p:childTnLst>
+                                </p:cTn>
+                              </p:par>
+                            </p:childTnLst>
+                          </p:cTn>
+                        </p:par>
+                      </p:childTnLst>
+                    </p:cTn>
+                  </p:par>
+                  <p:par>
+                    <p:cTn id="11" fill="hold">
+                      <p:stCondLst>
+                        <p:cond delay="indefinite"/>
+                      </p:stCondLst>
+                      <p:childTnLst>
+                        <p:par>
+                          <p:cTn id="12" fill="hold">
+                            <p:stCondLst>
+                              <p:cond delay="0"/>
+                            </p:stCondLst>
+                            <p:childTnLst>
+                              <p:par>
+                                <p:cTn id="13" presetID="1" presetClass="entr" presetSubtype="0" fill="hold" grpId="0" nodeType="clickEffect">
+                                  <p:stCondLst>
+                                    <p:cond delay="0"/>
+                                  </p:stCondLst>
+                                  <p:childTnLst>
+                                    <p:set>
+                                      <p:cBhvr>
+                                        <p:cTn id="14" dur="1" fill="hold">
+                                          <p:stCondLst>
+                                            <p:cond delay="0"/>
+                                          </p:stCondLst>
+                                        </p:cTn>
+                                        <p:tgtEl>
+                                          <p:spTgt spid="76"/>
+                                        </p:tgtEl>
+                                        <p:attrNameLst>
+                                          <p:attrName>style.visibility</p:attrName>
+                                        </p:attrNameLst>
+                                      </p:cBhvr>
+                                      <p:to>
+                                        <p:strVal val="visible"/>
+                                      </p:to>
+                                    </p:set>
+                                  </p:childTnLst>
+                                </p:cTn>
+                              </p:par>
+                            </p:childTnLst>
+                          </p:cTn>
+                        </p:par>
+                      </p:childTnLst>
+                    </p:cTn>
+                  </p:par>
+                  <p:par>
+                    <p:cTn id="15" fill="hold">
+                      <p:stCondLst>
+                        <p:cond delay="indefinite"/>
+                      </p:stCondLst>
+                      <p:childTnLst>
+                        <p:par>
+                          <p:cTn id="16" fill="hold">
+                            <p:stCondLst>
+                              <p:cond delay="0"/>
+                            </p:stCondLst>
+                            <p:childTnLst>
+                              <p:par>
+                                <p:cTn id="17" presetID="1" presetClass="entr" presetSubtype="0" fill="hold" grpId="0" nodeType="clickEffect">
+                                  <p:stCondLst>
+                                    <p:cond delay="0"/>
+                                  </p:stCondLst>
+                                  <p:childTnLst>
+                                    <p:set>
+                                      <p:cBhvr>
+                                        <p:cTn id="18" dur="1" fill="hold">
+                                          <p:stCondLst>
+                                            <p:cond delay="0"/>
+                                          </p:stCondLst>
+                                        </p:cTn>
+                                        <p:tgtEl>
+                                          <p:spTgt spid="77"/>
+                                        </p:tgtEl>
+                                        <p:attrNameLst>
+                                          <p:attrName>style.visibility</p:attrName>
+                                        </p:attrNameLst>
+                                      </p:cBhvr>
+                                      <p:to>
+                                        <p:strVal val="visible"/>
+                                      </p:to>
+                                    </p:set>
+                                  </p:childTnLst>
+                                </p:cTn>
+                              </p:par>
+                            </p:childTnLst>
+                          </p:cTn>
+                        </p:par>
+                      </p:childTnLst>
+                    </p:cTn>
+                  </p:par>
+                  <p:par>
+                    <p:cTn id="19" fill="hold">
+                      <p:stCondLst>
+                        <p:cond delay="indefinite"/>
+                      </p:stCondLst>
+                      <p:childTnLst>
+                        <p:par>
+                          <p:cTn id="20" fill="hold">
+                            <p:stCondLst>
+                              <p:cond delay="0"/>
+                            </p:stCondLst>
+                            <p:childTnLst>
+                              <p:par>
+                                <p:cTn id="21" presetID="1" presetClass="entr" presetSubtype="0" fill="hold" grpId="0" nodeType="clickEffect">
+                                  <p:stCondLst>
+                                    <p:cond delay="0"/>
+                                  </p:stCondLst>
+                                  <p:childTnLst>
+                                    <p:set>
+                                      <p:cBhvr>
+                                        <p:cTn id="22" dur="1" fill="hold">
+                                          <p:stCondLst>
+                                            <p:cond delay="0"/>
+                                          </p:stCondLst>
+                                        </p:cTn>
+                                        <p:tgtEl>
+                                          <p:spTgt spid="78"/>
+                                        </p:tgtEl>
+                                        <p:attrNameLst>
+                                          <p:attrName>style.visibility</p:attrName>
+                                        </p:attrNameLst>
+                                      </p:cBhvr>
+                                      <p:to>
+                                        <p:strVal val="visible"/>
+                                      </p:to>
+                                    </p:set>
+                                  </p:childTnLst>
+                                </p:cTn>
+                              </p:par>
+                            </p:childTnLst>
+                          </p:cTn>
+                        </p:par>
+                      </p:childTnLst>
+                    </p:cTn>
+                  </p:par>
+                  <p:par>
+                    <p:cTn id="23" fill="hold">
+                      <p:stCondLst>
+                        <p:cond delay="indefinite"/>
+                      </p:stCondLst>
+                      <p:childTnLst>
+                        <p:par>
+                          <p:cTn id="24" fill="hold">
+                            <p:stCondLst>
+                              <p:cond delay="0"/>
+                            </p:stCondLst>
+                            <p:childTnLst>
+                              <p:par>
+                                <p:cTn id="25" presetID="1" presetClass="entr" presetSubtype="0" fill="hold" grpId="0" nodeType="clickEffect">
+                                  <p:stCondLst>
+                                    <p:cond delay="0"/>
+                                  </p:stCondLst>
+                                  <p:childTnLst>
+                                    <p:set>
+                                      <p:cBhvr>
+                                        <p:cTn id="26" dur="1" fill="hold">
+                                          <p:stCondLst>
+                                            <p:cond delay="0"/>
+                                          </p:stCondLst>
+                                        </p:cTn>
+                                        <p:tgtEl>
+                                          <p:spTgt spid="79"/>
+                                        </p:tgtEl>
+                                        <p:attrNameLst>
+                                          <p:attrName>style.visibility</p:attrName>
+                                        </p:attrNameLst>
+                                      </p:cBhvr>
+                                      <p:to>
+                                        <p:strVal val="visible"/>
+                                      </p:to>
+                                    </p:set>
+                                  </p:childTnLst>
+                                </p:cTn>
+                              </p:par>
+                            </p:childTnLst>
+                          </p:cTn>
+                        </p:par>
+                      </p:childTnLst>
+                    </p:cTn>
+                  </p:par>
+                  <p:par>
+                    <p:cTn id="27" fill="hold">
+                      <p:stCondLst>
+                        <p:cond delay="indefinite"/>
+                      </p:stCondLst>
+                      <p:childTnLst>
+                        <p:par>
+                          <p:cTn id="28" fill="hold">
+                            <p:stCondLst>
+                              <p:cond delay="0"/>
+                            </p:stCondLst>
+                            <p:childTnLst>
+                              <p:par>
+                                <p:cTn id="29" presetID="1" presetClass="entr" presetSubtype="0" fill="hold" grpId="0" nodeType="clickEffect">
+                                  <p:stCondLst>
+                                    <p:cond delay="0"/>
+                                  </p:stCondLst>
+                                  <p:childTnLst>
+                                    <p:set>
+                                      <p:cBhvr>
+                                        <p:cTn id="30" dur="1" fill="hold">
+                                          <p:stCondLst>
+                                            <p:cond delay="0"/>
+                                          </p:stCondLst>
+                                        </p:cTn>
+                                        <p:tgtEl>
+                                          <p:spTgt spid="80"/>
+                                        </p:tgtEl>
+                                        <p:attrNameLst>
+                                          <p:attrName>style.visibility</p:attrName>
+                                        </p:attrNameLst>
+                                      </p:cBhvr>
+                                      <p:to>
+                                        <p:strVal val="visible"/>
+                                      </p:to>
+                                    </p:set>
+                                  </p:childTnLst>
+                                </p:cTn>
+                              </p:par>
+                            </p:childTnLst>
+                          </p:cTn>
+                        </p:par>
+                      </p:childTnLst>
+                    </p:cTn>
+                  </p:par>
+                  <p:par>
+                    <p:cTn id="31" fill="hold">
+                      <p:stCondLst>
+                        <p:cond delay="indefinite"/>
+                      </p:stCondLst>
+                      <p:childTnLst>
+                        <p:par>
+                          <p:cTn id="32" fill="hold">
+                            <p:stCondLst>
+                              <p:cond delay="0"/>
+                            </p:stCondLst>
+                            <p:childTnLst>
+                              <p:par>
+                                <p:cTn id="33" presetID="1" presetClass="entr" presetSubtype="0" fill="hold" grpId="0" nodeType="clickEffect">
+                                  <p:stCondLst>
+                                    <p:cond delay="0"/>
+                                  </p:stCondLst>
+                                  <p:childTnLst>
+                                    <p:set>
+                                      <p:cBhvr>
+                                        <p:cTn id="34" dur="1" fill="hold">
+                                          <p:stCondLst>
+                                            <p:cond delay="0"/>
+                                          </p:stCondLst>
+                                        </p:cTn>
+                                        <p:tgtEl>
+                                          <p:spTgt spid="81"/>
+                                        </p:tgtEl>
+                                        <p:attrNameLst>
+                                          <p:attrName>style.visibility</p:attrName>
+                                        </p:attrNameLst>
+                                      </p:cBhvr>
+                                      <p:to>
+                                        <p:strVal val="visible"/>
+                                      </p:to>
+                                    </p:set>
+                                  </p:childTnLst>
+                                </p:cTn>
+                              </p:par>
+                            </p:childTnLst>
+                          </p:cTn>
+                        </p:par>
+                      </p:childTnLst>
+                    </p:cTn>
+                  </p:par>
+                  <p:par>
+                    <p:cTn id="35" fill="hold">
+                      <p:stCondLst>
+                        <p:cond delay="indefinite"/>
+                      </p:stCondLst>
+                      <p:childTnLst>
+                        <p:par>
+                          <p:cTn id="36" fill="hold">
+                            <p:stCondLst>
+                              <p:cond delay="0"/>
+                            </p:stCondLst>
+                            <p:childTnLst>
+                              <p:par>
+                                <p:cTn id="37" presetID="1" presetClass="entr" presetSubtype="0" fill="hold" grpId="0" nodeType="clickEffect">
+                                  <p:stCondLst>
+                                    <p:cond delay="0"/>
+                                  </p:stCondLst>
+                                  <p:childTnLst>
+                                    <p:set>
+                                      <p:cBhvr>
+                                        <p:cTn id="38" dur="1" fill="hold">
+                                          <p:stCondLst>
+                                            <p:cond delay="0"/>
+                                          </p:stCondLst>
+                                        </p:cTn>
+                                        <p:tgtEl>
+                                          <p:spTgt spid="82"/>
+                                        </p:tgtEl>
+                                        <p:attrNameLst>
+                                          <p:attrName>style.visibility</p:attrName>
+                                        </p:attrNameLst>
+                                      </p:cBhvr>
+                                      <p:to>
+                                        <p:strVal val="visible"/>
+                                      </p:to>
+                                    </p:set>
+                                  </p:childTnLst>
+                                </p:cTn>
+                              </p:par>
+                            </p:childTnLst>
+                          </p:cTn>
+                        </p:par>
+                      </p:childTnLst>
+                    </p:cTn>
+                  </p:par>
+                  <p:par>
+                    <p:cTn id="39" fill="hold">
+                      <p:stCondLst>
+                        <p:cond delay="indefinite"/>
+                      </p:stCondLst>
+                      <p:childTnLst>
+                        <p:par>
+                          <p:cTn id="40" fill="hold">
+                            <p:stCondLst>
+                              <p:cond delay="0"/>
+                            </p:stCondLst>
+                            <p:childTnLst>
+                              <p:par>
+                                <p:cTn id="41" presetID="1" presetClass="entr" presetSubtype="0" fill="hold" grpId="0" nodeType="clickEffect">
+                                  <p:stCondLst>
+                                    <p:cond delay="0"/>
+                                  </p:stCondLst>
+                                  <p:childTnLst>
+                                    <p:set>
+                                      <p:cBhvr>
+                                        <p:cTn id="42" dur="1" fill="hold">
+                                          <p:stCondLst>
+                                            <p:cond delay="0"/>
+                                          </p:stCondLst>
+                                        </p:cTn>
+                                        <p:tgtEl>
+                                          <p:spTgt spid="83"/>
+                                        </p:tgtEl>
+                                        <p:attrNameLst>
+                                          <p:attrName>style.visibility</p:attrName>
+                                        </p:attrNameLst>
+                                      </p:cBhvr>
+                                      <p:to>
+                                        <p:strVal val="visible"/>
+                                      </p:to>
+                                    </p:set>
+                                  </p:childTnLst>
+                                </p:cTn>
+                              </p:par>
+                            </p:childTnLst>
+                          </p:cTn>
+                        </p:par>
+                      </p:childTnLst>
+                    </p:cTn>
+                  </p:par>
+                  <p:par>
+                    <p:cTn id="43" fill="hold">
+                      <p:stCondLst>
+                        <p:cond delay="indefinite"/>
+                      </p:stCondLst>
+                      <p:childTnLst>
+                        <p:par>
+                          <p:cTn id="44" fill="hold">
+                            <p:stCondLst>
+                              <p:cond delay="0"/>
+                            </p:stCondLst>
+                            <p:childTnLst>
+                              <p:par>
+                                <p:cTn id="45" presetID="1" presetClass="entr" presetSubtype="0" fill="hold" grpId="0" nodeType="clickEffect">
+                                  <p:stCondLst>
+                                    <p:cond delay="0"/>
+                                  </p:stCondLst>
+                                  <p:childTnLst>
+                                    <p:set>
+                                      <p:cBhvr>
+                                        <p:cTn id="46" dur="1" fill="hold">
+                                          <p:stCondLst>
+                                            <p:cond delay="0"/>
+                                          </p:stCondLst>
+                                        </p:cTn>
+                                        <p:tgtEl>
+                                          <p:spTgt spid="84"/>
+                                        </p:tgtEl>
+                                        <p:attrNameLst>
+                                          <p:attrName>style.visibility</p:attrName>
+                                        </p:attrNameLst>
+                                      </p:cBhvr>
+                                      <p:to>
+                                        <p:strVal val="visible"/>
+                                      </p:to>
+                                    </p:set>
+                                  </p:childTnLst>
+                                </p:cTn>
+                              </p:par>
+                            </p:childTnLst>
+                          </p:cTn>
+                        </p:par>
+                      </p:childTnLst>
+                    </p:cTn>
+                  </p:par>
+                  <p:par>
+                    <p:cTn id="47" fill="hold">
+                      <p:stCondLst>
+                        <p:cond delay="indefinite"/>
+                      </p:stCondLst>
+                      <p:childTnLst>
+                        <p:par>
+                          <p:cTn id="48" fill="hold">
+                            <p:stCondLst>
+                              <p:cond delay="0"/>
+                            </p:stCondLst>
+                            <p:childTnLst>
+                              <p:par>
+                                <p:cTn id="49" presetID="1" presetClass="entr" presetSubtype="0" fill="hold" grpId="0" nodeType="clickEffect">
+                                  <p:stCondLst>
+                                    <p:cond delay="0"/>
+                                  </p:stCondLst>
+                                  <p:childTnLst>
+                                    <p:set>
+                                      <p:cBhvr>
+                                        <p:cTn id="50" dur="1" fill="hold">
+                                          <p:stCondLst>
+                                            <p:cond delay="0"/>
+                                          </p:stCondLst>
+                                        </p:cTn>
+                                        <p:tgtEl>
+                                          <p:spTgt spid="85"/>
+                                        </p:tgtEl>
+                                        <p:attrNameLst>
+                                          <p:attrName>style.visibility</p:attrName>
+                                        </p:attrNameLst>
+                                      </p:cBhvr>
+                                      <p:to>
+                                        <p:strVal val="visible"/>
+                                      </p:to>
+                                    </p:set>
+                                  </p:childTnLst>
+                                </p:cTn>
+                              </p:par>
+                            </p:childTnLst>
+                          </p:cTn>
+                        </p:par>
+                      </p:childTnLst>
+                    </p:cTn>
+                  </p:par>
+                  <p:par>
+                    <p:cTn id="51" fill="hold">
+                      <p:stCondLst>
+                        <p:cond delay="indefinite"/>
+                      </p:stCondLst>
+                      <p:childTnLst>
+                        <p:par>
+                          <p:cTn id="52" fill="hold">
+                            <p:stCondLst>
+                              <p:cond delay="0"/>
+                            </p:stCondLst>
+                            <p:childTnLst>
+                              <p:par>
+                                <p:cTn id="53" presetID="1" presetClass="entr" presetSubtype="0" fill="hold" grpId="0" nodeType="clickEffect">
+                                  <p:stCondLst>
+                                    <p:cond delay="0"/>
+                                  </p:stCondLst>
+                                  <p:childTnLst>
+                                    <p:set>
+                                      <p:cBhvr>
+                                        <p:cTn id="54" dur="1" fill="hold">
+                                          <p:stCondLst>
+                                            <p:cond delay="0"/>
+                                          </p:stCondLst>
+                                        </p:cTn>
+                                        <p:tgtEl>
+                                          <p:spTgt spid="86"/>
+                                        </p:tgtEl>
+                                        <p:attrNameLst>
+                                          <p:attrName>style.visibility</p:attrName>
+                                        </p:attrNameLst>
+                                      </p:cBhvr>
+                                      <p:to>
+                                        <p:strVal val="visible"/>
+                                      </p:to>
+                                    </p:set>
+                                  </p:childTnLst>
+                                </p:cTn>
+                              </p:par>
+                            </p:childTnLst>
+                          </p:cTn>
+                        </p:par>
+                      </p:childTnLst>
+                    </p:cTn>
+                  </p:par>
+                  <p:par>
+                    <p:cTn id="55" fill="hold">
+                      <p:stCondLst>
+                        <p:cond delay="indefinite"/>
+                      </p:stCondLst>
+                      <p:childTnLst>
+                        <p:par>
+                          <p:cTn id="56" fill="hold">
+                            <p:stCondLst>
+                              <p:cond delay="0"/>
+                            </p:stCondLst>
+                            <p:childTnLst>
+                              <p:par>
+                                <p:cTn id="57" presetID="1" presetClass="entr" presetSubtype="0" fill="hold" grpId="0" nodeType="clickEffect">
+                                  <p:stCondLst>
+                                    <p:cond delay="0"/>
+                                  </p:stCondLst>
+                                  <p:childTnLst>
+                                    <p:set>
+                                      <p:cBhvr>
+                                        <p:cTn id="58" dur="1" fill="hold">
+                                          <p:stCondLst>
+                                            <p:cond delay="0"/>
+                                          </p:stCondLst>
+                                        </p:cTn>
+                                        <p:tgtEl>
+                                          <p:spTgt spid="87"/>
+                                        </p:tgtEl>
+                                        <p:attrNameLst>
+                                          <p:attrName>style.visibility</p:attrName>
+                                        </p:attrNameLst>
+                                      </p:cBhvr>
+                                      <p:to>
+                                        <p:strVal val="visible"/>
+                                      </p:to>
+                                    </p:set>
+                                  </p:childTnLst>
+                                </p:cTn>
+                              </p:par>
+                            </p:childTnLst>
+                          </p:cTn>
+                        </p:par>
+                      </p:childTnLst>
+                    </p:cTn>
+                  </p:par>
+                  <p:par>
+                    <p:cTn id="59" fill="hold">
+                      <p:stCondLst>
+                        <p:cond delay="indefinite"/>
+                      </p:stCondLst>
+                      <p:childTnLst>
+                        <p:par>
+                          <p:cTn id="60" fill="hold">
+                            <p:stCondLst>
+                              <p:cond delay="0"/>
+                            </p:stCondLst>
+                            <p:childTnLst>
+                              <p:par>
+                                <p:cTn id="61" presetID="1" presetClass="entr" presetSubtype="0" fill="hold" grpId="0" nodeType="clickEffect">
+                                  <p:stCondLst>
+                                    <p:cond delay="0"/>
+                                  </p:stCondLst>
+                                  <p:childTnLst>
+                                    <p:set>
+                                      <p:cBhvr>
+                                        <p:cTn id="62" dur="1" fill="hold">
+                                          <p:stCondLst>
+                                            <p:cond delay="0"/>
+                                          </p:stCondLst>
+                                        </p:cTn>
+                                        <p:tgtEl>
+                                          <p:spTgt spid="88"/>
+                                        </p:tgtEl>
+                                        <p:attrNameLst>
+                                          <p:attrName>style.visibility</p:attrName>
+                                        </p:attrNameLst>
+                                      </p:cBhvr>
+                                      <p:to>
+                                        <p:strVal val="visible"/>
+                                      </p:to>
+                                    </p:set>
+                                  </p:childTnLst>
+                                </p:cTn>
+                              </p:par>
+                            </p:childTnLst>
+                          </p:cTn>
+                        </p:par>
+                      </p:childTnLst>
+                    </p:cTn>
+                  </p:par>
+                  <p:par>
+                    <p:cTn id="63" fill="hold">
+                      <p:stCondLst>
+                        <p:cond delay="indefinite"/>
+                      </p:stCondLst>
+                      <p:childTnLst>
+                        <p:par>
+                          <p:cTn id="64" fill="hold">
+                            <p:stCondLst>
+                              <p:cond delay="0"/>
+                            </p:stCondLst>
+                            <p:childTnLst>
+                              <p:par>
+                                <p:cTn id="65" presetID="1" presetClass="entr" presetSubtype="0" fill="hold" grpId="0" nodeType="clickEffect">
+                                  <p:stCondLst>
+                                    <p:cond delay="0"/>
+                                  </p:stCondLst>
+                                  <p:childTnLst>
+                                    <p:set>
+                                      <p:cBhvr>
+                                        <p:cTn id="66" dur="1" fill="hold">
+                                          <p:stCondLst>
+                                            <p:cond delay="0"/>
+                                          </p:stCondLst>
+                                        </p:cTn>
+                                        <p:tgtEl>
+                                          <p:spTgt spid="89"/>
+                                        </p:tgtEl>
+                                        <p:attrNameLst>
+                                          <p:attrName>style.visibility</p:attrName>
+                                        </p:attrNameLst>
+                                      </p:cBhvr>
+                                      <p:to>
+                                        <p:strVal val="visible"/>
+                                      </p:to>
+                                    </p:set>
+                                  </p:childTnLst>
+                                </p:cTn>
+                              </p:par>
+                            </p:childTnLst>
+                          </p:cTn>
+                        </p:par>
+                      </p:childTnLst>
+                    </p:cTn>
+                  </p:par>
+                  <p:par>
+                    <p:cTn id="67" fill="hold">
+                      <p:stCondLst>
+                        <p:cond delay="indefinite"/>
+                      </p:stCondLst>
+                      <p:childTnLst>
+                        <p:par>
+                          <p:cTn id="68" fill="hold">
+                            <p:stCondLst>
+                              <p:cond delay="0"/>
+                            </p:stCondLst>
+                            <p:childTnLst>
+                              <p:par>
+                                <p:cTn id="69" presetID="1" presetClass="entr" presetSubtype="0" fill="hold" grpId="0" nodeType="clickEffect">
+                                  <p:stCondLst>
+                                    <p:cond delay="0"/>
+                                  </p:stCondLst>
+                                  <p:childTnLst>
+                                    <p:set>
+                                      <p:cBhvr>
+                                        <p:cTn id="70" dur="1" fill="hold">
+                                          <p:stCondLst>
+                                            <p:cond delay="0"/>
+                                          </p:stCondLst>
+                                        </p:cTn>
+                                        <p:tgtEl>
+                                          <p:spTgt spid="90"/>
+                                        </p:tgtEl>
+                                        <p:attrNameLst>
+                                          <p:attrName>style.visibility</p:attrName>
+                                        </p:attrNameLst>
+                                      </p:cBhvr>
+                                      <p:to>
+                                        <p:strVal val="visible"/>
+                                      </p:to>
+                                    </p:set>
+                                  </p:childTnLst>
+                                </p:cTn>
+                              </p:par>
+                            </p:childTnLst>
+                          </p:cTn>
+                        </p:par>
+                      </p:childTnLst>
+                    </p:cTn>
+                  </p:par>
+                  <p:par>
+                    <p:cTn id="71" fill="hold">
+                      <p:stCondLst>
+                        <p:cond delay="indefinite"/>
+                      </p:stCondLst>
+                      <p:childTnLst>
+                        <p:par>
+                          <p:cTn id="72" fill="hold">
+                            <p:stCondLst>
+                              <p:cond delay="0"/>
+                            </p:stCondLst>
+                            <p:childTnLst>
+                              <p:par>
+                                <p:cTn id="73" presetID="1" presetClass="entr" presetSubtype="0" fill="hold" grpId="0" nodeType="clickEffect">
+                                  <p:stCondLst>
+                                    <p:cond delay="0"/>
+                                  </p:stCondLst>
+                                  <p:childTnLst>
+                                    <p:set>
+                                      <p:cBhvr>
+                                        <p:cTn id="74" dur="1" fill="hold">
+                                          <p:stCondLst>
+                                            <p:cond delay="0"/>
+                                          </p:stCondLst>
+                                        </p:cTn>
+                                        <p:tgtEl>
+                                          <p:spTgt spid="91"/>
+                                        </p:tgtEl>
+                                        <p:attrNameLst>
+                                          <p:attrName>style.visibility</p:attrName>
+                                        </p:attrNameLst>
+                                      </p:cBhvr>
+                                      <p:to>
+                                        <p:strVal val="visible"/>
+                                      </p:to>
+                                    </p:set>
+                                  </p:childTnLst>
+                                </p:cTn>
+                              </p:par>
+                            </p:childTnLst>
+                          </p:cTn>
+                        </p:par>
+                      </p:childTnLst>
+                    </p:cTn>
+                  </p:par>
+                  <p:par>
+                    <p:cTn id="75" fill="hold">
+                      <p:stCondLst>
+                        <p:cond delay="indefinite"/>
+                      </p:stCondLst>
+                      <p:childTnLst>
+                        <p:par>
+                          <p:cTn id="76" fill="hold">
+                            <p:stCondLst>
+                              <p:cond delay="0"/>
+                            </p:stCondLst>
+                            <p:childTnLst>
+                              <p:par>
+                                <p:cTn id="77" presetID="1" presetClass="entr" presetSubtype="0" fill="hold" grpId="0" nodeType="clickEffect">
+                                  <p:stCondLst>
+                                    <p:cond delay="0"/>
+                                  </p:stCondLst>
+                                  <p:childTnLst>
+                                    <p:set>
+                                      <p:cBhvr>
+                                        <p:cTn id="78" dur="1" fill="hold">
+                                          <p:stCondLst>
+                                            <p:cond delay="0"/>
+                                          </p:stCondLst>
+                                        </p:cTn>
+                                        <p:tgtEl>
+                                          <p:spTgt spid="93"/>
+                                        </p:tgtEl>
+                                        <p:attrNameLst>
+                                          <p:attrName>style.visibility</p:attrName>
+                                        </p:attrNameLst>
+                                      </p:cBhvr>
+                                      <p:to>
+                                        <p:strVal val="visible"/>
+                                      </p:to>
+                                    </p:set>
+                                  </p:childTnLst>
+                                </p:cTn>
+                              </p:par>
+                            </p:childTnLst>
+                          </p:cTn>
+                        </p:par>
+                      </p:childTnLst>
+                    </p:cTn>
+                  </p:par>
+                  <p:par>
+                    <p:cTn id="79" fill="hold">
+                      <p:stCondLst>
+                        <p:cond delay="indefinite"/>
+                      </p:stCondLst>
+                      <p:childTnLst>
+                        <p:par>
+                          <p:cTn id="80" fill="hold">
+                            <p:stCondLst>
+                              <p:cond delay="0"/>
+                            </p:stCondLst>
+                            <p:childTnLst>
+                              <p:par>
+                                <p:cTn id="81" presetID="1" presetClass="entr" presetSubtype="0" fill="hold" grpId="0" nodeType="clickEffect">
+                                  <p:stCondLst>
+                                    <p:cond delay="0"/>
+                                  </p:stCondLst>
+                                  <p:childTnLst>
+                                    <p:set>
+                                      <p:cBhvr>
+                                        <p:cTn id="82" dur="1" fill="hold">
+                                          <p:stCondLst>
+                                            <p:cond delay="0"/>
+                                          </p:stCondLst>
+                                        </p:cTn>
+                                        <p:tgtEl>
+                                          <p:spTgt spid="92"/>
+                                        </p:tgtEl>
+                                        <p:attrNameLst>
+                                          <p:attrName>style.visibility</p:attrName>
+                                        </p:attrNameLst>
+                                      </p:cBhvr>
+                                      <p:to>
+                                        <p:strVal val="visible"/>
+                                      </p:to>
+                                    </p:set>
+                                  </p:childTnLst>
+                                </p:cTn>
+                              </p:par>
+                            </p:childTnLst>
+                          </p:cTn>
+                        </p:par>
+                      </p:childTnLst>
+                    </p:cTn>
+                  </p:par>
+                </p:childTnLst>
+              </p:cTn>
+              <p:prevCondLst>
+                <p:cond evt="onPrev" delay="0">
+                  <p:tgtEl>
+                    <p:sldTgt/>
+                  </p:tgtEl>
+                </p:cond>
+              </p:prevCondLst>
+              <p:nextCondLst>
+                <p:cond evt="onNext" delay="0">
+                  <p:tgtEl>
+                    <p:sldTgt/>
+                  </p:tgtEl>
+                </p:cond>
+              </p:nextCondLst>
+            </p:seq>
+          </p:childTnLst>
+        </p:cTn>
+      </p:par>
+    </p:tnLst>
+    <p:bldLst>
+      <p:bldP spid="74" grpId="0" animBg="1"/>
+      <p:bldP spid="75" grpId="0" animBg="1"/>
+      <p:bldP spid="76" grpId="0" animBg="1"/>
+      <p:bldP spid="77" grpId="0" animBg="1"/>
+      <p:bldP spid="78" grpId="0" animBg="1"/>
+      <p:bldP spid="79" grpId="0" animBg="1"/>
+      <p:bldP spid="80" grpId="0" animBg="1"/>
+      <p:bldP spid="81" grpId="0" animBg="1"/>
+      <p:bldP spid="82" grpId="0" animBg="1"/>
+      <p:bldP spid="83" grpId="0" animBg="1"/>
+      <p:bldP spid="84" grpId="0" animBg="1"/>
+      <p:bldP spid="85" grpId="0" animBg="1"/>
+      <p:bldP spid="86" grpId="0" animBg="1"/>
+      <p:bldP spid="87" grpId="0" animBg="1"/>
+      <p:bldP spid="88" grpId="0" animBg="1"/>
+      <p:bldP spid="89" grpId="0" animBg="1"/>
+      <p:bldP spid="90" grpId="0" animBg="1"/>
+      <p:bldP spid="91" grpId="0" animBg="1"/>
+      <p:bldP spid="92" grpId="0" animBg="1"/>
+      <p:bldP spid="93" grpId="0" animBg="1"/>
+    </p:bldLst>
+  </p:timing>
 </p:sld>
 </file>
 
@@ -25158,276 +26129,6 @@
           </a:p>
         </p:txBody>
       </p:sp>
-      <p:cxnSp>
-        <p:nvCxnSpPr>
-          <p:cNvPr id="18" name="직선 연결선 17">
-            <a:extLst>
-              <a:ext uri="{FF2B5EF4-FFF2-40B4-BE49-F238E27FC236}">
-                <a16:creationId xmlns:a16="http://schemas.microsoft.com/office/drawing/2014/main" id="{925B5BC7-55AA-4250-BFE3-1C6C44FD6C52}"/>
-              </a:ext>
-            </a:extLst>
-          </p:cNvPr>
-          <p:cNvCxnSpPr/>
-          <p:nvPr/>
-        </p:nvCxnSpPr>
-        <p:spPr>
-          <a:xfrm>
-            <a:off x="1737360" y="2648712"/>
-            <a:ext cx="0" cy="2240280"/>
-          </a:xfrm>
-          <a:prstGeom prst="line">
-            <a:avLst/>
-          </a:prstGeom>
-          <a:ln w="28575">
-            <a:solidFill>
-              <a:schemeClr val="bg2">
-                <a:lumMod val="50000"/>
-              </a:schemeClr>
-            </a:solidFill>
-            <a:prstDash val="sysDot"/>
-          </a:ln>
-        </p:spPr>
-        <p:style>
-          <a:lnRef idx="1">
-            <a:schemeClr val="accent1"/>
-          </a:lnRef>
-          <a:fillRef idx="0">
-            <a:schemeClr val="accent1"/>
-          </a:fillRef>
-          <a:effectRef idx="0">
-            <a:schemeClr val="accent1"/>
-          </a:effectRef>
-          <a:fontRef idx="minor">
-            <a:schemeClr val="tx1"/>
-          </a:fontRef>
-        </p:style>
-      </p:cxnSp>
-      <p:cxnSp>
-        <p:nvCxnSpPr>
-          <p:cNvPr id="19" name="직선 연결선 18">
-            <a:extLst>
-              <a:ext uri="{FF2B5EF4-FFF2-40B4-BE49-F238E27FC236}">
-                <a16:creationId xmlns:a16="http://schemas.microsoft.com/office/drawing/2014/main" id="{E6FEDEAE-B640-8229-D05F-766EBD64A2A1}"/>
-              </a:ext>
-            </a:extLst>
-          </p:cNvPr>
-          <p:cNvCxnSpPr/>
-          <p:nvPr/>
-        </p:nvCxnSpPr>
-        <p:spPr>
-          <a:xfrm>
-            <a:off x="4148328" y="2648712"/>
-            <a:ext cx="0" cy="2240280"/>
-          </a:xfrm>
-          <a:prstGeom prst="line">
-            <a:avLst/>
-          </a:prstGeom>
-          <a:ln w="28575">
-            <a:solidFill>
-              <a:schemeClr val="bg2">
-                <a:lumMod val="50000"/>
-              </a:schemeClr>
-            </a:solidFill>
-            <a:prstDash val="sysDot"/>
-          </a:ln>
-        </p:spPr>
-        <p:style>
-          <a:lnRef idx="1">
-            <a:schemeClr val="accent1"/>
-          </a:lnRef>
-          <a:fillRef idx="0">
-            <a:schemeClr val="accent1"/>
-          </a:fillRef>
-          <a:effectRef idx="0">
-            <a:schemeClr val="accent1"/>
-          </a:effectRef>
-          <a:fontRef idx="minor">
-            <a:schemeClr val="tx1"/>
-          </a:fontRef>
-        </p:style>
-      </p:cxnSp>
-      <p:cxnSp>
-        <p:nvCxnSpPr>
-          <p:cNvPr id="20" name="직선 연결선 19">
-            <a:extLst>
-              <a:ext uri="{FF2B5EF4-FFF2-40B4-BE49-F238E27FC236}">
-                <a16:creationId xmlns:a16="http://schemas.microsoft.com/office/drawing/2014/main" id="{8584E22B-0939-51F8-0096-BA42F29FEB60}"/>
-              </a:ext>
-            </a:extLst>
-          </p:cNvPr>
-          <p:cNvCxnSpPr/>
-          <p:nvPr/>
-        </p:nvCxnSpPr>
-        <p:spPr>
-          <a:xfrm>
-            <a:off x="5335896" y="2659063"/>
-            <a:ext cx="0" cy="2240280"/>
-          </a:xfrm>
-          <a:prstGeom prst="line">
-            <a:avLst/>
-          </a:prstGeom>
-          <a:ln w="28575">
-            <a:solidFill>
-              <a:schemeClr val="bg2">
-                <a:lumMod val="50000"/>
-              </a:schemeClr>
-            </a:solidFill>
-            <a:prstDash val="sysDot"/>
-          </a:ln>
-        </p:spPr>
-        <p:style>
-          <a:lnRef idx="1">
-            <a:schemeClr val="accent1"/>
-          </a:lnRef>
-          <a:fillRef idx="0">
-            <a:schemeClr val="accent1"/>
-          </a:fillRef>
-          <a:effectRef idx="0">
-            <a:schemeClr val="accent1"/>
-          </a:effectRef>
-          <a:fontRef idx="minor">
-            <a:schemeClr val="tx1"/>
-          </a:fontRef>
-        </p:style>
-      </p:cxnSp>
-      <p:cxnSp>
-        <p:nvCxnSpPr>
-          <p:cNvPr id="21" name="직선 연결선 20">
-            <a:extLst>
-              <a:ext uri="{FF2B5EF4-FFF2-40B4-BE49-F238E27FC236}">
-                <a16:creationId xmlns:a16="http://schemas.microsoft.com/office/drawing/2014/main" id="{BA87401E-AD2C-1C7D-2373-0C637DBD4745}"/>
-              </a:ext>
-            </a:extLst>
-          </p:cNvPr>
-          <p:cNvCxnSpPr/>
-          <p:nvPr/>
-        </p:nvCxnSpPr>
-        <p:spPr>
-          <a:xfrm>
-            <a:off x="7670413" y="2632838"/>
-            <a:ext cx="0" cy="2240280"/>
-          </a:xfrm>
-          <a:prstGeom prst="line">
-            <a:avLst/>
-          </a:prstGeom>
-          <a:ln w="28575">
-            <a:solidFill>
-              <a:schemeClr val="bg2">
-                <a:lumMod val="50000"/>
-              </a:schemeClr>
-            </a:solidFill>
-            <a:prstDash val="sysDot"/>
-          </a:ln>
-        </p:spPr>
-        <p:style>
-          <a:lnRef idx="1">
-            <a:schemeClr val="accent1"/>
-          </a:lnRef>
-          <a:fillRef idx="0">
-            <a:schemeClr val="accent1"/>
-          </a:fillRef>
-          <a:effectRef idx="0">
-            <a:schemeClr val="accent1"/>
-          </a:effectRef>
-          <a:fontRef idx="minor">
-            <a:schemeClr val="tx1"/>
-          </a:fontRef>
-        </p:style>
-      </p:cxnSp>
-      <p:cxnSp>
-        <p:nvCxnSpPr>
-          <p:cNvPr id="25" name="직선 화살표 연결선 24">
-            <a:extLst>
-              <a:ext uri="{FF2B5EF4-FFF2-40B4-BE49-F238E27FC236}">
-                <a16:creationId xmlns:a16="http://schemas.microsoft.com/office/drawing/2014/main" id="{B2E81672-48FB-A79C-4CD9-8F0FC6858132}"/>
-              </a:ext>
-            </a:extLst>
-          </p:cNvPr>
-          <p:cNvCxnSpPr>
-            <a:cxnSpLocks/>
-          </p:cNvCxnSpPr>
-          <p:nvPr/>
-        </p:nvCxnSpPr>
-        <p:spPr>
-          <a:xfrm>
-            <a:off x="1737360" y="2989897"/>
-            <a:ext cx="2410968" cy="0"/>
-          </a:xfrm>
-          <a:prstGeom prst="straightConnector1">
-            <a:avLst/>
-          </a:prstGeom>
-          <a:ln w="19050">
-            <a:solidFill>
-              <a:schemeClr val="accent6">
-                <a:lumMod val="75000"/>
-              </a:schemeClr>
-            </a:solidFill>
-            <a:headEnd type="triangle"/>
-            <a:tailEnd type="triangle"/>
-          </a:ln>
-        </p:spPr>
-        <p:style>
-          <a:lnRef idx="1">
-            <a:schemeClr val="accent1"/>
-          </a:lnRef>
-          <a:fillRef idx="0">
-            <a:schemeClr val="accent1"/>
-          </a:fillRef>
-          <a:effectRef idx="0">
-            <a:schemeClr val="accent1"/>
-          </a:effectRef>
-          <a:fontRef idx="minor">
-            <a:schemeClr val="tx1"/>
-          </a:fontRef>
-        </p:style>
-      </p:cxnSp>
-      <p:cxnSp>
-        <p:nvCxnSpPr>
-          <p:cNvPr id="28" name="직선 화살표 연결선 27">
-            <a:extLst>
-              <a:ext uri="{FF2B5EF4-FFF2-40B4-BE49-F238E27FC236}">
-                <a16:creationId xmlns:a16="http://schemas.microsoft.com/office/drawing/2014/main" id="{D67BB19F-0F64-E5F2-8BD1-91B0D06881DB}"/>
-              </a:ext>
-            </a:extLst>
-          </p:cNvPr>
-          <p:cNvCxnSpPr>
-            <a:cxnSpLocks/>
-          </p:cNvCxnSpPr>
-          <p:nvPr/>
-        </p:nvCxnSpPr>
-        <p:spPr>
-          <a:xfrm>
-            <a:off x="5335896" y="2989897"/>
-            <a:ext cx="2334517" cy="0"/>
-          </a:xfrm>
-          <a:prstGeom prst="straightConnector1">
-            <a:avLst/>
-          </a:prstGeom>
-          <a:ln w="19050">
-            <a:solidFill>
-              <a:schemeClr val="accent6">
-                <a:lumMod val="75000"/>
-              </a:schemeClr>
-            </a:solidFill>
-            <a:headEnd type="triangle"/>
-            <a:tailEnd type="triangle"/>
-          </a:ln>
-        </p:spPr>
-        <p:style>
-          <a:lnRef idx="1">
-            <a:schemeClr val="accent1"/>
-          </a:lnRef>
-          <a:fillRef idx="0">
-            <a:schemeClr val="accent1"/>
-          </a:fillRef>
-          <a:effectRef idx="0">
-            <a:schemeClr val="accent1"/>
-          </a:effectRef>
-          <a:fontRef idx="minor">
-            <a:schemeClr val="tx1"/>
-          </a:fontRef>
-        </p:style>
-      </p:cxnSp>
       <p:sp>
         <p:nvSpPr>
           <p:cNvPr id="30" name="TextBox 29">
@@ -25648,131 +26349,464 @@
           </a:p>
         </p:txBody>
       </p:sp>
-      <p:sp>
-        <p:nvSpPr>
-          <p:cNvPr id="35" name="TextBox 34">
-            <a:extLst>
-              <a:ext uri="{FF2B5EF4-FFF2-40B4-BE49-F238E27FC236}">
-                <a16:creationId xmlns:a16="http://schemas.microsoft.com/office/drawing/2014/main" id="{2920997F-037D-0B3D-0C71-CDCBD8C31B2D}"/>
-              </a:ext>
-            </a:extLst>
-          </p:cNvPr>
-          <p:cNvSpPr txBox="1"/>
-          <p:nvPr/>
-        </p:nvSpPr>
-        <p:spPr>
-          <a:xfrm>
-            <a:off x="2080260" y="2659380"/>
-            <a:ext cx="1822487" cy="369332"/>
-          </a:xfrm>
-          <a:prstGeom prst="rect">
-            <a:avLst/>
-          </a:prstGeom>
-          <a:noFill/>
-        </p:spPr>
-        <p:txBody>
-          <a:bodyPr wrap="none" rtlCol="0">
-            <a:spAutoFit/>
-          </a:bodyPr>
-          <a:lstStyle/>
-          <a:p>
-            <a:pPr algn="ctr"/>
-            <a:r>
-              <a:rPr lang="en-US" altLang="ko-KR" dirty="0">
+      <p:grpSp>
+        <p:nvGrpSpPr>
+          <p:cNvPr id="9" name="그룹 8">
+            <a:extLst>
+              <a:ext uri="{FF2B5EF4-FFF2-40B4-BE49-F238E27FC236}">
+                <a16:creationId xmlns:a16="http://schemas.microsoft.com/office/drawing/2014/main" id="{EDE9998D-0CDF-BD3C-BDB4-B4EA7A51C356}"/>
+              </a:ext>
+            </a:extLst>
+          </p:cNvPr>
+          <p:cNvGrpSpPr/>
+          <p:nvPr/>
+        </p:nvGrpSpPr>
+        <p:grpSpPr>
+          <a:xfrm>
+            <a:off x="1737360" y="2648712"/>
+            <a:ext cx="2410968" cy="2240280"/>
+            <a:chOff x="1737360" y="2648712"/>
+            <a:chExt cx="2410968" cy="2240280"/>
+          </a:xfrm>
+        </p:grpSpPr>
+        <p:grpSp>
+          <p:nvGrpSpPr>
+            <p:cNvPr id="6" name="그룹 5">
+              <a:extLst>
+                <a:ext uri="{FF2B5EF4-FFF2-40B4-BE49-F238E27FC236}">
+                  <a16:creationId xmlns:a16="http://schemas.microsoft.com/office/drawing/2014/main" id="{3EA8396D-E3E8-76FB-F81D-FFCD47106F0D}"/>
+                </a:ext>
+              </a:extLst>
+            </p:cNvPr>
+            <p:cNvGrpSpPr/>
+            <p:nvPr/>
+          </p:nvGrpSpPr>
+          <p:grpSpPr>
+            <a:xfrm>
+              <a:off x="1737360" y="2648712"/>
+              <a:ext cx="2410968" cy="2240280"/>
+              <a:chOff x="1737360" y="2648712"/>
+              <a:chExt cx="2410968" cy="2240280"/>
+            </a:xfrm>
+          </p:grpSpPr>
+          <p:cxnSp>
+            <p:nvCxnSpPr>
+              <p:cNvPr id="18" name="직선 연결선 17">
+                <a:extLst>
+                  <a:ext uri="{FF2B5EF4-FFF2-40B4-BE49-F238E27FC236}">
+                    <a16:creationId xmlns:a16="http://schemas.microsoft.com/office/drawing/2014/main" id="{925B5BC7-55AA-4250-BFE3-1C6C44FD6C52}"/>
+                  </a:ext>
+                </a:extLst>
+              </p:cNvPr>
+              <p:cNvCxnSpPr/>
+              <p:nvPr/>
+            </p:nvCxnSpPr>
+            <p:spPr>
+              <a:xfrm>
+                <a:off x="1737360" y="2648712"/>
+                <a:ext cx="0" cy="2240280"/>
+              </a:xfrm>
+              <a:prstGeom prst="line">
+                <a:avLst/>
+              </a:prstGeom>
+              <a:ln w="28575">
+                <a:solidFill>
+                  <a:schemeClr val="bg2">
+                    <a:lumMod val="50000"/>
+                  </a:schemeClr>
+                </a:solidFill>
+                <a:prstDash val="sysDot"/>
+              </a:ln>
+            </p:spPr>
+            <p:style>
+              <a:lnRef idx="1">
+                <a:schemeClr val="accent1"/>
+              </a:lnRef>
+              <a:fillRef idx="0">
+                <a:schemeClr val="accent1"/>
+              </a:fillRef>
+              <a:effectRef idx="0">
+                <a:schemeClr val="accent1"/>
+              </a:effectRef>
+              <a:fontRef idx="minor">
+                <a:schemeClr val="tx1"/>
+              </a:fontRef>
+            </p:style>
+          </p:cxnSp>
+          <p:cxnSp>
+            <p:nvCxnSpPr>
+              <p:cNvPr id="19" name="직선 연결선 18">
+                <a:extLst>
+                  <a:ext uri="{FF2B5EF4-FFF2-40B4-BE49-F238E27FC236}">
+                    <a16:creationId xmlns:a16="http://schemas.microsoft.com/office/drawing/2014/main" id="{E6FEDEAE-B640-8229-D05F-766EBD64A2A1}"/>
+                  </a:ext>
+                </a:extLst>
+              </p:cNvPr>
+              <p:cNvCxnSpPr/>
+              <p:nvPr/>
+            </p:nvCxnSpPr>
+            <p:spPr>
+              <a:xfrm>
+                <a:off x="4148328" y="2648712"/>
+                <a:ext cx="0" cy="2240280"/>
+              </a:xfrm>
+              <a:prstGeom prst="line">
+                <a:avLst/>
+              </a:prstGeom>
+              <a:ln w="28575">
+                <a:solidFill>
+                  <a:schemeClr val="bg2">
+                    <a:lumMod val="50000"/>
+                  </a:schemeClr>
+                </a:solidFill>
+                <a:prstDash val="sysDot"/>
+              </a:ln>
+            </p:spPr>
+            <p:style>
+              <a:lnRef idx="1">
+                <a:schemeClr val="accent1"/>
+              </a:lnRef>
+              <a:fillRef idx="0">
+                <a:schemeClr val="accent1"/>
+              </a:fillRef>
+              <a:effectRef idx="0">
+                <a:schemeClr val="accent1"/>
+              </a:effectRef>
+              <a:fontRef idx="minor">
+                <a:schemeClr val="tx1"/>
+              </a:fontRef>
+            </p:style>
+          </p:cxnSp>
+          <p:cxnSp>
+            <p:nvCxnSpPr>
+              <p:cNvPr id="25" name="직선 화살표 연결선 24">
+                <a:extLst>
+                  <a:ext uri="{FF2B5EF4-FFF2-40B4-BE49-F238E27FC236}">
+                    <a16:creationId xmlns:a16="http://schemas.microsoft.com/office/drawing/2014/main" id="{B2E81672-48FB-A79C-4CD9-8F0FC6858132}"/>
+                  </a:ext>
+                </a:extLst>
+              </p:cNvPr>
+              <p:cNvCxnSpPr>
+                <a:cxnSpLocks/>
+              </p:cNvCxnSpPr>
+              <p:nvPr/>
+            </p:nvCxnSpPr>
+            <p:spPr>
+              <a:xfrm>
+                <a:off x="1737360" y="2989897"/>
+                <a:ext cx="2410968" cy="0"/>
+              </a:xfrm>
+              <a:prstGeom prst="straightConnector1">
+                <a:avLst/>
+              </a:prstGeom>
+              <a:ln w="19050">
+                <a:solidFill>
+                  <a:schemeClr val="accent6">
+                    <a:lumMod val="75000"/>
+                  </a:schemeClr>
+                </a:solidFill>
+                <a:headEnd type="triangle"/>
+                <a:tailEnd type="triangle"/>
+              </a:ln>
+            </p:spPr>
+            <p:style>
+              <a:lnRef idx="1">
+                <a:schemeClr val="accent1"/>
+              </a:lnRef>
+              <a:fillRef idx="0">
+                <a:schemeClr val="accent1"/>
+              </a:fillRef>
+              <a:effectRef idx="0">
+                <a:schemeClr val="accent1"/>
+              </a:effectRef>
+              <a:fontRef idx="minor">
+                <a:schemeClr val="tx1"/>
+              </a:fontRef>
+            </p:style>
+          </p:cxnSp>
+        </p:grpSp>
+        <p:sp>
+          <p:nvSpPr>
+            <p:cNvPr id="35" name="TextBox 34">
+              <a:extLst>
+                <a:ext uri="{FF2B5EF4-FFF2-40B4-BE49-F238E27FC236}">
+                  <a16:creationId xmlns:a16="http://schemas.microsoft.com/office/drawing/2014/main" id="{2920997F-037D-0B3D-0C71-CDCBD8C31B2D}"/>
+                </a:ext>
+              </a:extLst>
+            </p:cNvPr>
+            <p:cNvSpPr txBox="1"/>
+            <p:nvPr/>
+          </p:nvSpPr>
+          <p:spPr>
+            <a:xfrm>
+              <a:off x="2080260" y="2659380"/>
+              <a:ext cx="1822487" cy="369332"/>
+            </a:xfrm>
+            <a:prstGeom prst="rect">
+              <a:avLst/>
+            </a:prstGeom>
+            <a:noFill/>
+          </p:spPr>
+          <p:txBody>
+            <a:bodyPr wrap="none" rtlCol="0">
+              <a:spAutoFit/>
+            </a:bodyPr>
+            <a:lstStyle/>
+            <a:p>
+              <a:pPr algn="ctr"/>
+              <a:r>
+                <a:rPr lang="en-US" altLang="ko-KR" dirty="0">
+                  <a:solidFill>
+                    <a:srgbClr val="008000"/>
+                  </a:solidFill>
+                </a:rPr>
+                <a:t>context switching</a:t>
+              </a:r>
+              <a:endParaRPr lang="ko-KR" altLang="en-US" dirty="0">
                 <a:solidFill>
                   <a:srgbClr val="008000"/>
                 </a:solidFill>
-              </a:rPr>
-              <a:t>context switching</a:t>
-            </a:r>
-            <a:endParaRPr lang="ko-KR" altLang="en-US" dirty="0">
+              </a:endParaRPr>
+            </a:p>
+          </p:txBody>
+        </p:sp>
+      </p:grpSp>
+      <p:grpSp>
+        <p:nvGrpSpPr>
+          <p:cNvPr id="7" name="그룹 6">
+            <a:extLst>
+              <a:ext uri="{FF2B5EF4-FFF2-40B4-BE49-F238E27FC236}">
+                <a16:creationId xmlns:a16="http://schemas.microsoft.com/office/drawing/2014/main" id="{48F5F359-37E8-02FA-86F2-91F2881CB11E}"/>
+              </a:ext>
+            </a:extLst>
+          </p:cNvPr>
+          <p:cNvGrpSpPr/>
+          <p:nvPr/>
+        </p:nvGrpSpPr>
+        <p:grpSpPr>
+          <a:xfrm>
+            <a:off x="5335896" y="2483005"/>
+            <a:ext cx="2334517" cy="2416338"/>
+            <a:chOff x="5335896" y="2483005"/>
+            <a:chExt cx="2334517" cy="2416338"/>
+          </a:xfrm>
+        </p:grpSpPr>
+        <p:cxnSp>
+          <p:nvCxnSpPr>
+            <p:cNvPr id="20" name="직선 연결선 19">
+              <a:extLst>
+                <a:ext uri="{FF2B5EF4-FFF2-40B4-BE49-F238E27FC236}">
+                  <a16:creationId xmlns:a16="http://schemas.microsoft.com/office/drawing/2014/main" id="{8584E22B-0939-51F8-0096-BA42F29FEB60}"/>
+                </a:ext>
+              </a:extLst>
+            </p:cNvPr>
+            <p:cNvCxnSpPr/>
+            <p:nvPr/>
+          </p:nvCxnSpPr>
+          <p:spPr>
+            <a:xfrm>
+              <a:off x="5335896" y="2659063"/>
+              <a:ext cx="0" cy="2240280"/>
+            </a:xfrm>
+            <a:prstGeom prst="line">
+              <a:avLst/>
+            </a:prstGeom>
+            <a:ln w="28575">
               <a:solidFill>
-                <a:srgbClr val="008000"/>
+                <a:schemeClr val="bg2">
+                  <a:lumMod val="50000"/>
+                </a:schemeClr>
               </a:solidFill>
-            </a:endParaRPr>
-          </a:p>
-        </p:txBody>
-      </p:sp>
-      <p:sp>
-        <p:nvSpPr>
-          <p:cNvPr id="36" name="TextBox 35">
-            <a:extLst>
-              <a:ext uri="{FF2B5EF4-FFF2-40B4-BE49-F238E27FC236}">
-                <a16:creationId xmlns:a16="http://schemas.microsoft.com/office/drawing/2014/main" id="{24BD89AE-0FF0-9AFD-9FD3-C52368CF1A44}"/>
-              </a:ext>
-            </a:extLst>
-          </p:cNvPr>
-          <p:cNvSpPr txBox="1"/>
-          <p:nvPr/>
-        </p:nvSpPr>
-        <p:spPr>
-          <a:xfrm>
-            <a:off x="5571601" y="2483005"/>
-            <a:ext cx="1822487" cy="538609"/>
-          </a:xfrm>
-          <a:prstGeom prst="rect">
-            <a:avLst/>
-          </a:prstGeom>
-          <a:noFill/>
-        </p:spPr>
-        <p:txBody>
-          <a:bodyPr wrap="none" rtlCol="0">
-            <a:spAutoFit/>
-          </a:bodyPr>
-          <a:lstStyle/>
-          <a:p>
-            <a:pPr algn="ctr"/>
-            <a:r>
-              <a:rPr lang="en-US" altLang="ko-KR" sz="1100" dirty="0">
+              <a:prstDash val="sysDot"/>
+            </a:ln>
+          </p:spPr>
+          <p:style>
+            <a:lnRef idx="1">
+              <a:schemeClr val="accent1"/>
+            </a:lnRef>
+            <a:fillRef idx="0">
+              <a:schemeClr val="accent1"/>
+            </a:fillRef>
+            <a:effectRef idx="0">
+              <a:schemeClr val="accent1"/>
+            </a:effectRef>
+            <a:fontRef idx="minor">
+              <a:schemeClr val="tx1"/>
+            </a:fontRef>
+          </p:style>
+        </p:cxnSp>
+        <p:cxnSp>
+          <p:nvCxnSpPr>
+            <p:cNvPr id="21" name="직선 연결선 20">
+              <a:extLst>
+                <a:ext uri="{FF2B5EF4-FFF2-40B4-BE49-F238E27FC236}">
+                  <a16:creationId xmlns:a16="http://schemas.microsoft.com/office/drawing/2014/main" id="{BA87401E-AD2C-1C7D-2373-0C637DBD4745}"/>
+                </a:ext>
+              </a:extLst>
+            </p:cNvPr>
+            <p:cNvCxnSpPr/>
+            <p:nvPr/>
+          </p:nvCxnSpPr>
+          <p:spPr>
+            <a:xfrm>
+              <a:off x="7670413" y="2632838"/>
+              <a:ext cx="0" cy="2240280"/>
+            </a:xfrm>
+            <a:prstGeom prst="line">
+              <a:avLst/>
+            </a:prstGeom>
+            <a:ln w="28575">
+              <a:solidFill>
+                <a:schemeClr val="bg2">
+                  <a:lumMod val="50000"/>
+                </a:schemeClr>
+              </a:solidFill>
+              <a:prstDash val="sysDot"/>
+            </a:ln>
+          </p:spPr>
+          <p:style>
+            <a:lnRef idx="1">
+              <a:schemeClr val="accent1"/>
+            </a:lnRef>
+            <a:fillRef idx="0">
+              <a:schemeClr val="accent1"/>
+            </a:fillRef>
+            <a:effectRef idx="0">
+              <a:schemeClr val="accent1"/>
+            </a:effectRef>
+            <a:fontRef idx="minor">
+              <a:schemeClr val="tx1"/>
+            </a:fontRef>
+          </p:style>
+        </p:cxnSp>
+        <p:cxnSp>
+          <p:nvCxnSpPr>
+            <p:cNvPr id="28" name="직선 화살표 연결선 27">
+              <a:extLst>
+                <a:ext uri="{FF2B5EF4-FFF2-40B4-BE49-F238E27FC236}">
+                  <a16:creationId xmlns:a16="http://schemas.microsoft.com/office/drawing/2014/main" id="{D67BB19F-0F64-E5F2-8BD1-91B0D06881DB}"/>
+                </a:ext>
+              </a:extLst>
+            </p:cNvPr>
+            <p:cNvCxnSpPr>
+              <a:cxnSpLocks/>
+            </p:cNvCxnSpPr>
+            <p:nvPr/>
+          </p:nvCxnSpPr>
+          <p:spPr>
+            <a:xfrm>
+              <a:off x="5335896" y="2989897"/>
+              <a:ext cx="2334517" cy="0"/>
+            </a:xfrm>
+            <a:prstGeom prst="straightConnector1">
+              <a:avLst/>
+            </a:prstGeom>
+            <a:ln w="19050">
+              <a:solidFill>
+                <a:schemeClr val="accent6">
+                  <a:lumMod val="75000"/>
+                </a:schemeClr>
+              </a:solidFill>
+              <a:headEnd type="triangle"/>
+              <a:tailEnd type="triangle"/>
+            </a:ln>
+          </p:spPr>
+          <p:style>
+            <a:lnRef idx="1">
+              <a:schemeClr val="accent1"/>
+            </a:lnRef>
+            <a:fillRef idx="0">
+              <a:schemeClr val="accent1"/>
+            </a:fillRef>
+            <a:effectRef idx="0">
+              <a:schemeClr val="accent1"/>
+            </a:effectRef>
+            <a:fontRef idx="minor">
+              <a:schemeClr val="tx1"/>
+            </a:fontRef>
+          </p:style>
+        </p:cxnSp>
+        <p:sp>
+          <p:nvSpPr>
+            <p:cNvPr id="36" name="TextBox 35">
+              <a:extLst>
+                <a:ext uri="{FF2B5EF4-FFF2-40B4-BE49-F238E27FC236}">
+                  <a16:creationId xmlns:a16="http://schemas.microsoft.com/office/drawing/2014/main" id="{24BD89AE-0FF0-9AFD-9FD3-C52368CF1A44}"/>
+                </a:ext>
+              </a:extLst>
+            </p:cNvPr>
+            <p:cNvSpPr txBox="1"/>
+            <p:nvPr/>
+          </p:nvSpPr>
+          <p:spPr>
+            <a:xfrm>
+              <a:off x="5571601" y="2483005"/>
+              <a:ext cx="1822487" cy="538609"/>
+            </a:xfrm>
+            <a:prstGeom prst="rect">
+              <a:avLst/>
+            </a:prstGeom>
+            <a:noFill/>
+          </p:spPr>
+          <p:txBody>
+            <a:bodyPr wrap="none" rtlCol="0">
+              <a:spAutoFit/>
+            </a:bodyPr>
+            <a:lstStyle/>
+            <a:p>
+              <a:pPr algn="ctr"/>
+              <a:r>
+                <a:rPr lang="en-US" altLang="ko-KR" sz="1100" dirty="0">
+                  <a:solidFill>
+                    <a:srgbClr val="008000"/>
+                  </a:solidFill>
+                </a:rPr>
+                <a:t>20 us ~ 20 </a:t>
+              </a:r>
+              <a:r>
+                <a:rPr lang="en-US" altLang="ko-KR" sz="1100" dirty="0" err="1">
+                  <a:solidFill>
+                    <a:srgbClr val="008000"/>
+                  </a:solidFill>
+                </a:rPr>
+                <a:t>ms</a:t>
+              </a:r>
+              <a:r>
+                <a:rPr lang="en-US" altLang="ko-KR" sz="1100" dirty="0">
+                  <a:solidFill>
+                    <a:srgbClr val="008000"/>
+                  </a:solidFill>
+                </a:rPr>
+                <a:t> </a:t>
+              </a:r>
+              <a:r>
+                <a:rPr lang="en-US" altLang="ko-KR" sz="1100" baseline="30000" dirty="0">
+                  <a:solidFill>
+                    <a:srgbClr val="008000"/>
+                  </a:solidFill>
+                </a:rPr>
+                <a:t>1)</a:t>
+              </a:r>
+            </a:p>
+            <a:p>
+              <a:pPr algn="ctr"/>
+              <a:r>
+                <a:rPr lang="en-US" altLang="ko-KR" dirty="0">
+                  <a:solidFill>
+                    <a:srgbClr val="008000"/>
+                  </a:solidFill>
+                </a:rPr>
+                <a:t>context switching</a:t>
+              </a:r>
+              <a:endParaRPr lang="ko-KR" altLang="en-US" dirty="0">
                 <a:solidFill>
                   <a:srgbClr val="008000"/>
                 </a:solidFill>
-              </a:rPr>
-              <a:t>20 us ~ 20 </a:t>
-            </a:r>
-            <a:r>
-              <a:rPr lang="en-US" altLang="ko-KR" sz="1100" dirty="0" err="1">
-                <a:solidFill>
-                  <a:srgbClr val="008000"/>
-                </a:solidFill>
-              </a:rPr>
-              <a:t>ms</a:t>
-            </a:r>
-            <a:r>
-              <a:rPr lang="en-US" altLang="ko-KR" sz="1100" dirty="0">
-                <a:solidFill>
-                  <a:srgbClr val="008000"/>
-                </a:solidFill>
-              </a:rPr>
-              <a:t> </a:t>
-            </a:r>
-            <a:r>
-              <a:rPr lang="en-US" altLang="ko-KR" sz="1100" baseline="30000" dirty="0">
-                <a:solidFill>
-                  <a:srgbClr val="008000"/>
-                </a:solidFill>
-              </a:rPr>
-              <a:t>1)</a:t>
-            </a:r>
-          </a:p>
-          <a:p>
-            <a:pPr algn="ctr"/>
-            <a:r>
-              <a:rPr lang="en-US" altLang="ko-KR" dirty="0">
-                <a:solidFill>
-                  <a:srgbClr val="008000"/>
-                </a:solidFill>
-              </a:rPr>
-              <a:t>context switching</a:t>
-            </a:r>
-            <a:endParaRPr lang="ko-KR" altLang="en-US" dirty="0">
-              <a:solidFill>
-                <a:srgbClr val="008000"/>
-              </a:solidFill>
-            </a:endParaRPr>
-          </a:p>
-        </p:txBody>
-      </p:sp>
+              </a:endParaRPr>
+            </a:p>
+          </p:txBody>
+        </p:sp>
+      </p:grpSp>
       <p:sp>
         <p:nvSpPr>
           <p:cNvPr id="38" name="TextBox 37">
@@ -25821,6 +26855,680 @@
   <p:clrMapOvr>
     <a:masterClrMapping/>
   </p:clrMapOvr>
+  <p:timing>
+    <p:tnLst>
+      <p:par>
+        <p:cTn id="1" dur="indefinite" restart="never" nodeType="tmRoot">
+          <p:childTnLst>
+            <p:seq concurrent="1" nextAc="seek">
+              <p:cTn id="2" dur="indefinite" nodeType="mainSeq">
+                <p:childTnLst>
+                  <p:par>
+                    <p:cTn id="3" fill="hold">
+                      <p:stCondLst>
+                        <p:cond delay="indefinite"/>
+                      </p:stCondLst>
+                      <p:childTnLst>
+                        <p:par>
+                          <p:cTn id="4" fill="hold">
+                            <p:stCondLst>
+                              <p:cond delay="0"/>
+                            </p:stCondLst>
+                            <p:childTnLst>
+                              <p:par>
+                                <p:cTn id="5" presetID="1" presetClass="entr" presetSubtype="0" fill="hold" grpId="0" nodeType="clickEffect">
+                                  <p:stCondLst>
+                                    <p:cond delay="0"/>
+                                  </p:stCondLst>
+                                  <p:childTnLst>
+                                    <p:set>
+                                      <p:cBhvr>
+                                        <p:cTn id="6" dur="1" fill="hold">
+                                          <p:stCondLst>
+                                            <p:cond delay="0"/>
+                                          </p:stCondLst>
+                                        </p:cTn>
+                                        <p:tgtEl>
+                                          <p:spTgt spid="8"/>
+                                        </p:tgtEl>
+                                        <p:attrNameLst>
+                                          <p:attrName>style.visibility</p:attrName>
+                                        </p:attrNameLst>
+                                      </p:cBhvr>
+                                      <p:to>
+                                        <p:strVal val="visible"/>
+                                      </p:to>
+                                    </p:set>
+                                  </p:childTnLst>
+                                </p:cTn>
+                              </p:par>
+                            </p:childTnLst>
+                          </p:cTn>
+                        </p:par>
+                      </p:childTnLst>
+                    </p:cTn>
+                  </p:par>
+                  <p:par>
+                    <p:cTn id="7" fill="hold">
+                      <p:stCondLst>
+                        <p:cond delay="indefinite"/>
+                      </p:stCondLst>
+                      <p:childTnLst>
+                        <p:par>
+                          <p:cTn id="8" fill="hold">
+                            <p:stCondLst>
+                              <p:cond delay="0"/>
+                            </p:stCondLst>
+                            <p:childTnLst>
+                              <p:par>
+                                <p:cTn id="9" presetID="1" presetClass="entr" presetSubtype="0" fill="hold" grpId="0" nodeType="clickEffect">
+                                  <p:stCondLst>
+                                    <p:cond delay="0"/>
+                                  </p:stCondLst>
+                                  <p:childTnLst>
+                                    <p:set>
+                                      <p:cBhvr>
+                                        <p:cTn id="10" dur="1" fill="hold">
+                                          <p:stCondLst>
+                                            <p:cond delay="0"/>
+                                          </p:stCondLst>
+                                        </p:cTn>
+                                        <p:tgtEl>
+                                          <p:spTgt spid="10"/>
+                                        </p:tgtEl>
+                                        <p:attrNameLst>
+                                          <p:attrName>style.visibility</p:attrName>
+                                        </p:attrNameLst>
+                                      </p:cBhvr>
+                                      <p:to>
+                                        <p:strVal val="visible"/>
+                                      </p:to>
+                                    </p:set>
+                                  </p:childTnLst>
+                                </p:cTn>
+                              </p:par>
+                            </p:childTnLst>
+                          </p:cTn>
+                        </p:par>
+                      </p:childTnLst>
+                    </p:cTn>
+                  </p:par>
+                  <p:par>
+                    <p:cTn id="11" fill="hold">
+                      <p:stCondLst>
+                        <p:cond delay="indefinite"/>
+                      </p:stCondLst>
+                      <p:childTnLst>
+                        <p:par>
+                          <p:cTn id="12" fill="hold">
+                            <p:stCondLst>
+                              <p:cond delay="0"/>
+                            </p:stCondLst>
+                            <p:childTnLst>
+                              <p:par>
+                                <p:cTn id="13" presetID="1" presetClass="entr" presetSubtype="0" fill="hold" grpId="0" nodeType="clickEffect">
+                                  <p:stCondLst>
+                                    <p:cond delay="0"/>
+                                  </p:stCondLst>
+                                  <p:childTnLst>
+                                    <p:set>
+                                      <p:cBhvr>
+                                        <p:cTn id="14" dur="1" fill="hold">
+                                          <p:stCondLst>
+                                            <p:cond delay="0"/>
+                                          </p:stCondLst>
+                                        </p:cTn>
+                                        <p:tgtEl>
+                                          <p:spTgt spid="11"/>
+                                        </p:tgtEl>
+                                        <p:attrNameLst>
+                                          <p:attrName>style.visibility</p:attrName>
+                                        </p:attrNameLst>
+                                      </p:cBhvr>
+                                      <p:to>
+                                        <p:strVal val="visible"/>
+                                      </p:to>
+                                    </p:set>
+                                  </p:childTnLst>
+                                </p:cTn>
+                              </p:par>
+                            </p:childTnLst>
+                          </p:cTn>
+                        </p:par>
+                      </p:childTnLst>
+                    </p:cTn>
+                  </p:par>
+                  <p:par>
+                    <p:cTn id="15" fill="hold">
+                      <p:stCondLst>
+                        <p:cond delay="indefinite"/>
+                      </p:stCondLst>
+                      <p:childTnLst>
+                        <p:par>
+                          <p:cTn id="16" fill="hold">
+                            <p:stCondLst>
+                              <p:cond delay="0"/>
+                            </p:stCondLst>
+                            <p:childTnLst>
+                              <p:par>
+                                <p:cTn id="17" presetID="1" presetClass="entr" presetSubtype="0" fill="hold" nodeType="clickEffect">
+                                  <p:stCondLst>
+                                    <p:cond delay="0"/>
+                                  </p:stCondLst>
+                                  <p:childTnLst>
+                                    <p:set>
+                                      <p:cBhvr>
+                                        <p:cTn id="18" dur="1" fill="hold">
+                                          <p:stCondLst>
+                                            <p:cond delay="0"/>
+                                          </p:stCondLst>
+                                        </p:cTn>
+                                        <p:tgtEl>
+                                          <p:spTgt spid="9"/>
+                                        </p:tgtEl>
+                                        <p:attrNameLst>
+                                          <p:attrName>style.visibility</p:attrName>
+                                        </p:attrNameLst>
+                                      </p:cBhvr>
+                                      <p:to>
+                                        <p:strVal val="visible"/>
+                                      </p:to>
+                                    </p:set>
+                                  </p:childTnLst>
+                                </p:cTn>
+                              </p:par>
+                            </p:childTnLst>
+                          </p:cTn>
+                        </p:par>
+                      </p:childTnLst>
+                    </p:cTn>
+                  </p:par>
+                  <p:par>
+                    <p:cTn id="19" fill="hold">
+                      <p:stCondLst>
+                        <p:cond delay="indefinite"/>
+                      </p:stCondLst>
+                      <p:childTnLst>
+                        <p:par>
+                          <p:cTn id="20" fill="hold">
+                            <p:stCondLst>
+                              <p:cond delay="0"/>
+                            </p:stCondLst>
+                            <p:childTnLst>
+                              <p:par>
+                                <p:cTn id="21" presetID="1" presetClass="entr" presetSubtype="0" fill="hold" grpId="0" nodeType="clickEffect">
+                                  <p:stCondLst>
+                                    <p:cond delay="0"/>
+                                  </p:stCondLst>
+                                  <p:childTnLst>
+                                    <p:set>
+                                      <p:cBhvr>
+                                        <p:cTn id="22" dur="1" fill="hold">
+                                          <p:stCondLst>
+                                            <p:cond delay="0"/>
+                                          </p:stCondLst>
+                                        </p:cTn>
+                                        <p:tgtEl>
+                                          <p:spTgt spid="34"/>
+                                        </p:tgtEl>
+                                        <p:attrNameLst>
+                                          <p:attrName>style.visibility</p:attrName>
+                                        </p:attrNameLst>
+                                      </p:cBhvr>
+                                      <p:to>
+                                        <p:strVal val="visible"/>
+                                      </p:to>
+                                    </p:set>
+                                  </p:childTnLst>
+                                </p:cTn>
+                              </p:par>
+                            </p:childTnLst>
+                          </p:cTn>
+                        </p:par>
+                      </p:childTnLst>
+                    </p:cTn>
+                  </p:par>
+                  <p:par>
+                    <p:cTn id="23" fill="hold">
+                      <p:stCondLst>
+                        <p:cond delay="indefinite"/>
+                      </p:stCondLst>
+                      <p:childTnLst>
+                        <p:par>
+                          <p:cTn id="24" fill="hold">
+                            <p:stCondLst>
+                              <p:cond delay="0"/>
+                            </p:stCondLst>
+                            <p:childTnLst>
+                              <p:par>
+                                <p:cTn id="25" presetID="1" presetClass="entr" presetSubtype="0" fill="hold" grpId="0" nodeType="clickEffect">
+                                  <p:stCondLst>
+                                    <p:cond delay="0"/>
+                                  </p:stCondLst>
+                                  <p:childTnLst>
+                                    <p:set>
+                                      <p:cBhvr>
+                                        <p:cTn id="26" dur="1" fill="hold">
+                                          <p:stCondLst>
+                                            <p:cond delay="0"/>
+                                          </p:stCondLst>
+                                        </p:cTn>
+                                        <p:tgtEl>
+                                          <p:spTgt spid="30"/>
+                                        </p:tgtEl>
+                                        <p:attrNameLst>
+                                          <p:attrName>style.visibility</p:attrName>
+                                        </p:attrNameLst>
+                                      </p:cBhvr>
+                                      <p:to>
+                                        <p:strVal val="visible"/>
+                                      </p:to>
+                                    </p:set>
+                                  </p:childTnLst>
+                                </p:cTn>
+                              </p:par>
+                            </p:childTnLst>
+                          </p:cTn>
+                        </p:par>
+                      </p:childTnLst>
+                    </p:cTn>
+                  </p:par>
+                  <p:par>
+                    <p:cTn id="27" fill="hold">
+                      <p:stCondLst>
+                        <p:cond delay="indefinite"/>
+                      </p:stCondLst>
+                      <p:childTnLst>
+                        <p:par>
+                          <p:cTn id="28" fill="hold">
+                            <p:stCondLst>
+                              <p:cond delay="0"/>
+                            </p:stCondLst>
+                            <p:childTnLst>
+                              <p:par>
+                                <p:cTn id="29" presetID="1" presetClass="entr" presetSubtype="0" fill="hold" grpId="0" nodeType="clickEffect">
+                                  <p:stCondLst>
+                                    <p:cond delay="0"/>
+                                  </p:stCondLst>
+                                  <p:childTnLst>
+                                    <p:set>
+                                      <p:cBhvr>
+                                        <p:cTn id="30" dur="1" fill="hold">
+                                          <p:stCondLst>
+                                            <p:cond delay="0"/>
+                                          </p:stCondLst>
+                                        </p:cTn>
+                                        <p:tgtEl>
+                                          <p:spTgt spid="12"/>
+                                        </p:tgtEl>
+                                        <p:attrNameLst>
+                                          <p:attrName>style.visibility</p:attrName>
+                                        </p:attrNameLst>
+                                      </p:cBhvr>
+                                      <p:to>
+                                        <p:strVal val="visible"/>
+                                      </p:to>
+                                    </p:set>
+                                  </p:childTnLst>
+                                </p:cTn>
+                              </p:par>
+                            </p:childTnLst>
+                          </p:cTn>
+                        </p:par>
+                      </p:childTnLst>
+                    </p:cTn>
+                  </p:par>
+                  <p:par>
+                    <p:cTn id="31" fill="hold">
+                      <p:stCondLst>
+                        <p:cond delay="indefinite"/>
+                      </p:stCondLst>
+                      <p:childTnLst>
+                        <p:par>
+                          <p:cTn id="32" fill="hold">
+                            <p:stCondLst>
+                              <p:cond delay="0"/>
+                            </p:stCondLst>
+                            <p:childTnLst>
+                              <p:par>
+                                <p:cTn id="33" presetID="1" presetClass="entr" presetSubtype="0" fill="hold" grpId="0" nodeType="clickEffect">
+                                  <p:stCondLst>
+                                    <p:cond delay="0"/>
+                                  </p:stCondLst>
+                                  <p:childTnLst>
+                                    <p:set>
+                                      <p:cBhvr>
+                                        <p:cTn id="34" dur="1" fill="hold">
+                                          <p:stCondLst>
+                                            <p:cond delay="0"/>
+                                          </p:stCondLst>
+                                        </p:cTn>
+                                        <p:tgtEl>
+                                          <p:spTgt spid="32"/>
+                                        </p:tgtEl>
+                                        <p:attrNameLst>
+                                          <p:attrName>style.visibility</p:attrName>
+                                        </p:attrNameLst>
+                                      </p:cBhvr>
+                                      <p:to>
+                                        <p:strVal val="visible"/>
+                                      </p:to>
+                                    </p:set>
+                                  </p:childTnLst>
+                                </p:cTn>
+                              </p:par>
+                            </p:childTnLst>
+                          </p:cTn>
+                        </p:par>
+                      </p:childTnLst>
+                    </p:cTn>
+                  </p:par>
+                  <p:par>
+                    <p:cTn id="35" fill="hold">
+                      <p:stCondLst>
+                        <p:cond delay="indefinite"/>
+                      </p:stCondLst>
+                      <p:childTnLst>
+                        <p:par>
+                          <p:cTn id="36" fill="hold">
+                            <p:stCondLst>
+                              <p:cond delay="0"/>
+                            </p:stCondLst>
+                            <p:childTnLst>
+                              <p:par>
+                                <p:cTn id="37" presetID="1" presetClass="entr" presetSubtype="0" fill="hold" grpId="0" nodeType="clickEffect">
+                                  <p:stCondLst>
+                                    <p:cond delay="0"/>
+                                  </p:stCondLst>
+                                  <p:childTnLst>
+                                    <p:set>
+                                      <p:cBhvr>
+                                        <p:cTn id="38" dur="1" fill="hold">
+                                          <p:stCondLst>
+                                            <p:cond delay="0"/>
+                                          </p:stCondLst>
+                                        </p:cTn>
+                                        <p:tgtEl>
+                                          <p:spTgt spid="14"/>
+                                        </p:tgtEl>
+                                        <p:attrNameLst>
+                                          <p:attrName>style.visibility</p:attrName>
+                                        </p:attrNameLst>
+                                      </p:cBhvr>
+                                      <p:to>
+                                        <p:strVal val="visible"/>
+                                      </p:to>
+                                    </p:set>
+                                  </p:childTnLst>
+                                </p:cTn>
+                              </p:par>
+                            </p:childTnLst>
+                          </p:cTn>
+                        </p:par>
+                      </p:childTnLst>
+                    </p:cTn>
+                  </p:par>
+                  <p:par>
+                    <p:cTn id="39" fill="hold">
+                      <p:stCondLst>
+                        <p:cond delay="indefinite"/>
+                      </p:stCondLst>
+                      <p:childTnLst>
+                        <p:par>
+                          <p:cTn id="40" fill="hold">
+                            <p:stCondLst>
+                              <p:cond delay="0"/>
+                            </p:stCondLst>
+                            <p:childTnLst>
+                              <p:par>
+                                <p:cTn id="41" presetID="1" presetClass="entr" presetSubtype="0" fill="hold" grpId="0" nodeType="clickEffect">
+                                  <p:stCondLst>
+                                    <p:cond delay="0"/>
+                                  </p:stCondLst>
+                                  <p:childTnLst>
+                                    <p:set>
+                                      <p:cBhvr>
+                                        <p:cTn id="42" dur="1" fill="hold">
+                                          <p:stCondLst>
+                                            <p:cond delay="0"/>
+                                          </p:stCondLst>
+                                        </p:cTn>
+                                        <p:tgtEl>
+                                          <p:spTgt spid="15"/>
+                                        </p:tgtEl>
+                                        <p:attrNameLst>
+                                          <p:attrName>style.visibility</p:attrName>
+                                        </p:attrNameLst>
+                                      </p:cBhvr>
+                                      <p:to>
+                                        <p:strVal val="visible"/>
+                                      </p:to>
+                                    </p:set>
+                                  </p:childTnLst>
+                                </p:cTn>
+                              </p:par>
+                            </p:childTnLst>
+                          </p:cTn>
+                        </p:par>
+                      </p:childTnLst>
+                    </p:cTn>
+                  </p:par>
+                  <p:par>
+                    <p:cTn id="43" fill="hold">
+                      <p:stCondLst>
+                        <p:cond delay="indefinite"/>
+                      </p:stCondLst>
+                      <p:childTnLst>
+                        <p:par>
+                          <p:cTn id="44" fill="hold">
+                            <p:stCondLst>
+                              <p:cond delay="0"/>
+                            </p:stCondLst>
+                            <p:childTnLst>
+                              <p:par>
+                                <p:cTn id="45" presetID="1" presetClass="entr" presetSubtype="0" fill="hold" nodeType="clickEffect">
+                                  <p:stCondLst>
+                                    <p:cond delay="0"/>
+                                  </p:stCondLst>
+                                  <p:childTnLst>
+                                    <p:set>
+                                      <p:cBhvr>
+                                        <p:cTn id="46" dur="1" fill="hold">
+                                          <p:stCondLst>
+                                            <p:cond delay="0"/>
+                                          </p:stCondLst>
+                                        </p:cTn>
+                                        <p:tgtEl>
+                                          <p:spTgt spid="7"/>
+                                        </p:tgtEl>
+                                        <p:attrNameLst>
+                                          <p:attrName>style.visibility</p:attrName>
+                                        </p:attrNameLst>
+                                      </p:cBhvr>
+                                      <p:to>
+                                        <p:strVal val="visible"/>
+                                      </p:to>
+                                    </p:set>
+                                  </p:childTnLst>
+                                </p:cTn>
+                              </p:par>
+                            </p:childTnLst>
+                          </p:cTn>
+                        </p:par>
+                      </p:childTnLst>
+                    </p:cTn>
+                  </p:par>
+                  <p:par>
+                    <p:cTn id="47" fill="hold">
+                      <p:stCondLst>
+                        <p:cond delay="indefinite"/>
+                      </p:stCondLst>
+                      <p:childTnLst>
+                        <p:par>
+                          <p:cTn id="48" fill="hold">
+                            <p:stCondLst>
+                              <p:cond delay="0"/>
+                            </p:stCondLst>
+                            <p:childTnLst>
+                              <p:par>
+                                <p:cTn id="49" presetID="1" presetClass="entr" presetSubtype="0" fill="hold" grpId="0" nodeType="clickEffect">
+                                  <p:stCondLst>
+                                    <p:cond delay="0"/>
+                                  </p:stCondLst>
+                                  <p:childTnLst>
+                                    <p:set>
+                                      <p:cBhvr>
+                                        <p:cTn id="50" dur="1" fill="hold">
+                                          <p:stCondLst>
+                                            <p:cond delay="0"/>
+                                          </p:stCondLst>
+                                        </p:cTn>
+                                        <p:tgtEl>
+                                          <p:spTgt spid="31"/>
+                                        </p:tgtEl>
+                                        <p:attrNameLst>
+                                          <p:attrName>style.visibility</p:attrName>
+                                        </p:attrNameLst>
+                                      </p:cBhvr>
+                                      <p:to>
+                                        <p:strVal val="visible"/>
+                                      </p:to>
+                                    </p:set>
+                                  </p:childTnLst>
+                                </p:cTn>
+                              </p:par>
+                            </p:childTnLst>
+                          </p:cTn>
+                        </p:par>
+                      </p:childTnLst>
+                    </p:cTn>
+                  </p:par>
+                  <p:par>
+                    <p:cTn id="51" fill="hold">
+                      <p:stCondLst>
+                        <p:cond delay="indefinite"/>
+                      </p:stCondLst>
+                      <p:childTnLst>
+                        <p:par>
+                          <p:cTn id="52" fill="hold">
+                            <p:stCondLst>
+                              <p:cond delay="0"/>
+                            </p:stCondLst>
+                            <p:childTnLst>
+                              <p:par>
+                                <p:cTn id="53" presetID="1" presetClass="entr" presetSubtype="0" fill="hold" grpId="0" nodeType="clickEffect">
+                                  <p:stCondLst>
+                                    <p:cond delay="0"/>
+                                  </p:stCondLst>
+                                  <p:childTnLst>
+                                    <p:set>
+                                      <p:cBhvr>
+                                        <p:cTn id="54" dur="1" fill="hold">
+                                          <p:stCondLst>
+                                            <p:cond delay="0"/>
+                                          </p:stCondLst>
+                                        </p:cTn>
+                                        <p:tgtEl>
+                                          <p:spTgt spid="16"/>
+                                        </p:tgtEl>
+                                        <p:attrNameLst>
+                                          <p:attrName>style.visibility</p:attrName>
+                                        </p:attrNameLst>
+                                      </p:cBhvr>
+                                      <p:to>
+                                        <p:strVal val="visible"/>
+                                      </p:to>
+                                    </p:set>
+                                  </p:childTnLst>
+                                </p:cTn>
+                              </p:par>
+                            </p:childTnLst>
+                          </p:cTn>
+                        </p:par>
+                      </p:childTnLst>
+                    </p:cTn>
+                  </p:par>
+                  <p:par>
+                    <p:cTn id="55" fill="hold">
+                      <p:stCondLst>
+                        <p:cond delay="indefinite"/>
+                      </p:stCondLst>
+                      <p:childTnLst>
+                        <p:par>
+                          <p:cTn id="56" fill="hold">
+                            <p:stCondLst>
+                              <p:cond delay="0"/>
+                            </p:stCondLst>
+                            <p:childTnLst>
+                              <p:par>
+                                <p:cTn id="57" presetID="1" presetClass="entr" presetSubtype="0" fill="hold" grpId="0" nodeType="clickEffect">
+                                  <p:stCondLst>
+                                    <p:cond delay="0"/>
+                                  </p:stCondLst>
+                                  <p:childTnLst>
+                                    <p:set>
+                                      <p:cBhvr>
+                                        <p:cTn id="58" dur="1" fill="hold">
+                                          <p:stCondLst>
+                                            <p:cond delay="0"/>
+                                          </p:stCondLst>
+                                        </p:cTn>
+                                        <p:tgtEl>
+                                          <p:spTgt spid="33"/>
+                                        </p:tgtEl>
+                                        <p:attrNameLst>
+                                          <p:attrName>style.visibility</p:attrName>
+                                        </p:attrNameLst>
+                                      </p:cBhvr>
+                                      <p:to>
+                                        <p:strVal val="visible"/>
+                                      </p:to>
+                                    </p:set>
+                                  </p:childTnLst>
+                                </p:cTn>
+                              </p:par>
+                            </p:childTnLst>
+                          </p:cTn>
+                        </p:par>
+                      </p:childTnLst>
+                    </p:cTn>
+                  </p:par>
+                </p:childTnLst>
+              </p:cTn>
+              <p:prevCondLst>
+                <p:cond evt="onPrev" delay="0">
+                  <p:tgtEl>
+                    <p:sldTgt/>
+                  </p:tgtEl>
+                </p:cond>
+              </p:prevCondLst>
+              <p:nextCondLst>
+                <p:cond evt="onNext" delay="0">
+                  <p:tgtEl>
+                    <p:sldTgt/>
+                  </p:tgtEl>
+                </p:cond>
+              </p:nextCondLst>
+            </p:seq>
+          </p:childTnLst>
+        </p:cTn>
+      </p:par>
+    </p:tnLst>
+    <p:bldLst>
+      <p:bldP spid="8" grpId="0" animBg="1"/>
+      <p:bldP spid="10" grpId="0" animBg="1"/>
+      <p:bldP spid="11" grpId="0" animBg="1"/>
+      <p:bldP spid="12" grpId="0" animBg="1"/>
+      <p:bldP spid="14" grpId="0" animBg="1"/>
+      <p:bldP spid="15" grpId="0" animBg="1"/>
+      <p:bldP spid="16" grpId="0" animBg="1"/>
+      <p:bldP spid="30" grpId="0"/>
+      <p:bldP spid="31" grpId="0"/>
+      <p:bldP spid="32" grpId="0"/>
+      <p:bldP spid="33" grpId="0"/>
+      <p:bldP spid="34" grpId="0"/>
+    </p:bldLst>
+  </p:timing>
 </p:sld>
 </file>
 
@@ -26457,6 +28165,12 @@
           <a:prstGeom prst="rect">
             <a:avLst/>
           </a:prstGeom>
+          <a:solidFill>
+            <a:schemeClr val="accent2">
+              <a:lumMod val="40000"/>
+              <a:lumOff val="60000"/>
+            </a:schemeClr>
+          </a:solidFill>
         </p:spPr>
         <p:style>
           <a:lnRef idx="2">
@@ -27365,6 +29079,12 @@
           <a:prstGeom prst="rect">
             <a:avLst/>
           </a:prstGeom>
+          <a:solidFill>
+            <a:schemeClr val="accent2">
+              <a:lumMod val="40000"/>
+              <a:lumOff val="60000"/>
+            </a:schemeClr>
+          </a:solidFill>
         </p:spPr>
         <p:style>
           <a:lnRef idx="2">
@@ -27427,6 +29147,12 @@
           <a:prstGeom prst="rect">
             <a:avLst/>
           </a:prstGeom>
+          <a:solidFill>
+            <a:schemeClr val="accent2">
+              <a:lumMod val="40000"/>
+              <a:lumOff val="60000"/>
+            </a:schemeClr>
+          </a:solidFill>
         </p:spPr>
         <p:style>
           <a:lnRef idx="2">
@@ -27489,6 +29215,12 @@
           <a:prstGeom prst="rect">
             <a:avLst/>
           </a:prstGeom>
+          <a:solidFill>
+            <a:schemeClr val="accent2">
+              <a:lumMod val="40000"/>
+              <a:lumOff val="60000"/>
+            </a:schemeClr>
+          </a:solidFill>
         </p:spPr>
         <p:style>
           <a:lnRef idx="2">

--- a/99.ppt/[Ch4-1. 비동기 서비스 소개] 1-2. 비동기 호출이란 ~ 1-3. Servlet_Reactive.pptx
+++ b/99.ppt/[Ch4-1. 비동기 서비스 소개] 1-2. 비동기 호출이란 ~ 1-3. Servlet_Reactive.pptx
@@ -273,7 +273,7 @@
           <a:p>
             <a:fld id="{9B770909-2C76-4DF9-BB76-4EE283593418}" type="datetimeFigureOut">
               <a:rPr lang="ko-KR" altLang="en-US" smtClean="0"/>
-              <a:t>2023-08-03</a:t>
+              <a:t>2023-08-12</a:t>
             </a:fld>
             <a:endParaRPr lang="ko-KR" altLang="en-US"/>
           </a:p>
@@ -1318,7 +1318,7 @@
             </a:r>
             <a:r>
               <a:rPr lang="en-US" altLang="ko-KR" dirty="0"/>
-              <a:t>Article </a:t>
+              <a:t>Article</a:t>
             </a:r>
             <a:r>
               <a:rPr lang="ko-KR" altLang="en-US" dirty="0"/>
@@ -1365,22 +1365,45 @@
               <a:defRPr/>
             </a:pPr>
             <a:r>
-              <a:rPr lang="en-US" altLang="ko-KR" dirty="0"/>
-              <a:t>Synchronous / Blocking </a:t>
-            </a:r>
-            <a:r>
-              <a:rPr lang="ko-KR" altLang="en-US" dirty="0"/>
-              <a:t>부터</a:t>
-            </a:r>
-            <a:r>
-              <a:rPr lang="en-US" altLang="ko-KR" dirty="0"/>
-              <a:t>, Asynchronous / Blocking </a:t>
-            </a:r>
-            <a:r>
-              <a:rPr lang="ko-KR" altLang="en-US" dirty="0"/>
-              <a:t>까지</a:t>
-            </a:r>
-            <a:endParaRPr lang="en-US" altLang="ko-KR" dirty="0"/>
+              <a:rPr lang="ko-KR" altLang="en-US" dirty="0"/>
+              <a:t>이 글의 핵심은</a:t>
+            </a:r>
+            <a:r>
+              <a:rPr lang="en-US" altLang="ko-KR" dirty="0"/>
+              <a:t>, thread</a:t>
+            </a:r>
+            <a:r>
+              <a:rPr lang="ko-KR" altLang="en-US" dirty="0"/>
+              <a:t> 하나가 </a:t>
+            </a:r>
+            <a:r>
+              <a:rPr lang="en-US" altLang="ko-KR" dirty="0"/>
+              <a:t>I/O blocking</a:t>
+            </a:r>
+            <a:r>
+              <a:rPr lang="ko-KR" altLang="en-US" dirty="0"/>
+              <a:t>을 기다리지 않고 여러 일을 동시에 처리하는 </a:t>
+            </a:r>
+            <a:r>
+              <a:rPr lang="en-US" altLang="ko-KR" dirty="0"/>
+              <a:t>Asynchronous Nonblocking </a:t>
+            </a:r>
+            <a:r>
+              <a:rPr lang="ko-KR" altLang="en-US" dirty="0"/>
+              <a:t>방식이 어플리케이션을 더 빠르게 </a:t>
+            </a:r>
+            <a:r>
+              <a:rPr lang="ko-KR" altLang="en-US" dirty="0" err="1"/>
+              <a:t>동작시킬</a:t>
+            </a:r>
+            <a:r>
+              <a:rPr lang="ko-KR" altLang="en-US" dirty="0"/>
+              <a:t> 수 있다는 것입니다</a:t>
+            </a:r>
+            <a:r>
+              <a:rPr lang="en-US" altLang="ko-KR" dirty="0"/>
+              <a:t>.</a:t>
+            </a:r>
           </a:p>
           <a:p>
             <a:pPr marL="0" marR="0" lvl="0" indent="0" algn="l" defTabSz="685800" rtl="0" eaLnBrk="1" fontAlgn="auto" latinLnBrk="1" hangingPunct="1">
@@ -1422,7 +1445,114 @@
             </a:pPr>
             <a:r>
               <a:rPr lang="ko-KR" altLang="en-US" dirty="0"/>
-              <a:t>시계방향 순으로 차례대로 사례를 하나씩 살펴보겠습니다</a:t>
+              <a:t>여기서 소개하는 사례들은 좋고 나쁨을 의미하는 것은 </a:t>
+            </a:r>
+            <a:r>
+              <a:rPr lang="ko-KR" altLang="en-US" dirty="0" err="1"/>
+              <a:t>아니라서요</a:t>
+            </a:r>
+            <a:r>
+              <a:rPr lang="en-US" altLang="ko-KR" dirty="0"/>
+              <a:t>.</a:t>
+            </a:r>
+          </a:p>
+          <a:p>
+            <a:pPr marL="0" marR="0" lvl="0" indent="0" algn="l" defTabSz="685800" rtl="0" eaLnBrk="1" fontAlgn="auto" latinLnBrk="1" hangingPunct="1">
+              <a:lnSpc>
+                <a:spcPct val="100000"/>
+              </a:lnSpc>
+              <a:spcBef>
+                <a:spcPts val="0"/>
+              </a:spcBef>
+              <a:spcAft>
+                <a:spcPts val="0"/>
+              </a:spcAft>
+              <a:buClrTx/>
+              <a:buSzTx/>
+              <a:buFontTx/>
+              <a:buNone/>
+              <a:tabLst/>
+              <a:defRPr/>
+            </a:pPr>
+            <a:endParaRPr lang="en-US" altLang="ko-KR" dirty="0"/>
+          </a:p>
+          <a:p>
+            <a:pPr marL="0" marR="0" lvl="0" indent="0" algn="l" defTabSz="685800" rtl="0" eaLnBrk="1" fontAlgn="auto" latinLnBrk="1" hangingPunct="1">
+              <a:lnSpc>
+                <a:spcPct val="100000"/>
+              </a:lnSpc>
+              <a:spcBef>
+                <a:spcPts val="0"/>
+              </a:spcBef>
+              <a:spcAft>
+                <a:spcPts val="0"/>
+              </a:spcAft>
+              <a:buClrTx/>
+              <a:buSzTx/>
+              <a:buFontTx/>
+              <a:buNone/>
+              <a:tabLst/>
+              <a:defRPr/>
+            </a:pPr>
+            <a:r>
+              <a:rPr lang="en-US" altLang="ko-KR" dirty="0"/>
+              <a:t>Sync / Blocking </a:t>
+            </a:r>
+            <a:r>
+              <a:rPr lang="ko-KR" altLang="en-US" dirty="0"/>
+              <a:t>부터</a:t>
+            </a:r>
+            <a:r>
+              <a:rPr lang="en-US" altLang="ko-KR" dirty="0"/>
+              <a:t>, Async / Blocking </a:t>
+            </a:r>
+            <a:r>
+              <a:rPr lang="ko-KR" altLang="en-US" dirty="0"/>
+              <a:t>까지</a:t>
+            </a:r>
+            <a:endParaRPr lang="en-US" altLang="ko-KR" dirty="0"/>
+          </a:p>
+          <a:p>
+            <a:pPr marL="0" marR="0" lvl="0" indent="0" algn="l" defTabSz="685800" rtl="0" eaLnBrk="1" fontAlgn="auto" latinLnBrk="1" hangingPunct="1">
+              <a:lnSpc>
+                <a:spcPct val="100000"/>
+              </a:lnSpc>
+              <a:spcBef>
+                <a:spcPts val="0"/>
+              </a:spcBef>
+              <a:spcAft>
+                <a:spcPts val="0"/>
+              </a:spcAft>
+              <a:buClrTx/>
+              <a:buSzTx/>
+              <a:buFontTx/>
+              <a:buNone/>
+              <a:tabLst/>
+              <a:defRPr/>
+            </a:pPr>
+            <a:endParaRPr lang="en-US" altLang="ko-KR" dirty="0"/>
+          </a:p>
+          <a:p>
+            <a:pPr marL="0" marR="0" lvl="0" indent="0" algn="l" defTabSz="685800" rtl="0" eaLnBrk="1" fontAlgn="auto" latinLnBrk="1" hangingPunct="1">
+              <a:lnSpc>
+                <a:spcPct val="100000"/>
+              </a:lnSpc>
+              <a:spcBef>
+                <a:spcPts val="0"/>
+              </a:spcBef>
+              <a:spcAft>
+                <a:spcPts val="0"/>
+              </a:spcAft>
+              <a:buClrTx/>
+              <a:buSzTx/>
+              <a:buFontTx/>
+              <a:buNone/>
+              <a:tabLst/>
+              <a:defRPr/>
+            </a:pPr>
+            <a:r>
+              <a:rPr lang="ko-KR" altLang="en-US" dirty="0"/>
+              <a:t>시계방향 순으로 각각의 사례를 하나씩 살펴보겠습니다</a:t>
             </a:r>
             <a:r>
               <a:rPr lang="en-US" altLang="ko-KR" dirty="0"/>
@@ -1812,6 +1942,87 @@
             </a:r>
           </a:p>
           <a:p>
+            <a:endParaRPr lang="en-US" altLang="ko-KR" dirty="0"/>
+          </a:p>
+          <a:p>
+            <a:r>
+              <a:rPr lang="en-US" altLang="ko-KR" dirty="0"/>
+              <a:t>client </a:t>
+            </a:r>
+            <a:r>
+              <a:rPr lang="ko-KR" altLang="en-US" dirty="0"/>
+              <a:t>는 서버와 통신하기 위해 </a:t>
+            </a:r>
+            <a:r>
+              <a:rPr lang="en-US" altLang="ko-KR" dirty="0"/>
+              <a:t>socket </a:t>
+            </a:r>
+            <a:r>
+              <a:rPr lang="ko-KR" altLang="en-US" dirty="0"/>
+              <a:t>연결을 </a:t>
+            </a:r>
+            <a:r>
+              <a:rPr lang="ko-KR" altLang="en-US" dirty="0" err="1"/>
+              <a:t>할텐데요</a:t>
+            </a:r>
+            <a:r>
+              <a:rPr lang="en-US" altLang="ko-KR" dirty="0"/>
+              <a:t>.</a:t>
+            </a:r>
+          </a:p>
+          <a:p>
+            <a:endParaRPr lang="en-US" altLang="ko-KR" dirty="0"/>
+          </a:p>
+          <a:p>
+            <a:r>
+              <a:rPr lang="ko-KR" altLang="en-US" dirty="0"/>
+              <a:t>서버 입장에서 보면</a:t>
+            </a:r>
+            <a:r>
+              <a:rPr lang="en-US" altLang="ko-KR" dirty="0"/>
+              <a:t>, </a:t>
+            </a:r>
+            <a:r>
+              <a:rPr lang="ko-KR" altLang="en-US" dirty="0"/>
+              <a:t>수많은 </a:t>
+            </a:r>
+            <a:r>
+              <a:rPr lang="en-US" altLang="ko-KR" dirty="0"/>
+              <a:t>socket </a:t>
+            </a:r>
+            <a:r>
+              <a:rPr lang="ko-KR" altLang="en-US" dirty="0"/>
+              <a:t>들을 </a:t>
+            </a:r>
+            <a:r>
+              <a:rPr lang="en-US" altLang="ko-KR" dirty="0"/>
+              <a:t>looping </a:t>
+            </a:r>
+            <a:r>
+              <a:rPr lang="ko-KR" altLang="en-US" dirty="0"/>
+              <a:t>돌아 하나씩 검사하는 게 너무 비효율적이거든요</a:t>
+            </a:r>
+            <a:r>
+              <a:rPr lang="en-US" altLang="ko-KR" dirty="0"/>
+              <a:t>.</a:t>
+            </a:r>
+          </a:p>
+          <a:p>
+            <a:endParaRPr lang="en-US" altLang="ko-KR" dirty="0"/>
+          </a:p>
+          <a:p>
+            <a:r>
+              <a:rPr lang="en-US" altLang="ko-KR" dirty="0"/>
+              <a:t>I/O multiplexing </a:t>
+            </a:r>
+            <a:r>
+              <a:rPr lang="ko-KR" altLang="en-US" dirty="0"/>
+              <a:t>은 이럴 때 사용되는 사례입니다</a:t>
+            </a:r>
+            <a:r>
+              <a:rPr lang="en-US" altLang="ko-KR" dirty="0"/>
+              <a:t>.</a:t>
+            </a:r>
             <a:endParaRPr lang="ko-KR" altLang="en-US" dirty="0"/>
           </a:p>
         </p:txBody>
@@ -1896,6 +2107,73 @@
           <a:bodyPr/>
           <a:lstStyle/>
           <a:p>
+            <a:r>
+              <a:rPr lang="ko-KR" altLang="en-US" dirty="0"/>
+              <a:t>간단한 실습을 준비해 보았습니다</a:t>
+            </a:r>
+            <a:r>
+              <a:rPr lang="en-US" altLang="ko-KR" dirty="0"/>
+              <a:t>.</a:t>
+            </a:r>
+          </a:p>
+          <a:p>
+            <a:endParaRPr lang="en-US" altLang="ko-KR" dirty="0"/>
+          </a:p>
+          <a:p>
+            <a:r>
+              <a:rPr lang="en-US" altLang="ko-KR" dirty="0"/>
+              <a:t>I/O multiplexing </a:t>
+            </a:r>
+            <a:r>
+              <a:rPr lang="ko-KR" altLang="en-US" dirty="0"/>
+              <a:t>에 사용되는 </a:t>
+            </a:r>
+            <a:r>
+              <a:rPr lang="en-US" altLang="ko-KR" dirty="0"/>
+              <a:t>async / blocking </a:t>
+            </a:r>
+            <a:r>
+              <a:rPr lang="ko-KR" altLang="en-US" dirty="0"/>
+              <a:t>사례는 너무 복잡하니 제외하고</a:t>
+            </a:r>
+            <a:endParaRPr lang="en-US" altLang="ko-KR" dirty="0"/>
+          </a:p>
+          <a:p>
+            <a:endParaRPr lang="en-US" altLang="ko-KR" dirty="0"/>
+          </a:p>
+          <a:p>
+            <a:r>
+              <a:rPr lang="ko-KR" altLang="en-US" dirty="0"/>
+              <a:t>저희는 </a:t>
+            </a:r>
+            <a:r>
+              <a:rPr lang="en-US" altLang="ko-KR" dirty="0"/>
+              <a:t>sync / </a:t>
+            </a:r>
+            <a:r>
+              <a:rPr lang="en-US" altLang="ko-KR" dirty="0" err="1"/>
+              <a:t>bloking</a:t>
+            </a:r>
+            <a:r>
+              <a:rPr lang="en-US" altLang="ko-KR" dirty="0"/>
+              <a:t>, sync / non-blocking, async / non-</a:t>
+            </a:r>
+            <a:r>
+              <a:rPr lang="en-US" altLang="ko-KR" dirty="0" err="1"/>
+              <a:t>bloking</a:t>
+            </a:r>
+            <a:r>
+              <a:rPr lang="en-US" altLang="ko-KR" dirty="0"/>
+              <a:t> </a:t>
+            </a:r>
+            <a:r>
+              <a:rPr lang="ko-KR" altLang="en-US" dirty="0"/>
+              <a:t>만 구현을 통해 확인해 보겠습니다</a:t>
+            </a:r>
+            <a:r>
+              <a:rPr lang="en-US" altLang="ko-KR" dirty="0"/>
+              <a:t>.</a:t>
+            </a:r>
             <a:endParaRPr lang="ko-KR" altLang="en-US" dirty="0"/>
           </a:p>
         </p:txBody>
@@ -2064,7 +2342,90 @@
           <a:bodyPr/>
           <a:lstStyle/>
           <a:p>
-            <a:endParaRPr lang="ko-KR" altLang="en-US" dirty="0"/>
+            <a:r>
+              <a:rPr lang="en-US" altLang="ko-KR" dirty="0"/>
+              <a:t>async / non-blocking </a:t>
+            </a:r>
+            <a:r>
+              <a:rPr lang="ko-KR" altLang="en-US" dirty="0"/>
+              <a:t>이 </a:t>
+            </a:r>
+            <a:r>
+              <a:rPr lang="en-US" altLang="ko-KR" dirty="0"/>
+              <a:t>single thread </a:t>
+            </a:r>
+            <a:r>
+              <a:rPr lang="ko-KR" altLang="en-US" dirty="0"/>
+              <a:t>임에도 불구하고 동시에 여러 처리를 수행할 수 있는 것은 </a:t>
+            </a:r>
+            <a:r>
+              <a:rPr lang="en-US" altLang="ko-KR" dirty="0"/>
+              <a:t>Event Loop </a:t>
+            </a:r>
+            <a:r>
+              <a:rPr lang="ko-KR" altLang="en-US" dirty="0"/>
+              <a:t>모델로 설계되었기 때문입니다</a:t>
+            </a:r>
+            <a:r>
+              <a:rPr lang="en-US" altLang="ko-KR" dirty="0"/>
+              <a:t>.</a:t>
+            </a:r>
+          </a:p>
+          <a:p>
+            <a:endParaRPr lang="en-US" altLang="ko-KR" dirty="0"/>
+          </a:p>
+          <a:p>
+            <a:r>
+              <a:rPr lang="en-US" altLang="ko-KR" dirty="0"/>
+              <a:t>Reactor</a:t>
+            </a:r>
+            <a:r>
+              <a:rPr lang="ko-KR" altLang="en-US" dirty="0"/>
+              <a:t>는 엄밀히 말하면 </a:t>
+            </a:r>
+            <a:r>
+              <a:rPr lang="en-US" altLang="ko-KR" dirty="0"/>
+              <a:t>pub/sub </a:t>
+            </a:r>
+            <a:r>
+              <a:rPr lang="ko-KR" altLang="en-US" dirty="0"/>
+              <a:t>기반이지만</a:t>
+            </a:r>
+            <a:r>
+              <a:rPr lang="en-US" altLang="ko-KR" dirty="0"/>
+              <a:t>, event</a:t>
+            </a:r>
+            <a:r>
+              <a:rPr lang="ko-KR" altLang="en-US" dirty="0"/>
+              <a:t> </a:t>
+            </a:r>
+            <a:r>
+              <a:rPr lang="en-US" altLang="ko-KR" dirty="0"/>
+              <a:t>loop</a:t>
+            </a:r>
+            <a:r>
+              <a:rPr lang="ko-KR" altLang="en-US" dirty="0"/>
+              <a:t> 모델로 이해하는 것이 오히려 쉽기 때문에</a:t>
+            </a:r>
+            <a:r>
+              <a:rPr lang="en-US" altLang="ko-KR" dirty="0"/>
+              <a:t>, </a:t>
+            </a:r>
+            <a:r>
+              <a:rPr lang="ko-KR" altLang="en-US" dirty="0"/>
+              <a:t>이 기반으로 </a:t>
+            </a:r>
+            <a:r>
+              <a:rPr lang="ko-KR" altLang="en-US" dirty="0" err="1"/>
+              <a:t>설명드리겠습니다</a:t>
+            </a:r>
+            <a:r>
+              <a:rPr lang="en-US" altLang="ko-KR" dirty="0"/>
+              <a:t>.</a:t>
+            </a:r>
+          </a:p>
+          <a:p>
+            <a:endParaRPr lang="en-US" altLang="ko-KR" dirty="0"/>
           </a:p>
         </p:txBody>
       </p:sp>
@@ -2181,68 +2542,103 @@
           </a:p>
           <a:p>
             <a:r>
+              <a:rPr lang="en-US" altLang="ko-KR" dirty="0" err="1"/>
+              <a:t>Paypal</a:t>
+            </a:r>
+            <a:r>
+              <a:rPr lang="ko-KR" altLang="en-US" dirty="0"/>
+              <a:t>이 서버를 </a:t>
+            </a:r>
+            <a:r>
+              <a:rPr lang="en-US" altLang="ko-KR" dirty="0"/>
+              <a:t>Java</a:t>
+            </a:r>
+            <a:r>
+              <a:rPr lang="ko-KR" altLang="en-US" dirty="0"/>
+              <a:t>에서 </a:t>
+            </a:r>
+            <a:r>
+              <a:rPr lang="en-US" altLang="ko-KR" dirty="0"/>
+              <a:t>Node.js</a:t>
+            </a:r>
+            <a:r>
+              <a:rPr lang="ko-KR" altLang="en-US" dirty="0"/>
+              <a:t>로 바꿨다는 기사인데요</a:t>
+            </a:r>
+            <a:r>
+              <a:rPr lang="en-US" altLang="ko-KR" dirty="0"/>
+              <a:t>.</a:t>
+            </a:r>
+          </a:p>
+          <a:p>
+            <a:endParaRPr lang="en-US" altLang="ko-KR" dirty="0"/>
+          </a:p>
+          <a:p>
+            <a:r>
               <a:rPr lang="en-US" altLang="ko-KR" dirty="0"/>
               <a:t>33% </a:t>
             </a:r>
             <a:r>
               <a:rPr lang="ko-KR" altLang="en-US" dirty="0"/>
-              <a:t>라인수가 줄었으며</a:t>
-            </a:r>
+              <a:t>라인수가 줄었고</a:t>
+            </a:r>
+            <a:r>
+              <a:rPr lang="en-US" altLang="ko-KR" dirty="0"/>
+              <a:t>,</a:t>
+            </a:r>
+          </a:p>
+          <a:p>
+            <a:r>
+              <a:rPr lang="en-US" altLang="ko-KR" dirty="0"/>
+              <a:t>60% </a:t>
+            </a:r>
+            <a:r>
+              <a:rPr lang="ko-KR" altLang="en-US" dirty="0"/>
+              <a:t>파일 개수가 줄었고</a:t>
+            </a:r>
+            <a:r>
+              <a:rPr lang="en-US" altLang="ko-KR" dirty="0"/>
+              <a:t>,</a:t>
+            </a:r>
+          </a:p>
+          <a:p>
+            <a:r>
+              <a:rPr lang="ko-KR" altLang="en-US" dirty="0"/>
+              <a:t>유지보수가 편해졌고</a:t>
+            </a:r>
+            <a:r>
+              <a:rPr lang="en-US" altLang="ko-KR" dirty="0"/>
+              <a:t>,</a:t>
+            </a:r>
+          </a:p>
+          <a:p>
             <a:endParaRPr lang="en-US" altLang="ko-KR" dirty="0"/>
           </a:p>
           <a:p>
             <a:r>
-              <a:rPr lang="en-US" altLang="ko-KR" dirty="0"/>
-              <a:t>40% </a:t>
-            </a:r>
-            <a:r>
-              <a:rPr lang="ko-KR" altLang="en-US" dirty="0"/>
-              <a:t>파일 개수로 </a:t>
-            </a:r>
-            <a:r>
-              <a:rPr lang="ko-KR" altLang="en-US" dirty="0" err="1"/>
-              <a:t>만들어졌음</a:t>
-            </a:r>
+              <a:rPr lang="ko-KR" altLang="en-US" dirty="0"/>
+              <a:t>좋은 말들이 잔뜩 있죠</a:t>
+            </a:r>
+            <a:r>
+              <a:rPr lang="en-US" altLang="ko-KR" dirty="0"/>
+              <a:t>. </a:t>
+            </a:r>
+            <a:r>
+              <a:rPr lang="ko-KR" altLang="en-US" dirty="0"/>
+              <a:t>그런데 이 기사에서 이해 안가는 부분이 하나 있습니다</a:t>
+            </a:r>
+            <a:r>
+              <a:rPr lang="en-US" altLang="ko-KR" dirty="0"/>
+              <a:t>.</a:t>
+            </a:r>
+          </a:p>
+          <a:p>
             <a:endParaRPr lang="en-US" altLang="ko-KR" dirty="0"/>
           </a:p>
           <a:p>
-            <a:endParaRPr lang="en-US" altLang="ko-KR" dirty="0"/>
-          </a:p>
-          <a:p>
-            <a:r>
-              <a:rPr lang="ko-KR" altLang="en-US" dirty="0"/>
-              <a:t>유지보수가 </a:t>
-            </a:r>
-            <a:r>
-              <a:rPr lang="ko-KR" altLang="en-US" dirty="0" err="1"/>
-              <a:t>편해졌음</a:t>
-            </a:r>
-            <a:endParaRPr lang="en-US" altLang="ko-KR" dirty="0"/>
-          </a:p>
-          <a:p>
-            <a:endParaRPr lang="en-US" altLang="ko-KR" dirty="0"/>
-          </a:p>
-          <a:p>
-            <a:pPr marL="0" marR="0" lvl="0" indent="0" algn="l" defTabSz="685800" rtl="0" eaLnBrk="1" fontAlgn="auto" latinLnBrk="1" hangingPunct="1">
-              <a:lnSpc>
-                <a:spcPct val="100000"/>
-              </a:lnSpc>
-              <a:spcBef>
-                <a:spcPts val="0"/>
-              </a:spcBef>
-              <a:spcAft>
-                <a:spcPts val="0"/>
-              </a:spcAft>
-              <a:buClrTx/>
-              <a:buSzTx/>
-              <a:buFontTx/>
-              <a:buNone/>
-              <a:tabLst/>
-              <a:defRPr/>
-            </a:pPr>
-            <a:r>
-              <a:rPr lang="ko-KR" altLang="en-US" dirty="0"/>
-              <a:t>속도는 </a:t>
+            <a:r>
+              <a:rPr lang="ko-KR" altLang="en-US" dirty="0"/>
+              <a:t>바로 응답시간이 </a:t>
             </a:r>
             <a:r>
               <a:rPr lang="en-US" altLang="ko-KR" dirty="0"/>
@@ -2250,21 +2646,12 @@
             </a:r>
             <a:r>
               <a:rPr lang="ko-KR" altLang="en-US" dirty="0"/>
-              <a:t>배 빨라졌고</a:t>
-            </a:r>
-            <a:endParaRPr lang="en-US" altLang="ko-KR" dirty="0"/>
-          </a:p>
-          <a:p>
-            <a:endParaRPr lang="en-US" altLang="ko-KR" dirty="0"/>
-          </a:p>
-          <a:p>
-            <a:endParaRPr lang="en-US" altLang="ko-KR" dirty="0"/>
-          </a:p>
-          <a:p>
-            <a:endParaRPr lang="ko-KR" altLang="en-US" dirty="0"/>
-          </a:p>
-          <a:p>
-            <a:endParaRPr lang="en-US" altLang="ko-KR" dirty="0"/>
+              <a:t>배 빨라졌다는 거죠</a:t>
+            </a:r>
+            <a:r>
+              <a:rPr lang="en-US" altLang="ko-KR" dirty="0"/>
+              <a:t>.</a:t>
+            </a:r>
           </a:p>
         </p:txBody>
       </p:sp>
@@ -2348,6 +2735,54 @@
           <a:bodyPr/>
           <a:lstStyle/>
           <a:p>
+            <a:r>
+              <a:rPr lang="ko-KR" altLang="en-US" dirty="0"/>
+              <a:t>지금부터는 </a:t>
+            </a:r>
+            <a:r>
+              <a:rPr lang="en-US" altLang="ko-KR" dirty="0"/>
+              <a:t>Servlet </a:t>
+            </a:r>
+            <a:r>
+              <a:rPr lang="ko-KR" altLang="en-US" dirty="0"/>
+              <a:t>기반의 </a:t>
+            </a:r>
+            <a:r>
+              <a:rPr lang="en-US" altLang="ko-KR" dirty="0"/>
+              <a:t>Spring MVC </a:t>
+            </a:r>
+            <a:r>
+              <a:rPr lang="ko-KR" altLang="en-US" dirty="0"/>
+              <a:t>와 </a:t>
+            </a:r>
+            <a:r>
+              <a:rPr lang="en-US" altLang="ko-KR" dirty="0"/>
+              <a:t>Reactive </a:t>
+            </a:r>
+            <a:r>
+              <a:rPr lang="ko-KR" altLang="en-US" dirty="0"/>
+              <a:t>기반의 </a:t>
+            </a:r>
+            <a:r>
+              <a:rPr lang="en-US" altLang="ko-KR" dirty="0"/>
+              <a:t>Spring </a:t>
+            </a:r>
+            <a:r>
+              <a:rPr lang="en-US" altLang="ko-KR" dirty="0" err="1"/>
+              <a:t>Webflux</a:t>
+            </a:r>
+            <a:r>
+              <a:rPr lang="en-US" altLang="ko-KR" dirty="0"/>
+              <a:t> </a:t>
+            </a:r>
+            <a:r>
+              <a:rPr lang="ko-KR" altLang="en-US" dirty="0"/>
+              <a:t>를 비교해 말씀드리겠습니다</a:t>
+            </a:r>
+            <a:r>
+              <a:rPr lang="en-US" altLang="ko-KR" dirty="0"/>
+              <a:t>.</a:t>
+            </a:r>
             <a:endParaRPr lang="ko-KR" altLang="en-US" dirty="0"/>
           </a:p>
         </p:txBody>
@@ -2562,16 +2997,12 @@
               <a:t>Netty</a:t>
             </a:r>
             <a:r>
-              <a:rPr lang="ko-KR" altLang="en-US" dirty="0"/>
-              <a:t>라는</a:t>
-            </a:r>
-            <a:r>
-              <a:rPr lang="en-US" altLang="ko-KR" dirty="0"/>
-              <a:t>,</a:t>
-            </a:r>
-            <a:r>
-              <a:rPr lang="ko-KR" altLang="en-US" dirty="0"/>
-              <a:t> 기반이 되는 서버에서 자동으로 결정</a:t>
+              <a:rPr lang="en-US" altLang="ko-KR" dirty="0"/>
+              <a:t> </a:t>
+            </a:r>
+            <a:r>
+              <a:rPr lang="ko-KR" altLang="en-US" dirty="0"/>
+              <a:t>에서 자동 결정</a:t>
             </a:r>
             <a:r>
               <a:rPr lang="en-US" altLang="ko-KR" dirty="0"/>
@@ -2762,7 +3193,37 @@
             </a:r>
             <a:r>
               <a:rPr lang="ko-KR" altLang="en-US" dirty="0"/>
-              <a:t>에서 </a:t>
+              <a:t>에서</a:t>
+            </a:r>
+            <a:r>
+              <a:rPr lang="en-US" altLang="ko-KR" dirty="0"/>
+              <a:t>, thread </a:t>
+            </a:r>
+            <a:r>
+              <a:rPr lang="ko-KR" altLang="en-US" dirty="0"/>
+              <a:t>에 </a:t>
+            </a:r>
+            <a:r>
+              <a:rPr lang="en-US" altLang="ko-KR" dirty="0"/>
+              <a:t>I/O blocking </a:t>
+            </a:r>
+            <a:r>
+              <a:rPr lang="ko-KR" altLang="en-US" dirty="0"/>
+              <a:t>이 일어나면</a:t>
+            </a:r>
+            <a:endParaRPr lang="en-US" altLang="ko-KR" dirty="0"/>
+          </a:p>
+          <a:p>
+            <a:endParaRPr lang="en-US" altLang="ko-KR" dirty="0"/>
+          </a:p>
+          <a:p>
+            <a:r>
+              <a:rPr lang="en-US" altLang="ko-KR" dirty="0"/>
+              <a:t>kernel </a:t>
+            </a:r>
+            <a:r>
+              <a:rPr lang="ko-KR" altLang="en-US" dirty="0"/>
+              <a:t>은 해당 </a:t>
             </a:r>
             <a:r>
               <a:rPr lang="en-US" altLang="ko-KR" dirty="0"/>
@@ -2770,90 +3231,56 @@
             </a:r>
             <a:r>
               <a:rPr lang="ko-KR" altLang="en-US" dirty="0"/>
-              <a:t>에 </a:t>
-            </a:r>
-            <a:r>
-              <a:rPr lang="en-US" altLang="ko-KR" dirty="0"/>
-              <a:t>I/O blocking </a:t>
-            </a:r>
-            <a:r>
-              <a:rPr lang="ko-KR" altLang="en-US" dirty="0"/>
-              <a:t>이 일어나면</a:t>
-            </a:r>
+              <a:t>를 </a:t>
+            </a:r>
+            <a:r>
+              <a:rPr lang="en-US" altLang="ko-KR" dirty="0"/>
+              <a:t>wait </a:t>
+            </a:r>
+            <a:r>
+              <a:rPr lang="ko-KR" altLang="en-US" dirty="0"/>
+              <a:t>상태로 마킹하고 실행을 중지시킵니다</a:t>
+            </a:r>
+            <a:r>
+              <a:rPr lang="en-US" altLang="ko-KR" dirty="0"/>
+              <a:t>. </a:t>
+            </a:r>
+            <a:r>
+              <a:rPr lang="ko-KR" altLang="en-US" dirty="0"/>
+              <a:t>그리고 </a:t>
+            </a:r>
+            <a:r>
+              <a:rPr lang="en-US" altLang="ko-KR" dirty="0"/>
+              <a:t>ready </a:t>
+            </a:r>
+            <a:r>
+              <a:rPr lang="ko-KR" altLang="en-US" dirty="0"/>
+              <a:t>상태인 다른 </a:t>
+            </a:r>
+            <a:r>
+              <a:rPr lang="en-US" altLang="ko-KR" dirty="0"/>
+              <a:t>thread </a:t>
+            </a:r>
+            <a:r>
+              <a:rPr lang="ko-KR" altLang="en-US" dirty="0"/>
+              <a:t>를 실행시킵니다</a:t>
+            </a:r>
+            <a:r>
+              <a:rPr lang="en-US" altLang="ko-KR" dirty="0"/>
+              <a:t>.</a:t>
+            </a:r>
+          </a:p>
+          <a:p>
             <a:endParaRPr lang="en-US" altLang="ko-KR" dirty="0"/>
           </a:p>
           <a:p>
-            <a:endParaRPr lang="en-US" altLang="ko-KR" dirty="0"/>
-          </a:p>
-          <a:p>
-            <a:r>
-              <a:rPr lang="en-US" altLang="ko-KR" dirty="0"/>
-              <a:t>kernel </a:t>
-            </a:r>
-            <a:r>
-              <a:rPr lang="ko-KR" altLang="en-US" dirty="0"/>
-              <a:t>은 해당 </a:t>
-            </a:r>
-            <a:r>
-              <a:rPr lang="en-US" altLang="ko-KR" dirty="0"/>
-              <a:t>thread </a:t>
-            </a:r>
-            <a:r>
-              <a:rPr lang="ko-KR" altLang="en-US" dirty="0"/>
-              <a:t>를 </a:t>
-            </a:r>
-            <a:r>
-              <a:rPr lang="en-US" altLang="ko-KR" dirty="0"/>
-              <a:t>wait </a:t>
-            </a:r>
-            <a:r>
-              <a:rPr lang="ko-KR" altLang="en-US" dirty="0"/>
-              <a:t>상태로 마킹하고 실행을 중지시킵니다</a:t>
-            </a:r>
-            <a:r>
-              <a:rPr lang="en-US" altLang="ko-KR" dirty="0"/>
-              <a:t>. </a:t>
-            </a:r>
-            <a:r>
-              <a:rPr lang="ko-KR" altLang="en-US" dirty="0"/>
-              <a:t>그리고 </a:t>
-            </a:r>
-            <a:r>
-              <a:rPr lang="en-US" altLang="ko-KR" dirty="0"/>
-              <a:t>ready </a:t>
-            </a:r>
-            <a:r>
-              <a:rPr lang="ko-KR" altLang="en-US" dirty="0"/>
-              <a:t>상태인 다른 </a:t>
-            </a:r>
-            <a:r>
-              <a:rPr lang="en-US" altLang="ko-KR" dirty="0"/>
-              <a:t>thread </a:t>
-            </a:r>
-            <a:r>
-              <a:rPr lang="ko-KR" altLang="en-US" dirty="0"/>
-              <a:t>를 실행시킵니다</a:t>
-            </a:r>
-            <a:r>
-              <a:rPr lang="en-US" altLang="ko-KR" dirty="0"/>
-              <a:t>.</a:t>
-            </a:r>
-          </a:p>
-          <a:p>
-            <a:endParaRPr lang="en-US" altLang="ko-KR" dirty="0"/>
-          </a:p>
-          <a:p>
-            <a:r>
-              <a:rPr lang="ko-KR" altLang="en-US" dirty="0"/>
-              <a:t>이 </a:t>
-            </a:r>
-            <a:r>
-              <a:rPr lang="en-US" altLang="ko-KR" dirty="0"/>
-              <a:t>thread </a:t>
-            </a:r>
-            <a:r>
-              <a:rPr lang="ko-KR" altLang="en-US" dirty="0"/>
-              <a:t>는 </a:t>
+            <a:r>
+              <a:rPr lang="en-US" altLang="ko-KR" dirty="0"/>
+              <a:t>thread #1 </a:t>
+            </a:r>
+            <a:r>
+              <a:rPr lang="ko-KR" altLang="en-US" dirty="0"/>
+              <a:t>은 </a:t>
             </a:r>
             <a:r>
               <a:rPr lang="en-US" altLang="ko-KR" dirty="0"/>
@@ -2882,27 +3309,6 @@
             <a:r>
               <a:rPr lang="ko-KR" altLang="en-US" dirty="0"/>
               <a:t> 가 노는 타이밍에 적절하게 끼어들어 다시 실행이 재개됩니다</a:t>
-            </a:r>
-            <a:r>
-              <a:rPr lang="en-US" altLang="ko-KR" dirty="0"/>
-              <a:t>.</a:t>
-            </a:r>
-          </a:p>
-          <a:p>
-            <a:endParaRPr lang="en-US" altLang="ko-KR" dirty="0"/>
-          </a:p>
-          <a:p>
-            <a:r>
-              <a:rPr lang="ko-KR" altLang="en-US" dirty="0"/>
-              <a:t>이런 과정을 </a:t>
-            </a:r>
-            <a:r>
-              <a:rPr lang="en-US" altLang="ko-KR" dirty="0"/>
-              <a:t>thread context switching </a:t>
-            </a:r>
-            <a:r>
-              <a:rPr lang="ko-KR" altLang="en-US" dirty="0"/>
-              <a:t>이라고 부릅니다</a:t>
             </a:r>
             <a:r>
               <a:rPr lang="en-US" altLang="ko-KR" dirty="0"/>
@@ -3012,12 +3418,16 @@
           <a:lstStyle/>
           <a:p>
             <a:r>
-              <a:rPr lang="en-US" altLang="ko-KR" dirty="0"/>
-              <a:t>Thread context switching </a:t>
-            </a:r>
-            <a:r>
-              <a:rPr lang="ko-KR" altLang="en-US" dirty="0"/>
-              <a:t>메커니즘을 조금 더 자세히 살펴보겠습니다</a:t>
+              <a:rPr lang="ko-KR" altLang="en-US" dirty="0"/>
+              <a:t>지금까지 기술은 </a:t>
+            </a:r>
+            <a:r>
+              <a:rPr lang="en-US" altLang="ko-KR" dirty="0"/>
+              <a:t>core </a:t>
+            </a:r>
+            <a:r>
+              <a:rPr lang="ko-KR" altLang="en-US" dirty="0"/>
+              <a:t>가 놀지 않도록 발전해 왔습니다</a:t>
             </a:r>
             <a:r>
               <a:rPr lang="en-US" altLang="ko-KR" dirty="0"/>
@@ -3030,28 +3440,62 @@
           <a:p>
             <a:r>
               <a:rPr lang="ko-KR" altLang="en-US" dirty="0"/>
-              <a:t>지금까지 기술은 </a:t>
-            </a:r>
-            <a:r>
-              <a:rPr lang="en-US" altLang="ko-KR" dirty="0"/>
-              <a:t>core </a:t>
-            </a:r>
-            <a:r>
-              <a:rPr lang="ko-KR" altLang="en-US" dirty="0"/>
-              <a:t>가 비효율적으로 놀지 않도록 발전해 왔습니다</a:t>
-            </a:r>
-            <a:r>
-              <a:rPr lang="en-US" altLang="ko-KR" dirty="0"/>
-              <a:t>.</a:t>
-            </a:r>
-          </a:p>
-          <a:p>
+              <a:t>초창기에는 한 번에 프로그램 하나만 실행될 수 있어서</a:t>
+            </a:r>
+            <a:r>
+              <a:rPr lang="en-US" altLang="ko-KR" dirty="0"/>
+              <a:t>, </a:t>
+            </a:r>
+            <a:r>
+              <a:rPr lang="ko-KR" altLang="en-US" dirty="0"/>
+              <a:t>프로그램이 </a:t>
+            </a:r>
+            <a:r>
+              <a:rPr lang="en-US" altLang="ko-KR" dirty="0"/>
+              <a:t>I/O</a:t>
+            </a:r>
+            <a:r>
+              <a:rPr lang="ko-KR" altLang="en-US" dirty="0"/>
+              <a:t> </a:t>
+            </a:r>
+            <a:r>
+              <a:rPr lang="en-US" altLang="ko-KR" dirty="0"/>
+              <a:t>blocking</a:t>
+            </a:r>
+            <a:r>
+              <a:rPr lang="ko-KR" altLang="en-US" dirty="0"/>
+              <a:t> 되는 동안 </a:t>
+            </a:r>
+            <a:r>
+              <a:rPr lang="en-US" altLang="ko-KR" dirty="0"/>
+              <a:t>CPU</a:t>
+            </a:r>
+            <a:r>
+              <a:rPr lang="ko-KR" altLang="en-US" dirty="0"/>
+              <a:t>를 놀려야만 </a:t>
+            </a:r>
+            <a:r>
+              <a:rPr lang="ko-KR" altLang="en-US" dirty="0" err="1"/>
+              <a:t>했었는데</a:t>
+            </a:r>
             <a:endParaRPr lang="en-US" altLang="ko-KR" dirty="0"/>
           </a:p>
           <a:p>
             <a:r>
-              <a:rPr lang="ko-KR" altLang="en-US" dirty="0"/>
-              <a:t>초창기 </a:t>
+              <a:rPr lang="en-US" altLang="ko-KR" dirty="0"/>
+              <a:t>windows </a:t>
+            </a:r>
+            <a:r>
+              <a:rPr lang="ko-KR" altLang="en-US" dirty="0"/>
+              <a:t>같은 </a:t>
+            </a:r>
+            <a:r>
+              <a:rPr lang="ko-KR" altLang="en-US" dirty="0" err="1"/>
+              <a:t>멀티테스킹</a:t>
+            </a:r>
+            <a:r>
+              <a:rPr lang="ko-KR" altLang="en-US" dirty="0"/>
+              <a:t> </a:t>
             </a:r>
             <a:r>
               <a:rPr lang="en-US" altLang="ko-KR" dirty="0" err="1"/>
@@ -3063,78 +3507,60 @@
             </a:r>
             <a:r>
               <a:rPr lang="ko-KR" altLang="en-US" dirty="0"/>
-              <a:t>는 한 번에 프로그램 하나만 실행시킬 수 있어서</a:t>
+              <a:t>가 나오면서</a:t>
             </a:r>
             <a:r>
               <a:rPr lang="en-US" altLang="ko-KR" dirty="0"/>
               <a:t>, </a:t>
             </a:r>
             <a:r>
-              <a:rPr lang="ko-KR" altLang="en-US" dirty="0"/>
-              <a:t>프로그램이 노는 동안 </a:t>
-            </a:r>
-            <a:r>
-              <a:rPr lang="en-US" altLang="ko-KR" dirty="0"/>
-              <a:t>CPU</a:t>
-            </a:r>
-            <a:r>
-              <a:rPr lang="ko-KR" altLang="en-US" dirty="0"/>
-              <a:t>를 놀려야만 </a:t>
-            </a:r>
-            <a:r>
-              <a:rPr lang="ko-KR" altLang="en-US" dirty="0" err="1"/>
-              <a:t>했었는데</a:t>
-            </a:r>
+              <a:rPr lang="en-US" altLang="ko-KR" dirty="0" err="1"/>
+              <a:t>cpu</a:t>
+            </a:r>
+            <a:r>
+              <a:rPr lang="en-US" altLang="ko-KR" dirty="0"/>
+              <a:t> </a:t>
+            </a:r>
+            <a:r>
+              <a:rPr lang="ko-KR" altLang="en-US" dirty="0"/>
+              <a:t>연산시간에 여러가지 프로그램들을 가득 채워 실행시킬 수 있도록 바뀌어 왔습니다</a:t>
+            </a:r>
+            <a:r>
+              <a:rPr lang="en-US" altLang="ko-KR" dirty="0"/>
+              <a:t>.</a:t>
+            </a:r>
+          </a:p>
+          <a:p>
             <a:endParaRPr lang="en-US" altLang="ko-KR" dirty="0"/>
           </a:p>
           <a:p>
-            <a:r>
-              <a:rPr lang="ko-KR" altLang="en-US" dirty="0"/>
-              <a:t>그게 </a:t>
-            </a:r>
-            <a:r>
-              <a:rPr lang="en-US" altLang="ko-KR" dirty="0"/>
-              <a:t>windows </a:t>
-            </a:r>
-            <a:r>
-              <a:rPr lang="ko-KR" altLang="en-US" dirty="0"/>
-              <a:t>같은 </a:t>
-            </a:r>
-            <a:r>
-              <a:rPr lang="ko-KR" altLang="en-US" dirty="0" err="1"/>
-              <a:t>멀티테스킹</a:t>
-            </a:r>
-            <a:r>
-              <a:rPr lang="ko-KR" altLang="en-US" dirty="0"/>
-              <a:t> </a:t>
-            </a:r>
             <a:r>
               <a:rPr lang="en-US" altLang="ko-KR" dirty="0" err="1"/>
               <a:t>os</a:t>
             </a:r>
             <a:r>
               <a:rPr lang="en-US" altLang="ko-KR" dirty="0"/>
-              <a:t> </a:t>
-            </a:r>
-            <a:r>
-              <a:rPr lang="ko-KR" altLang="en-US" dirty="0"/>
-              <a:t>가 나오면서</a:t>
-            </a:r>
-            <a:r>
-              <a:rPr lang="en-US" altLang="ko-KR" dirty="0"/>
-              <a:t>, </a:t>
-            </a:r>
-            <a:r>
-              <a:rPr lang="en-US" altLang="ko-KR" dirty="0" err="1"/>
-              <a:t>cpu</a:t>
-            </a:r>
-            <a:r>
-              <a:rPr lang="en-US" altLang="ko-KR" dirty="0"/>
-              <a:t> </a:t>
-            </a:r>
-            <a:r>
-              <a:rPr lang="ko-KR" altLang="en-US" dirty="0"/>
-              <a:t>연산시간에 여러가지 프로그램을 가득 채워 실행시킬 수 있도록 바뀌었습니다</a:t>
+              <a:t> kernel </a:t>
+            </a:r>
+            <a:r>
+              <a:rPr lang="ko-KR" altLang="en-US" dirty="0"/>
+              <a:t>은 </a:t>
+            </a:r>
+            <a:r>
+              <a:rPr lang="en-US" altLang="ko-KR" dirty="0"/>
+              <a:t>core </a:t>
+            </a:r>
+            <a:r>
+              <a:rPr lang="ko-KR" altLang="en-US" dirty="0"/>
+              <a:t>의 실행시간을 </a:t>
+            </a:r>
+            <a:r>
+              <a:rPr lang="en-US" altLang="ko-KR" dirty="0"/>
+              <a:t>time slice </a:t>
+            </a:r>
+            <a:r>
+              <a:rPr lang="ko-KR" altLang="en-US" dirty="0"/>
+              <a:t>로 잘게 쪼개고요</a:t>
             </a:r>
             <a:r>
               <a:rPr lang="en-US" altLang="ko-KR" dirty="0"/>
@@ -3168,7 +3594,7 @@
             </a:r>
             <a:r>
               <a:rPr lang="ko-KR" altLang="en-US" dirty="0"/>
-              <a:t>는 잘게 쪼갠 </a:t>
+              <a:t>는 이 </a:t>
             </a:r>
             <a:r>
               <a:rPr lang="en-US" altLang="ko-KR" dirty="0"/>
@@ -3176,7 +3602,7 @@
             </a:r>
             <a:r>
               <a:rPr lang="ko-KR" altLang="en-US" dirty="0"/>
-              <a:t>에서 </a:t>
+              <a:t>에서 정해진 시간동안 </a:t>
             </a:r>
             <a:r>
               <a:rPr lang="en-US" altLang="ko-KR" dirty="0"/>
@@ -3193,156 +3619,6 @@
             <a:r>
               <a:rPr lang="ko-KR" altLang="en-US" dirty="0"/>
               <a:t> 하나씩 실행시킵니다</a:t>
-            </a:r>
-            <a:r>
-              <a:rPr lang="en-US" altLang="ko-KR" dirty="0"/>
-              <a:t>.</a:t>
-            </a:r>
-          </a:p>
-          <a:p>
-            <a:pPr marL="0" marR="0" lvl="0" indent="0" algn="l" defTabSz="685800" rtl="0" eaLnBrk="1" fontAlgn="auto" latinLnBrk="1" hangingPunct="1">
-              <a:lnSpc>
-                <a:spcPct val="100000"/>
-              </a:lnSpc>
-              <a:spcBef>
-                <a:spcPts val="0"/>
-              </a:spcBef>
-              <a:spcAft>
-                <a:spcPts val="0"/>
-              </a:spcAft>
-              <a:buClrTx/>
-              <a:buSzTx/>
-              <a:buFontTx/>
-              <a:buNone/>
-              <a:tabLst/>
-              <a:defRPr/>
-            </a:pPr>
-            <a:endParaRPr lang="en-US" altLang="ko-KR" dirty="0"/>
-          </a:p>
-          <a:p>
-            <a:pPr marL="0" marR="0" lvl="0" indent="0" algn="l" defTabSz="685800" rtl="0" eaLnBrk="1" fontAlgn="auto" latinLnBrk="1" hangingPunct="1">
-              <a:lnSpc>
-                <a:spcPct val="100000"/>
-              </a:lnSpc>
-              <a:spcBef>
-                <a:spcPts val="0"/>
-              </a:spcBef>
-              <a:spcAft>
-                <a:spcPts val="0"/>
-              </a:spcAft>
-              <a:buClrTx/>
-              <a:buSzTx/>
-              <a:buFontTx/>
-              <a:buNone/>
-              <a:tabLst/>
-              <a:defRPr/>
-            </a:pPr>
-            <a:r>
-              <a:rPr lang="en-US" altLang="ko-KR" dirty="0"/>
-              <a:t>I/O</a:t>
-            </a:r>
-            <a:r>
-              <a:rPr lang="ko-KR" altLang="en-US" dirty="0"/>
-              <a:t> </a:t>
-            </a:r>
-            <a:r>
-              <a:rPr lang="en-US" altLang="ko-KR" dirty="0"/>
-              <a:t>wait</a:t>
-            </a:r>
-            <a:r>
-              <a:rPr lang="ko-KR" altLang="en-US" dirty="0"/>
-              <a:t> 등으로 </a:t>
-            </a:r>
-            <a:r>
-              <a:rPr lang="en-US" altLang="ko-KR" dirty="0"/>
-              <a:t>interrupt </a:t>
-            </a:r>
-            <a:r>
-              <a:rPr lang="ko-KR" altLang="en-US" dirty="0"/>
-              <a:t>가 걸리면</a:t>
-            </a:r>
-            <a:r>
-              <a:rPr lang="en-US" altLang="ko-KR" dirty="0"/>
-              <a:t>, core </a:t>
-            </a:r>
-            <a:r>
-              <a:rPr lang="ko-KR" altLang="en-US" dirty="0"/>
-              <a:t>는 남는 시간에 다른 </a:t>
-            </a:r>
-            <a:r>
-              <a:rPr lang="en-US" altLang="ko-KR" dirty="0"/>
-              <a:t>thread </a:t>
-            </a:r>
-            <a:r>
-              <a:rPr lang="ko-KR" altLang="en-US" dirty="0"/>
-              <a:t>를 가득 채워 실행시켜 </a:t>
-            </a:r>
-            <a:r>
-              <a:rPr lang="en-US" altLang="ko-KR" dirty="0"/>
-              <a:t>H/W </a:t>
-            </a:r>
-            <a:r>
-              <a:rPr lang="ko-KR" altLang="en-US" dirty="0"/>
-              <a:t>자원을 놀리지 않습니다</a:t>
-            </a:r>
-            <a:r>
-              <a:rPr lang="en-US" altLang="ko-KR" dirty="0"/>
-              <a:t>.</a:t>
-            </a:r>
-          </a:p>
-          <a:p>
-            <a:pPr marL="0" marR="0" lvl="0" indent="0" algn="l" defTabSz="685800" rtl="0" eaLnBrk="1" fontAlgn="auto" latinLnBrk="1" hangingPunct="1">
-              <a:lnSpc>
-                <a:spcPct val="100000"/>
-              </a:lnSpc>
-              <a:spcBef>
-                <a:spcPts val="0"/>
-              </a:spcBef>
-              <a:spcAft>
-                <a:spcPts val="0"/>
-              </a:spcAft>
-              <a:buClrTx/>
-              <a:buSzTx/>
-              <a:buFontTx/>
-              <a:buNone/>
-              <a:tabLst/>
-              <a:defRPr/>
-            </a:pPr>
-            <a:endParaRPr lang="en-US" altLang="ko-KR" dirty="0"/>
-          </a:p>
-          <a:p>
-            <a:pPr marL="0" marR="0" lvl="0" indent="0" algn="l" defTabSz="685800" rtl="0" eaLnBrk="1" fontAlgn="auto" latinLnBrk="1" hangingPunct="1">
-              <a:lnSpc>
-                <a:spcPct val="100000"/>
-              </a:lnSpc>
-              <a:spcBef>
-                <a:spcPts val="0"/>
-              </a:spcBef>
-              <a:spcAft>
-                <a:spcPts val="0"/>
-              </a:spcAft>
-              <a:buClrTx/>
-              <a:buSzTx/>
-              <a:buFontTx/>
-              <a:buNone/>
-              <a:tabLst/>
-              <a:defRPr/>
-            </a:pPr>
-            <a:r>
-              <a:rPr lang="ko-KR" altLang="en-US" dirty="0"/>
-              <a:t>그리고 이런 제어는 </a:t>
-            </a:r>
-            <a:r>
-              <a:rPr lang="en-US" altLang="ko-KR" dirty="0" err="1"/>
-              <a:t>os</a:t>
-            </a:r>
-            <a:r>
-              <a:rPr lang="en-US" altLang="ko-KR" dirty="0"/>
-              <a:t> kernel </a:t>
-            </a:r>
-            <a:r>
-              <a:rPr lang="ko-KR" altLang="en-US" dirty="0"/>
-              <a:t>이 관리합니다</a:t>
             </a:r>
             <a:r>
               <a:rPr lang="en-US" altLang="ko-KR" dirty="0"/>
@@ -3432,8 +3708,28 @@
           <a:lstStyle/>
           <a:p>
             <a:r>
-              <a:rPr lang="en-US" altLang="ko-KR" dirty="0"/>
-              <a:t>context</a:t>
+              <a:rPr lang="ko-KR" altLang="en-US" dirty="0"/>
+              <a:t>이렇게 </a:t>
+            </a:r>
+            <a:r>
+              <a:rPr lang="en-US" altLang="ko-KR" dirty="0"/>
+              <a:t>Thread</a:t>
+            </a:r>
+            <a:r>
+              <a:rPr lang="ko-KR" altLang="en-US" dirty="0"/>
+              <a:t>가 </a:t>
+            </a:r>
+            <a:r>
+              <a:rPr lang="ko-KR" altLang="en-US" dirty="0" err="1"/>
+              <a:t>번갈아가며</a:t>
+            </a:r>
+            <a:r>
+              <a:rPr lang="ko-KR" altLang="en-US" dirty="0"/>
+              <a:t> 실행될 때</a:t>
+            </a:r>
+            <a:r>
+              <a:rPr lang="en-US" altLang="ko-KR" dirty="0"/>
+              <a:t>, Thread context</a:t>
             </a:r>
             <a:r>
               <a:rPr lang="ko-KR" altLang="en-US" dirty="0"/>
@@ -3445,7 +3741,15 @@
             </a:r>
             <a:r>
               <a:rPr lang="ko-KR" altLang="en-US" dirty="0"/>
-              <a:t> 은 이렇게 진행됩니다</a:t>
+              <a:t> </a:t>
+            </a:r>
+            <a:r>
+              <a:rPr lang="ko-KR" altLang="en-US" dirty="0" err="1"/>
+              <a:t>이란게</a:t>
+            </a:r>
+            <a:r>
+              <a:rPr lang="ko-KR" altLang="en-US" dirty="0"/>
+              <a:t> 발생합니다</a:t>
             </a:r>
             <a:r>
               <a:rPr lang="en-US" altLang="ko-KR" dirty="0"/>
@@ -3467,7 +3771,7 @@
           <a:p>
             <a:r>
               <a:rPr lang="ko-KR" altLang="en-US" dirty="0"/>
-              <a:t>프로그램이 실행되는 </a:t>
+              <a:t>프로그램이 실행되는 영역은 </a:t>
             </a:r>
             <a:r>
               <a:rPr lang="en-US" altLang="ko-KR" dirty="0"/>
@@ -3475,18 +3779,108 @@
             </a:r>
             <a:r>
               <a:rPr lang="ko-KR" altLang="en-US" dirty="0"/>
+              <a:t>이고</a:t>
+            </a:r>
+            <a:endParaRPr lang="en-US" altLang="ko-KR" dirty="0"/>
+          </a:p>
+          <a:p>
+            <a:r>
+              <a:rPr lang="en-US" altLang="ko-KR" dirty="0"/>
+              <a:t>context switching </a:t>
+            </a:r>
+            <a:r>
+              <a:rPr lang="ko-KR" altLang="en-US" dirty="0"/>
+              <a:t>이 </a:t>
+            </a:r>
+            <a:r>
+              <a:rPr lang="ko-KR" altLang="en-US" dirty="0" err="1"/>
+              <a:t>빌생하는</a:t>
+            </a:r>
+            <a:r>
+              <a:rPr lang="ko-KR" altLang="en-US" dirty="0"/>
+              <a:t> 영역은 </a:t>
+            </a:r>
+            <a:r>
+              <a:rPr lang="en-US" altLang="ko-KR" dirty="0" err="1"/>
+              <a:t>os</a:t>
+            </a:r>
+            <a:r>
+              <a:rPr lang="en-US" altLang="ko-KR" dirty="0"/>
+              <a:t> </a:t>
+            </a:r>
+            <a:r>
+              <a:rPr lang="ko-KR" altLang="en-US" dirty="0"/>
+              <a:t>의 </a:t>
+            </a:r>
+            <a:r>
+              <a:rPr lang="en-US" altLang="ko-KR" dirty="0"/>
+              <a:t>kernel mode </a:t>
+            </a:r>
+            <a:r>
+              <a:rPr lang="ko-KR" altLang="en-US" dirty="0"/>
+              <a:t>이네요</a:t>
+            </a:r>
+            <a:r>
+              <a:rPr lang="en-US" altLang="ko-KR" dirty="0"/>
+              <a:t>.</a:t>
+            </a:r>
+          </a:p>
+          <a:p>
+            <a:endParaRPr lang="en-US" altLang="ko-KR" dirty="0"/>
+          </a:p>
+          <a:p>
+            <a:r>
+              <a:rPr lang="en-US" altLang="ko-KR" dirty="0"/>
+              <a:t>user mode </a:t>
+            </a:r>
+            <a:r>
+              <a:rPr lang="ko-KR" altLang="en-US" dirty="0"/>
               <a:t>관점에서</a:t>
             </a:r>
+            <a:r>
+              <a:rPr lang="en-US" altLang="ko-KR" dirty="0"/>
+              <a:t>, kernel mode </a:t>
+            </a:r>
+            <a:r>
+              <a:rPr lang="ko-KR" altLang="en-US" dirty="0"/>
+              <a:t>에서 발생하는 </a:t>
+            </a:r>
+            <a:r>
+              <a:rPr lang="en-US" altLang="ko-KR" dirty="0"/>
+              <a:t>context switching </a:t>
+            </a:r>
+            <a:r>
+              <a:rPr lang="ko-KR" altLang="en-US" dirty="0"/>
+              <a:t>시간은 아무 일도 하지 않는 </a:t>
+            </a:r>
+            <a:r>
+              <a:rPr lang="en-US" altLang="ko-KR" dirty="0"/>
+              <a:t>overhead, </a:t>
+            </a:r>
+            <a:r>
+              <a:rPr lang="ko-KR" altLang="en-US" dirty="0"/>
+              <a:t>즉 부하거든요</a:t>
+            </a:r>
+            <a:r>
+              <a:rPr lang="en-US" altLang="ko-KR" dirty="0"/>
+              <a:t>.</a:t>
+            </a:r>
+          </a:p>
+          <a:p>
             <a:endParaRPr lang="en-US" altLang="ko-KR" dirty="0"/>
           </a:p>
           <a:p>
             <a:r>
-              <a:rPr lang="en-US" altLang="ko-KR" dirty="0"/>
-              <a:t>kernel mode </a:t>
-            </a:r>
-            <a:r>
-              <a:rPr lang="ko-KR" altLang="en-US" dirty="0"/>
-              <a:t>에서 발생하는 </a:t>
+              <a:rPr lang="ko-KR" altLang="en-US" dirty="0"/>
+              <a:t>실행중인 </a:t>
+            </a:r>
+            <a:r>
+              <a:rPr lang="en-US" altLang="ko-KR" dirty="0"/>
+              <a:t>thread </a:t>
+            </a:r>
+            <a:r>
+              <a:rPr lang="ko-KR" altLang="en-US" dirty="0"/>
+              <a:t>가 적을 때는 이 </a:t>
             </a:r>
             <a:r>
               <a:rPr lang="en-US" altLang="ko-KR" dirty="0"/>
@@ -3494,15 +3888,7 @@
             </a:r>
             <a:r>
               <a:rPr lang="ko-KR" altLang="en-US" dirty="0"/>
-              <a:t>시간은 아무 일도 하지 않는 </a:t>
-            </a:r>
-            <a:r>
-              <a:rPr lang="en-US" altLang="ko-KR" dirty="0"/>
-              <a:t>overhead, </a:t>
-            </a:r>
-            <a:r>
-              <a:rPr lang="ko-KR" altLang="en-US" dirty="0"/>
-              <a:t>즉 부하거든요</a:t>
+              <a:t>비용이 큰 문제가 되지 않습니다</a:t>
             </a:r>
             <a:r>
               <a:rPr lang="en-US" altLang="ko-KR" dirty="0"/>
@@ -3515,7 +3901,7 @@
           <a:p>
             <a:r>
               <a:rPr lang="ko-KR" altLang="en-US" dirty="0"/>
-              <a:t>실행중인 </a:t>
+              <a:t>하지만 실행중인 </a:t>
             </a:r>
             <a:r>
               <a:rPr lang="en-US" altLang="ko-KR" dirty="0"/>
@@ -3523,36 +3909,7 @@
             </a:r>
             <a:r>
               <a:rPr lang="ko-KR" altLang="en-US" dirty="0"/>
-              <a:t>가 적을 때는 이 </a:t>
-            </a:r>
-            <a:r>
-              <a:rPr lang="en-US" altLang="ko-KR" dirty="0"/>
-              <a:t>context switching </a:t>
-            </a:r>
-            <a:r>
-              <a:rPr lang="ko-KR" altLang="en-US" dirty="0"/>
-              <a:t>비용이 큰 문제가 되지 않습니다</a:t>
-            </a:r>
-            <a:r>
-              <a:rPr lang="en-US" altLang="ko-KR" dirty="0"/>
-              <a:t>.</a:t>
-            </a:r>
-          </a:p>
-          <a:p>
-            <a:endParaRPr lang="en-US" altLang="ko-KR" dirty="0"/>
-          </a:p>
-          <a:p>
-            <a:r>
-              <a:rPr lang="ko-KR" altLang="en-US" dirty="0"/>
-              <a:t>하지만 실행중인 </a:t>
-            </a:r>
-            <a:r>
-              <a:rPr lang="en-US" altLang="ko-KR" dirty="0"/>
-              <a:t>thread </a:t>
-            </a:r>
-            <a:r>
-              <a:rPr lang="ko-KR" altLang="en-US" dirty="0"/>
-              <a:t>가 많아지면 이야기가 달라지는데요</a:t>
+              <a:t>가 많아지면 이야기가 달라집니다</a:t>
             </a:r>
             <a:r>
               <a:rPr lang="en-US" altLang="ko-KR" dirty="0"/>
@@ -3642,27 +3999,6 @@
           <a:lstStyle/>
           <a:p>
             <a:r>
-              <a:rPr lang="ko-KR" altLang="en-US" dirty="0"/>
-              <a:t>이 </a:t>
-            </a:r>
-            <a:r>
-              <a:rPr lang="en-US" altLang="ko-KR" dirty="0"/>
-              <a:t>time slice </a:t>
-            </a:r>
-            <a:r>
-              <a:rPr lang="ko-KR" altLang="en-US" dirty="0"/>
-              <a:t>는 가변적입니다</a:t>
-            </a:r>
-            <a:r>
-              <a:rPr lang="en-US" altLang="ko-KR" dirty="0"/>
-              <a:t>.</a:t>
-            </a:r>
-          </a:p>
-          <a:p>
-            <a:endParaRPr lang="en-US" altLang="ko-KR" dirty="0"/>
-          </a:p>
-          <a:p>
-            <a:r>
               <a:rPr lang="en-US" altLang="ko-KR" dirty="0"/>
               <a:t>kernel </a:t>
             </a:r>
@@ -3750,7 +4086,161 @@
           <a:p>
             <a:r>
               <a:rPr lang="ko-KR" altLang="en-US" dirty="0"/>
-              <a:t>따라서 실행중인 </a:t>
+              <a:t>즉</a:t>
+            </a:r>
+            <a:r>
+              <a:rPr lang="en-US" altLang="ko-KR" dirty="0"/>
+              <a:t>, time slice </a:t>
+            </a:r>
+            <a:r>
+              <a:rPr lang="ko-KR" altLang="en-US" dirty="0"/>
+              <a:t>는 </a:t>
+            </a:r>
+            <a:r>
+              <a:rPr lang="en-US" altLang="ko-KR" dirty="0" err="1"/>
+              <a:t>os</a:t>
+            </a:r>
+            <a:r>
+              <a:rPr lang="en-US" altLang="ko-KR" dirty="0"/>
+              <a:t> kernel </a:t>
+            </a:r>
+            <a:r>
+              <a:rPr lang="ko-KR" altLang="en-US" dirty="0"/>
+              <a:t>에 의해 가변적으로 변합니다</a:t>
+            </a:r>
+            <a:r>
+              <a:rPr lang="en-US" altLang="ko-KR" dirty="0"/>
+              <a:t>.</a:t>
+            </a:r>
+          </a:p>
+          <a:p>
+            <a:endParaRPr lang="en-US" altLang="ko-KR" dirty="0"/>
+          </a:p>
+          <a:p>
+            <a:r>
+              <a:rPr lang="ko-KR" altLang="en-US" dirty="0"/>
+              <a:t>위는 실행중인 쓰레드가 적을 때</a:t>
+            </a:r>
+            <a:r>
+              <a:rPr lang="en-US" altLang="ko-KR" dirty="0"/>
+              <a:t>, </a:t>
+            </a:r>
+            <a:r>
+              <a:rPr lang="ko-KR" altLang="en-US" dirty="0"/>
+              <a:t>아래는 실행중인 쓰레드가 많을 때의 </a:t>
+            </a:r>
+            <a:r>
+              <a:rPr lang="en-US" altLang="ko-KR" dirty="0"/>
+              <a:t>time slice </a:t>
+            </a:r>
+            <a:r>
+              <a:rPr lang="ko-KR" altLang="en-US" dirty="0"/>
+              <a:t>입니다</a:t>
+            </a:r>
+            <a:r>
+              <a:rPr lang="en-US" altLang="ko-KR" dirty="0"/>
+              <a:t>.</a:t>
+            </a:r>
+          </a:p>
+          <a:p>
+            <a:endParaRPr lang="en-US" altLang="ko-KR" dirty="0"/>
+          </a:p>
+          <a:p>
+            <a:r>
+              <a:rPr lang="ko-KR" altLang="en-US" dirty="0"/>
+              <a:t>하얀 색이 </a:t>
+            </a:r>
+            <a:r>
+              <a:rPr lang="en-US" altLang="ko-KR" dirty="0"/>
+              <a:t>time slice </a:t>
+            </a:r>
+            <a:r>
+              <a:rPr lang="ko-KR" altLang="en-US" dirty="0"/>
+              <a:t>이고</a:t>
+            </a:r>
+            <a:r>
+              <a:rPr lang="en-US" altLang="ko-KR" dirty="0"/>
+              <a:t>, </a:t>
+            </a:r>
+            <a:r>
+              <a:rPr lang="ko-KR" altLang="en-US" dirty="0"/>
+              <a:t>노란 색이</a:t>
+            </a:r>
+            <a:r>
+              <a:rPr lang="en-US" altLang="ko-KR" dirty="0"/>
+              <a:t> thread context switching </a:t>
+            </a:r>
+            <a:r>
+              <a:rPr lang="ko-KR" altLang="en-US" dirty="0"/>
+              <a:t>이라고 보시면 됩니다</a:t>
+            </a:r>
+            <a:r>
+              <a:rPr lang="en-US" altLang="ko-KR" dirty="0"/>
+              <a:t>.</a:t>
+            </a:r>
+          </a:p>
+          <a:p>
+            <a:endParaRPr lang="en-US" altLang="ko-KR" dirty="0"/>
+          </a:p>
+          <a:p>
+            <a:pPr marL="0" marR="0" lvl="0" indent="0" algn="l" defTabSz="685800" rtl="0" eaLnBrk="1" fontAlgn="auto" latinLnBrk="1" hangingPunct="1">
+              <a:lnSpc>
+                <a:spcPct val="100000"/>
+              </a:lnSpc>
+              <a:spcBef>
+                <a:spcPts val="0"/>
+              </a:spcBef>
+              <a:spcAft>
+                <a:spcPts val="0"/>
+              </a:spcAft>
+              <a:buClrTx/>
+              <a:buSzTx/>
+              <a:buFontTx/>
+              <a:buNone/>
+              <a:tabLst/>
+              <a:defRPr/>
+            </a:pPr>
+            <a:r>
+              <a:rPr lang="en-US" altLang="ko-KR" dirty="0"/>
+              <a:t>thread context switching </a:t>
+            </a:r>
+            <a:r>
+              <a:rPr lang="ko-KR" altLang="en-US" dirty="0"/>
+              <a:t>비용은 </a:t>
+            </a:r>
+            <a:r>
+              <a:rPr lang="en-US" altLang="ko-KR" dirty="0"/>
+              <a:t>20 us ~ 20 </a:t>
+            </a:r>
+            <a:r>
+              <a:rPr lang="en-US" altLang="ko-KR" dirty="0" err="1"/>
+              <a:t>ms</a:t>
+            </a:r>
+            <a:r>
+              <a:rPr lang="en-US" altLang="ko-KR" dirty="0"/>
+              <a:t> </a:t>
+            </a:r>
+            <a:r>
+              <a:rPr lang="ko-KR" altLang="en-US" dirty="0"/>
+              <a:t>로</a:t>
+            </a:r>
+            <a:r>
+              <a:rPr lang="en-US" altLang="ko-KR" dirty="0"/>
+              <a:t>, process context switching </a:t>
+            </a:r>
+            <a:r>
+              <a:rPr lang="ko-KR" altLang="en-US" dirty="0"/>
+              <a:t>비용에 비해 매우 작은 편이지만</a:t>
+            </a:r>
+            <a:endParaRPr lang="en-US" altLang="ko-KR" dirty="0"/>
+          </a:p>
+          <a:p>
+            <a:endParaRPr lang="en-US" altLang="ko-KR" dirty="0"/>
+          </a:p>
+          <a:p>
+            <a:r>
+              <a:rPr lang="ko-KR" altLang="en-US" dirty="0"/>
+              <a:t>실행중인 </a:t>
             </a:r>
             <a:r>
               <a:rPr lang="en-US" altLang="ko-KR" dirty="0"/>
@@ -3758,23 +4248,31 @@
             </a:r>
             <a:r>
               <a:rPr lang="ko-KR" altLang="en-US" dirty="0"/>
-              <a:t>가 많아질수록</a:t>
-            </a:r>
-            <a:r>
-              <a:rPr lang="en-US" altLang="ko-KR" dirty="0"/>
-              <a:t>, context switching </a:t>
-            </a:r>
-            <a:r>
-              <a:rPr lang="ko-KR" altLang="en-US" dirty="0"/>
-              <a:t>이 자주 일어나고</a:t>
-            </a:r>
-            <a:r>
-              <a:rPr lang="en-US" altLang="ko-KR" dirty="0"/>
-              <a:t>, </a:t>
-            </a:r>
-            <a:r>
-              <a:rPr lang="ko-KR" altLang="en-US" dirty="0"/>
-              <a:t>결과적으로 </a:t>
+              <a:t>가 많아지면</a:t>
+            </a:r>
+            <a:r>
+              <a:rPr lang="en-US" altLang="ko-KR" dirty="0"/>
+              <a:t>, time slice </a:t>
+            </a:r>
+            <a:r>
+              <a:rPr lang="ko-KR" altLang="en-US" dirty="0"/>
+              <a:t>가 작아져서 노란색 </a:t>
+            </a:r>
+            <a:r>
+              <a:rPr lang="en-US" altLang="ko-KR" dirty="0"/>
+              <a:t>context switching </a:t>
+            </a:r>
+            <a:r>
+              <a:rPr lang="ko-KR" altLang="en-US" dirty="0"/>
+              <a:t>이 자주 발생하겠죠</a:t>
+            </a:r>
+            <a:r>
+              <a:rPr lang="en-US" altLang="ko-KR" dirty="0"/>
+              <a:t>. </a:t>
+            </a:r>
+            <a:r>
+              <a:rPr lang="ko-KR" altLang="en-US" dirty="0"/>
+              <a:t>결과적으로 이 합이 많아지면 </a:t>
             </a:r>
             <a:r>
               <a:rPr lang="en-US" altLang="ko-KR" dirty="0" err="1"/>
@@ -3790,74 +4288,12 @@
             </a:r>
             <a:r>
               <a:rPr lang="ko-KR" altLang="en-US" dirty="0"/>
-              <a:t> 많아집니다</a:t>
+              <a:t> 무시할 수 없는 수준이 되어버립니다</a:t>
             </a:r>
             <a:r>
               <a:rPr lang="en-US" altLang="ko-KR" dirty="0"/>
               <a:t>.</a:t>
             </a:r>
-          </a:p>
-          <a:p>
-            <a:endParaRPr lang="en-US" altLang="ko-KR" dirty="0"/>
-          </a:p>
-          <a:p>
-            <a:r>
-              <a:rPr lang="ko-KR" altLang="en-US" dirty="0"/>
-              <a:t>여기에 더해 </a:t>
-            </a:r>
-            <a:r>
-              <a:rPr lang="en-US" altLang="ko-KR" dirty="0"/>
-              <a:t>core </a:t>
-            </a:r>
-            <a:r>
-              <a:rPr lang="ko-KR" altLang="en-US" dirty="0"/>
-              <a:t>에 빈 자리가 없어</a:t>
-            </a:r>
-            <a:r>
-              <a:rPr lang="en-US" altLang="ko-KR" dirty="0"/>
-              <a:t>, thread </a:t>
-            </a:r>
-            <a:r>
-              <a:rPr lang="ko-KR" altLang="en-US" dirty="0"/>
-              <a:t>들이 다른 </a:t>
-            </a:r>
-            <a:r>
-              <a:rPr lang="en-US" altLang="ko-KR" dirty="0"/>
-              <a:t>core </a:t>
-            </a:r>
-            <a:r>
-              <a:rPr lang="ko-KR" altLang="en-US" dirty="0"/>
-              <a:t>에서 실행되는 경우에는</a:t>
-            </a:r>
-            <a:endParaRPr lang="en-US" altLang="ko-KR" dirty="0"/>
-          </a:p>
-          <a:p>
-            <a:endParaRPr lang="en-US" altLang="ko-KR" dirty="0"/>
-          </a:p>
-          <a:p>
-            <a:r>
-              <a:rPr lang="en-US" altLang="ko-KR" dirty="0"/>
-              <a:t>core </a:t>
-            </a:r>
-            <a:r>
-              <a:rPr lang="ko-KR" altLang="en-US" dirty="0"/>
-              <a:t>의</a:t>
-            </a:r>
-            <a:r>
-              <a:rPr lang="en-US" altLang="ko-KR" dirty="0"/>
-              <a:t> L1, L2 </a:t>
-            </a:r>
-            <a:r>
-              <a:rPr lang="ko-KR" altLang="en-US" dirty="0"/>
-              <a:t>캐시가 쓸모 없어져서 해당 쓰레드는 더 느리게 동작하게 됩니다</a:t>
-            </a:r>
-            <a:r>
-              <a:rPr lang="en-US" altLang="ko-KR" dirty="0"/>
-              <a:t>.</a:t>
-            </a:r>
-          </a:p>
-          <a:p>
-            <a:endParaRPr lang="en-US" altLang="ko-KR" dirty="0"/>
           </a:p>
           <a:p>
             <a:endParaRPr lang="en-US" altLang="ko-KR" dirty="0"/>
@@ -4145,6 +4581,26 @@
             <a:endParaRPr lang="en-US" altLang="ko-KR" dirty="0"/>
           </a:p>
           <a:p>
+            <a:endParaRPr lang="en-US" altLang="ko-KR" dirty="0"/>
+          </a:p>
+          <a:p>
+            <a:r>
+              <a:rPr lang="en-US" altLang="ko-KR" dirty="0"/>
+              <a:t>&lt;&lt;</a:t>
+            </a:r>
+            <a:r>
+              <a:rPr lang="ko-KR" altLang="en-US" dirty="0"/>
+              <a:t>설명</a:t>
+            </a:r>
+            <a:r>
+              <a:rPr lang="en-US" altLang="ko-KR" dirty="0"/>
+              <a:t>&gt;&gt;</a:t>
+            </a:r>
+          </a:p>
+          <a:p>
+            <a:endParaRPr lang="en-US" altLang="ko-KR" dirty="0"/>
+          </a:p>
+          <a:p>
             <a:r>
               <a:rPr lang="ko-KR" altLang="en-US" dirty="0"/>
               <a:t>이제는 </a:t>
@@ -4447,23 +4903,7 @@
             </a:r>
             <a:r>
               <a:rPr lang="ko-KR" altLang="en-US" dirty="0"/>
-              <a:t>개수를 </a:t>
-            </a:r>
-            <a:r>
-              <a:rPr lang="en-US" altLang="ko-KR" dirty="0"/>
-              <a:t>core </a:t>
-            </a:r>
-            <a:r>
-              <a:rPr lang="ko-KR" altLang="en-US" dirty="0"/>
-              <a:t>수 </a:t>
-            </a:r>
-            <a:r>
-              <a:rPr lang="en-US" altLang="ko-KR" dirty="0"/>
-              <a:t>* 2 </a:t>
-            </a:r>
-            <a:r>
-              <a:rPr lang="ko-KR" altLang="en-US" dirty="0"/>
-              <a:t>로 할당합니다</a:t>
+              <a:t>개수를 관리합니다</a:t>
             </a:r>
             <a:r>
               <a:rPr lang="en-US" altLang="ko-KR" dirty="0"/>
@@ -4625,7 +5065,7 @@
             </a:r>
             <a:r>
               <a:rPr lang="ko-KR" altLang="en-US" dirty="0"/>
-              <a:t>로 만들어진 함수 형태의 </a:t>
+              <a:t>로 만들어진 </a:t>
             </a:r>
             <a:r>
               <a:rPr lang="en-US" altLang="ko-KR" dirty="0"/>
@@ -4670,31 +5110,23 @@
             </a:r>
             <a:r>
               <a:rPr lang="ko-KR" altLang="en-US" dirty="0"/>
-              <a:t>들은 </a:t>
-            </a:r>
-            <a:r>
-              <a:rPr lang="en-US" altLang="ko-KR" dirty="0"/>
-              <a:t>thread </a:t>
-            </a:r>
-            <a:r>
-              <a:rPr lang="ko-KR" altLang="en-US" dirty="0"/>
-              <a:t>가 아니라 </a:t>
-            </a:r>
-            <a:r>
-              <a:rPr lang="en-US" altLang="ko-KR" dirty="0"/>
-              <a:t>code</a:t>
-            </a:r>
-            <a:r>
-              <a:rPr lang="ko-KR" altLang="en-US" dirty="0"/>
-              <a:t> </a:t>
-            </a:r>
-            <a:r>
-              <a:rPr lang="en-US" altLang="ko-KR" dirty="0"/>
-              <a:t>block</a:t>
-            </a:r>
-            <a:r>
-              <a:rPr lang="ko-KR" altLang="en-US" dirty="0"/>
-              <a:t> 이고</a:t>
+              <a:t>들은 다음 </a:t>
+            </a:r>
+            <a:r>
+              <a:rPr lang="en-US" altLang="ko-KR" dirty="0"/>
+              <a:t>chain </a:t>
+            </a:r>
+            <a:r>
+              <a:rPr lang="ko-KR" altLang="en-US" dirty="0"/>
+              <a:t>으로 </a:t>
+            </a:r>
+            <a:r>
+              <a:rPr lang="en-US" altLang="ko-KR" dirty="0"/>
+              <a:t>context </a:t>
+            </a:r>
+            <a:r>
+              <a:rPr lang="ko-KR" altLang="en-US" dirty="0"/>
+              <a:t>정보를 파라미터 형태로 넘기기 때문에</a:t>
             </a:r>
             <a:r>
               <a:rPr lang="en-US" altLang="ko-KR" dirty="0"/>
@@ -4702,15 +5134,15 @@
             </a:r>
             <a:r>
               <a:rPr lang="ko-KR" altLang="en-US" dirty="0"/>
-              <a:t>프로그램 실행에 필요한 </a:t>
-            </a:r>
-            <a:r>
-              <a:rPr lang="en-US" altLang="ko-KR" dirty="0"/>
-              <a:t>context </a:t>
-            </a:r>
-            <a:r>
-              <a:rPr lang="ko-KR" altLang="en-US" dirty="0"/>
-              <a:t>정보가 파라미터로 체인을 통해 전달되기 때문에 </a:t>
+              <a:t>실행중인 </a:t>
+            </a:r>
+            <a:r>
+              <a:rPr lang="en-US" altLang="ko-KR" dirty="0"/>
+              <a:t>task</a:t>
+            </a:r>
+            <a:r>
+              <a:rPr lang="ko-KR" altLang="en-US" dirty="0"/>
+              <a:t>가 변경된다고 해서 </a:t>
             </a:r>
             <a:r>
               <a:rPr lang="en-US" altLang="ko-KR" dirty="0"/>
@@ -4718,7 +5150,7 @@
             </a:r>
             <a:r>
               <a:rPr lang="ko-KR" altLang="en-US" dirty="0"/>
-              <a:t>비용이 발생하지 않습니다</a:t>
+              <a:t>이 발생하지 않습니다</a:t>
             </a:r>
             <a:r>
               <a:rPr lang="en-US" altLang="ko-KR" dirty="0"/>
@@ -4730,48 +5162,32 @@
           </a:p>
           <a:p>
             <a:r>
-              <a:rPr lang="ko-KR" altLang="en-US" dirty="0"/>
-              <a:t>다만</a:t>
-            </a:r>
-            <a:r>
-              <a:rPr lang="en-US" altLang="ko-KR" dirty="0"/>
-              <a:t>, time slice </a:t>
-            </a:r>
-            <a:r>
-              <a:rPr lang="ko-KR" altLang="en-US" dirty="0"/>
-              <a:t>기능이 없습니다</a:t>
-            </a:r>
-            <a:r>
-              <a:rPr lang="en-US" altLang="ko-KR" dirty="0"/>
-              <a:t>. </a:t>
-            </a:r>
-            <a:r>
-              <a:rPr lang="ko-KR" altLang="en-US" dirty="0"/>
-              <a:t>그래서</a:t>
-            </a:r>
-            <a:r>
-              <a:rPr lang="en-US" altLang="ko-KR" dirty="0"/>
-              <a:t>, </a:t>
-            </a:r>
-            <a:r>
-              <a:rPr lang="ko-KR" altLang="en-US" dirty="0"/>
-              <a:t>특정 코드가 무한루프를 돌거나 </a:t>
-            </a:r>
-            <a:r>
-              <a:rPr lang="en-US" altLang="ko-KR" dirty="0"/>
-              <a:t>blocking </a:t>
-            </a:r>
-            <a:r>
-              <a:rPr lang="ko-KR" altLang="en-US" dirty="0"/>
-              <a:t>모드로 작동할 경우</a:t>
-            </a:r>
-            <a:r>
-              <a:rPr lang="en-US" altLang="ko-KR" dirty="0"/>
-              <a:t>, </a:t>
-            </a:r>
-            <a:r>
-              <a:rPr lang="ko-KR" altLang="en-US" dirty="0"/>
-              <a:t>성능이 급격하게 나빠지는 치명적인 단점이 존재합니다</a:t>
+              <a:rPr lang="en-US" altLang="ko-KR" dirty="0"/>
+              <a:t>core </a:t>
+            </a:r>
+            <a:r>
+              <a:rPr lang="ko-KR" altLang="en-US" dirty="0"/>
+              <a:t>를 효율적으로 쥐어짜내면서도</a:t>
+            </a:r>
+            <a:r>
+              <a:rPr lang="en-US" altLang="ko-KR" dirty="0"/>
+              <a:t>, request </a:t>
+            </a:r>
+            <a:r>
+              <a:rPr lang="ko-KR" altLang="en-US" dirty="0"/>
+              <a:t>를 </a:t>
+            </a:r>
+            <a:r>
+              <a:rPr lang="en-US" altLang="ko-KR" dirty="0"/>
+              <a:t>block </a:t>
+            </a:r>
+            <a:r>
+              <a:rPr lang="ko-KR" altLang="en-US" dirty="0"/>
+              <a:t>시키지 않는 이상적인 형태가 만들어 </a:t>
+            </a:r>
+            <a:r>
+              <a:rPr lang="ko-KR" altLang="en-US" dirty="0" err="1"/>
+              <a:t>지는거죠</a:t>
             </a:r>
             <a:r>
               <a:rPr lang="en-US" altLang="ko-KR" dirty="0"/>
@@ -4860,6 +5276,207 @@
           <a:bodyPr/>
           <a:lstStyle/>
           <a:p>
+            <a:r>
+              <a:rPr lang="en-US" altLang="ko-KR" dirty="0"/>
+              <a:t>Node.js</a:t>
+            </a:r>
+            <a:r>
+              <a:rPr lang="ko-KR" altLang="en-US" dirty="0"/>
+              <a:t>는 </a:t>
+            </a:r>
+            <a:r>
+              <a:rPr lang="en-US" altLang="ko-KR" dirty="0" err="1"/>
+              <a:t>javascript</a:t>
+            </a:r>
+            <a:r>
+              <a:rPr lang="ko-KR" altLang="en-US" dirty="0"/>
+              <a:t> 기반인데</a:t>
+            </a:r>
+            <a:r>
+              <a:rPr lang="en-US" altLang="ko-KR" dirty="0"/>
+              <a:t>… </a:t>
+            </a:r>
+            <a:r>
+              <a:rPr lang="en-US" altLang="ko-KR" dirty="0" err="1"/>
+              <a:t>javascript</a:t>
+            </a:r>
+            <a:r>
+              <a:rPr lang="ko-KR" altLang="en-US" dirty="0"/>
+              <a:t>가 </a:t>
+            </a:r>
+            <a:r>
+              <a:rPr lang="en-US" altLang="ko-KR" dirty="0"/>
+              <a:t>java</a:t>
+            </a:r>
+            <a:r>
+              <a:rPr lang="ko-KR" altLang="en-US" dirty="0"/>
+              <a:t>보다 빠르다는 걸까요 </a:t>
+            </a:r>
+            <a:r>
+              <a:rPr lang="en-US" altLang="ko-KR" dirty="0"/>
+              <a:t>?</a:t>
+            </a:r>
+          </a:p>
+          <a:p>
+            <a:endParaRPr lang="en-US" altLang="ko-KR" dirty="0"/>
+          </a:p>
+          <a:p>
+            <a:r>
+              <a:rPr lang="en-US" altLang="ko-KR" dirty="0"/>
+              <a:t>2023</a:t>
+            </a:r>
+            <a:r>
+              <a:rPr lang="ko-KR" altLang="en-US" dirty="0"/>
+              <a:t>년 </a:t>
+            </a:r>
+            <a:r>
+              <a:rPr lang="en-US" altLang="ko-KR" dirty="0"/>
+              <a:t>8</a:t>
+            </a:r>
+            <a:r>
+              <a:rPr lang="ko-KR" altLang="en-US" dirty="0"/>
+              <a:t>월 기준 </a:t>
+            </a:r>
+            <a:r>
+              <a:rPr lang="en-US" altLang="ko-KR" dirty="0" err="1"/>
+              <a:t>Newstack</a:t>
+            </a:r>
+            <a:r>
+              <a:rPr lang="en-US" altLang="ko-KR" dirty="0"/>
+              <a:t> </a:t>
+            </a:r>
+            <a:r>
+              <a:rPr lang="ko-KR" altLang="en-US" dirty="0"/>
+              <a:t>집계를 확인해봤는데요</a:t>
+            </a:r>
+            <a:r>
+              <a:rPr lang="en-US" altLang="ko-KR" dirty="0"/>
+              <a:t>.</a:t>
+            </a:r>
+          </a:p>
+          <a:p>
+            <a:endParaRPr lang="en-US" altLang="ko-KR" dirty="0"/>
+          </a:p>
+          <a:p>
+            <a:r>
+              <a:rPr lang="ko-KR" altLang="en-US" dirty="0"/>
+              <a:t>분명 </a:t>
+            </a:r>
+            <a:r>
+              <a:rPr lang="en-US" altLang="ko-KR" dirty="0" err="1"/>
+              <a:t>Javascript</a:t>
+            </a:r>
+            <a:r>
+              <a:rPr lang="ko-KR" altLang="en-US" dirty="0"/>
+              <a:t>는 </a:t>
+            </a:r>
+            <a:r>
+              <a:rPr lang="en-US" altLang="ko-KR" dirty="0"/>
+              <a:t>Java</a:t>
+            </a:r>
+            <a:r>
+              <a:rPr lang="ko-KR" altLang="en-US" dirty="0"/>
+              <a:t>보다 </a:t>
+            </a:r>
+            <a:r>
+              <a:rPr lang="en-US" altLang="ko-KR" dirty="0"/>
+              <a:t>3</a:t>
+            </a:r>
+            <a:r>
+              <a:rPr lang="ko-KR" altLang="en-US" dirty="0"/>
+              <a:t>배 이상 느립니다</a:t>
+            </a:r>
+            <a:r>
+              <a:rPr lang="en-US" altLang="ko-KR" dirty="0"/>
+              <a:t>.</a:t>
+            </a:r>
+          </a:p>
+          <a:p>
+            <a:endParaRPr lang="en-US" altLang="ko-KR" dirty="0"/>
+          </a:p>
+          <a:p>
+            <a:r>
+              <a:rPr lang="en-US" altLang="ko-KR" dirty="0" err="1"/>
+              <a:t>Javascript</a:t>
+            </a:r>
+            <a:r>
+              <a:rPr lang="ko-KR" altLang="en-US" dirty="0"/>
+              <a:t>는 </a:t>
+            </a:r>
+            <a:r>
+              <a:rPr lang="en-US" altLang="ko-KR" dirty="0"/>
+              <a:t>type safe </a:t>
+            </a:r>
+            <a:r>
+              <a:rPr lang="ko-KR" altLang="en-US" dirty="0"/>
+              <a:t>하지 않아서</a:t>
+            </a:r>
+            <a:r>
+              <a:rPr lang="en-US" altLang="ko-KR" dirty="0"/>
+              <a:t>, </a:t>
+            </a:r>
+            <a:r>
+              <a:rPr lang="ko-KR" altLang="en-US" dirty="0"/>
+              <a:t>프로그램 규모가 커질수록 수정이 너무 힘들어지거든요</a:t>
+            </a:r>
+            <a:r>
+              <a:rPr lang="en-US" altLang="ko-KR" dirty="0"/>
+              <a:t>.</a:t>
+            </a:r>
+          </a:p>
+          <a:p>
+            <a:r>
+              <a:rPr lang="ko-KR" altLang="en-US" dirty="0"/>
+              <a:t>그래서 </a:t>
+            </a:r>
+            <a:r>
+              <a:rPr lang="en-US" altLang="ko-KR" dirty="0"/>
+              <a:t>type safe</a:t>
+            </a:r>
+            <a:r>
+              <a:rPr lang="ko-KR" altLang="en-US" dirty="0"/>
+              <a:t>한 </a:t>
+            </a:r>
+            <a:r>
+              <a:rPr lang="en-US" altLang="ko-KR" dirty="0"/>
+              <a:t>TypeScript</a:t>
+            </a:r>
+            <a:r>
+              <a:rPr lang="ko-KR" altLang="en-US" dirty="0"/>
+              <a:t>를 거의 필수적으로 도입하는 경우가 많은데</a:t>
+            </a:r>
+            <a:endParaRPr lang="en-US" altLang="ko-KR" dirty="0"/>
+          </a:p>
+          <a:p>
+            <a:r>
+              <a:rPr lang="ko-KR" altLang="en-US" dirty="0"/>
+              <a:t>이 경우엔 </a:t>
+            </a:r>
+            <a:r>
+              <a:rPr lang="en-US" altLang="ko-KR" dirty="0"/>
+              <a:t>java</a:t>
+            </a:r>
+            <a:r>
+              <a:rPr lang="ko-KR" altLang="en-US" dirty="0"/>
+              <a:t>에 비해 </a:t>
+            </a:r>
+            <a:r>
+              <a:rPr lang="en-US" altLang="ko-KR" dirty="0"/>
+              <a:t>24</a:t>
+            </a:r>
+            <a:r>
+              <a:rPr lang="ko-KR" altLang="en-US" dirty="0"/>
+              <a:t>배 느리기까지 합니다</a:t>
+            </a:r>
+            <a:r>
+              <a:rPr lang="en-US" altLang="ko-KR" dirty="0"/>
+              <a:t>.</a:t>
+            </a:r>
+          </a:p>
+          <a:p>
+            <a:endParaRPr lang="en-US" altLang="ko-KR" dirty="0"/>
+          </a:p>
+          <a:p>
             <a:endParaRPr lang="ko-KR" altLang="en-US" dirty="0"/>
           </a:p>
         </p:txBody>
@@ -4979,7 +5596,7 @@
             </a:r>
             <a:r>
               <a:rPr lang="ko-KR" altLang="en-US" dirty="0"/>
-              <a:t>배나 차이가 나네요</a:t>
+              <a:t>배나 차이가 난다고 하네요</a:t>
             </a:r>
             <a:r>
               <a:rPr lang="en-US" altLang="ko-KR" dirty="0"/>
@@ -4992,15 +5609,23 @@
           <a:p>
             <a:r>
               <a:rPr lang="ko-KR" altLang="en-US" dirty="0"/>
-              <a:t>저희도 챕터 </a:t>
-            </a:r>
-            <a:r>
-              <a:rPr lang="en-US" altLang="ko-KR" dirty="0"/>
-              <a:t>5 </a:t>
-            </a:r>
-            <a:r>
-              <a:rPr lang="ko-KR" altLang="en-US" dirty="0"/>
-              <a:t>에서 정말로 이런 차이가 나는지 확인해보는 시간을 가질 </a:t>
+              <a:t>저희도 </a:t>
+            </a:r>
+            <a:r>
+              <a:rPr lang="en-US" altLang="ko-KR" dirty="0"/>
+              <a:t>5</a:t>
+            </a:r>
+            <a:r>
+              <a:rPr lang="ko-KR" altLang="en-US" dirty="0"/>
+              <a:t>챕터에서</a:t>
+            </a:r>
+            <a:r>
+              <a:rPr lang="en-US" altLang="ko-KR" dirty="0"/>
+              <a:t>,</a:t>
+            </a:r>
+            <a:r>
+              <a:rPr lang="ko-KR" altLang="en-US" dirty="0"/>
+              <a:t> 정말로 이런 차이가 나는지 확인해보는 시간을 가질 </a:t>
             </a:r>
             <a:r>
               <a:rPr lang="ko-KR" altLang="en-US" dirty="0" err="1"/>
@@ -5153,7 +5778,15 @@
             </a:r>
             <a:r>
               <a:rPr lang="ko-KR" altLang="en-US" dirty="0"/>
-              <a:t>들이 처리지연이 전파되는 이슈에 매우 취약했기 때문입니다</a:t>
+              <a:t>들이</a:t>
+            </a:r>
+            <a:r>
+              <a:rPr lang="en-US" altLang="ko-KR" dirty="0"/>
+              <a:t>,</a:t>
+            </a:r>
+            <a:r>
+              <a:rPr lang="ko-KR" altLang="en-US" dirty="0"/>
+              <a:t> 처리지연이 전파되는 이슈에 매우 취약했기 때문입니다</a:t>
             </a:r>
             <a:r>
               <a:rPr lang="en-US" altLang="ko-KR" dirty="0"/>
@@ -5179,75 +5812,6 @@
             <a:r>
               <a:rPr lang="en-US" altLang="ko-KR" dirty="0"/>
               <a:t>&gt;&gt;</a:t>
-            </a:r>
-          </a:p>
-          <a:p>
-            <a:endParaRPr lang="en-US" altLang="ko-KR" dirty="0"/>
-          </a:p>
-          <a:p>
-            <a:r>
-              <a:rPr lang="en-US" altLang="ko-KR" dirty="0"/>
-              <a:t>Netflix</a:t>
-            </a:r>
-            <a:r>
-              <a:rPr lang="ko-KR" altLang="en-US" dirty="0"/>
-              <a:t> 는 이미 이런 고민을 해왔고</a:t>
-            </a:r>
-            <a:r>
-              <a:rPr lang="en-US" altLang="ko-KR" dirty="0"/>
-              <a:t>, Circuit</a:t>
-            </a:r>
-            <a:r>
-              <a:rPr lang="ko-KR" altLang="en-US" dirty="0"/>
-              <a:t> </a:t>
-            </a:r>
-            <a:r>
-              <a:rPr lang="en-US" altLang="ko-KR" dirty="0"/>
-              <a:t>breaker</a:t>
-            </a:r>
-            <a:r>
-              <a:rPr lang="ko-KR" altLang="en-US" dirty="0"/>
-              <a:t> 가 제일 잘 알려진 해결방안입니다만</a:t>
-            </a:r>
-            <a:r>
-              <a:rPr lang="en-US" altLang="ko-KR" dirty="0"/>
-              <a:t>, 2013</a:t>
-            </a:r>
-            <a:r>
-              <a:rPr lang="ko-KR" altLang="en-US" dirty="0"/>
-              <a:t>년도부터 </a:t>
-            </a:r>
-            <a:r>
-              <a:rPr lang="en-US" altLang="ko-KR" dirty="0" err="1"/>
-              <a:t>RxJava</a:t>
-            </a:r>
-            <a:r>
-              <a:rPr lang="en-US" altLang="ko-KR" dirty="0"/>
-              <a:t> </a:t>
-            </a:r>
-            <a:r>
-              <a:rPr lang="ko-KR" altLang="en-US" dirty="0"/>
-              <a:t>라는 </a:t>
-            </a:r>
-            <a:r>
-              <a:rPr lang="en-US" altLang="ko-KR" dirty="0"/>
-              <a:t>Reactor </a:t>
-            </a:r>
-            <a:r>
-              <a:rPr lang="ko-KR" altLang="en-US" dirty="0"/>
-              <a:t>와 유사한 라이브러리를 이용해 </a:t>
-            </a:r>
-            <a:r>
-              <a:rPr lang="en-US" altLang="ko-KR" dirty="0"/>
-              <a:t>Async Non-blocking </a:t>
-            </a:r>
-            <a:r>
-              <a:rPr lang="ko-KR" altLang="en-US" dirty="0"/>
-              <a:t>서버를 구성하여 장애가 전파되는 이슈를 해결해 왔습니다</a:t>
-            </a:r>
-            <a:r>
-              <a:rPr lang="en-US" altLang="ko-KR" dirty="0"/>
-              <a:t>.</a:t>
             </a:r>
           </a:p>
         </p:txBody>
@@ -5342,7 +5906,7 @@
             </a:r>
             <a:r>
               <a:rPr lang="ko-KR" altLang="en-US" dirty="0"/>
-              <a:t>도 해결책이 있습니다</a:t>
+              <a:t>로도 해결책이 있습니다</a:t>
             </a:r>
             <a:r>
               <a:rPr lang="en-US" altLang="ko-KR" dirty="0"/>
@@ -5358,7 +5922,7 @@
             </a:r>
             <a:r>
               <a:rPr lang="ko-KR" altLang="en-US" dirty="0"/>
-              <a:t>를 도입하는 겁니다</a:t>
+              <a:t>를 도입하는 건데요</a:t>
             </a:r>
             <a:r>
               <a:rPr lang="en-US" altLang="ko-KR" dirty="0"/>
@@ -5398,15 +5962,31 @@
               <a:rPr lang="ko-KR" altLang="en-US" dirty="0"/>
               <a:t>는 치명적인 단점이 있는데</a:t>
             </a:r>
+            <a:r>
+              <a:rPr lang="en-US" altLang="ko-KR" dirty="0"/>
+              <a:t>,</a:t>
+            </a:r>
+          </a:p>
+          <a:p>
             <a:endParaRPr lang="en-US" altLang="ko-KR" dirty="0"/>
           </a:p>
           <a:p>
+            <a:r>
+              <a:rPr lang="ko-KR" altLang="en-US" dirty="0"/>
+              <a:t>응답결과를 돌려주지 못한다는 점입니다</a:t>
+            </a:r>
+            <a:r>
+              <a:rPr lang="en-US" altLang="ko-KR" dirty="0"/>
+              <a:t>.</a:t>
+            </a:r>
+          </a:p>
+          <a:p>
             <a:endParaRPr lang="en-US" altLang="ko-KR" dirty="0"/>
           </a:p>
           <a:p>
             <a:r>
               <a:rPr lang="ko-KR" altLang="en-US" dirty="0"/>
-              <a:t>응답결과를 돌려주지 못한다는 점입니다</a:t>
+              <a:t>호출만 하고 신경을 꺼버리는 방식이거든요</a:t>
             </a:r>
             <a:r>
               <a:rPr lang="en-US" altLang="ko-KR" dirty="0"/>
@@ -5419,44 +5999,31 @@
           <a:p>
             <a:r>
               <a:rPr lang="ko-KR" altLang="en-US" dirty="0"/>
-              <a:t>단방향 호출만 할 수 있어요</a:t>
-            </a:r>
-            <a:r>
-              <a:rPr lang="en-US" altLang="ko-KR" dirty="0"/>
-              <a:t>.</a:t>
-            </a:r>
-          </a:p>
-          <a:p>
-            <a:endParaRPr lang="en-US" altLang="ko-KR" dirty="0"/>
-          </a:p>
-          <a:p>
-            <a:r>
-              <a:rPr lang="ko-KR" altLang="en-US" dirty="0"/>
               <a:t>응답결과를 </a:t>
             </a:r>
             <a:r>
               <a:rPr lang="ko-KR" altLang="en-US" dirty="0" err="1"/>
-              <a:t>수신받는</a:t>
-            </a:r>
-            <a:r>
-              <a:rPr lang="ko-KR" altLang="en-US" dirty="0"/>
-              <a:t> 패턴을 사용할 수는 있지만</a:t>
-            </a:r>
-            <a:r>
-              <a:rPr lang="en-US" altLang="ko-KR" dirty="0"/>
-              <a:t>, </a:t>
-            </a:r>
-            <a:r>
-              <a:rPr lang="ko-KR" altLang="en-US" dirty="0"/>
-              <a:t>이건 프로그램 </a:t>
-            </a:r>
-            <a:r>
-              <a:rPr lang="en-US" altLang="ko-KR" dirty="0"/>
-              <a:t>2</a:t>
-            </a:r>
-            <a:r>
-              <a:rPr lang="ko-KR" altLang="en-US" dirty="0"/>
-              <a:t>개를 개별적으로 운영하는 거라 제어가 까다롭습니다</a:t>
+              <a:t>수신받기</a:t>
+            </a:r>
+            <a:r>
+              <a:rPr lang="ko-KR" altLang="en-US" dirty="0"/>
+              <a:t> 위해서는</a:t>
+            </a:r>
+            <a:r>
+              <a:rPr lang="en-US" altLang="ko-KR" dirty="0"/>
+              <a:t>, MQ</a:t>
+            </a:r>
+            <a:r>
+              <a:rPr lang="ko-KR" altLang="en-US" dirty="0"/>
+              <a:t>를 하나 더 두고 양방향 호출을 이용해야 합니다</a:t>
+            </a:r>
+            <a:r>
+              <a:rPr lang="en-US" altLang="ko-KR" dirty="0"/>
+              <a:t>. </a:t>
+            </a:r>
+            <a:r>
+              <a:rPr lang="ko-KR" altLang="en-US" dirty="0"/>
+              <a:t>하지만 이건 제어가 까다롭습니다</a:t>
             </a:r>
             <a:r>
               <a:rPr lang="en-US" altLang="ko-KR" dirty="0"/>
@@ -5584,7 +6151,7 @@
           <a:p>
             <a:r>
               <a:rPr lang="ko-KR" altLang="en-US" dirty="0"/>
-              <a:t>지연은 여전히 전파될 수 있지만</a:t>
+              <a:t>지연은 여전히 전파되지만</a:t>
             </a:r>
             <a:r>
               <a:rPr lang="en-US" altLang="ko-KR" dirty="0"/>
@@ -5592,7 +6159,11 @@
             </a:r>
             <a:r>
               <a:rPr lang="ko-KR" altLang="en-US" dirty="0"/>
-              <a:t>이로 인해 서버 성능이 떨어지진 않습니다</a:t>
+              <a:t>이로 인해 서버 성능이 떨어지진 </a:t>
+            </a:r>
+            <a:r>
+              <a:rPr lang="ko-KR" altLang="en-US" dirty="0" err="1"/>
+              <a:t>않거니다</a:t>
             </a:r>
             <a:r>
               <a:rPr lang="en-US" altLang="ko-KR" dirty="0"/>
@@ -5603,9 +6174,88 @@
             <a:endParaRPr lang="en-US" altLang="ko-KR" dirty="0"/>
           </a:p>
           <a:p>
+            <a:r>
+              <a:rPr lang="ko-KR" altLang="en-US" dirty="0"/>
+              <a:t>또한 서버 성능이 떨어지지 않기 때문에</a:t>
+            </a:r>
+            <a:r>
+              <a:rPr lang="en-US" altLang="ko-KR" dirty="0"/>
+              <a:t>, </a:t>
+            </a:r>
+            <a:r>
+              <a:rPr lang="ko-KR" altLang="en-US" dirty="0"/>
+              <a:t>불필요한 지연이 발생하지 않는 선순환 고리가 생깁니다</a:t>
+            </a:r>
+            <a:r>
+              <a:rPr lang="en-US" altLang="ko-KR" dirty="0"/>
+              <a:t>.</a:t>
+            </a:r>
+          </a:p>
+          <a:p>
             <a:endParaRPr lang="en-US" altLang="ko-KR" dirty="0"/>
           </a:p>
           <a:p>
+            <a:pPr marL="0" marR="0" lvl="0" indent="0" algn="l" defTabSz="685800" rtl="0" eaLnBrk="1" fontAlgn="auto" latinLnBrk="1" hangingPunct="1">
+              <a:lnSpc>
+                <a:spcPct val="100000"/>
+              </a:lnSpc>
+              <a:spcBef>
+                <a:spcPts val="0"/>
+              </a:spcBef>
+              <a:spcAft>
+                <a:spcPts val="0"/>
+              </a:spcAft>
+              <a:buClrTx/>
+              <a:buSzTx/>
+              <a:buFontTx/>
+              <a:buNone/>
+              <a:tabLst/>
+              <a:defRPr/>
+            </a:pPr>
+            <a:r>
+              <a:rPr lang="en-US" altLang="ko-KR" dirty="0" err="1"/>
+              <a:t>Netfilix</a:t>
+            </a:r>
+            <a:r>
+              <a:rPr lang="ko-KR" altLang="en-US" dirty="0"/>
+              <a:t>에서도 이미 </a:t>
+            </a:r>
+            <a:r>
+              <a:rPr lang="en-US" altLang="ko-KR" dirty="0"/>
+              <a:t>2013</a:t>
+            </a:r>
+            <a:r>
+              <a:rPr lang="ko-KR" altLang="en-US" dirty="0"/>
+              <a:t>년도부터 </a:t>
+            </a:r>
+            <a:r>
+              <a:rPr lang="en-US" altLang="ko-KR" dirty="0" err="1"/>
+              <a:t>RxJava</a:t>
+            </a:r>
+            <a:r>
+              <a:rPr lang="en-US" altLang="ko-KR" dirty="0"/>
+              <a:t> </a:t>
+            </a:r>
+            <a:r>
+              <a:rPr lang="ko-KR" altLang="en-US" dirty="0"/>
+              <a:t>라는 라이브러리를 이용해 </a:t>
+            </a:r>
+            <a:r>
+              <a:rPr lang="en-US" altLang="ko-KR" dirty="0" err="1"/>
+              <a:t>Webflux</a:t>
+            </a:r>
+            <a:r>
+              <a:rPr lang="en-US" altLang="ko-KR" dirty="0"/>
+              <a:t> </a:t>
+            </a:r>
+            <a:r>
+              <a:rPr lang="ko-KR" altLang="en-US" dirty="0"/>
+              <a:t>와 유사한 서버 구성을 도입하고 있습니다</a:t>
+            </a:r>
+            <a:r>
+              <a:rPr lang="en-US" altLang="ko-KR" dirty="0"/>
+              <a:t>.</a:t>
+            </a:r>
             <a:endParaRPr lang="ko-KR" altLang="en-US" dirty="0"/>
           </a:p>
         </p:txBody>
@@ -5721,11 +6371,7 @@
             </a:r>
             <a:r>
               <a:rPr lang="ko-KR" altLang="en-US" dirty="0"/>
-              <a:t>은총알은 </a:t>
-            </a:r>
-            <a:r>
-              <a:rPr lang="ko-KR" altLang="en-US" dirty="0" err="1"/>
-              <a:t>없다라는</a:t>
+              <a:t>은총알은 없다는</a:t>
             </a:r>
             <a:endParaRPr lang="en-US" altLang="ko-KR" dirty="0"/>
           </a:p>
@@ -5770,7 +6416,7 @@
             <a:endParaRPr lang="en-US" altLang="ko-KR" dirty="0"/>
           </a:p>
           <a:p>
-            <a:pPr marL="0" marR="0" lvl="0" indent="0" algn="l" defTabSz="685800" rtl="0" eaLnBrk="1" fontAlgn="auto" latinLnBrk="1" hangingPunct="1">
+            <a:pPr marL="228600" marR="0" lvl="0" indent="-228600" algn="l" defTabSz="685800" rtl="0" eaLnBrk="1" fontAlgn="auto" latinLnBrk="1" hangingPunct="1">
               <a:lnSpc>
                 <a:spcPct val="100000"/>
               </a:lnSpc>
@@ -5783,40 +6429,241 @@
               <a:buClrTx/>
               <a:buSzTx/>
               <a:buFontTx/>
-              <a:buNone/>
+              <a:buAutoNum type="arabicPeriod"/>
               <a:tabLst/>
               <a:defRPr/>
             </a:pPr>
             <a:r>
               <a:rPr lang="en-US" altLang="ko-KR" dirty="0"/>
-              <a:t>&lt;&lt;</a:t>
-            </a:r>
-            <a:r>
-              <a:rPr lang="ko-KR" altLang="en-US" dirty="0"/>
-              <a:t>설명</a:t>
-            </a:r>
-            <a:r>
-              <a:rPr lang="en-US" altLang="ko-KR" dirty="0"/>
-              <a:t>&gt;&gt;</a:t>
+              <a:t>MVC</a:t>
+            </a:r>
+            <a:r>
+              <a:rPr lang="ko-KR" altLang="en-US" dirty="0"/>
+              <a:t> 보다 느릴 수 있습니다</a:t>
+            </a:r>
+            <a:r>
+              <a:rPr lang="en-US" altLang="ko-KR" dirty="0"/>
+              <a:t>.</a:t>
             </a:r>
           </a:p>
           <a:p>
             <a:endParaRPr lang="en-US" altLang="ko-KR" dirty="0"/>
           </a:p>
           <a:p>
+            <a:r>
+              <a:rPr lang="en-US" altLang="ko-KR" dirty="0" err="1"/>
+              <a:t>webflux</a:t>
+            </a:r>
+            <a:r>
+              <a:rPr lang="ko-KR" altLang="en-US" dirty="0"/>
+              <a:t>는 적은 리소스로 많은 트래픽을 감당하는 </a:t>
+            </a:r>
+            <a:r>
+              <a:rPr lang="ko-KR" altLang="en-US" dirty="0" err="1"/>
+              <a:t>개념이라서요</a:t>
+            </a:r>
+            <a:r>
+              <a:rPr lang="en-US" altLang="ko-KR" dirty="0"/>
+              <a:t>. </a:t>
+            </a:r>
+            <a:r>
+              <a:rPr lang="ko-KR" altLang="en-US" dirty="0"/>
+              <a:t>무조건 </a:t>
+            </a:r>
+            <a:r>
+              <a:rPr lang="en-US" altLang="ko-KR" dirty="0"/>
+              <a:t>MVC</a:t>
+            </a:r>
+            <a:r>
+              <a:rPr lang="ko-KR" altLang="en-US" dirty="0"/>
+              <a:t>보다 빠르게 동작하지는 않습니다</a:t>
+            </a:r>
+            <a:r>
+              <a:rPr lang="en-US" altLang="ko-KR" dirty="0"/>
+              <a:t>.</a:t>
+            </a:r>
+          </a:p>
+          <a:p>
             <a:endParaRPr lang="en-US" altLang="ko-KR" dirty="0"/>
           </a:p>
           <a:p>
             <a:r>
               <a:rPr lang="ko-KR" altLang="en-US" dirty="0"/>
-              <a:t>하지만 저희 </a:t>
-            </a:r>
-            <a:r>
-              <a:rPr lang="ko-KR" altLang="en-US"/>
-              <a:t>초격차에서는 이 </a:t>
-            </a:r>
-            <a:r>
-              <a:rPr lang="en-US" altLang="ko-KR"/>
+              <a:t>그리고</a:t>
+            </a:r>
+            <a:r>
+              <a:rPr lang="en-US" altLang="ko-KR" dirty="0"/>
+              <a:t>, </a:t>
+            </a:r>
+            <a:r>
+              <a:rPr lang="en-US" altLang="ko-KR" dirty="0" err="1"/>
+              <a:t>webflux</a:t>
+            </a:r>
+            <a:r>
+              <a:rPr lang="en-US" altLang="ko-KR" dirty="0"/>
+              <a:t> </a:t>
+            </a:r>
+            <a:r>
+              <a:rPr lang="ko-KR" altLang="en-US" dirty="0"/>
+              <a:t>에는 </a:t>
+            </a:r>
+            <a:r>
+              <a:rPr lang="en-US" altLang="ko-KR" dirty="0" err="1"/>
+              <a:t>os</a:t>
+            </a:r>
+            <a:r>
+              <a:rPr lang="en-US" altLang="ko-KR" dirty="0"/>
+              <a:t> </a:t>
+            </a:r>
+            <a:r>
+              <a:rPr lang="ko-KR" altLang="en-US" dirty="0"/>
+              <a:t>에서 </a:t>
+            </a:r>
+            <a:r>
+              <a:rPr lang="en-US" altLang="ko-KR" dirty="0"/>
+              <a:t>thread </a:t>
+            </a:r>
+            <a:r>
+              <a:rPr lang="ko-KR" altLang="en-US" dirty="0"/>
+              <a:t>실행시간을 제어하는 것과 같은 기능이 없습니다</a:t>
+            </a:r>
+            <a:r>
+              <a:rPr lang="en-US" altLang="ko-KR" dirty="0"/>
+              <a:t>.</a:t>
+            </a:r>
+          </a:p>
+          <a:p>
+            <a:endParaRPr lang="en-US" altLang="ko-KR" dirty="0"/>
+          </a:p>
+          <a:p>
+            <a:r>
+              <a:rPr lang="ko-KR" altLang="en-US" dirty="0"/>
+              <a:t>그래서</a:t>
+            </a:r>
+            <a:r>
+              <a:rPr lang="en-US" altLang="ko-KR" dirty="0"/>
+              <a:t>, </a:t>
+            </a:r>
+            <a:r>
+              <a:rPr lang="ko-KR" altLang="en-US" dirty="0"/>
+              <a:t>특정 </a:t>
+            </a:r>
+            <a:r>
+              <a:rPr lang="en-US" altLang="ko-KR" dirty="0"/>
+              <a:t>task </a:t>
+            </a:r>
+            <a:r>
+              <a:rPr lang="ko-KR" altLang="en-US" dirty="0"/>
+              <a:t>가 </a:t>
+            </a:r>
+            <a:r>
+              <a:rPr lang="en-US" altLang="ko-KR" dirty="0"/>
+              <a:t>blocking </a:t>
+            </a:r>
+            <a:r>
+              <a:rPr lang="ko-KR" altLang="en-US" dirty="0"/>
+              <a:t>모드로 작동할 경우</a:t>
+            </a:r>
+            <a:r>
+              <a:rPr lang="en-US" altLang="ko-KR" dirty="0"/>
+              <a:t>, </a:t>
+            </a:r>
+            <a:r>
+              <a:rPr lang="ko-KR" altLang="en-US" dirty="0"/>
+              <a:t>얼마 안되는 </a:t>
+            </a:r>
+            <a:r>
+              <a:rPr lang="en-US" altLang="ko-KR" dirty="0"/>
+              <a:t>worker </a:t>
+            </a:r>
+            <a:r>
+              <a:rPr lang="ko-KR" altLang="en-US" dirty="0"/>
+              <a:t>쓰레드를 과하게 점유함으로써</a:t>
+            </a:r>
+            <a:r>
+              <a:rPr lang="en-US" altLang="ko-KR" dirty="0"/>
+              <a:t>, </a:t>
+            </a:r>
+            <a:r>
+              <a:rPr lang="ko-KR" altLang="en-US" dirty="0"/>
+              <a:t>성능이 급격하게 나빠지는 치명적인 단점이 존재합니다</a:t>
+            </a:r>
+            <a:r>
+              <a:rPr lang="en-US" altLang="ko-KR" dirty="0"/>
+              <a:t>.</a:t>
+            </a:r>
+          </a:p>
+          <a:p>
+            <a:endParaRPr lang="en-US" altLang="ko-KR" dirty="0"/>
+          </a:p>
+          <a:p>
+            <a:r>
+              <a:rPr lang="en-US" altLang="ko-KR" dirty="0"/>
+              <a:t>2. </a:t>
+            </a:r>
+            <a:r>
+              <a:rPr lang="ko-KR" altLang="en-US" dirty="0"/>
+              <a:t>그리고 실습을 통해 </a:t>
+            </a:r>
+            <a:r>
+              <a:rPr lang="ko-KR" altLang="en-US" dirty="0" err="1"/>
+              <a:t>느끼셨다시피</a:t>
+            </a:r>
+            <a:r>
+              <a:rPr lang="en-US" altLang="ko-KR" dirty="0"/>
+              <a:t>, </a:t>
+            </a:r>
+            <a:r>
+              <a:rPr lang="en-US" altLang="ko-KR" dirty="0" err="1"/>
+              <a:t>Webflux</a:t>
+            </a:r>
+            <a:r>
+              <a:rPr lang="en-US" altLang="ko-KR" dirty="0"/>
+              <a:t> </a:t>
+            </a:r>
+            <a:r>
+              <a:rPr lang="ko-KR" altLang="en-US" dirty="0"/>
+              <a:t>의 기반이 되는 </a:t>
+            </a:r>
+            <a:r>
+              <a:rPr lang="en-US" altLang="ko-KR" dirty="0"/>
+              <a:t>Reactor </a:t>
+            </a:r>
+            <a:r>
+              <a:rPr lang="ko-KR" altLang="en-US" dirty="0"/>
+              <a:t>의 구현 난이도가 상당합니다</a:t>
+            </a:r>
+            <a:r>
+              <a:rPr lang="en-US" altLang="ko-KR" dirty="0"/>
+              <a:t>. </a:t>
+            </a:r>
+            <a:r>
+              <a:rPr lang="ko-KR" altLang="en-US" dirty="0"/>
+              <a:t>실무에 적용하기 위해서는 뼈를 </a:t>
+            </a:r>
+            <a:r>
+              <a:rPr lang="ko-KR" altLang="en-US" dirty="0" err="1"/>
+              <a:t>깍는</a:t>
+            </a:r>
+            <a:r>
+              <a:rPr lang="ko-KR" altLang="en-US" dirty="0"/>
+              <a:t> 수준의 노력과 이후 유지보수로 인한 고통이 뒤따릅니다</a:t>
+            </a:r>
+            <a:r>
+              <a:rPr lang="en-US" altLang="ko-KR" dirty="0"/>
+              <a:t>.</a:t>
+            </a:r>
+          </a:p>
+          <a:p>
+            <a:endParaRPr lang="en-US" altLang="ko-KR" dirty="0"/>
+          </a:p>
+          <a:p>
+            <a:r>
+              <a:rPr lang="ko-KR" altLang="en-US" dirty="0"/>
+              <a:t>하지만 저희 초격차에서 이 </a:t>
+            </a:r>
+            <a:r>
+              <a:rPr lang="en-US" altLang="ko-KR" dirty="0"/>
               <a:t>Reactor </a:t>
             </a:r>
             <a:r>
@@ -5911,6 +6758,51 @@
           <a:bodyPr/>
           <a:lstStyle/>
           <a:p>
+            <a:r>
+              <a:rPr lang="ko-KR" altLang="en-US" dirty="0"/>
+              <a:t>두 번째 실습을 준비해 봤습니다</a:t>
+            </a:r>
+            <a:r>
+              <a:rPr lang="en-US" altLang="ko-KR" dirty="0"/>
+              <a:t>.</a:t>
+            </a:r>
+          </a:p>
+          <a:p>
+            <a:endParaRPr lang="en-US" altLang="ko-KR" dirty="0"/>
+          </a:p>
+          <a:p>
+            <a:r>
+              <a:rPr lang="ko-KR" altLang="en-US" dirty="0"/>
+              <a:t>부하가 높은 작업을</a:t>
+            </a:r>
+            <a:r>
+              <a:rPr lang="en-US" altLang="ko-KR" dirty="0"/>
+              <a:t>, thread </a:t>
+            </a:r>
+            <a:r>
+              <a:rPr lang="ko-KR" altLang="en-US" dirty="0"/>
+              <a:t>여러 개로 돌렸을 때와 </a:t>
+            </a:r>
+            <a:r>
+              <a:rPr lang="en-US" altLang="ko-KR" dirty="0"/>
+              <a:t>Reactor </a:t>
+            </a:r>
+            <a:r>
+              <a:rPr lang="ko-KR" altLang="en-US" dirty="0"/>
+              <a:t>로 돌렸을 때</a:t>
+            </a:r>
+            <a:r>
+              <a:rPr lang="en-US" altLang="ko-KR" dirty="0"/>
+              <a:t>, </a:t>
+            </a:r>
+            <a:r>
+              <a:rPr lang="ko-KR" altLang="en-US" dirty="0"/>
+              <a:t>그 속도차이를 한 번 확인해 보겠습니다</a:t>
+            </a:r>
+            <a:r>
+              <a:rPr lang="en-US" altLang="ko-KR" dirty="0"/>
+              <a:t>.</a:t>
+            </a:r>
             <a:endParaRPr lang="ko-KR" altLang="en-US" dirty="0"/>
           </a:p>
         </p:txBody>
@@ -6458,7 +7350,15 @@
             </a:r>
             <a:r>
               <a:rPr lang="ko-KR" altLang="en-US" dirty="0"/>
-              <a:t>에서 발표한 논문입니다</a:t>
+              <a:t>에서 발표한 </a:t>
+            </a:r>
+            <a:r>
+              <a:rPr lang="en-US" altLang="ko-KR" dirty="0"/>
+              <a:t>Article</a:t>
+            </a:r>
+            <a:r>
+              <a:rPr lang="ko-KR" altLang="en-US" dirty="0"/>
+              <a:t>입니다</a:t>
             </a:r>
             <a:r>
               <a:rPr lang="en-US" altLang="ko-KR" dirty="0"/>
@@ -17052,7 +17952,7 @@
             </a:pPr>
             <a:r>
               <a:rPr lang="en-US" altLang="ko-KR" dirty="0"/>
-              <a:t>IntelliJ community edition</a:t>
+              <a:t>IntelliJ ultimate edition</a:t>
             </a:r>
           </a:p>
           <a:p>
@@ -21676,7 +22576,7 @@
             </a:pPr>
             <a:r>
               <a:rPr lang="en-US" altLang="ko-KR" dirty="0"/>
-              <a:t>Thread context switching</a:t>
+              <a:t>Time Slice</a:t>
             </a:r>
           </a:p>
         </p:txBody>
@@ -25437,30 +26337,21 @@
                             </p:childTnLst>
                           </p:cTn>
                         </p:par>
-                      </p:childTnLst>
-                    </p:cTn>
-                  </p:par>
-                  <p:par>
-                    <p:cTn id="81" fill="hold">
-                      <p:stCondLst>
-                        <p:cond delay="indefinite"/>
-                      </p:stCondLst>
-                      <p:childTnLst>
                         <p:par>
-                          <p:cTn id="82" fill="hold">
+                          <p:cTn id="81" fill="hold">
                             <p:stCondLst>
                               <p:cond delay="0"/>
                             </p:stCondLst>
                             <p:childTnLst>
                               <p:par>
-                                <p:cTn id="83" presetID="1" presetClass="entr" presetSubtype="0" fill="hold" grpId="0" nodeType="clickEffect">
+                                <p:cTn id="82" presetID="1" presetClass="entr" presetSubtype="0" fill="hold" grpId="0" nodeType="afterEffect">
                                   <p:stCondLst>
                                     <p:cond delay="0"/>
                                   </p:stCondLst>
                                   <p:childTnLst>
                                     <p:set>
                                       <p:cBhvr>
-                                        <p:cTn id="84" dur="1" fill="hold">
+                                        <p:cTn id="83" dur="1" fill="hold">
                                           <p:stCondLst>
                                             <p:cond delay="0"/>
                                           </p:stCondLst>
@@ -25486,26 +26377,26 @@
                     </p:cTn>
                   </p:par>
                   <p:par>
-                    <p:cTn id="85" fill="hold">
+                    <p:cTn id="84" fill="hold">
                       <p:stCondLst>
                         <p:cond delay="indefinite"/>
                       </p:stCondLst>
                       <p:childTnLst>
                         <p:par>
-                          <p:cTn id="86" fill="hold">
+                          <p:cTn id="85" fill="hold">
                             <p:stCondLst>
                               <p:cond delay="0"/>
                             </p:stCondLst>
                             <p:childTnLst>
                               <p:par>
-                                <p:cTn id="87" presetID="1" presetClass="entr" presetSubtype="0" fill="hold" grpId="0" nodeType="clickEffect">
+                                <p:cTn id="86" presetID="1" presetClass="entr" presetSubtype="0" fill="hold" grpId="0" nodeType="clickEffect">
                                   <p:stCondLst>
                                     <p:cond delay="0"/>
                                   </p:stCondLst>
                                   <p:childTnLst>
                                     <p:set>
                                       <p:cBhvr>
-                                        <p:cTn id="88" dur="1" fill="hold">
+                                        <p:cTn id="87" dur="1" fill="hold">
                                           <p:stCondLst>
                                             <p:cond delay="0"/>
                                           </p:stCondLst>
@@ -25531,26 +26422,26 @@
                     </p:cTn>
                   </p:par>
                   <p:par>
-                    <p:cTn id="89" fill="hold">
+                    <p:cTn id="88" fill="hold">
                       <p:stCondLst>
                         <p:cond delay="indefinite"/>
                       </p:stCondLst>
                       <p:childTnLst>
                         <p:par>
-                          <p:cTn id="90" fill="hold">
+                          <p:cTn id="89" fill="hold">
                             <p:stCondLst>
                               <p:cond delay="0"/>
                             </p:stCondLst>
                             <p:childTnLst>
                               <p:par>
-                                <p:cTn id="91" presetID="1" presetClass="entr" presetSubtype="0" fill="hold" grpId="0" nodeType="clickEffect">
+                                <p:cTn id="90" presetID="1" presetClass="entr" presetSubtype="0" fill="hold" grpId="0" nodeType="clickEffect">
                                   <p:stCondLst>
                                     <p:cond delay="0"/>
                                   </p:stCondLst>
                                   <p:childTnLst>
                                     <p:set>
                                       <p:cBhvr>
-                                        <p:cTn id="92" dur="1" fill="hold">
+                                        <p:cTn id="91" dur="1" fill="hold">
                                           <p:stCondLst>
                                             <p:cond delay="0"/>
                                           </p:stCondLst>
@@ -25576,26 +26467,26 @@
                     </p:cTn>
                   </p:par>
                   <p:par>
-                    <p:cTn id="93" fill="hold">
+                    <p:cTn id="92" fill="hold">
                       <p:stCondLst>
                         <p:cond delay="indefinite"/>
                       </p:stCondLst>
                       <p:childTnLst>
                         <p:par>
-                          <p:cTn id="94" fill="hold">
+                          <p:cTn id="93" fill="hold">
                             <p:stCondLst>
                               <p:cond delay="0"/>
                             </p:stCondLst>
                             <p:childTnLst>
                               <p:par>
-                                <p:cTn id="95" presetID="1" presetClass="entr" presetSubtype="0" fill="hold" grpId="0" nodeType="clickEffect">
+                                <p:cTn id="94" presetID="1" presetClass="entr" presetSubtype="0" fill="hold" grpId="0" nodeType="clickEffect">
                                   <p:stCondLst>
                                     <p:cond delay="0"/>
                                   </p:stCondLst>
                                   <p:childTnLst>
                                     <p:set>
                                       <p:cBhvr>
-                                        <p:cTn id="96" dur="1" fill="hold">
+                                        <p:cTn id="95" dur="1" fill="hold">
                                           <p:stCondLst>
                                             <p:cond delay="0"/>
                                           </p:stCondLst>
@@ -25621,26 +26512,26 @@
                     </p:cTn>
                   </p:par>
                   <p:par>
-                    <p:cTn id="97" fill="hold">
+                    <p:cTn id="96" fill="hold">
                       <p:stCondLst>
                         <p:cond delay="indefinite"/>
                       </p:stCondLst>
                       <p:childTnLst>
                         <p:par>
-                          <p:cTn id="98" fill="hold">
+                          <p:cTn id="97" fill="hold">
                             <p:stCondLst>
                               <p:cond delay="0"/>
                             </p:stCondLst>
                             <p:childTnLst>
                               <p:par>
-                                <p:cTn id="99" presetID="1" presetClass="entr" presetSubtype="0" fill="hold" grpId="0" nodeType="clickEffect">
+                                <p:cTn id="98" presetID="1" presetClass="entr" presetSubtype="0" fill="hold" grpId="0" nodeType="clickEffect">
                                   <p:stCondLst>
                                     <p:cond delay="0"/>
                                   </p:stCondLst>
                                   <p:childTnLst>
                                     <p:set>
                                       <p:cBhvr>
-                                        <p:cTn id="100" dur="1" fill="hold">
+                                        <p:cTn id="99" dur="1" fill="hold">
                                           <p:stCondLst>
                                             <p:cond delay="0"/>
                                           </p:stCondLst>
@@ -27547,7 +28438,7 @@
                                           </p:stCondLst>
                                         </p:cTn>
                                         <p:tgtEl>
-                                          <p:spTgt spid="34"/>
+                                          <p:spTgt spid="14"/>
                                         </p:tgtEl>
                                         <p:attrNameLst>
                                           <p:attrName>style.visibility</p:attrName>
@@ -27592,7 +28483,7 @@
                                           </p:stCondLst>
                                         </p:cTn>
                                         <p:tgtEl>
-                                          <p:spTgt spid="30"/>
+                                          <p:spTgt spid="15"/>
                                         </p:tgtEl>
                                         <p:attrNameLst>
                                           <p:attrName>style.visibility</p:attrName>
@@ -27624,7 +28515,7 @@
                             </p:stCondLst>
                             <p:childTnLst>
                               <p:par>
-                                <p:cTn id="33" presetID="1" presetClass="entr" presetSubtype="0" fill="hold" grpId="0" nodeType="clickEffect">
+                                <p:cTn id="33" presetID="1" presetClass="entr" presetSubtype="0" fill="hold" nodeType="clickEffect">
                                   <p:stCondLst>
                                     <p:cond delay="0"/>
                                   </p:stCondLst>
@@ -27637,7 +28528,7 @@
                                           </p:stCondLst>
                                         </p:cTn>
                                         <p:tgtEl>
-                                          <p:spTgt spid="14"/>
+                                          <p:spTgt spid="7"/>
                                         </p:tgtEl>
                                         <p:attrNameLst>
                                           <p:attrName>style.visibility</p:attrName>
@@ -27682,7 +28573,7 @@
                                           </p:stCondLst>
                                         </p:cTn>
                                         <p:tgtEl>
-                                          <p:spTgt spid="15"/>
+                                          <p:spTgt spid="16"/>
                                         </p:tgtEl>
                                         <p:attrNameLst>
                                           <p:attrName>style.visibility</p:attrName>
@@ -27714,7 +28605,7 @@
                             </p:stCondLst>
                             <p:childTnLst>
                               <p:par>
-                                <p:cTn id="41" presetID="1" presetClass="entr" presetSubtype="0" fill="hold" nodeType="clickEffect">
+                                <p:cTn id="41" presetID="1" presetClass="entr" presetSubtype="0" fill="hold" grpId="0" nodeType="clickEffect">
                                   <p:stCondLst>
                                     <p:cond delay="0"/>
                                   </p:stCondLst>
@@ -27727,7 +28618,7 @@
                                           </p:stCondLst>
                                         </p:cTn>
                                         <p:tgtEl>
-                                          <p:spTgt spid="7"/>
+                                          <p:spTgt spid="34"/>
                                         </p:tgtEl>
                                         <p:attrNameLst>
                                           <p:attrName>style.visibility</p:attrName>
@@ -27740,26 +28631,35 @@
                                   </p:childTnLst>
                                 </p:cTn>
                               </p:par>
-                            </p:childTnLst>
-                          </p:cTn>
-                        </p:par>
-                      </p:childTnLst>
-                    </p:cTn>
-                  </p:par>
-                  <p:par>
-                    <p:cTn id="43" fill="hold">
-                      <p:stCondLst>
-                        <p:cond delay="indefinite"/>
-                      </p:stCondLst>
-                      <p:childTnLst>
-                        <p:par>
-                          <p:cTn id="44" fill="hold">
-                            <p:stCondLst>
-                              <p:cond delay="0"/>
-                            </p:stCondLst>
-                            <p:childTnLst>
                               <p:par>
-                                <p:cTn id="45" presetID="1" presetClass="entr" presetSubtype="0" fill="hold" grpId="0" nodeType="clickEffect">
+                                <p:cTn id="43" presetID="1" presetClass="entr" presetSubtype="0" fill="hold" grpId="0" nodeType="withEffect">
+                                  <p:stCondLst>
+                                    <p:cond delay="0"/>
+                                  </p:stCondLst>
+                                  <p:childTnLst>
+                                    <p:set>
+                                      <p:cBhvr>
+                                        <p:cTn id="44" dur="1" fill="hold">
+                                          <p:stCondLst>
+                                            <p:cond delay="0"/>
+                                          </p:stCondLst>
+                                        </p:cTn>
+                                        <p:tgtEl>
+                                          <p:spTgt spid="32"/>
+                                        </p:tgtEl>
+                                        <p:attrNameLst>
+                                          <p:attrName>style.visibility</p:attrName>
+                                        </p:attrNameLst>
+                                      </p:cBhvr>
+                                      <p:to>
+                                        <p:strVal val="visible"/>
+                                      </p:to>
+                                    </p:set>
+                                  </p:childTnLst>
+                                </p:cTn>
+                              </p:par>
+                              <p:par>
+                                <p:cTn id="45" presetID="1" presetClass="entr" presetSubtype="0" fill="hold" grpId="0" nodeType="withEffect">
                                   <p:stCondLst>
                                     <p:cond delay="0"/>
                                   </p:stCondLst>
@@ -27772,7 +28672,7 @@
                                           </p:stCondLst>
                                         </p:cTn>
                                         <p:tgtEl>
-                                          <p:spTgt spid="16"/>
+                                          <p:spTgt spid="33"/>
                                         </p:tgtEl>
                                         <p:attrNameLst>
                                           <p:attrName>style.visibility</p:attrName>
@@ -27817,7 +28717,7 @@
                                           </p:stCondLst>
                                         </p:cTn>
                                         <p:tgtEl>
-                                          <p:spTgt spid="32"/>
+                                          <p:spTgt spid="30"/>
                                         </p:tgtEl>
                                         <p:attrNameLst>
                                           <p:attrName>style.visibility</p:attrName>
@@ -27830,84 +28730,21 @@
                                   </p:childTnLst>
                                 </p:cTn>
                               </p:par>
-                            </p:childTnLst>
-                          </p:cTn>
-                        </p:par>
-                      </p:childTnLst>
-                    </p:cTn>
-                  </p:par>
-                  <p:par>
-                    <p:cTn id="51" fill="hold">
-                      <p:stCondLst>
-                        <p:cond delay="indefinite"/>
-                      </p:stCondLst>
-                      <p:childTnLst>
-                        <p:par>
-                          <p:cTn id="52" fill="hold">
-                            <p:stCondLst>
-                              <p:cond delay="0"/>
-                            </p:stCondLst>
-                            <p:childTnLst>
                               <p:par>
-                                <p:cTn id="53" presetID="1" presetClass="entr" presetSubtype="0" fill="hold" grpId="0" nodeType="clickEffect">
+                                <p:cTn id="51" presetID="1" presetClass="entr" presetSubtype="0" fill="hold" grpId="0" nodeType="withEffect">
                                   <p:stCondLst>
                                     <p:cond delay="0"/>
                                   </p:stCondLst>
                                   <p:childTnLst>
                                     <p:set>
                                       <p:cBhvr>
-                                        <p:cTn id="54" dur="1" fill="hold">
+                                        <p:cTn id="52" dur="1" fill="hold">
                                           <p:stCondLst>
                                             <p:cond delay="0"/>
                                           </p:stCondLst>
                                         </p:cTn>
                                         <p:tgtEl>
                                           <p:spTgt spid="31"/>
-                                        </p:tgtEl>
-                                        <p:attrNameLst>
-                                          <p:attrName>style.visibility</p:attrName>
-                                        </p:attrNameLst>
-                                      </p:cBhvr>
-                                      <p:to>
-                                        <p:strVal val="visible"/>
-                                      </p:to>
-                                    </p:set>
-                                  </p:childTnLst>
-                                </p:cTn>
-                              </p:par>
-                            </p:childTnLst>
-                          </p:cTn>
-                        </p:par>
-                      </p:childTnLst>
-                    </p:cTn>
-                  </p:par>
-                  <p:par>
-                    <p:cTn id="55" fill="hold">
-                      <p:stCondLst>
-                        <p:cond delay="indefinite"/>
-                      </p:stCondLst>
-                      <p:childTnLst>
-                        <p:par>
-                          <p:cTn id="56" fill="hold">
-                            <p:stCondLst>
-                              <p:cond delay="0"/>
-                            </p:stCondLst>
-                            <p:childTnLst>
-                              <p:par>
-                                <p:cTn id="57" presetID="1" presetClass="entr" presetSubtype="0" fill="hold" grpId="0" nodeType="clickEffect">
-                                  <p:stCondLst>
-                                    <p:cond delay="0"/>
-                                  </p:stCondLst>
-                                  <p:childTnLst>
-                                    <p:set>
-                                      <p:cBhvr>
-                                        <p:cTn id="58" dur="1" fill="hold">
-                                          <p:stCondLst>
-                                            <p:cond delay="0"/>
-                                          </p:stCondLst>
-                                        </p:cTn>
-                                        <p:tgtEl>
-                                          <p:spTgt spid="33"/>
                                         </p:tgtEl>
                                         <p:attrNameLst>
                                           <p:attrName>style.visibility</p:attrName>
@@ -37263,7 +38100,7 @@
             <a:pPr lvl="1"/>
             <a:r>
               <a:rPr lang="en-US" altLang="ko-KR" dirty="0"/>
-              <a:t>Thread vs  Event Loop </a:t>
+              <a:t>Thread vs  Reactor </a:t>
             </a:r>
             <a:r>
               <a:rPr lang="ko-KR" altLang="en-US" dirty="0"/>
